--- a/Project 4.pptx
+++ b/Project 4.pptx
@@ -5,7 +5,7 @@
     <p:sldMasterId id="2147483660" r:id="rId4"/>
   </p:sldMasterIdLst>
   <p:notesMasterIdLst>
-    <p:notesMasterId r:id="rId23"/>
+    <p:notesMasterId r:id="rId24"/>
   </p:notesMasterIdLst>
   <p:sldIdLst>
     <p:sldId id="259" r:id="rId5"/>
@@ -14,18 +14,19 @@
     <p:sldId id="294" r:id="rId8"/>
     <p:sldId id="314" r:id="rId9"/>
     <p:sldId id="296" r:id="rId10"/>
-    <p:sldId id="315" r:id="rId11"/>
-    <p:sldId id="311" r:id="rId12"/>
-    <p:sldId id="312" r:id="rId13"/>
-    <p:sldId id="313" r:id="rId14"/>
-    <p:sldId id="308" r:id="rId15"/>
-    <p:sldId id="309" r:id="rId16"/>
-    <p:sldId id="305" r:id="rId17"/>
-    <p:sldId id="310" r:id="rId18"/>
-    <p:sldId id="306" r:id="rId19"/>
-    <p:sldId id="307" r:id="rId20"/>
-    <p:sldId id="300" r:id="rId21"/>
-    <p:sldId id="301" r:id="rId22"/>
+    <p:sldId id="316" r:id="rId11"/>
+    <p:sldId id="315" r:id="rId12"/>
+    <p:sldId id="311" r:id="rId13"/>
+    <p:sldId id="312" r:id="rId14"/>
+    <p:sldId id="313" r:id="rId15"/>
+    <p:sldId id="308" r:id="rId16"/>
+    <p:sldId id="309" r:id="rId17"/>
+    <p:sldId id="305" r:id="rId18"/>
+    <p:sldId id="310" r:id="rId19"/>
+    <p:sldId id="306" r:id="rId20"/>
+    <p:sldId id="307" r:id="rId21"/>
+    <p:sldId id="300" r:id="rId22"/>
+    <p:sldId id="301" r:id="rId23"/>
   </p:sldIdLst>
   <p:sldSz cx="12192000" cy="6858000"/>
   <p:notesSz cx="6858000" cy="9144000"/>
@@ -130,6 +131,112 @@
     </p:ext>
   </p:extLst>
 </p:presentation>
+</file>
+
+<file path=ppt/changesInfos/changesInfo1.xml><?xml version="1.0" encoding="utf-8"?>
+<pc:chgInfo xmlns:a="http://schemas.openxmlformats.org/drawingml/2006/main" xmlns:r="http://schemas.openxmlformats.org/officeDocument/2006/relationships" xmlns:ac="http://schemas.microsoft.com/office/drawing/2013/main/command" xmlns:pc="http://schemas.microsoft.com/office/powerpoint/2013/main/command">
+  <pc:docChgLst>
+    <pc:chgData name="Alistair Nguyen" userId="67d54bbcc9833386" providerId="LiveId" clId="{9D09DAC8-C9E7-4C6D-A172-96572B00DACB}"/>
+    <pc:docChg chg="undo custSel addSld modSld">
+      <pc:chgData name="Alistair Nguyen" userId="67d54bbcc9833386" providerId="LiveId" clId="{9D09DAC8-C9E7-4C6D-A172-96572B00DACB}" dt="2023-01-24T03:19:38.533" v="420" actId="20577"/>
+      <pc:docMkLst>
+        <pc:docMk/>
+      </pc:docMkLst>
+      <pc:sldChg chg="modSp">
+        <pc:chgData name="Alistair Nguyen" userId="67d54bbcc9833386" providerId="LiveId" clId="{9D09DAC8-C9E7-4C6D-A172-96572B00DACB}" dt="2023-01-24T02:09:20.901" v="1"/>
+        <pc:sldMkLst>
+          <pc:docMk/>
+          <pc:sldMk cId="2694395794" sldId="296"/>
+        </pc:sldMkLst>
+        <pc:graphicFrameChg chg="mod">
+          <ac:chgData name="Alistair Nguyen" userId="67d54bbcc9833386" providerId="LiveId" clId="{9D09DAC8-C9E7-4C6D-A172-96572B00DACB}" dt="2023-01-24T02:09:20.901" v="1"/>
+          <ac:graphicFrameMkLst>
+            <pc:docMk/>
+            <pc:sldMk cId="2694395794" sldId="296"/>
+            <ac:graphicFrameMk id="39" creationId="{828FCC7C-9CA7-4A08-B1B6-91B39D2A90C7}"/>
+          </ac:graphicFrameMkLst>
+        </pc:graphicFrameChg>
+      </pc:sldChg>
+      <pc:sldChg chg="modSp mod">
+        <pc:chgData name="Alistair Nguyen" userId="67d54bbcc9833386" providerId="LiveId" clId="{9D09DAC8-C9E7-4C6D-A172-96572B00DACB}" dt="2023-01-24T02:58:51.202" v="137" actId="20577"/>
+        <pc:sldMkLst>
+          <pc:docMk/>
+          <pc:sldMk cId="4223038800" sldId="314"/>
+        </pc:sldMkLst>
+        <pc:spChg chg="mod">
+          <ac:chgData name="Alistair Nguyen" userId="67d54bbcc9833386" providerId="LiveId" clId="{9D09DAC8-C9E7-4C6D-A172-96572B00DACB}" dt="2023-01-24T02:42:25.713" v="111" actId="20577"/>
+          <ac:spMkLst>
+            <pc:docMk/>
+            <pc:sldMk cId="4223038800" sldId="314"/>
+            <ac:spMk id="4" creationId="{EA1C3B4B-27E0-48C6-BD24-1444DD46ED0A}"/>
+          </ac:spMkLst>
+        </pc:spChg>
+        <pc:spChg chg="mod">
+          <ac:chgData name="Alistair Nguyen" userId="67d54bbcc9833386" providerId="LiveId" clId="{9D09DAC8-C9E7-4C6D-A172-96572B00DACB}" dt="2023-01-24T02:55:38.292" v="113" actId="27636"/>
+          <ac:spMkLst>
+            <pc:docMk/>
+            <pc:sldMk cId="4223038800" sldId="314"/>
+            <ac:spMk id="5" creationId="{ECAC1A88-D97A-4F1E-9C4A-665733C70659}"/>
+          </ac:spMkLst>
+        </pc:spChg>
+        <pc:spChg chg="mod">
+          <ac:chgData name="Alistair Nguyen" userId="67d54bbcc9833386" providerId="LiveId" clId="{9D09DAC8-C9E7-4C6D-A172-96572B00DACB}" dt="2023-01-24T02:58:51.202" v="137" actId="20577"/>
+          <ac:spMkLst>
+            <pc:docMk/>
+            <pc:sldMk cId="4223038800" sldId="314"/>
+            <ac:spMk id="6" creationId="{DFB55301-A78F-4ECA-BBC5-6ADBA8452BD6}"/>
+          </ac:spMkLst>
+        </pc:spChg>
+      </pc:sldChg>
+      <pc:sldChg chg="modSp mod">
+        <pc:chgData name="Alistair Nguyen" userId="67d54bbcc9833386" providerId="LiveId" clId="{9D09DAC8-C9E7-4C6D-A172-96572B00DACB}" dt="2023-01-24T03:19:38.533" v="420" actId="20577"/>
+        <pc:sldMkLst>
+          <pc:docMk/>
+          <pc:sldMk cId="579630974" sldId="315"/>
+        </pc:sldMkLst>
+        <pc:spChg chg="mod">
+          <ac:chgData name="Alistair Nguyen" userId="67d54bbcc9833386" providerId="LiveId" clId="{9D09DAC8-C9E7-4C6D-A172-96572B00DACB}" dt="2023-01-24T03:19:38.533" v="420" actId="20577"/>
+          <ac:spMkLst>
+            <pc:docMk/>
+            <pc:sldMk cId="579630974" sldId="315"/>
+            <ac:spMk id="5" creationId="{77A2ABE5-0226-49ED-8CCF-C68A5DC8C37A}"/>
+          </ac:spMkLst>
+        </pc:spChg>
+        <pc:spChg chg="mod">
+          <ac:chgData name="Alistair Nguyen" userId="67d54bbcc9833386" providerId="LiveId" clId="{9D09DAC8-C9E7-4C6D-A172-96572B00DACB}" dt="2023-01-24T03:19:23.276" v="380" actId="20577"/>
+          <ac:spMkLst>
+            <pc:docMk/>
+            <pc:sldMk cId="579630974" sldId="315"/>
+            <ac:spMk id="6" creationId="{B05028CE-DA21-47EC-B483-3CE6A8E62CF1}"/>
+          </ac:spMkLst>
+        </pc:spChg>
+        <pc:picChg chg="mod">
+          <ac:chgData name="Alistair Nguyen" userId="67d54bbcc9833386" providerId="LiveId" clId="{9D09DAC8-C9E7-4C6D-A172-96572B00DACB}" dt="2023-01-24T03:17:11.853" v="139" actId="1076"/>
+          <ac:picMkLst>
+            <pc:docMk/>
+            <pc:sldMk cId="579630974" sldId="315"/>
+            <ac:picMk id="11" creationId="{CA0CEF31-8892-4929-9704-DE8E54938E79}"/>
+          </ac:picMkLst>
+        </pc:picChg>
+      </pc:sldChg>
+      <pc:sldChg chg="modSp add mod">
+        <pc:chgData name="Alistair Nguyen" userId="67d54bbcc9833386" providerId="LiveId" clId="{9D09DAC8-C9E7-4C6D-A172-96572B00DACB}" dt="2023-01-24T02:25:53.865" v="102" actId="20577"/>
+        <pc:sldMkLst>
+          <pc:docMk/>
+          <pc:sldMk cId="116697314" sldId="316"/>
+        </pc:sldMkLst>
+        <pc:graphicFrameChg chg="mod modGraphic">
+          <ac:chgData name="Alistair Nguyen" userId="67d54bbcc9833386" providerId="LiveId" clId="{9D09DAC8-C9E7-4C6D-A172-96572B00DACB}" dt="2023-01-24T02:25:53.865" v="102" actId="20577"/>
+          <ac:graphicFrameMkLst>
+            <pc:docMk/>
+            <pc:sldMk cId="116697314" sldId="316"/>
+            <ac:graphicFrameMk id="39" creationId="{828FCC7C-9CA7-4A08-B1B6-91B39D2A90C7}"/>
+          </ac:graphicFrameMkLst>
+        </pc:graphicFrameChg>
+      </pc:sldChg>
+    </pc:docChg>
+  </pc:docChgLst>
+</pc:chgInfo>
 </file>
 
 <file path=ppt/charts/chart1.xml><?xml version="1.0" encoding="utf-8"?>
@@ -6352,7 +6459,7 @@
           <a:p>
             <a:fld id="{F4403B5A-21DF-4BBB-8059-B6B192FC641E}" type="datetimeFigureOut">
               <a:rPr lang="en-US" smtClean="0"/>
-              <a:t>1/23/2023</a:t>
+              <a:t>1/24/2023</a:t>
             </a:fld>
             <a:endParaRPr lang="en-US" dirty="0"/>
           </a:p>
@@ -16758,7 +16865,7 @@
     </p:spTree>
     <p:extLst>
       <p:ext uri="{BB962C8B-B14F-4D97-AF65-F5344CB8AC3E}">
-        <p14:creationId xmlns:p14="http://schemas.microsoft.com/office/powerpoint/2010/main" val="3888286582"/>
+        <p14:creationId xmlns:p14="http://schemas.microsoft.com/office/powerpoint/2010/main" val="2513950244"/>
       </p:ext>
     </p:extLst>
   </p:cSld>
@@ -16787,211 +16894,145 @@
       </p:grpSpPr>
       <p:sp>
         <p:nvSpPr>
-          <p:cNvPr id="5" name="Title 4">
-            <a:extLst>
-              <a:ext uri="{FF2B5EF4-FFF2-40B4-BE49-F238E27FC236}">
-                <a16:creationId xmlns:a16="http://schemas.microsoft.com/office/drawing/2014/main" id="{0979F08F-6890-4E7D-8F3F-47657269E4DC}"/>
-              </a:ext>
-            </a:extLst>
-          </p:cNvPr>
-          <p:cNvSpPr>
-            <a:spLocks noGrp="1"/>
-          </p:cNvSpPr>
-          <p:nvPr>
-            <p:ph type="ctrTitle"/>
-          </p:nvPr>
-        </p:nvSpPr>
-        <p:spPr>
-          <a:xfrm>
-            <a:off x="5083790" y="1064715"/>
-            <a:ext cx="6153912" cy="3922755"/>
-          </a:xfrm>
-        </p:spPr>
+          <p:cNvPr id="2" name="Title 1">
+            <a:extLst>
+              <a:ext uri="{FF2B5EF4-FFF2-40B4-BE49-F238E27FC236}">
+                <a16:creationId xmlns:a16="http://schemas.microsoft.com/office/drawing/2014/main" id="{47AC2224-2F96-4924-9848-CF43900BAD07}"/>
+              </a:ext>
+            </a:extLst>
+          </p:cNvPr>
+          <p:cNvSpPr>
+            <a:spLocks noGrp="1"/>
+          </p:cNvSpPr>
+          <p:nvPr>
+            <p:ph type="title"/>
+          </p:nvPr>
+        </p:nvSpPr>
+        <p:spPr/>
         <p:txBody>
           <a:bodyPr/>
           <a:lstStyle/>
           <a:p>
-            <a:r>
-              <a:rPr lang="en-US" dirty="0"/>
-              <a:t>The way  to get started is to quit </a:t>
-            </a:r>
-            <a:br>
-              <a:rPr lang="en-US" dirty="0"/>
-            </a:br>
-            <a:r>
-              <a:rPr lang="en-US" dirty="0"/>
-              <a:t>talking and begin doing.</a:t>
-            </a:r>
-          </a:p>
-        </p:txBody>
-      </p:sp>
-      <p:sp>
-        <p:nvSpPr>
-          <p:cNvPr id="6" name="Subtitle 5">
-            <a:extLst>
-              <a:ext uri="{FF2B5EF4-FFF2-40B4-BE49-F238E27FC236}">
-                <a16:creationId xmlns:a16="http://schemas.microsoft.com/office/drawing/2014/main" id="{BD4CE57B-A125-4D72-839E-A7A6A044FC38}"/>
-              </a:ext>
-            </a:extLst>
-          </p:cNvPr>
-          <p:cNvSpPr>
-            <a:spLocks noGrp="1"/>
-          </p:cNvSpPr>
-          <p:nvPr>
-            <p:ph type="subTitle" idx="1"/>
-          </p:nvPr>
-        </p:nvSpPr>
-        <p:spPr>
-          <a:xfrm>
-            <a:off x="5083790" y="5033339"/>
-            <a:ext cx="6157951" cy="943386"/>
-          </a:xfrm>
-        </p:spPr>
+            <a:endParaRPr lang="en-AU"/>
+          </a:p>
+        </p:txBody>
+      </p:sp>
+      <p:sp>
+        <p:nvSpPr>
+          <p:cNvPr id="3" name="Content Placeholder 2">
+            <a:extLst>
+              <a:ext uri="{FF2B5EF4-FFF2-40B4-BE49-F238E27FC236}">
+                <a16:creationId xmlns:a16="http://schemas.microsoft.com/office/drawing/2014/main" id="{635AA165-B462-46C4-B0DE-01BB265B9F75}"/>
+              </a:ext>
+            </a:extLst>
+          </p:cNvPr>
+          <p:cNvSpPr>
+            <a:spLocks noGrp="1"/>
+          </p:cNvSpPr>
+          <p:nvPr>
+            <p:ph idx="1"/>
+          </p:nvPr>
+        </p:nvSpPr>
+        <p:spPr/>
         <p:txBody>
           <a:bodyPr/>
           <a:lstStyle/>
           <a:p>
-            <a:r>
-              <a:rPr lang="en-US" dirty="0"/>
-              <a:t>Walt Disney</a:t>
-            </a:r>
-          </a:p>
-        </p:txBody>
-      </p:sp>
-      <p:pic>
-        <p:nvPicPr>
-          <p:cNvPr id="9" name="Picture Placeholder 8" descr="A picture containing blue glass buildings with reflection">
-            <a:extLst>
-              <a:ext uri="{FF2B5EF4-FFF2-40B4-BE49-F238E27FC236}">
-                <a16:creationId xmlns:a16="http://schemas.microsoft.com/office/drawing/2014/main" id="{EB5E1FEF-1282-4779-83BA-2F3F6D476B6F}"/>
-              </a:ext>
-            </a:extLst>
-          </p:cNvPr>
-          <p:cNvPicPr>
-            <a:picLocks noGrp="1" noChangeAspect="1"/>
-          </p:cNvPicPr>
-          <p:nvPr>
-            <p:ph type="pic" sz="quarter" idx="13"/>
-          </p:nvPr>
-        </p:nvPicPr>
-        <p:blipFill rotWithShape="1">
-          <a:blip r:embed="rId2" cstate="screen">
-            <a:extLst>
-              <a:ext uri="{28A0092B-C50C-407E-A947-70E740481C1C}">
-                <a14:useLocalDpi xmlns:a14="http://schemas.microsoft.com/office/drawing/2010/main"/>
-              </a:ext>
-            </a:extLst>
-          </a:blip>
-          <a:srcRect/>
-          <a:stretch/>
-        </p:blipFill>
-        <p:spPr>
-          <a:xfrm>
-            <a:off x="16822" y="0"/>
-            <a:ext cx="4811317" cy="6857998"/>
-          </a:xfrm>
-        </p:spPr>
-      </p:pic>
-      <p:sp>
-        <p:nvSpPr>
-          <p:cNvPr id="2" name="Date Placeholder 1">
-            <a:extLst>
-              <a:ext uri="{FF2B5EF4-FFF2-40B4-BE49-F238E27FC236}">
-                <a16:creationId xmlns:a16="http://schemas.microsoft.com/office/drawing/2014/main" id="{D81ADD0E-60C9-4DBB-AFBA-7492513A4C8F}"/>
-              </a:ext>
-            </a:extLst>
-          </p:cNvPr>
-          <p:cNvSpPr>
-            <a:spLocks noGrp="1"/>
-          </p:cNvSpPr>
-          <p:nvPr>
-            <p:ph type="dt" sz="half" idx="10"/>
-          </p:nvPr>
-        </p:nvSpPr>
-        <p:spPr>
-          <a:xfrm>
-            <a:off x="7337102" y="6398878"/>
-            <a:ext cx="4193908" cy="365125"/>
-          </a:xfrm>
-        </p:spPr>
+            <a:endParaRPr lang="en-AU"/>
+          </a:p>
+        </p:txBody>
+      </p:sp>
+      <p:sp>
+        <p:nvSpPr>
+          <p:cNvPr id="4" name="Footer Placeholder 3">
+            <a:extLst>
+              <a:ext uri="{FF2B5EF4-FFF2-40B4-BE49-F238E27FC236}">
+                <a16:creationId xmlns:a16="http://schemas.microsoft.com/office/drawing/2014/main" id="{0E7D0A54-16F2-4F80-95B2-ED5470A11AAC}"/>
+              </a:ext>
+            </a:extLst>
+          </p:cNvPr>
+          <p:cNvSpPr>
+            <a:spLocks noGrp="1"/>
+          </p:cNvSpPr>
+          <p:nvPr>
+            <p:ph type="ftr" sz="quarter" idx="11"/>
+          </p:nvPr>
+        </p:nvSpPr>
+        <p:spPr/>
         <p:txBody>
           <a:bodyPr/>
           <a:lstStyle/>
           <a:p>
             <a:r>
-              <a:rPr lang="en-US" dirty="0"/>
-              <a:t>2/7/20XX</a:t>
-            </a:r>
-          </a:p>
-        </p:txBody>
-      </p:sp>
-      <p:sp>
-        <p:nvSpPr>
-          <p:cNvPr id="4" name="Slide Number Placeholder 3">
-            <a:extLst>
-              <a:ext uri="{FF2B5EF4-FFF2-40B4-BE49-F238E27FC236}">
-                <a16:creationId xmlns:a16="http://schemas.microsoft.com/office/drawing/2014/main" id="{05F8C04B-250D-4AE1-9F65-682FB4830BAF}"/>
-              </a:ext>
-            </a:extLst>
-          </p:cNvPr>
-          <p:cNvSpPr>
-            <a:spLocks noGrp="1"/>
-          </p:cNvSpPr>
-          <p:nvPr>
-            <p:ph type="sldNum" sz="quarter" idx="12"/>
-          </p:nvPr>
-        </p:nvSpPr>
-        <p:spPr>
-          <a:xfrm>
-            <a:off x="11602477" y="6398878"/>
-            <a:ext cx="470887" cy="365125"/>
-          </a:xfrm>
-        </p:spPr>
+              <a:rPr lang="en-US"/>
+              <a:t>Sample Footer Text</a:t>
+            </a:r>
+            <a:endParaRPr lang="en-US" dirty="0"/>
+          </a:p>
+        </p:txBody>
+      </p:sp>
+      <p:sp>
+        <p:nvSpPr>
+          <p:cNvPr id="5" name="Date Placeholder 4">
+            <a:extLst>
+              <a:ext uri="{FF2B5EF4-FFF2-40B4-BE49-F238E27FC236}">
+                <a16:creationId xmlns:a16="http://schemas.microsoft.com/office/drawing/2014/main" id="{430F07EB-3937-4947-BA6F-FE368D92CD18}"/>
+              </a:ext>
+            </a:extLst>
+          </p:cNvPr>
+          <p:cNvSpPr>
+            <a:spLocks noGrp="1"/>
+          </p:cNvSpPr>
+          <p:nvPr>
+            <p:ph type="dt" sz="half" idx="10"/>
+          </p:nvPr>
+        </p:nvSpPr>
+        <p:spPr/>
         <p:txBody>
           <a:bodyPr/>
           <a:lstStyle/>
           <a:p>
+            <a:r>
+              <a:rPr lang="en-US"/>
+              <a:t>2/7/20XX</a:t>
+            </a:r>
+            <a:endParaRPr lang="en-US" dirty="0"/>
+          </a:p>
+        </p:txBody>
+      </p:sp>
+      <p:sp>
+        <p:nvSpPr>
+          <p:cNvPr id="6" name="Slide Number Placeholder 5">
+            <a:extLst>
+              <a:ext uri="{FF2B5EF4-FFF2-40B4-BE49-F238E27FC236}">
+                <a16:creationId xmlns:a16="http://schemas.microsoft.com/office/drawing/2014/main" id="{84F3C94E-B3F7-41A3-8CD6-B0693932F47E}"/>
+              </a:ext>
+            </a:extLst>
+          </p:cNvPr>
+          <p:cNvSpPr>
+            <a:spLocks noGrp="1"/>
+          </p:cNvSpPr>
+          <p:nvPr>
+            <p:ph type="sldNum" sz="quarter" idx="12"/>
+          </p:nvPr>
+        </p:nvSpPr>
+        <p:spPr/>
+        <p:txBody>
+          <a:bodyPr/>
+          <a:lstStyle/>
+          <a:p>
             <a:fld id="{312CC964-A50B-4C29-B4E4-2C30BB34CCF3}" type="slidenum">
               <a:rPr lang="en-US" smtClean="0"/>
-              <a:pPr/>
               <a:t>11</a:t>
             </a:fld>
             <a:endParaRPr lang="en-US" dirty="0"/>
           </a:p>
         </p:txBody>
       </p:sp>
-      <p:sp>
-        <p:nvSpPr>
-          <p:cNvPr id="3" name="Footer Placeholder 2">
-            <a:extLst>
-              <a:ext uri="{FF2B5EF4-FFF2-40B4-BE49-F238E27FC236}">
-                <a16:creationId xmlns:a16="http://schemas.microsoft.com/office/drawing/2014/main" id="{9E3B0AEB-C993-4B3B-B038-0B905739807E}"/>
-              </a:ext>
-            </a:extLst>
-          </p:cNvPr>
-          <p:cNvSpPr>
-            <a:spLocks noGrp="1"/>
-          </p:cNvSpPr>
-          <p:nvPr>
-            <p:ph type="ftr" sz="quarter" idx="11"/>
-          </p:nvPr>
-        </p:nvSpPr>
-        <p:spPr/>
-        <p:txBody>
-          <a:bodyPr/>
-          <a:lstStyle/>
-          <a:p>
-            <a:r>
-              <a:rPr lang="en-US" dirty="0"/>
-              <a:t>Sample Footer Text</a:t>
-            </a:r>
-          </a:p>
-        </p:txBody>
-      </p:sp>
     </p:spTree>
     <p:extLst>
       <p:ext uri="{BB962C8B-B14F-4D97-AF65-F5344CB8AC3E}">
-        <p14:creationId xmlns:p14="http://schemas.microsoft.com/office/powerpoint/2010/main" val="718815033"/>
+        <p14:creationId xmlns:p14="http://schemas.microsoft.com/office/powerpoint/2010/main" val="3888286582"/>
       </p:ext>
     </p:extLst>
   </p:cSld>
@@ -17020,24 +17061,24 @@
       </p:grpSpPr>
       <p:sp>
         <p:nvSpPr>
-          <p:cNvPr id="3" name="Title 2">
-            <a:extLst>
-              <a:ext uri="{FF2B5EF4-FFF2-40B4-BE49-F238E27FC236}">
-                <a16:creationId xmlns:a16="http://schemas.microsoft.com/office/drawing/2014/main" id="{D3B7DCE3-A62E-497E-8A96-DF8D1A4904FD}"/>
-              </a:ext>
-            </a:extLst>
-          </p:cNvPr>
-          <p:cNvSpPr>
-            <a:spLocks noGrp="1"/>
-          </p:cNvSpPr>
-          <p:nvPr>
-            <p:ph type="title"/>
+          <p:cNvPr id="5" name="Title 4">
+            <a:extLst>
+              <a:ext uri="{FF2B5EF4-FFF2-40B4-BE49-F238E27FC236}">
+                <a16:creationId xmlns:a16="http://schemas.microsoft.com/office/drawing/2014/main" id="{0979F08F-6890-4E7D-8F3F-47657269E4DC}"/>
+              </a:ext>
+            </a:extLst>
+          </p:cNvPr>
+          <p:cNvSpPr>
+            <a:spLocks noGrp="1"/>
+          </p:cNvSpPr>
+          <p:nvPr>
+            <p:ph type="ctrTitle"/>
           </p:nvPr>
         </p:nvSpPr>
         <p:spPr>
           <a:xfrm>
-            <a:off x="1143000" y="533401"/>
-            <a:ext cx="9906000" cy="1382156"/>
+            <a:off x="5083790" y="1064715"/>
+            <a:ext cx="6153912" cy="3922755"/>
           </a:xfrm>
         </p:spPr>
         <p:txBody>
@@ -17046,62 +17087,38 @@
           <a:p>
             <a:r>
               <a:rPr lang="en-US" dirty="0"/>
-              <a:t>CHART</a:t>
-            </a:r>
-          </a:p>
-        </p:txBody>
-      </p:sp>
-      <p:graphicFrame>
-        <p:nvGraphicFramePr>
-          <p:cNvPr id="9" name="Content Placeholder 5" descr="Bar Chart Placeholder">
-            <a:extLst>
-              <a:ext uri="{FF2B5EF4-FFF2-40B4-BE49-F238E27FC236}">
-                <a16:creationId xmlns:a16="http://schemas.microsoft.com/office/drawing/2014/main" id="{29099B41-765C-4584-A6CA-8AC4F02907FC}"/>
-              </a:ext>
-            </a:extLst>
-          </p:cNvPr>
-          <p:cNvGraphicFramePr>
-            <a:graphicFrameLocks noGrp="1"/>
-          </p:cNvGraphicFramePr>
-          <p:nvPr>
-            <p:ph idx="1"/>
-            <p:extLst>
-              <p:ext uri="{D42A27DB-BD31-4B8C-83A1-F6EECF244321}">
-                <p14:modId xmlns:p14="http://schemas.microsoft.com/office/powerpoint/2010/main" val="1259417029"/>
-              </p:ext>
-            </p:extLst>
-          </p:nvPr>
-        </p:nvGraphicFramePr>
-        <p:xfrm>
-          <a:off x="1143000" y="2009775"/>
-          <a:ext cx="9906000" cy="4024313"/>
-        </p:xfrm>
-        <a:graphic>
-          <a:graphicData uri="http://schemas.openxmlformats.org/drawingml/2006/chart">
-            <c:chart xmlns:c="http://schemas.openxmlformats.org/drawingml/2006/chart" xmlns:r="http://schemas.openxmlformats.org/officeDocument/2006/relationships" r:id="rId2"/>
-          </a:graphicData>
-        </a:graphic>
-      </p:graphicFrame>
-      <p:sp>
-        <p:nvSpPr>
-          <p:cNvPr id="4" name="Footer Placeholder 3">
-            <a:extLst>
-              <a:ext uri="{FF2B5EF4-FFF2-40B4-BE49-F238E27FC236}">
-                <a16:creationId xmlns:a16="http://schemas.microsoft.com/office/drawing/2014/main" id="{B9FB3C1C-0A06-4533-8DA4-50514E5F9E9D}"/>
-              </a:ext>
-            </a:extLst>
-          </p:cNvPr>
-          <p:cNvSpPr>
-            <a:spLocks noGrp="1"/>
-          </p:cNvSpPr>
-          <p:nvPr>
-            <p:ph type="ftr" sz="quarter" idx="11"/>
+              <a:t>The way  to get started is to quit </a:t>
+            </a:r>
+            <a:br>
+              <a:rPr lang="en-US" dirty="0"/>
+            </a:br>
+            <a:r>
+              <a:rPr lang="en-US" dirty="0"/>
+              <a:t>talking and begin doing.</a:t>
+            </a:r>
+          </a:p>
+        </p:txBody>
+      </p:sp>
+      <p:sp>
+        <p:nvSpPr>
+          <p:cNvPr id="6" name="Subtitle 5">
+            <a:extLst>
+              <a:ext uri="{FF2B5EF4-FFF2-40B4-BE49-F238E27FC236}">
+                <a16:creationId xmlns:a16="http://schemas.microsoft.com/office/drawing/2014/main" id="{BD4CE57B-A125-4D72-839E-A7A6A044FC38}"/>
+              </a:ext>
+            </a:extLst>
+          </p:cNvPr>
+          <p:cNvSpPr>
+            <a:spLocks noGrp="1"/>
+          </p:cNvSpPr>
+          <p:nvPr>
+            <p:ph type="subTitle" idx="1"/>
           </p:nvPr>
         </p:nvSpPr>
         <p:spPr>
           <a:xfrm>
-            <a:off x="154429" y="6398878"/>
-            <a:ext cx="4497315" cy="365125"/>
+            <a:off x="5083790" y="5033339"/>
+            <a:ext cx="6157951" cy="943386"/>
           </a:xfrm>
         </p:spPr>
         <p:txBody>
@@ -17110,17 +17127,51 @@
           <a:p>
             <a:r>
               <a:rPr lang="en-US" dirty="0"/>
-              <a:t>Sample Footer Text</a:t>
-            </a:r>
-          </a:p>
-        </p:txBody>
-      </p:sp>
-      <p:sp>
-        <p:nvSpPr>
-          <p:cNvPr id="5" name="Date Placeholder 4">
-            <a:extLst>
-              <a:ext uri="{FF2B5EF4-FFF2-40B4-BE49-F238E27FC236}">
-                <a16:creationId xmlns:a16="http://schemas.microsoft.com/office/drawing/2014/main" id="{581A4C2F-12B6-403A-AAD2-73AC2A19E01E}"/>
+              <a:t>Walt Disney</a:t>
+            </a:r>
+          </a:p>
+        </p:txBody>
+      </p:sp>
+      <p:pic>
+        <p:nvPicPr>
+          <p:cNvPr id="9" name="Picture Placeholder 8" descr="A picture containing blue glass buildings with reflection">
+            <a:extLst>
+              <a:ext uri="{FF2B5EF4-FFF2-40B4-BE49-F238E27FC236}">
+                <a16:creationId xmlns:a16="http://schemas.microsoft.com/office/drawing/2014/main" id="{EB5E1FEF-1282-4779-83BA-2F3F6D476B6F}"/>
+              </a:ext>
+            </a:extLst>
+          </p:cNvPr>
+          <p:cNvPicPr>
+            <a:picLocks noGrp="1" noChangeAspect="1"/>
+          </p:cNvPicPr>
+          <p:nvPr>
+            <p:ph type="pic" sz="quarter" idx="13"/>
+          </p:nvPr>
+        </p:nvPicPr>
+        <p:blipFill rotWithShape="1">
+          <a:blip r:embed="rId2" cstate="screen">
+            <a:extLst>
+              <a:ext uri="{28A0092B-C50C-407E-A947-70E740481C1C}">
+                <a14:useLocalDpi xmlns:a14="http://schemas.microsoft.com/office/drawing/2010/main"/>
+              </a:ext>
+            </a:extLst>
+          </a:blip>
+          <a:srcRect/>
+          <a:stretch/>
+        </p:blipFill>
+        <p:spPr>
+          <a:xfrm>
+            <a:off x="16822" y="0"/>
+            <a:ext cx="4811317" cy="6857998"/>
+          </a:xfrm>
+        </p:spPr>
+      </p:pic>
+      <p:sp>
+        <p:nvSpPr>
+          <p:cNvPr id="2" name="Date Placeholder 1">
+            <a:extLst>
+              <a:ext uri="{FF2B5EF4-FFF2-40B4-BE49-F238E27FC236}">
+                <a16:creationId xmlns:a16="http://schemas.microsoft.com/office/drawing/2014/main" id="{D81ADD0E-60C9-4DBB-AFBA-7492513A4C8F}"/>
               </a:ext>
             </a:extLst>
           </p:cNvPr>
@@ -17150,10 +17201,10 @@
       </p:sp>
       <p:sp>
         <p:nvSpPr>
-          <p:cNvPr id="6" name="Slide Number Placeholder 5">
-            <a:extLst>
-              <a:ext uri="{FF2B5EF4-FFF2-40B4-BE49-F238E27FC236}">
-                <a16:creationId xmlns:a16="http://schemas.microsoft.com/office/drawing/2014/main" id="{F1D8EAF4-7E41-4FEA-B534-06CE08821DB2}"/>
+          <p:cNvPr id="4" name="Slide Number Placeholder 3">
+            <a:extLst>
+              <a:ext uri="{FF2B5EF4-FFF2-40B4-BE49-F238E27FC236}">
+                <a16:creationId xmlns:a16="http://schemas.microsoft.com/office/drawing/2014/main" id="{05F8C04B-250D-4AE1-9F65-682FB4830BAF}"/>
               </a:ext>
             </a:extLst>
           </p:cNvPr>
@@ -17183,10 +17234,38 @@
           </a:p>
         </p:txBody>
       </p:sp>
+      <p:sp>
+        <p:nvSpPr>
+          <p:cNvPr id="3" name="Footer Placeholder 2">
+            <a:extLst>
+              <a:ext uri="{FF2B5EF4-FFF2-40B4-BE49-F238E27FC236}">
+                <a16:creationId xmlns:a16="http://schemas.microsoft.com/office/drawing/2014/main" id="{9E3B0AEB-C993-4B3B-B038-0B905739807E}"/>
+              </a:ext>
+            </a:extLst>
+          </p:cNvPr>
+          <p:cNvSpPr>
+            <a:spLocks noGrp="1"/>
+          </p:cNvSpPr>
+          <p:nvPr>
+            <p:ph type="ftr" sz="quarter" idx="11"/>
+          </p:nvPr>
+        </p:nvSpPr>
+        <p:spPr/>
+        <p:txBody>
+          <a:bodyPr/>
+          <a:lstStyle/>
+          <a:p>
+            <a:r>
+              <a:rPr lang="en-US" dirty="0"/>
+              <a:t>Sample Footer Text</a:t>
+            </a:r>
+          </a:p>
+        </p:txBody>
+      </p:sp>
     </p:spTree>
     <p:extLst>
       <p:ext uri="{BB962C8B-B14F-4D97-AF65-F5344CB8AC3E}">
-        <p14:creationId xmlns:p14="http://schemas.microsoft.com/office/powerpoint/2010/main" val="3382633633"/>
+        <p14:creationId xmlns:p14="http://schemas.microsoft.com/office/powerpoint/2010/main" val="718815033"/>
       </p:ext>
     </p:extLst>
   </p:cSld>
@@ -17215,10 +17294,10 @@
       </p:grpSpPr>
       <p:sp>
         <p:nvSpPr>
-          <p:cNvPr id="11" name="Title 10">
-            <a:extLst>
-              <a:ext uri="{FF2B5EF4-FFF2-40B4-BE49-F238E27FC236}">
-                <a16:creationId xmlns:a16="http://schemas.microsoft.com/office/drawing/2014/main" id="{B5FF8487-12CC-455B-BB28-092AAA3E43A4}"/>
+          <p:cNvPr id="3" name="Title 2">
+            <a:extLst>
+              <a:ext uri="{FF2B5EF4-FFF2-40B4-BE49-F238E27FC236}">
+                <a16:creationId xmlns:a16="http://schemas.microsoft.com/office/drawing/2014/main" id="{D3B7DCE3-A62E-497E-8A96-DF8D1A4904FD}"/>
               </a:ext>
             </a:extLst>
           </p:cNvPr>
@@ -17241,417 +17320,48 @@
           <a:p>
             <a:r>
               <a:rPr lang="en-US" dirty="0"/>
-              <a:t>team</a:t>
-            </a:r>
-          </a:p>
-        </p:txBody>
-      </p:sp>
-      <p:pic>
-        <p:nvPicPr>
-          <p:cNvPr id="25" name="Picture Placeholder 24" descr="A person smiling for the camera at the office">
-            <a:extLst>
-              <a:ext uri="{FF2B5EF4-FFF2-40B4-BE49-F238E27FC236}">
-                <a16:creationId xmlns:a16="http://schemas.microsoft.com/office/drawing/2014/main" id="{192E2443-3386-4F13-B458-B0DF7511A5FD}"/>
-              </a:ext>
-            </a:extLst>
-          </p:cNvPr>
-          <p:cNvPicPr>
-            <a:picLocks noGrp="1" noChangeAspect="1"/>
-          </p:cNvPicPr>
-          <p:nvPr>
-            <p:ph type="pic" sz="quarter" idx="20"/>
-          </p:nvPr>
-        </p:nvPicPr>
-        <p:blipFill rotWithShape="1">
-          <a:blip r:embed="rId2" cstate="screen">
-            <a:extLst>
-              <a:ext uri="{28A0092B-C50C-407E-A947-70E740481C1C}">
-                <a14:useLocalDpi xmlns:a14="http://schemas.microsoft.com/office/drawing/2010/main"/>
-              </a:ext>
-            </a:extLst>
-          </a:blip>
-          <a:srcRect/>
-          <a:stretch/>
-        </p:blipFill>
-        <p:spPr>
-          <a:xfrm>
-            <a:off x="1143000" y="2350008"/>
-            <a:ext cx="1965960" cy="1801368"/>
-          </a:xfrm>
-        </p:spPr>
-      </p:pic>
-      <p:sp>
-        <p:nvSpPr>
-          <p:cNvPr id="12" name="Text Placeholder 11">
-            <a:extLst>
-              <a:ext uri="{FF2B5EF4-FFF2-40B4-BE49-F238E27FC236}">
-                <a16:creationId xmlns:a16="http://schemas.microsoft.com/office/drawing/2014/main" id="{9CC19BCA-4923-4952-996B-EDA82BCF117C}"/>
-              </a:ext>
-            </a:extLst>
-          </p:cNvPr>
-          <p:cNvSpPr>
-            <a:spLocks noGrp="1"/>
-          </p:cNvSpPr>
-          <p:nvPr>
-            <p:ph type="body" idx="1"/>
-          </p:nvPr>
-        </p:nvSpPr>
-        <p:spPr>
-          <a:xfrm>
-            <a:off x="1145421" y="4319521"/>
-            <a:ext cx="1963236" cy="365760"/>
-          </a:xfrm>
-        </p:spPr>
-        <p:txBody>
-          <a:bodyPr/>
-          <a:lstStyle/>
-          <a:p>
-            <a:r>
-              <a:rPr lang="en-US" dirty="0"/>
-              <a:t>Name</a:t>
-            </a:r>
-          </a:p>
-        </p:txBody>
-      </p:sp>
-      <p:sp>
-        <p:nvSpPr>
-          <p:cNvPr id="13" name="Text Placeholder 12">
-            <a:extLst>
-              <a:ext uri="{FF2B5EF4-FFF2-40B4-BE49-F238E27FC236}">
-                <a16:creationId xmlns:a16="http://schemas.microsoft.com/office/drawing/2014/main" id="{CF48DD50-F55B-417A-A09A-9FF61091CD37}"/>
-              </a:ext>
-            </a:extLst>
-          </p:cNvPr>
-          <p:cNvSpPr>
-            <a:spLocks noGrp="1"/>
-          </p:cNvSpPr>
-          <p:nvPr>
-            <p:ph type="body" idx="13"/>
-          </p:nvPr>
-        </p:nvSpPr>
-        <p:spPr>
-          <a:xfrm>
-            <a:off x="1143000" y="4761768"/>
-            <a:ext cx="1963236" cy="741904"/>
-          </a:xfrm>
-        </p:spPr>
-        <p:txBody>
-          <a:bodyPr/>
-          <a:lstStyle/>
-          <a:p>
-            <a:r>
-              <a:rPr lang="en-US" dirty="0"/>
-              <a:t>Title</a:t>
-            </a:r>
-          </a:p>
-        </p:txBody>
-      </p:sp>
-      <p:pic>
-        <p:nvPicPr>
-          <p:cNvPr id="27" name="Picture Placeholder 26" descr="A person smiling for the camera at the office">
-            <a:extLst>
-              <a:ext uri="{FF2B5EF4-FFF2-40B4-BE49-F238E27FC236}">
-                <a16:creationId xmlns:a16="http://schemas.microsoft.com/office/drawing/2014/main" id="{2E18694F-192C-45F7-A79D-A6644797BCE7}"/>
-              </a:ext>
-            </a:extLst>
-          </p:cNvPr>
-          <p:cNvPicPr>
-            <a:picLocks noGrp="1" noChangeAspect="1"/>
-          </p:cNvPicPr>
-          <p:nvPr>
-            <p:ph type="pic" sz="quarter" idx="21"/>
-          </p:nvPr>
-        </p:nvPicPr>
-        <p:blipFill rotWithShape="1">
-          <a:blip r:embed="rId3" cstate="screen">
-            <a:extLst>
-              <a:ext uri="{28A0092B-C50C-407E-A947-70E740481C1C}">
-                <a14:useLocalDpi xmlns:a14="http://schemas.microsoft.com/office/drawing/2010/main"/>
-              </a:ext>
-            </a:extLst>
-          </a:blip>
-          <a:srcRect/>
-          <a:stretch/>
-        </p:blipFill>
-        <p:spPr>
-          <a:xfrm>
-            <a:off x="3784636" y="2350008"/>
-            <a:ext cx="1965960" cy="1801368"/>
-          </a:xfrm>
-        </p:spPr>
-      </p:pic>
-      <p:sp>
-        <p:nvSpPr>
-          <p:cNvPr id="14" name="Text Placeholder 13">
-            <a:extLst>
-              <a:ext uri="{FF2B5EF4-FFF2-40B4-BE49-F238E27FC236}">
-                <a16:creationId xmlns:a16="http://schemas.microsoft.com/office/drawing/2014/main" id="{F7A0AB77-FE60-4102-A808-335BC24E9950}"/>
-              </a:ext>
-            </a:extLst>
-          </p:cNvPr>
-          <p:cNvSpPr>
-            <a:spLocks noGrp="1"/>
-          </p:cNvSpPr>
-          <p:nvPr>
-            <p:ph type="body" idx="14"/>
-          </p:nvPr>
-        </p:nvSpPr>
-        <p:spPr>
-          <a:xfrm>
-            <a:off x="3789781" y="4319520"/>
-            <a:ext cx="1963236" cy="365760"/>
-          </a:xfrm>
-        </p:spPr>
-        <p:txBody>
-          <a:bodyPr/>
-          <a:lstStyle/>
-          <a:p>
-            <a:r>
-              <a:rPr lang="en-US" dirty="0"/>
-              <a:t>Name</a:t>
-            </a:r>
-          </a:p>
-        </p:txBody>
-      </p:sp>
-      <p:sp>
-        <p:nvSpPr>
-          <p:cNvPr id="15" name="Text Placeholder 14">
-            <a:extLst>
-              <a:ext uri="{FF2B5EF4-FFF2-40B4-BE49-F238E27FC236}">
-                <a16:creationId xmlns:a16="http://schemas.microsoft.com/office/drawing/2014/main" id="{55900307-389C-4833-9F6D-23CF84A7E974}"/>
-              </a:ext>
-            </a:extLst>
-          </p:cNvPr>
-          <p:cNvSpPr>
-            <a:spLocks noGrp="1"/>
-          </p:cNvSpPr>
-          <p:nvPr>
-            <p:ph type="body" idx="15"/>
-          </p:nvPr>
-        </p:nvSpPr>
-        <p:spPr>
-          <a:xfrm>
-            <a:off x="3787360" y="4761767"/>
-            <a:ext cx="1963236" cy="741904"/>
-          </a:xfrm>
-        </p:spPr>
-        <p:txBody>
-          <a:bodyPr/>
-          <a:lstStyle/>
-          <a:p>
-            <a:r>
-              <a:rPr lang="en-US" dirty="0"/>
-              <a:t>Title</a:t>
-            </a:r>
-          </a:p>
-        </p:txBody>
-      </p:sp>
-      <p:pic>
-        <p:nvPicPr>
-          <p:cNvPr id="29" name="Picture Placeholder 28" descr="A person smiling for the camera at the office">
-            <a:extLst>
-              <a:ext uri="{FF2B5EF4-FFF2-40B4-BE49-F238E27FC236}">
-                <a16:creationId xmlns:a16="http://schemas.microsoft.com/office/drawing/2014/main" id="{AD3CA8A0-C478-4601-B591-250B0F58C3EA}"/>
-              </a:ext>
-            </a:extLst>
-          </p:cNvPr>
-          <p:cNvPicPr>
-            <a:picLocks noGrp="1" noChangeAspect="1"/>
-          </p:cNvPicPr>
-          <p:nvPr>
-            <p:ph type="pic" sz="quarter" idx="22"/>
-          </p:nvPr>
-        </p:nvPicPr>
-        <p:blipFill rotWithShape="1">
-          <a:blip r:embed="rId4" cstate="screen">
-            <a:extLst>
-              <a:ext uri="{28A0092B-C50C-407E-A947-70E740481C1C}">
-                <a14:useLocalDpi xmlns:a14="http://schemas.microsoft.com/office/drawing/2010/main"/>
-              </a:ext>
-            </a:extLst>
-          </a:blip>
-          <a:srcRect/>
-          <a:stretch/>
-        </p:blipFill>
-        <p:spPr>
-          <a:xfrm>
-            <a:off x="6437376" y="2350008"/>
-            <a:ext cx="1965960" cy="1801368"/>
-          </a:xfrm>
-        </p:spPr>
-      </p:pic>
-      <p:sp>
-        <p:nvSpPr>
-          <p:cNvPr id="16" name="Text Placeholder 15">
-            <a:extLst>
-              <a:ext uri="{FF2B5EF4-FFF2-40B4-BE49-F238E27FC236}">
-                <a16:creationId xmlns:a16="http://schemas.microsoft.com/office/drawing/2014/main" id="{2D7A6FC1-6929-4A5F-90E7-8D66A6079B21}"/>
-              </a:ext>
-            </a:extLst>
-          </p:cNvPr>
-          <p:cNvSpPr>
-            <a:spLocks noGrp="1"/>
-          </p:cNvSpPr>
-          <p:nvPr>
-            <p:ph type="body" idx="16"/>
-          </p:nvPr>
-        </p:nvSpPr>
-        <p:spPr>
-          <a:xfrm>
-            <a:off x="6441406" y="4319520"/>
-            <a:ext cx="1963236" cy="365760"/>
-          </a:xfrm>
-        </p:spPr>
-        <p:txBody>
-          <a:bodyPr/>
-          <a:lstStyle/>
-          <a:p>
-            <a:r>
-              <a:rPr lang="en-US" dirty="0"/>
-              <a:t>Name</a:t>
-            </a:r>
-          </a:p>
-        </p:txBody>
-      </p:sp>
-      <p:sp>
-        <p:nvSpPr>
-          <p:cNvPr id="17" name="Text Placeholder 16">
-            <a:extLst>
-              <a:ext uri="{FF2B5EF4-FFF2-40B4-BE49-F238E27FC236}">
-                <a16:creationId xmlns:a16="http://schemas.microsoft.com/office/drawing/2014/main" id="{2455B81D-74E1-4993-9CB7-C86E383417E1}"/>
-              </a:ext>
-            </a:extLst>
-          </p:cNvPr>
-          <p:cNvSpPr>
-            <a:spLocks noGrp="1"/>
-          </p:cNvSpPr>
-          <p:nvPr>
-            <p:ph type="body" idx="17"/>
-          </p:nvPr>
-        </p:nvSpPr>
-        <p:spPr>
-          <a:xfrm>
-            <a:off x="6438985" y="4761767"/>
-            <a:ext cx="1963236" cy="741904"/>
-          </a:xfrm>
-        </p:spPr>
-        <p:txBody>
-          <a:bodyPr/>
-          <a:lstStyle/>
-          <a:p>
-            <a:r>
-              <a:rPr lang="en-US" dirty="0"/>
-              <a:t>Title</a:t>
-            </a:r>
-          </a:p>
-        </p:txBody>
-      </p:sp>
-      <p:pic>
-        <p:nvPicPr>
-          <p:cNvPr id="31" name="Picture Placeholder 30" descr="A person smiling for the camera at the office">
-            <a:extLst>
-              <a:ext uri="{FF2B5EF4-FFF2-40B4-BE49-F238E27FC236}">
-                <a16:creationId xmlns:a16="http://schemas.microsoft.com/office/drawing/2014/main" id="{2215E562-117D-4476-B492-A2B90FA24853}"/>
-              </a:ext>
-            </a:extLst>
-          </p:cNvPr>
-          <p:cNvPicPr>
-            <a:picLocks noGrp="1" noChangeAspect="1"/>
-          </p:cNvPicPr>
-          <p:nvPr>
-            <p:ph type="pic" sz="quarter" idx="23"/>
-          </p:nvPr>
-        </p:nvPicPr>
-        <p:blipFill rotWithShape="1">
-          <a:blip r:embed="rId5" cstate="screen">
-            <a:extLst>
-              <a:ext uri="{28A0092B-C50C-407E-A947-70E740481C1C}">
-                <a14:useLocalDpi xmlns:a14="http://schemas.microsoft.com/office/drawing/2010/main"/>
-              </a:ext>
-            </a:extLst>
-          </a:blip>
-          <a:srcRect/>
-          <a:stretch/>
-        </p:blipFill>
-        <p:spPr>
-          <a:xfrm>
-            <a:off x="9089136" y="2350008"/>
-            <a:ext cx="1965960" cy="1801368"/>
-          </a:xfrm>
-        </p:spPr>
-      </p:pic>
-      <p:sp>
-        <p:nvSpPr>
-          <p:cNvPr id="18" name="Text Placeholder 17">
-            <a:extLst>
-              <a:ext uri="{FF2B5EF4-FFF2-40B4-BE49-F238E27FC236}">
-                <a16:creationId xmlns:a16="http://schemas.microsoft.com/office/drawing/2014/main" id="{B6AF93C3-3990-4E16-BC70-CEEBCF7E9B79}"/>
-              </a:ext>
-            </a:extLst>
-          </p:cNvPr>
-          <p:cNvSpPr>
-            <a:spLocks noGrp="1"/>
-          </p:cNvSpPr>
-          <p:nvPr>
-            <p:ph type="body" idx="18"/>
-          </p:nvPr>
-        </p:nvSpPr>
-        <p:spPr>
-          <a:xfrm>
-            <a:off x="9090610" y="4319520"/>
-            <a:ext cx="1963236" cy="365760"/>
-          </a:xfrm>
-        </p:spPr>
-        <p:txBody>
-          <a:bodyPr/>
-          <a:lstStyle/>
-          <a:p>
-            <a:r>
-              <a:rPr lang="en-US" dirty="0"/>
-              <a:t>Name</a:t>
-            </a:r>
-          </a:p>
-        </p:txBody>
-      </p:sp>
-      <p:sp>
-        <p:nvSpPr>
-          <p:cNvPr id="19" name="Text Placeholder 18">
-            <a:extLst>
-              <a:ext uri="{FF2B5EF4-FFF2-40B4-BE49-F238E27FC236}">
-                <a16:creationId xmlns:a16="http://schemas.microsoft.com/office/drawing/2014/main" id="{6D7685B1-86AF-4938-BC50-1C6253189708}"/>
-              </a:ext>
-            </a:extLst>
-          </p:cNvPr>
-          <p:cNvSpPr>
-            <a:spLocks noGrp="1"/>
-          </p:cNvSpPr>
-          <p:nvPr>
-            <p:ph type="body" idx="19"/>
-          </p:nvPr>
-        </p:nvSpPr>
-        <p:spPr>
-          <a:xfrm>
-            <a:off x="9088189" y="4761767"/>
-            <a:ext cx="1963236" cy="741904"/>
-          </a:xfrm>
-        </p:spPr>
-        <p:txBody>
-          <a:bodyPr/>
-          <a:lstStyle/>
-          <a:p>
-            <a:r>
-              <a:rPr lang="en-US" dirty="0"/>
-              <a:t>Title</a:t>
-            </a:r>
-          </a:p>
-        </p:txBody>
-      </p:sp>
-      <p:sp>
-        <p:nvSpPr>
-          <p:cNvPr id="33" name="Footer Placeholder 32">
-            <a:extLst>
-              <a:ext uri="{FF2B5EF4-FFF2-40B4-BE49-F238E27FC236}">
-                <a16:creationId xmlns:a16="http://schemas.microsoft.com/office/drawing/2014/main" id="{F44FB830-1437-400F-A377-489B315C7813}"/>
+              <a:t>CHART</a:t>
+            </a:r>
+          </a:p>
+        </p:txBody>
+      </p:sp>
+      <p:graphicFrame>
+        <p:nvGraphicFramePr>
+          <p:cNvPr id="9" name="Content Placeholder 5" descr="Bar Chart Placeholder">
+            <a:extLst>
+              <a:ext uri="{FF2B5EF4-FFF2-40B4-BE49-F238E27FC236}">
+                <a16:creationId xmlns:a16="http://schemas.microsoft.com/office/drawing/2014/main" id="{29099B41-765C-4584-A6CA-8AC4F02907FC}"/>
+              </a:ext>
+            </a:extLst>
+          </p:cNvPr>
+          <p:cNvGraphicFramePr>
+            <a:graphicFrameLocks noGrp="1"/>
+          </p:cNvGraphicFramePr>
+          <p:nvPr>
+            <p:ph idx="1"/>
+            <p:extLst>
+              <p:ext uri="{D42A27DB-BD31-4B8C-83A1-F6EECF244321}">
+                <p14:modId xmlns:p14="http://schemas.microsoft.com/office/powerpoint/2010/main" val="1259417029"/>
+              </p:ext>
+            </p:extLst>
+          </p:nvPr>
+        </p:nvGraphicFramePr>
+        <p:xfrm>
+          <a:off x="1143000" y="2009775"/>
+          <a:ext cx="9906000" cy="4024313"/>
+        </p:xfrm>
+        <a:graphic>
+          <a:graphicData uri="http://schemas.openxmlformats.org/drawingml/2006/chart">
+            <c:chart xmlns:c="http://schemas.openxmlformats.org/drawingml/2006/chart" xmlns:r="http://schemas.openxmlformats.org/officeDocument/2006/relationships" r:id="rId2"/>
+          </a:graphicData>
+        </a:graphic>
+      </p:graphicFrame>
+      <p:sp>
+        <p:nvSpPr>
+          <p:cNvPr id="4" name="Footer Placeholder 3">
+            <a:extLst>
+              <a:ext uri="{FF2B5EF4-FFF2-40B4-BE49-F238E27FC236}">
+                <a16:creationId xmlns:a16="http://schemas.microsoft.com/office/drawing/2014/main" id="{B9FB3C1C-0A06-4533-8DA4-50514E5F9E9D}"/>
               </a:ext>
             </a:extLst>
           </p:cNvPr>
@@ -17681,10 +17391,10 @@
       </p:sp>
       <p:sp>
         <p:nvSpPr>
-          <p:cNvPr id="32" name="Date Placeholder 31">
-            <a:extLst>
-              <a:ext uri="{FF2B5EF4-FFF2-40B4-BE49-F238E27FC236}">
-                <a16:creationId xmlns:a16="http://schemas.microsoft.com/office/drawing/2014/main" id="{C6073673-4E9F-409B-AC5C-22C9A8D22565}"/>
+          <p:cNvPr id="5" name="Date Placeholder 4">
+            <a:extLst>
+              <a:ext uri="{FF2B5EF4-FFF2-40B4-BE49-F238E27FC236}">
+                <a16:creationId xmlns:a16="http://schemas.microsoft.com/office/drawing/2014/main" id="{581A4C2F-12B6-403A-AAD2-73AC2A19E01E}"/>
               </a:ext>
             </a:extLst>
           </p:cNvPr>
@@ -17714,10 +17424,10 @@
       </p:sp>
       <p:sp>
         <p:nvSpPr>
-          <p:cNvPr id="34" name="Slide Number Placeholder 33">
-            <a:extLst>
-              <a:ext uri="{FF2B5EF4-FFF2-40B4-BE49-F238E27FC236}">
-                <a16:creationId xmlns:a16="http://schemas.microsoft.com/office/drawing/2014/main" id="{97124BB6-5243-455D-83FF-AE2077E38773}"/>
+          <p:cNvPr id="6" name="Slide Number Placeholder 5">
+            <a:extLst>
+              <a:ext uri="{FF2B5EF4-FFF2-40B4-BE49-F238E27FC236}">
+                <a16:creationId xmlns:a16="http://schemas.microsoft.com/office/drawing/2014/main" id="{F1D8EAF4-7E41-4FEA-B534-06CE08821DB2}"/>
               </a:ext>
             </a:extLst>
           </p:cNvPr>
@@ -17750,7 +17460,7 @@
     </p:spTree>
     <p:extLst>
       <p:ext uri="{BB962C8B-B14F-4D97-AF65-F5344CB8AC3E}">
-        <p14:creationId xmlns:p14="http://schemas.microsoft.com/office/powerpoint/2010/main" val="276079138"/>
+        <p14:creationId xmlns:p14="http://schemas.microsoft.com/office/powerpoint/2010/main" val="3382633633"/>
       </p:ext>
     </p:extLst>
   </p:cSld>
@@ -17777,43 +17487,12 @@
           <a:chExt cx="0" cy="0"/>
         </a:xfrm>
       </p:grpSpPr>
-      <p:graphicFrame>
-        <p:nvGraphicFramePr>
-          <p:cNvPr id="7" name="Content Placeholder 3" descr="Timeline Placeholder">
-            <a:extLst>
-              <a:ext uri="{FF2B5EF4-FFF2-40B4-BE49-F238E27FC236}">
-                <a16:creationId xmlns:a16="http://schemas.microsoft.com/office/drawing/2014/main" id="{DA394158-22C9-4554-A3A2-3E1C175CE5D9}"/>
-              </a:ext>
-            </a:extLst>
-          </p:cNvPr>
-          <p:cNvGraphicFramePr>
-            <a:graphicFrameLocks noGrp="1"/>
-          </p:cNvGraphicFramePr>
-          <p:nvPr>
-            <p:ph idx="1"/>
-            <p:extLst>
-              <p:ext uri="{D42A27DB-BD31-4B8C-83A1-F6EECF244321}">
-                <p14:modId xmlns:p14="http://schemas.microsoft.com/office/powerpoint/2010/main" val="4106763730"/>
-              </p:ext>
-            </p:extLst>
-          </p:nvPr>
-        </p:nvGraphicFramePr>
-        <p:xfrm>
-          <a:off x="838200" y="1825625"/>
-          <a:ext cx="10693400" cy="4351338"/>
-        </p:xfrm>
-        <a:graphic>
-          <a:graphicData uri="http://schemas.openxmlformats.org/drawingml/2006/diagram">
-            <dgm:relIds xmlns:dgm="http://schemas.openxmlformats.org/drawingml/2006/diagram" xmlns:r="http://schemas.openxmlformats.org/officeDocument/2006/relationships" r:dm="rId2" r:lo="rId3" r:qs="rId4" r:cs="rId5"/>
-          </a:graphicData>
-        </a:graphic>
-      </p:graphicFrame>
-      <p:sp>
-        <p:nvSpPr>
-          <p:cNvPr id="3" name="Title 2">
-            <a:extLst>
-              <a:ext uri="{FF2B5EF4-FFF2-40B4-BE49-F238E27FC236}">
-                <a16:creationId xmlns:a16="http://schemas.microsoft.com/office/drawing/2014/main" id="{BA4EA378-49C7-4674-A713-6300B71864FD}"/>
+      <p:sp>
+        <p:nvSpPr>
+          <p:cNvPr id="11" name="Title 10">
+            <a:extLst>
+              <a:ext uri="{FF2B5EF4-FFF2-40B4-BE49-F238E27FC236}">
+                <a16:creationId xmlns:a16="http://schemas.microsoft.com/office/drawing/2014/main" id="{B5FF8487-12CC-455B-BB28-092AAA3E43A4}"/>
               </a:ext>
             </a:extLst>
           </p:cNvPr>
@@ -17836,17 +17515,417 @@
           <a:p>
             <a:r>
               <a:rPr lang="en-US" dirty="0"/>
-              <a:t>TIMELINE</a:t>
-            </a:r>
-          </a:p>
-        </p:txBody>
-      </p:sp>
-      <p:sp>
-        <p:nvSpPr>
-          <p:cNvPr id="4" name="Footer Placeholder 3">
-            <a:extLst>
-              <a:ext uri="{FF2B5EF4-FFF2-40B4-BE49-F238E27FC236}">
-                <a16:creationId xmlns:a16="http://schemas.microsoft.com/office/drawing/2014/main" id="{46B35970-86DF-4F11-9D76-FECED88366F0}"/>
+              <a:t>team</a:t>
+            </a:r>
+          </a:p>
+        </p:txBody>
+      </p:sp>
+      <p:pic>
+        <p:nvPicPr>
+          <p:cNvPr id="25" name="Picture Placeholder 24" descr="A person smiling for the camera at the office">
+            <a:extLst>
+              <a:ext uri="{FF2B5EF4-FFF2-40B4-BE49-F238E27FC236}">
+                <a16:creationId xmlns:a16="http://schemas.microsoft.com/office/drawing/2014/main" id="{192E2443-3386-4F13-B458-B0DF7511A5FD}"/>
+              </a:ext>
+            </a:extLst>
+          </p:cNvPr>
+          <p:cNvPicPr>
+            <a:picLocks noGrp="1" noChangeAspect="1"/>
+          </p:cNvPicPr>
+          <p:nvPr>
+            <p:ph type="pic" sz="quarter" idx="20"/>
+          </p:nvPr>
+        </p:nvPicPr>
+        <p:blipFill rotWithShape="1">
+          <a:blip r:embed="rId2" cstate="screen">
+            <a:extLst>
+              <a:ext uri="{28A0092B-C50C-407E-A947-70E740481C1C}">
+                <a14:useLocalDpi xmlns:a14="http://schemas.microsoft.com/office/drawing/2010/main"/>
+              </a:ext>
+            </a:extLst>
+          </a:blip>
+          <a:srcRect/>
+          <a:stretch/>
+        </p:blipFill>
+        <p:spPr>
+          <a:xfrm>
+            <a:off x="1143000" y="2350008"/>
+            <a:ext cx="1965960" cy="1801368"/>
+          </a:xfrm>
+        </p:spPr>
+      </p:pic>
+      <p:sp>
+        <p:nvSpPr>
+          <p:cNvPr id="12" name="Text Placeholder 11">
+            <a:extLst>
+              <a:ext uri="{FF2B5EF4-FFF2-40B4-BE49-F238E27FC236}">
+                <a16:creationId xmlns:a16="http://schemas.microsoft.com/office/drawing/2014/main" id="{9CC19BCA-4923-4952-996B-EDA82BCF117C}"/>
+              </a:ext>
+            </a:extLst>
+          </p:cNvPr>
+          <p:cNvSpPr>
+            <a:spLocks noGrp="1"/>
+          </p:cNvSpPr>
+          <p:nvPr>
+            <p:ph type="body" idx="1"/>
+          </p:nvPr>
+        </p:nvSpPr>
+        <p:spPr>
+          <a:xfrm>
+            <a:off x="1145421" y="4319521"/>
+            <a:ext cx="1963236" cy="365760"/>
+          </a:xfrm>
+        </p:spPr>
+        <p:txBody>
+          <a:bodyPr/>
+          <a:lstStyle/>
+          <a:p>
+            <a:r>
+              <a:rPr lang="en-US" dirty="0"/>
+              <a:t>Name</a:t>
+            </a:r>
+          </a:p>
+        </p:txBody>
+      </p:sp>
+      <p:sp>
+        <p:nvSpPr>
+          <p:cNvPr id="13" name="Text Placeholder 12">
+            <a:extLst>
+              <a:ext uri="{FF2B5EF4-FFF2-40B4-BE49-F238E27FC236}">
+                <a16:creationId xmlns:a16="http://schemas.microsoft.com/office/drawing/2014/main" id="{CF48DD50-F55B-417A-A09A-9FF61091CD37}"/>
+              </a:ext>
+            </a:extLst>
+          </p:cNvPr>
+          <p:cNvSpPr>
+            <a:spLocks noGrp="1"/>
+          </p:cNvSpPr>
+          <p:nvPr>
+            <p:ph type="body" idx="13"/>
+          </p:nvPr>
+        </p:nvSpPr>
+        <p:spPr>
+          <a:xfrm>
+            <a:off x="1143000" y="4761768"/>
+            <a:ext cx="1963236" cy="741904"/>
+          </a:xfrm>
+        </p:spPr>
+        <p:txBody>
+          <a:bodyPr/>
+          <a:lstStyle/>
+          <a:p>
+            <a:r>
+              <a:rPr lang="en-US" dirty="0"/>
+              <a:t>Title</a:t>
+            </a:r>
+          </a:p>
+        </p:txBody>
+      </p:sp>
+      <p:pic>
+        <p:nvPicPr>
+          <p:cNvPr id="27" name="Picture Placeholder 26" descr="A person smiling for the camera at the office">
+            <a:extLst>
+              <a:ext uri="{FF2B5EF4-FFF2-40B4-BE49-F238E27FC236}">
+                <a16:creationId xmlns:a16="http://schemas.microsoft.com/office/drawing/2014/main" id="{2E18694F-192C-45F7-A79D-A6644797BCE7}"/>
+              </a:ext>
+            </a:extLst>
+          </p:cNvPr>
+          <p:cNvPicPr>
+            <a:picLocks noGrp="1" noChangeAspect="1"/>
+          </p:cNvPicPr>
+          <p:nvPr>
+            <p:ph type="pic" sz="quarter" idx="21"/>
+          </p:nvPr>
+        </p:nvPicPr>
+        <p:blipFill rotWithShape="1">
+          <a:blip r:embed="rId3" cstate="screen">
+            <a:extLst>
+              <a:ext uri="{28A0092B-C50C-407E-A947-70E740481C1C}">
+                <a14:useLocalDpi xmlns:a14="http://schemas.microsoft.com/office/drawing/2010/main"/>
+              </a:ext>
+            </a:extLst>
+          </a:blip>
+          <a:srcRect/>
+          <a:stretch/>
+        </p:blipFill>
+        <p:spPr>
+          <a:xfrm>
+            <a:off x="3784636" y="2350008"/>
+            <a:ext cx="1965960" cy="1801368"/>
+          </a:xfrm>
+        </p:spPr>
+      </p:pic>
+      <p:sp>
+        <p:nvSpPr>
+          <p:cNvPr id="14" name="Text Placeholder 13">
+            <a:extLst>
+              <a:ext uri="{FF2B5EF4-FFF2-40B4-BE49-F238E27FC236}">
+                <a16:creationId xmlns:a16="http://schemas.microsoft.com/office/drawing/2014/main" id="{F7A0AB77-FE60-4102-A808-335BC24E9950}"/>
+              </a:ext>
+            </a:extLst>
+          </p:cNvPr>
+          <p:cNvSpPr>
+            <a:spLocks noGrp="1"/>
+          </p:cNvSpPr>
+          <p:nvPr>
+            <p:ph type="body" idx="14"/>
+          </p:nvPr>
+        </p:nvSpPr>
+        <p:spPr>
+          <a:xfrm>
+            <a:off x="3789781" y="4319520"/>
+            <a:ext cx="1963236" cy="365760"/>
+          </a:xfrm>
+        </p:spPr>
+        <p:txBody>
+          <a:bodyPr/>
+          <a:lstStyle/>
+          <a:p>
+            <a:r>
+              <a:rPr lang="en-US" dirty="0"/>
+              <a:t>Name</a:t>
+            </a:r>
+          </a:p>
+        </p:txBody>
+      </p:sp>
+      <p:sp>
+        <p:nvSpPr>
+          <p:cNvPr id="15" name="Text Placeholder 14">
+            <a:extLst>
+              <a:ext uri="{FF2B5EF4-FFF2-40B4-BE49-F238E27FC236}">
+                <a16:creationId xmlns:a16="http://schemas.microsoft.com/office/drawing/2014/main" id="{55900307-389C-4833-9F6D-23CF84A7E974}"/>
+              </a:ext>
+            </a:extLst>
+          </p:cNvPr>
+          <p:cNvSpPr>
+            <a:spLocks noGrp="1"/>
+          </p:cNvSpPr>
+          <p:nvPr>
+            <p:ph type="body" idx="15"/>
+          </p:nvPr>
+        </p:nvSpPr>
+        <p:spPr>
+          <a:xfrm>
+            <a:off x="3787360" y="4761767"/>
+            <a:ext cx="1963236" cy="741904"/>
+          </a:xfrm>
+        </p:spPr>
+        <p:txBody>
+          <a:bodyPr/>
+          <a:lstStyle/>
+          <a:p>
+            <a:r>
+              <a:rPr lang="en-US" dirty="0"/>
+              <a:t>Title</a:t>
+            </a:r>
+          </a:p>
+        </p:txBody>
+      </p:sp>
+      <p:pic>
+        <p:nvPicPr>
+          <p:cNvPr id="29" name="Picture Placeholder 28" descr="A person smiling for the camera at the office">
+            <a:extLst>
+              <a:ext uri="{FF2B5EF4-FFF2-40B4-BE49-F238E27FC236}">
+                <a16:creationId xmlns:a16="http://schemas.microsoft.com/office/drawing/2014/main" id="{AD3CA8A0-C478-4601-B591-250B0F58C3EA}"/>
+              </a:ext>
+            </a:extLst>
+          </p:cNvPr>
+          <p:cNvPicPr>
+            <a:picLocks noGrp="1" noChangeAspect="1"/>
+          </p:cNvPicPr>
+          <p:nvPr>
+            <p:ph type="pic" sz="quarter" idx="22"/>
+          </p:nvPr>
+        </p:nvPicPr>
+        <p:blipFill rotWithShape="1">
+          <a:blip r:embed="rId4" cstate="screen">
+            <a:extLst>
+              <a:ext uri="{28A0092B-C50C-407E-A947-70E740481C1C}">
+                <a14:useLocalDpi xmlns:a14="http://schemas.microsoft.com/office/drawing/2010/main"/>
+              </a:ext>
+            </a:extLst>
+          </a:blip>
+          <a:srcRect/>
+          <a:stretch/>
+        </p:blipFill>
+        <p:spPr>
+          <a:xfrm>
+            <a:off x="6437376" y="2350008"/>
+            <a:ext cx="1965960" cy="1801368"/>
+          </a:xfrm>
+        </p:spPr>
+      </p:pic>
+      <p:sp>
+        <p:nvSpPr>
+          <p:cNvPr id="16" name="Text Placeholder 15">
+            <a:extLst>
+              <a:ext uri="{FF2B5EF4-FFF2-40B4-BE49-F238E27FC236}">
+                <a16:creationId xmlns:a16="http://schemas.microsoft.com/office/drawing/2014/main" id="{2D7A6FC1-6929-4A5F-90E7-8D66A6079B21}"/>
+              </a:ext>
+            </a:extLst>
+          </p:cNvPr>
+          <p:cNvSpPr>
+            <a:spLocks noGrp="1"/>
+          </p:cNvSpPr>
+          <p:nvPr>
+            <p:ph type="body" idx="16"/>
+          </p:nvPr>
+        </p:nvSpPr>
+        <p:spPr>
+          <a:xfrm>
+            <a:off x="6441406" y="4319520"/>
+            <a:ext cx="1963236" cy="365760"/>
+          </a:xfrm>
+        </p:spPr>
+        <p:txBody>
+          <a:bodyPr/>
+          <a:lstStyle/>
+          <a:p>
+            <a:r>
+              <a:rPr lang="en-US" dirty="0"/>
+              <a:t>Name</a:t>
+            </a:r>
+          </a:p>
+        </p:txBody>
+      </p:sp>
+      <p:sp>
+        <p:nvSpPr>
+          <p:cNvPr id="17" name="Text Placeholder 16">
+            <a:extLst>
+              <a:ext uri="{FF2B5EF4-FFF2-40B4-BE49-F238E27FC236}">
+                <a16:creationId xmlns:a16="http://schemas.microsoft.com/office/drawing/2014/main" id="{2455B81D-74E1-4993-9CB7-C86E383417E1}"/>
+              </a:ext>
+            </a:extLst>
+          </p:cNvPr>
+          <p:cNvSpPr>
+            <a:spLocks noGrp="1"/>
+          </p:cNvSpPr>
+          <p:nvPr>
+            <p:ph type="body" idx="17"/>
+          </p:nvPr>
+        </p:nvSpPr>
+        <p:spPr>
+          <a:xfrm>
+            <a:off x="6438985" y="4761767"/>
+            <a:ext cx="1963236" cy="741904"/>
+          </a:xfrm>
+        </p:spPr>
+        <p:txBody>
+          <a:bodyPr/>
+          <a:lstStyle/>
+          <a:p>
+            <a:r>
+              <a:rPr lang="en-US" dirty="0"/>
+              <a:t>Title</a:t>
+            </a:r>
+          </a:p>
+        </p:txBody>
+      </p:sp>
+      <p:pic>
+        <p:nvPicPr>
+          <p:cNvPr id="31" name="Picture Placeholder 30" descr="A person smiling for the camera at the office">
+            <a:extLst>
+              <a:ext uri="{FF2B5EF4-FFF2-40B4-BE49-F238E27FC236}">
+                <a16:creationId xmlns:a16="http://schemas.microsoft.com/office/drawing/2014/main" id="{2215E562-117D-4476-B492-A2B90FA24853}"/>
+              </a:ext>
+            </a:extLst>
+          </p:cNvPr>
+          <p:cNvPicPr>
+            <a:picLocks noGrp="1" noChangeAspect="1"/>
+          </p:cNvPicPr>
+          <p:nvPr>
+            <p:ph type="pic" sz="quarter" idx="23"/>
+          </p:nvPr>
+        </p:nvPicPr>
+        <p:blipFill rotWithShape="1">
+          <a:blip r:embed="rId5" cstate="screen">
+            <a:extLst>
+              <a:ext uri="{28A0092B-C50C-407E-A947-70E740481C1C}">
+                <a14:useLocalDpi xmlns:a14="http://schemas.microsoft.com/office/drawing/2010/main"/>
+              </a:ext>
+            </a:extLst>
+          </a:blip>
+          <a:srcRect/>
+          <a:stretch/>
+        </p:blipFill>
+        <p:spPr>
+          <a:xfrm>
+            <a:off x="9089136" y="2350008"/>
+            <a:ext cx="1965960" cy="1801368"/>
+          </a:xfrm>
+        </p:spPr>
+      </p:pic>
+      <p:sp>
+        <p:nvSpPr>
+          <p:cNvPr id="18" name="Text Placeholder 17">
+            <a:extLst>
+              <a:ext uri="{FF2B5EF4-FFF2-40B4-BE49-F238E27FC236}">
+                <a16:creationId xmlns:a16="http://schemas.microsoft.com/office/drawing/2014/main" id="{B6AF93C3-3990-4E16-BC70-CEEBCF7E9B79}"/>
+              </a:ext>
+            </a:extLst>
+          </p:cNvPr>
+          <p:cNvSpPr>
+            <a:spLocks noGrp="1"/>
+          </p:cNvSpPr>
+          <p:nvPr>
+            <p:ph type="body" idx="18"/>
+          </p:nvPr>
+        </p:nvSpPr>
+        <p:spPr>
+          <a:xfrm>
+            <a:off x="9090610" y="4319520"/>
+            <a:ext cx="1963236" cy="365760"/>
+          </a:xfrm>
+        </p:spPr>
+        <p:txBody>
+          <a:bodyPr/>
+          <a:lstStyle/>
+          <a:p>
+            <a:r>
+              <a:rPr lang="en-US" dirty="0"/>
+              <a:t>Name</a:t>
+            </a:r>
+          </a:p>
+        </p:txBody>
+      </p:sp>
+      <p:sp>
+        <p:nvSpPr>
+          <p:cNvPr id="19" name="Text Placeholder 18">
+            <a:extLst>
+              <a:ext uri="{FF2B5EF4-FFF2-40B4-BE49-F238E27FC236}">
+                <a16:creationId xmlns:a16="http://schemas.microsoft.com/office/drawing/2014/main" id="{6D7685B1-86AF-4938-BC50-1C6253189708}"/>
+              </a:ext>
+            </a:extLst>
+          </p:cNvPr>
+          <p:cNvSpPr>
+            <a:spLocks noGrp="1"/>
+          </p:cNvSpPr>
+          <p:nvPr>
+            <p:ph type="body" idx="19"/>
+          </p:nvPr>
+        </p:nvSpPr>
+        <p:spPr>
+          <a:xfrm>
+            <a:off x="9088189" y="4761767"/>
+            <a:ext cx="1963236" cy="741904"/>
+          </a:xfrm>
+        </p:spPr>
+        <p:txBody>
+          <a:bodyPr/>
+          <a:lstStyle/>
+          <a:p>
+            <a:r>
+              <a:rPr lang="en-US" dirty="0"/>
+              <a:t>Title</a:t>
+            </a:r>
+          </a:p>
+        </p:txBody>
+      </p:sp>
+      <p:sp>
+        <p:nvSpPr>
+          <p:cNvPr id="33" name="Footer Placeholder 32">
+            <a:extLst>
+              <a:ext uri="{FF2B5EF4-FFF2-40B4-BE49-F238E27FC236}">
+                <a16:creationId xmlns:a16="http://schemas.microsoft.com/office/drawing/2014/main" id="{F44FB830-1437-400F-A377-489B315C7813}"/>
               </a:ext>
             </a:extLst>
           </p:cNvPr>
@@ -17876,10 +17955,10 @@
       </p:sp>
       <p:sp>
         <p:nvSpPr>
-          <p:cNvPr id="5" name="Date Placeholder 4">
-            <a:extLst>
-              <a:ext uri="{FF2B5EF4-FFF2-40B4-BE49-F238E27FC236}">
-                <a16:creationId xmlns:a16="http://schemas.microsoft.com/office/drawing/2014/main" id="{1A4C12C2-5182-41CE-A07D-11992CF629EA}"/>
+          <p:cNvPr id="32" name="Date Placeholder 31">
+            <a:extLst>
+              <a:ext uri="{FF2B5EF4-FFF2-40B4-BE49-F238E27FC236}">
+                <a16:creationId xmlns:a16="http://schemas.microsoft.com/office/drawing/2014/main" id="{C6073673-4E9F-409B-AC5C-22C9A8D22565}"/>
               </a:ext>
             </a:extLst>
           </p:cNvPr>
@@ -17909,10 +17988,10 @@
       </p:sp>
       <p:sp>
         <p:nvSpPr>
-          <p:cNvPr id="6" name="Slide Number Placeholder 5">
-            <a:extLst>
-              <a:ext uri="{FF2B5EF4-FFF2-40B4-BE49-F238E27FC236}">
-                <a16:creationId xmlns:a16="http://schemas.microsoft.com/office/drawing/2014/main" id="{90A3CABF-07C6-4D28-9459-B48AE520A290}"/>
+          <p:cNvPr id="34" name="Slide Number Placeholder 33">
+            <a:extLst>
+              <a:ext uri="{FF2B5EF4-FFF2-40B4-BE49-F238E27FC236}">
+                <a16:creationId xmlns:a16="http://schemas.microsoft.com/office/drawing/2014/main" id="{97124BB6-5243-455D-83FF-AE2077E38773}"/>
               </a:ext>
             </a:extLst>
           </p:cNvPr>
@@ -17945,7 +18024,7 @@
     </p:spTree>
     <p:extLst>
       <p:ext uri="{BB962C8B-B14F-4D97-AF65-F5344CB8AC3E}">
-        <p14:creationId xmlns:p14="http://schemas.microsoft.com/office/powerpoint/2010/main" val="4280447412"/>
+        <p14:creationId xmlns:p14="http://schemas.microsoft.com/office/powerpoint/2010/main" val="276079138"/>
       </p:ext>
     </p:extLst>
   </p:cSld>
@@ -17972,12 +18051,43 @@
           <a:chExt cx="0" cy="0"/>
         </a:xfrm>
       </p:grpSpPr>
-      <p:sp>
-        <p:nvSpPr>
-          <p:cNvPr id="2" name="Title 1">
-            <a:extLst>
-              <a:ext uri="{FF2B5EF4-FFF2-40B4-BE49-F238E27FC236}">
-                <a16:creationId xmlns:a16="http://schemas.microsoft.com/office/drawing/2014/main" id="{4D18CD2A-2EC1-4055-AE20-4A35A1794F1C}"/>
+      <p:graphicFrame>
+        <p:nvGraphicFramePr>
+          <p:cNvPr id="7" name="Content Placeholder 3" descr="Timeline Placeholder">
+            <a:extLst>
+              <a:ext uri="{FF2B5EF4-FFF2-40B4-BE49-F238E27FC236}">
+                <a16:creationId xmlns:a16="http://schemas.microsoft.com/office/drawing/2014/main" id="{DA394158-22C9-4554-A3A2-3E1C175CE5D9}"/>
+              </a:ext>
+            </a:extLst>
+          </p:cNvPr>
+          <p:cNvGraphicFramePr>
+            <a:graphicFrameLocks noGrp="1"/>
+          </p:cNvGraphicFramePr>
+          <p:nvPr>
+            <p:ph idx="1"/>
+            <p:extLst>
+              <p:ext uri="{D42A27DB-BD31-4B8C-83A1-F6EECF244321}">
+                <p14:modId xmlns:p14="http://schemas.microsoft.com/office/powerpoint/2010/main" val="4106763730"/>
+              </p:ext>
+            </p:extLst>
+          </p:nvPr>
+        </p:nvGraphicFramePr>
+        <p:xfrm>
+          <a:off x="838200" y="1825625"/>
+          <a:ext cx="10693400" cy="4351338"/>
+        </p:xfrm>
+        <a:graphic>
+          <a:graphicData uri="http://schemas.openxmlformats.org/drawingml/2006/diagram">
+            <dgm:relIds xmlns:dgm="http://schemas.openxmlformats.org/drawingml/2006/diagram" xmlns:r="http://schemas.openxmlformats.org/officeDocument/2006/relationships" r:dm="rId2" r:lo="rId3" r:qs="rId4" r:cs="rId5"/>
+          </a:graphicData>
+        </a:graphic>
+      </p:graphicFrame>
+      <p:sp>
+        <p:nvSpPr>
+          <p:cNvPr id="3" name="Title 2">
+            <a:extLst>
+              <a:ext uri="{FF2B5EF4-FFF2-40B4-BE49-F238E27FC236}">
+                <a16:creationId xmlns:a16="http://schemas.microsoft.com/office/drawing/2014/main" id="{BA4EA378-49C7-4674-A713-6300B71864FD}"/>
               </a:ext>
             </a:extLst>
           </p:cNvPr>
@@ -17990,8 +18100,8 @@
         </p:nvSpPr>
         <p:spPr>
           <a:xfrm>
-            <a:off x="839788" y="365125"/>
-            <a:ext cx="10515600" cy="1325563"/>
+            <a:off x="1143000" y="533401"/>
+            <a:ext cx="9906000" cy="1382156"/>
           </a:xfrm>
         </p:spPr>
         <p:txBody>
@@ -18000,170 +18110,17 @@
           <a:p>
             <a:r>
               <a:rPr lang="en-US" dirty="0"/>
-              <a:t>Content</a:t>
-            </a:r>
-          </a:p>
-        </p:txBody>
-      </p:sp>
-      <p:sp>
-        <p:nvSpPr>
-          <p:cNvPr id="3" name="Text Placeholder 2">
-            <a:extLst>
-              <a:ext uri="{FF2B5EF4-FFF2-40B4-BE49-F238E27FC236}">
-                <a16:creationId xmlns:a16="http://schemas.microsoft.com/office/drawing/2014/main" id="{7F14164C-CD4F-433C-8B7E-A0156DB2F947}"/>
-              </a:ext>
-            </a:extLst>
-          </p:cNvPr>
-          <p:cNvSpPr>
-            <a:spLocks noGrp="1"/>
-          </p:cNvSpPr>
-          <p:nvPr>
-            <p:ph type="body" idx="1"/>
-          </p:nvPr>
-        </p:nvSpPr>
-        <p:spPr>
-          <a:xfrm>
-            <a:off x="839788" y="1734325"/>
-            <a:ext cx="5157787" cy="823912"/>
-          </a:xfrm>
-        </p:spPr>
-        <p:txBody>
-          <a:bodyPr/>
-          <a:lstStyle/>
-          <a:p>
-            <a:r>
-              <a:rPr lang="en-US" dirty="0"/>
-              <a:t>Summary</a:t>
-            </a:r>
-          </a:p>
-        </p:txBody>
-      </p:sp>
-      <p:sp>
-        <p:nvSpPr>
-          <p:cNvPr id="4" name="Content Placeholder 3">
-            <a:extLst>
-              <a:ext uri="{FF2B5EF4-FFF2-40B4-BE49-F238E27FC236}">
-                <a16:creationId xmlns:a16="http://schemas.microsoft.com/office/drawing/2014/main" id="{CDE237F4-D8FA-4EB0-8875-57E81F3EA824}"/>
-              </a:ext>
-            </a:extLst>
-          </p:cNvPr>
-          <p:cNvSpPr>
-            <a:spLocks noGrp="1"/>
-          </p:cNvSpPr>
-          <p:nvPr>
-            <p:ph sz="half" idx="2"/>
-          </p:nvPr>
-        </p:nvSpPr>
-        <p:spPr>
-          <a:xfrm>
-            <a:off x="839788" y="2558237"/>
-            <a:ext cx="5157787" cy="3684588"/>
-          </a:xfrm>
-        </p:spPr>
-        <p:txBody>
-          <a:bodyPr/>
-          <a:lstStyle/>
-          <a:p>
-            <a:r>
-              <a:rPr lang="en-US" dirty="0"/>
-              <a:t>Add text, images, art, and videos. </a:t>
-            </a:r>
-          </a:p>
-          <a:p>
-            <a:r>
-              <a:rPr lang="en-US" dirty="0"/>
-              <a:t>Add transitions, animations, and motion. </a:t>
-            </a:r>
-          </a:p>
-          <a:p>
-            <a:r>
-              <a:rPr lang="en-US" dirty="0"/>
-              <a:t>Save to OneDrive, to get to your presentations from your computer, tablet, or phone. </a:t>
-            </a:r>
-          </a:p>
-          <a:p>
-            <a:endParaRPr lang="en-US" dirty="0"/>
-          </a:p>
-        </p:txBody>
-      </p:sp>
-      <p:sp>
-        <p:nvSpPr>
-          <p:cNvPr id="5" name="Text Placeholder 4">
-            <a:extLst>
-              <a:ext uri="{FF2B5EF4-FFF2-40B4-BE49-F238E27FC236}">
-                <a16:creationId xmlns:a16="http://schemas.microsoft.com/office/drawing/2014/main" id="{77A2ABE5-0226-49ED-8CCF-C68A5DC8C37A}"/>
-              </a:ext>
-            </a:extLst>
-          </p:cNvPr>
-          <p:cNvSpPr>
-            <a:spLocks noGrp="1"/>
-          </p:cNvSpPr>
-          <p:nvPr>
-            <p:ph type="body" sz="quarter" idx="3"/>
-          </p:nvPr>
-        </p:nvSpPr>
-        <p:spPr>
-          <a:xfrm>
-            <a:off x="6172200" y="1734325"/>
-            <a:ext cx="5183188" cy="823912"/>
-          </a:xfrm>
-        </p:spPr>
-        <p:txBody>
-          <a:bodyPr/>
-          <a:lstStyle/>
-          <a:p>
-            <a:r>
-              <a:rPr lang="en-US" dirty="0"/>
-              <a:t>SUMMARY</a:t>
-            </a:r>
-          </a:p>
-        </p:txBody>
-      </p:sp>
-      <p:sp>
-        <p:nvSpPr>
-          <p:cNvPr id="6" name="Content Placeholder 5">
-            <a:extLst>
-              <a:ext uri="{FF2B5EF4-FFF2-40B4-BE49-F238E27FC236}">
-                <a16:creationId xmlns:a16="http://schemas.microsoft.com/office/drawing/2014/main" id="{B05028CE-DA21-47EC-B483-3CE6A8E62CF1}"/>
-              </a:ext>
-            </a:extLst>
-          </p:cNvPr>
-          <p:cNvSpPr>
-            <a:spLocks noGrp="1"/>
-          </p:cNvSpPr>
-          <p:nvPr>
-            <p:ph sz="quarter" idx="4"/>
-          </p:nvPr>
-        </p:nvSpPr>
-        <p:spPr>
-          <a:xfrm>
-            <a:off x="6172200" y="2558237"/>
-            <a:ext cx="5183188" cy="3684588"/>
-          </a:xfrm>
-        </p:spPr>
-        <p:txBody>
-          <a:bodyPr/>
-          <a:lstStyle/>
-          <a:p>
-            <a:r>
-              <a:rPr lang="en-US" dirty="0"/>
-              <a:t>Open the Design Ideas pane for instant slide makeovers. </a:t>
-            </a:r>
-          </a:p>
-          <a:p>
-            <a:r>
-              <a:rPr lang="en-US" dirty="0"/>
-              <a:t>When we have design ideas, we’ll show them to you right there. </a:t>
-            </a:r>
-          </a:p>
-        </p:txBody>
-      </p:sp>
-      <p:sp>
-        <p:nvSpPr>
-          <p:cNvPr id="8" name="Footer Placeholder 7">
-            <a:extLst>
-              <a:ext uri="{FF2B5EF4-FFF2-40B4-BE49-F238E27FC236}">
-                <a16:creationId xmlns:a16="http://schemas.microsoft.com/office/drawing/2014/main" id="{1CB6C385-03DD-40B8-8F1B-4E62C60C85AA}"/>
+              <a:t>TIMELINE</a:t>
+            </a:r>
+          </a:p>
+        </p:txBody>
+      </p:sp>
+      <p:sp>
+        <p:nvSpPr>
+          <p:cNvPr id="4" name="Footer Placeholder 3">
+            <a:extLst>
+              <a:ext uri="{FF2B5EF4-FFF2-40B4-BE49-F238E27FC236}">
+                <a16:creationId xmlns:a16="http://schemas.microsoft.com/office/drawing/2014/main" id="{46B35970-86DF-4F11-9D76-FECED88366F0}"/>
               </a:ext>
             </a:extLst>
           </p:cNvPr>
@@ -18193,10 +18150,10 @@
       </p:sp>
       <p:sp>
         <p:nvSpPr>
-          <p:cNvPr id="7" name="Date Placeholder 6">
-            <a:extLst>
-              <a:ext uri="{FF2B5EF4-FFF2-40B4-BE49-F238E27FC236}">
-                <a16:creationId xmlns:a16="http://schemas.microsoft.com/office/drawing/2014/main" id="{AF3C5F2A-97FD-42D5-B08A-F20B3EFD7D84}"/>
+          <p:cNvPr id="5" name="Date Placeholder 4">
+            <a:extLst>
+              <a:ext uri="{FF2B5EF4-FFF2-40B4-BE49-F238E27FC236}">
+                <a16:creationId xmlns:a16="http://schemas.microsoft.com/office/drawing/2014/main" id="{1A4C12C2-5182-41CE-A07D-11992CF629EA}"/>
               </a:ext>
             </a:extLst>
           </p:cNvPr>
@@ -18226,10 +18183,10 @@
       </p:sp>
       <p:sp>
         <p:nvSpPr>
-          <p:cNvPr id="9" name="Slide Number Placeholder 8">
-            <a:extLst>
-              <a:ext uri="{FF2B5EF4-FFF2-40B4-BE49-F238E27FC236}">
-                <a16:creationId xmlns:a16="http://schemas.microsoft.com/office/drawing/2014/main" id="{203229A0-1321-49E2-9958-3B1F86E2CC8F}"/>
+          <p:cNvPr id="6" name="Slide Number Placeholder 5">
+            <a:extLst>
+              <a:ext uri="{FF2B5EF4-FFF2-40B4-BE49-F238E27FC236}">
+                <a16:creationId xmlns:a16="http://schemas.microsoft.com/office/drawing/2014/main" id="{90A3CABF-07C6-4D28-9459-B48AE520A290}"/>
               </a:ext>
             </a:extLst>
           </p:cNvPr>
@@ -18262,7 +18219,7 @@
     </p:spTree>
     <p:extLst>
       <p:ext uri="{BB962C8B-B14F-4D97-AF65-F5344CB8AC3E}">
-        <p14:creationId xmlns:p14="http://schemas.microsoft.com/office/powerpoint/2010/main" val="742158403"/>
+        <p14:creationId xmlns:p14="http://schemas.microsoft.com/office/powerpoint/2010/main" val="4280447412"/>
       </p:ext>
     </p:extLst>
   </p:cSld>
@@ -18294,7 +18251,7 @@
           <p:cNvPr id="2" name="Title 1">
             <a:extLst>
               <a:ext uri="{FF2B5EF4-FFF2-40B4-BE49-F238E27FC236}">
-                <a16:creationId xmlns:a16="http://schemas.microsoft.com/office/drawing/2014/main" id="{F479E736-254A-4657-A88B-DE71C47DA880}"/>
+                <a16:creationId xmlns:a16="http://schemas.microsoft.com/office/drawing/2014/main" id="{4D18CD2A-2EC1-4055-AE20-4A35A1794F1C}"/>
               </a:ext>
             </a:extLst>
           </p:cNvPr>
@@ -18317,7 +18274,7 @@
           <a:p>
             <a:r>
               <a:rPr lang="en-US" dirty="0"/>
-              <a:t>Content 2</a:t>
+              <a:t>Content</a:t>
             </a:r>
           </a:p>
         </p:txBody>
@@ -18327,7 +18284,7 @@
           <p:cNvPr id="3" name="Text Placeholder 2">
             <a:extLst>
               <a:ext uri="{FF2B5EF4-FFF2-40B4-BE49-F238E27FC236}">
-                <a16:creationId xmlns:a16="http://schemas.microsoft.com/office/drawing/2014/main" id="{DFAB32D2-0B50-4101-875F-A81D7538524C}"/>
+                <a16:creationId xmlns:a16="http://schemas.microsoft.com/office/drawing/2014/main" id="{7F14164C-CD4F-433C-8B7E-A0156DB2F947}"/>
               </a:ext>
             </a:extLst>
           </p:cNvPr>
@@ -18341,7 +18298,7 @@
         <p:spPr>
           <a:xfrm>
             <a:off x="839788" y="1734325"/>
-            <a:ext cx="3200400" cy="823912"/>
+            <a:ext cx="5157787" cy="823912"/>
           </a:xfrm>
         </p:spPr>
         <p:txBody>
@@ -18350,7 +18307,7 @@
           <a:p>
             <a:r>
               <a:rPr lang="en-US" dirty="0"/>
-              <a:t>Summary	</a:t>
+              <a:t>Summary</a:t>
             </a:r>
           </a:p>
         </p:txBody>
@@ -18360,7 +18317,7 @@
           <p:cNvPr id="4" name="Content Placeholder 3">
             <a:extLst>
               <a:ext uri="{FF2B5EF4-FFF2-40B4-BE49-F238E27FC236}">
-                <a16:creationId xmlns:a16="http://schemas.microsoft.com/office/drawing/2014/main" id="{EA1C3B4B-27E0-48C6-BD24-1444DD46ED0A}"/>
+                <a16:creationId xmlns:a16="http://schemas.microsoft.com/office/drawing/2014/main" id="{CDE237F4-D8FA-4EB0-8875-57E81F3EA824}"/>
               </a:ext>
             </a:extLst>
           </p:cNvPr>
@@ -18374,34 +18331,32 @@
         <p:spPr>
           <a:xfrm>
             <a:off x="839788" y="2558237"/>
-            <a:ext cx="3200400" cy="3684588"/>
+            <a:ext cx="5157787" cy="3684588"/>
           </a:xfrm>
         </p:spPr>
         <p:txBody>
-          <a:bodyPr>
-            <a:normAutofit/>
-          </a:bodyPr>
+          <a:bodyPr/>
           <a:lstStyle/>
           <a:p>
-            <a:pPr lvl="0"/>
             <a:r>
               <a:rPr lang="en-US" dirty="0"/>
               <a:t>Add text, images, art, and videos. </a:t>
             </a:r>
           </a:p>
           <a:p>
-            <a:pPr lvl="0"/>
             <a:r>
               <a:rPr lang="en-US" dirty="0"/>
               <a:t>Add transitions, animations, and motion. </a:t>
             </a:r>
           </a:p>
           <a:p>
-            <a:pPr lvl="0"/>
             <a:r>
               <a:rPr lang="en-US" dirty="0"/>
-              <a:t>Save to OneDrive, to get to your presentations from your computer, tablet, or phone.</a:t>
-            </a:r>
+              <a:t>Save to OneDrive, to get to your presentations from your computer, tablet, or phone. </a:t>
+            </a:r>
+          </a:p>
+          <a:p>
+            <a:endParaRPr lang="en-US" dirty="0"/>
           </a:p>
         </p:txBody>
       </p:sp>
@@ -18410,7 +18365,7 @@
           <p:cNvPr id="5" name="Text Placeholder 4">
             <a:extLst>
               <a:ext uri="{FF2B5EF4-FFF2-40B4-BE49-F238E27FC236}">
-                <a16:creationId xmlns:a16="http://schemas.microsoft.com/office/drawing/2014/main" id="{ECAC1A88-D97A-4F1E-9C4A-665733C70659}"/>
+                <a16:creationId xmlns:a16="http://schemas.microsoft.com/office/drawing/2014/main" id="{77A2ABE5-0226-49ED-8CCF-C68A5DC8C37A}"/>
               </a:ext>
             </a:extLst>
           </p:cNvPr>
@@ -18423,8 +18378,8 @@
         </p:nvSpPr>
         <p:spPr>
           <a:xfrm>
-            <a:off x="4495800" y="1734325"/>
-            <a:ext cx="3200400" cy="823912"/>
+            <a:off x="6172200" y="1734325"/>
+            <a:ext cx="5183188" cy="823912"/>
           </a:xfrm>
         </p:spPr>
         <p:txBody>
@@ -18433,7 +18388,7 @@
           <a:p>
             <a:r>
               <a:rPr lang="en-US" dirty="0"/>
-              <a:t>summary</a:t>
+              <a:t>SUMMARY</a:t>
             </a:r>
           </a:p>
         </p:txBody>
@@ -18443,7 +18398,7 @@
           <p:cNvPr id="6" name="Content Placeholder 5">
             <a:extLst>
               <a:ext uri="{FF2B5EF4-FFF2-40B4-BE49-F238E27FC236}">
-                <a16:creationId xmlns:a16="http://schemas.microsoft.com/office/drawing/2014/main" id="{DFB55301-A78F-4ECA-BBC5-6ADBA8452BD6}"/>
+                <a16:creationId xmlns:a16="http://schemas.microsoft.com/office/drawing/2014/main" id="{B05028CE-DA21-47EC-B483-3CE6A8E62CF1}"/>
               </a:ext>
             </a:extLst>
           </p:cNvPr>
@@ -18456,14 +18411,12 @@
         </p:nvSpPr>
         <p:spPr>
           <a:xfrm>
-            <a:off x="4495800" y="2558237"/>
-            <a:ext cx="3200400" cy="3684588"/>
+            <a:off x="6172200" y="2558237"/>
+            <a:ext cx="5183188" cy="3684588"/>
           </a:xfrm>
         </p:spPr>
         <p:txBody>
-          <a:bodyPr>
-            <a:normAutofit/>
-          </a:bodyPr>
+          <a:bodyPr/>
           <a:lstStyle/>
           <a:p>
             <a:r>
@@ -18474,92 +18427,17 @@
           <a:p>
             <a:r>
               <a:rPr lang="en-US" dirty="0"/>
-              <a:t>When we have design ideas, we’ll show them to you right there.</a:t>
-            </a:r>
-          </a:p>
-        </p:txBody>
-      </p:sp>
-      <p:sp>
-        <p:nvSpPr>
-          <p:cNvPr id="7" name="Text Placeholder 6">
-            <a:extLst>
-              <a:ext uri="{FF2B5EF4-FFF2-40B4-BE49-F238E27FC236}">
-                <a16:creationId xmlns:a16="http://schemas.microsoft.com/office/drawing/2014/main" id="{35BB4409-7785-40D0-9762-248A959B6DE2}"/>
-              </a:ext>
-            </a:extLst>
-          </p:cNvPr>
-          <p:cNvSpPr>
-            <a:spLocks noGrp="1"/>
-          </p:cNvSpPr>
-          <p:nvPr>
-            <p:ph type="body" sz="quarter" idx="13"/>
-          </p:nvPr>
-        </p:nvSpPr>
-        <p:spPr>
-          <a:xfrm>
-            <a:off x="8151812" y="1734325"/>
-            <a:ext cx="3200400" cy="823912"/>
-          </a:xfrm>
-        </p:spPr>
-        <p:txBody>
-          <a:bodyPr/>
-          <a:lstStyle/>
-          <a:p>
-            <a:r>
-              <a:rPr lang="en-US" dirty="0"/>
-              <a:t>summary</a:t>
-            </a:r>
-          </a:p>
-        </p:txBody>
-      </p:sp>
-      <p:sp>
-        <p:nvSpPr>
-          <p:cNvPr id="8" name="Content Placeholder 7">
-            <a:extLst>
-              <a:ext uri="{FF2B5EF4-FFF2-40B4-BE49-F238E27FC236}">
-                <a16:creationId xmlns:a16="http://schemas.microsoft.com/office/drawing/2014/main" id="{978066DD-B3C1-4D98-8770-51E4077B46C0}"/>
-              </a:ext>
-            </a:extLst>
-          </p:cNvPr>
-          <p:cNvSpPr>
-            <a:spLocks noGrp="1"/>
-          </p:cNvSpPr>
-          <p:nvPr>
-            <p:ph sz="quarter" idx="14"/>
-          </p:nvPr>
-        </p:nvSpPr>
-        <p:spPr>
-          <a:xfrm>
-            <a:off x="8151812" y="2558237"/>
-            <a:ext cx="3200400" cy="3684588"/>
-          </a:xfrm>
-        </p:spPr>
-        <p:txBody>
-          <a:bodyPr>
-            <a:normAutofit/>
-          </a:bodyPr>
-          <a:lstStyle/>
-          <a:p>
-            <a:r>
-              <a:rPr lang="en-US" dirty="0"/>
-              <a:t>This PowerPoint theme uses its own unique set of colors, fonts, and effects to create the overall look and feel of these slides. </a:t>
-            </a:r>
-          </a:p>
-          <a:p>
-            <a:r>
-              <a:rPr lang="en-US"/>
-              <a:t>PowerPoint has tons of themes to give your presentation just the right personality. </a:t>
-            </a:r>
-            <a:endParaRPr lang="en-US" dirty="0"/>
-          </a:p>
-        </p:txBody>
-      </p:sp>
-      <p:sp>
-        <p:nvSpPr>
-          <p:cNvPr id="12" name="Footer Placeholder 11">
-            <a:extLst>
-              <a:ext uri="{FF2B5EF4-FFF2-40B4-BE49-F238E27FC236}">
-                <a16:creationId xmlns:a16="http://schemas.microsoft.com/office/drawing/2014/main" id="{64A4EE82-5E82-4F50-9452-91AD29BC019C}"/>
+              <a:t>When we have design ideas, we’ll show them to you right there. </a:t>
+            </a:r>
+          </a:p>
+        </p:txBody>
+      </p:sp>
+      <p:sp>
+        <p:nvSpPr>
+          <p:cNvPr id="8" name="Footer Placeholder 7">
+            <a:extLst>
+              <a:ext uri="{FF2B5EF4-FFF2-40B4-BE49-F238E27FC236}">
+                <a16:creationId xmlns:a16="http://schemas.microsoft.com/office/drawing/2014/main" id="{1CB6C385-03DD-40B8-8F1B-4E62C60C85AA}"/>
               </a:ext>
             </a:extLst>
           </p:cNvPr>
@@ -18589,10 +18467,10 @@
       </p:sp>
       <p:sp>
         <p:nvSpPr>
-          <p:cNvPr id="11" name="Date Placeholder 10">
-            <a:extLst>
-              <a:ext uri="{FF2B5EF4-FFF2-40B4-BE49-F238E27FC236}">
-                <a16:creationId xmlns:a16="http://schemas.microsoft.com/office/drawing/2014/main" id="{196AD7FA-BD30-47CA-B1E9-5A3261C7892A}"/>
+          <p:cNvPr id="7" name="Date Placeholder 6">
+            <a:extLst>
+              <a:ext uri="{FF2B5EF4-FFF2-40B4-BE49-F238E27FC236}">
+                <a16:creationId xmlns:a16="http://schemas.microsoft.com/office/drawing/2014/main" id="{AF3C5F2A-97FD-42D5-B08A-F20B3EFD7D84}"/>
               </a:ext>
             </a:extLst>
           </p:cNvPr>
@@ -18622,10 +18500,10 @@
       </p:sp>
       <p:sp>
         <p:nvSpPr>
-          <p:cNvPr id="13" name="Slide Number Placeholder 12">
-            <a:extLst>
-              <a:ext uri="{FF2B5EF4-FFF2-40B4-BE49-F238E27FC236}">
-                <a16:creationId xmlns:a16="http://schemas.microsoft.com/office/drawing/2014/main" id="{BF6287AF-451B-4FEA-A984-C734DD46F5F2}"/>
+          <p:cNvPr id="9" name="Slide Number Placeholder 8">
+            <a:extLst>
+              <a:ext uri="{FF2B5EF4-FFF2-40B4-BE49-F238E27FC236}">
+                <a16:creationId xmlns:a16="http://schemas.microsoft.com/office/drawing/2014/main" id="{203229A0-1321-49E2-9958-3B1F86E2CC8F}"/>
               </a:ext>
             </a:extLst>
           </p:cNvPr>
@@ -18658,7 +18536,7 @@
     </p:spTree>
     <p:extLst>
       <p:ext uri="{BB962C8B-B14F-4D97-AF65-F5344CB8AC3E}">
-        <p14:creationId xmlns:p14="http://schemas.microsoft.com/office/powerpoint/2010/main" val="4081779217"/>
+        <p14:creationId xmlns:p14="http://schemas.microsoft.com/office/powerpoint/2010/main" val="742158403"/>
       </p:ext>
     </p:extLst>
   </p:cSld>
@@ -18690,7 +18568,7 @@
           <p:cNvPr id="2" name="Title 1">
             <a:extLst>
               <a:ext uri="{FF2B5EF4-FFF2-40B4-BE49-F238E27FC236}">
-                <a16:creationId xmlns:a16="http://schemas.microsoft.com/office/drawing/2014/main" id="{38DE2E09-3A82-4E32-88E3-59E694EFE546}"/>
+                <a16:creationId xmlns:a16="http://schemas.microsoft.com/office/drawing/2014/main" id="{F479E736-254A-4657-A88B-DE71C47DA880}"/>
               </a:ext>
             </a:extLst>
           </p:cNvPr>
@@ -18703,8 +18581,8 @@
         </p:nvSpPr>
         <p:spPr>
           <a:xfrm>
-            <a:off x="1143001" y="533400"/>
-            <a:ext cx="5496636" cy="1685898"/>
+            <a:off x="839788" y="365125"/>
+            <a:ext cx="10515600" cy="1325563"/>
           </a:xfrm>
         </p:spPr>
         <p:txBody>
@@ -18713,31 +18591,31 @@
           <a:p>
             <a:r>
               <a:rPr lang="en-US" dirty="0"/>
-              <a:t>Summary</a:t>
-            </a:r>
-          </a:p>
-        </p:txBody>
-      </p:sp>
-      <p:sp>
-        <p:nvSpPr>
-          <p:cNvPr id="3" name="Content Placeholder 2">
-            <a:extLst>
-              <a:ext uri="{FF2B5EF4-FFF2-40B4-BE49-F238E27FC236}">
-                <a16:creationId xmlns:a16="http://schemas.microsoft.com/office/drawing/2014/main" id="{9925E272-AF60-4462-95A9-115739F781AE}"/>
-              </a:ext>
-            </a:extLst>
-          </p:cNvPr>
-          <p:cNvSpPr>
-            <a:spLocks noGrp="1"/>
-          </p:cNvSpPr>
-          <p:nvPr>
-            <p:ph idx="1"/>
+              <a:t>Content 2</a:t>
+            </a:r>
+          </a:p>
+        </p:txBody>
+      </p:sp>
+      <p:sp>
+        <p:nvSpPr>
+          <p:cNvPr id="3" name="Text Placeholder 2">
+            <a:extLst>
+              <a:ext uri="{FF2B5EF4-FFF2-40B4-BE49-F238E27FC236}">
+                <a16:creationId xmlns:a16="http://schemas.microsoft.com/office/drawing/2014/main" id="{DFAB32D2-0B50-4101-875F-A81D7538524C}"/>
+              </a:ext>
+            </a:extLst>
+          </p:cNvPr>
+          <p:cNvSpPr>
+            <a:spLocks noGrp="1"/>
+          </p:cNvSpPr>
+          <p:nvPr>
+            <p:ph type="body" idx="1"/>
           </p:nvPr>
         </p:nvSpPr>
         <p:spPr>
           <a:xfrm>
-            <a:off x="1143001" y="2229347"/>
-            <a:ext cx="5496636" cy="3821743"/>
+            <a:off x="839788" y="1734325"/>
+            <a:ext cx="3200400" cy="823912"/>
           </a:xfrm>
         </p:spPr>
         <p:txBody>
@@ -18746,17 +18624,216 @@
           <a:p>
             <a:r>
               <a:rPr lang="en-US" dirty="0"/>
-              <a:t>With PowerPoint, you can create presentations and share your work with others, wherever they are. Type the text you want here to get started. You can also add images, art, and videos on this template. Save to OneDrive and access your presentations from your computer, tablet, or phone. </a:t>
-            </a:r>
-          </a:p>
-        </p:txBody>
-      </p:sp>
-      <p:sp>
-        <p:nvSpPr>
-          <p:cNvPr id="17" name="Footer Placeholder 16">
-            <a:extLst>
-              <a:ext uri="{FF2B5EF4-FFF2-40B4-BE49-F238E27FC236}">
-                <a16:creationId xmlns:a16="http://schemas.microsoft.com/office/drawing/2014/main" id="{A372FF69-5317-4BE5-B218-0E85D7FE0FB1}"/>
+              <a:t>Summary	</a:t>
+            </a:r>
+          </a:p>
+        </p:txBody>
+      </p:sp>
+      <p:sp>
+        <p:nvSpPr>
+          <p:cNvPr id="4" name="Content Placeholder 3">
+            <a:extLst>
+              <a:ext uri="{FF2B5EF4-FFF2-40B4-BE49-F238E27FC236}">
+                <a16:creationId xmlns:a16="http://schemas.microsoft.com/office/drawing/2014/main" id="{EA1C3B4B-27E0-48C6-BD24-1444DD46ED0A}"/>
+              </a:ext>
+            </a:extLst>
+          </p:cNvPr>
+          <p:cNvSpPr>
+            <a:spLocks noGrp="1"/>
+          </p:cNvSpPr>
+          <p:nvPr>
+            <p:ph sz="half" idx="2"/>
+          </p:nvPr>
+        </p:nvSpPr>
+        <p:spPr>
+          <a:xfrm>
+            <a:off x="839788" y="2558237"/>
+            <a:ext cx="3200400" cy="3684588"/>
+          </a:xfrm>
+        </p:spPr>
+        <p:txBody>
+          <a:bodyPr>
+            <a:normAutofit/>
+          </a:bodyPr>
+          <a:lstStyle/>
+          <a:p>
+            <a:pPr lvl="0"/>
+            <a:r>
+              <a:rPr lang="en-US" dirty="0"/>
+              <a:t>Add text, images, art, and videos. </a:t>
+            </a:r>
+          </a:p>
+          <a:p>
+            <a:pPr lvl="0"/>
+            <a:r>
+              <a:rPr lang="en-US" dirty="0"/>
+              <a:t>Add transitions, animations, and motion. </a:t>
+            </a:r>
+          </a:p>
+          <a:p>
+            <a:pPr lvl="0"/>
+            <a:r>
+              <a:rPr lang="en-US" dirty="0"/>
+              <a:t>Save to OneDrive, to get to your presentations from your computer, tablet, or phone.</a:t>
+            </a:r>
+          </a:p>
+        </p:txBody>
+      </p:sp>
+      <p:sp>
+        <p:nvSpPr>
+          <p:cNvPr id="5" name="Text Placeholder 4">
+            <a:extLst>
+              <a:ext uri="{FF2B5EF4-FFF2-40B4-BE49-F238E27FC236}">
+                <a16:creationId xmlns:a16="http://schemas.microsoft.com/office/drawing/2014/main" id="{ECAC1A88-D97A-4F1E-9C4A-665733C70659}"/>
+              </a:ext>
+            </a:extLst>
+          </p:cNvPr>
+          <p:cNvSpPr>
+            <a:spLocks noGrp="1"/>
+          </p:cNvSpPr>
+          <p:nvPr>
+            <p:ph type="body" sz="quarter" idx="3"/>
+          </p:nvPr>
+        </p:nvSpPr>
+        <p:spPr>
+          <a:xfrm>
+            <a:off x="4495800" y="1734325"/>
+            <a:ext cx="3200400" cy="823912"/>
+          </a:xfrm>
+        </p:spPr>
+        <p:txBody>
+          <a:bodyPr/>
+          <a:lstStyle/>
+          <a:p>
+            <a:r>
+              <a:rPr lang="en-US" dirty="0"/>
+              <a:t>summary</a:t>
+            </a:r>
+          </a:p>
+        </p:txBody>
+      </p:sp>
+      <p:sp>
+        <p:nvSpPr>
+          <p:cNvPr id="6" name="Content Placeholder 5">
+            <a:extLst>
+              <a:ext uri="{FF2B5EF4-FFF2-40B4-BE49-F238E27FC236}">
+                <a16:creationId xmlns:a16="http://schemas.microsoft.com/office/drawing/2014/main" id="{DFB55301-A78F-4ECA-BBC5-6ADBA8452BD6}"/>
+              </a:ext>
+            </a:extLst>
+          </p:cNvPr>
+          <p:cNvSpPr>
+            <a:spLocks noGrp="1"/>
+          </p:cNvSpPr>
+          <p:nvPr>
+            <p:ph sz="quarter" idx="4"/>
+          </p:nvPr>
+        </p:nvSpPr>
+        <p:spPr>
+          <a:xfrm>
+            <a:off x="4495800" y="2558237"/>
+            <a:ext cx="3200400" cy="3684588"/>
+          </a:xfrm>
+        </p:spPr>
+        <p:txBody>
+          <a:bodyPr>
+            <a:normAutofit/>
+          </a:bodyPr>
+          <a:lstStyle/>
+          <a:p>
+            <a:r>
+              <a:rPr lang="en-US" dirty="0"/>
+              <a:t>Open the Design Ideas pane for instant slide makeovers. </a:t>
+            </a:r>
+          </a:p>
+          <a:p>
+            <a:r>
+              <a:rPr lang="en-US" dirty="0"/>
+              <a:t>When we have design ideas, we’ll show them to you right there.</a:t>
+            </a:r>
+          </a:p>
+        </p:txBody>
+      </p:sp>
+      <p:sp>
+        <p:nvSpPr>
+          <p:cNvPr id="7" name="Text Placeholder 6">
+            <a:extLst>
+              <a:ext uri="{FF2B5EF4-FFF2-40B4-BE49-F238E27FC236}">
+                <a16:creationId xmlns:a16="http://schemas.microsoft.com/office/drawing/2014/main" id="{35BB4409-7785-40D0-9762-248A959B6DE2}"/>
+              </a:ext>
+            </a:extLst>
+          </p:cNvPr>
+          <p:cNvSpPr>
+            <a:spLocks noGrp="1"/>
+          </p:cNvSpPr>
+          <p:nvPr>
+            <p:ph type="body" sz="quarter" idx="13"/>
+          </p:nvPr>
+        </p:nvSpPr>
+        <p:spPr>
+          <a:xfrm>
+            <a:off x="8151812" y="1734325"/>
+            <a:ext cx="3200400" cy="823912"/>
+          </a:xfrm>
+        </p:spPr>
+        <p:txBody>
+          <a:bodyPr/>
+          <a:lstStyle/>
+          <a:p>
+            <a:r>
+              <a:rPr lang="en-US" dirty="0"/>
+              <a:t>summary</a:t>
+            </a:r>
+          </a:p>
+        </p:txBody>
+      </p:sp>
+      <p:sp>
+        <p:nvSpPr>
+          <p:cNvPr id="8" name="Content Placeholder 7">
+            <a:extLst>
+              <a:ext uri="{FF2B5EF4-FFF2-40B4-BE49-F238E27FC236}">
+                <a16:creationId xmlns:a16="http://schemas.microsoft.com/office/drawing/2014/main" id="{978066DD-B3C1-4D98-8770-51E4077B46C0}"/>
+              </a:ext>
+            </a:extLst>
+          </p:cNvPr>
+          <p:cNvSpPr>
+            <a:spLocks noGrp="1"/>
+          </p:cNvSpPr>
+          <p:nvPr>
+            <p:ph sz="quarter" idx="14"/>
+          </p:nvPr>
+        </p:nvSpPr>
+        <p:spPr>
+          <a:xfrm>
+            <a:off x="8151812" y="2558237"/>
+            <a:ext cx="3200400" cy="3684588"/>
+          </a:xfrm>
+        </p:spPr>
+        <p:txBody>
+          <a:bodyPr>
+            <a:normAutofit/>
+          </a:bodyPr>
+          <a:lstStyle/>
+          <a:p>
+            <a:r>
+              <a:rPr lang="en-US" dirty="0"/>
+              <a:t>This PowerPoint theme uses its own unique set of colors, fonts, and effects to create the overall look and feel of these slides. </a:t>
+            </a:r>
+          </a:p>
+          <a:p>
+            <a:r>
+              <a:rPr lang="en-US"/>
+              <a:t>PowerPoint has tons of themes to give your presentation just the right personality. </a:t>
+            </a:r>
+            <a:endParaRPr lang="en-US" dirty="0"/>
+          </a:p>
+        </p:txBody>
+      </p:sp>
+      <p:sp>
+        <p:nvSpPr>
+          <p:cNvPr id="12" name="Footer Placeholder 11">
+            <a:extLst>
+              <a:ext uri="{FF2B5EF4-FFF2-40B4-BE49-F238E27FC236}">
+                <a16:creationId xmlns:a16="http://schemas.microsoft.com/office/drawing/2014/main" id="{64A4EE82-5E82-4F50-9452-91AD29BC019C}"/>
               </a:ext>
             </a:extLst>
           </p:cNvPr>
@@ -18784,148 +18861,12 @@
           </a:p>
         </p:txBody>
       </p:sp>
-      <p:pic>
-        <p:nvPicPr>
-          <p:cNvPr id="68" name="Picture Placeholder 67" descr="View of city buildings over the water">
-            <a:extLst>
-              <a:ext uri="{FF2B5EF4-FFF2-40B4-BE49-F238E27FC236}">
-                <a16:creationId xmlns:a16="http://schemas.microsoft.com/office/drawing/2014/main" id="{C700B77F-91C5-4642-9ABF-EA81F3CF6916}"/>
-              </a:ext>
-            </a:extLst>
-          </p:cNvPr>
-          <p:cNvPicPr>
-            <a:picLocks noGrp="1" noChangeAspect="1"/>
-          </p:cNvPicPr>
-          <p:nvPr>
-            <p:ph type="pic" sz="quarter" idx="14"/>
-          </p:nvPr>
-        </p:nvPicPr>
-        <p:blipFill rotWithShape="1">
-          <a:blip r:embed="rId2">
-            <a:extLst>
-              <a:ext uri="{28A0092B-C50C-407E-A947-70E740481C1C}">
-                <a14:useLocalDpi xmlns:a14="http://schemas.microsoft.com/office/drawing/2010/main"/>
-              </a:ext>
-            </a:extLst>
-          </a:blip>
-          <a:srcRect/>
-          <a:stretch/>
-        </p:blipFill>
-        <p:spPr>
-          <a:xfrm>
-            <a:off x="7186070" y="0"/>
-            <a:ext cx="2463897" cy="3429000"/>
-          </a:xfrm>
-        </p:spPr>
-      </p:pic>
-      <p:pic>
-        <p:nvPicPr>
-          <p:cNvPr id="72" name="Picture Placeholder 71" descr="A picture containing blue glass buildings with reflection">
-            <a:extLst>
-              <a:ext uri="{FF2B5EF4-FFF2-40B4-BE49-F238E27FC236}">
-                <a16:creationId xmlns:a16="http://schemas.microsoft.com/office/drawing/2014/main" id="{781FD203-6B96-4232-92C2-850AD4DA0F7D}"/>
-              </a:ext>
-            </a:extLst>
-          </p:cNvPr>
-          <p:cNvPicPr>
-            <a:picLocks noGrp="1" noChangeAspect="1"/>
-          </p:cNvPicPr>
-          <p:nvPr>
-            <p:ph type="pic" sz="quarter" idx="13"/>
-          </p:nvPr>
-        </p:nvPicPr>
-        <p:blipFill rotWithShape="1">
-          <a:blip r:embed="rId3">
-            <a:extLst>
-              <a:ext uri="{28A0092B-C50C-407E-A947-70E740481C1C}">
-                <a14:useLocalDpi xmlns:a14="http://schemas.microsoft.com/office/drawing/2010/main"/>
-              </a:ext>
-            </a:extLst>
-          </a:blip>
-          <a:srcRect/>
-          <a:stretch/>
-        </p:blipFill>
-        <p:spPr>
-          <a:xfrm>
-            <a:off x="9649155" y="0"/>
-            <a:ext cx="2539797" cy="3429000"/>
-          </a:xfrm>
-        </p:spPr>
-      </p:pic>
-      <p:pic>
-        <p:nvPicPr>
-          <p:cNvPr id="74" name="Picture Placeholder 73" descr="Aerial view of city buildings at sunset">
-            <a:extLst>
-              <a:ext uri="{FF2B5EF4-FFF2-40B4-BE49-F238E27FC236}">
-                <a16:creationId xmlns:a16="http://schemas.microsoft.com/office/drawing/2014/main" id="{A84AF2F7-9744-4960-8C3C-77190198196B}"/>
-              </a:ext>
-            </a:extLst>
-          </p:cNvPr>
-          <p:cNvPicPr>
-            <a:picLocks noGrp="1" noChangeAspect="1"/>
-          </p:cNvPicPr>
-          <p:nvPr>
-            <p:ph type="pic" sz="quarter" idx="16"/>
-          </p:nvPr>
-        </p:nvPicPr>
-        <p:blipFill rotWithShape="1">
-          <a:blip r:embed="rId4">
-            <a:extLst>
-              <a:ext uri="{28A0092B-C50C-407E-A947-70E740481C1C}">
-                <a14:useLocalDpi xmlns:a14="http://schemas.microsoft.com/office/drawing/2010/main"/>
-              </a:ext>
-            </a:extLst>
-          </a:blip>
-          <a:srcRect/>
-          <a:stretch/>
-        </p:blipFill>
-        <p:spPr>
-          <a:xfrm>
-            <a:off x="7186070" y="3383280"/>
-            <a:ext cx="2463897" cy="3474720"/>
-          </a:xfrm>
-        </p:spPr>
-      </p:pic>
-      <p:pic>
-        <p:nvPicPr>
-          <p:cNvPr id="78" name="Picture Placeholder 77" descr="View of city buildings over the water from a track">
-            <a:extLst>
-              <a:ext uri="{FF2B5EF4-FFF2-40B4-BE49-F238E27FC236}">
-                <a16:creationId xmlns:a16="http://schemas.microsoft.com/office/drawing/2014/main" id="{D76BFBCE-A55E-4F19-9A0A-78307FDBE964}"/>
-              </a:ext>
-            </a:extLst>
-          </p:cNvPr>
-          <p:cNvPicPr>
-            <a:picLocks noGrp="1" noChangeAspect="1"/>
-          </p:cNvPicPr>
-          <p:nvPr>
-            <p:ph type="pic" sz="quarter" idx="15"/>
-          </p:nvPr>
-        </p:nvPicPr>
-        <p:blipFill rotWithShape="1">
-          <a:blip r:embed="rId5">
-            <a:extLst>
-              <a:ext uri="{28A0092B-C50C-407E-A947-70E740481C1C}">
-                <a14:useLocalDpi xmlns:a14="http://schemas.microsoft.com/office/drawing/2010/main"/>
-              </a:ext>
-            </a:extLst>
-          </a:blip>
-          <a:srcRect/>
-          <a:stretch/>
-        </p:blipFill>
-        <p:spPr>
-          <a:xfrm>
-            <a:off x="9649155" y="3383280"/>
-            <a:ext cx="2539797" cy="3474720"/>
-          </a:xfrm>
-        </p:spPr>
-      </p:pic>
-      <p:sp>
-        <p:nvSpPr>
-          <p:cNvPr id="16" name="Date Placeholder 15">
-            <a:extLst>
-              <a:ext uri="{FF2B5EF4-FFF2-40B4-BE49-F238E27FC236}">
-                <a16:creationId xmlns:a16="http://schemas.microsoft.com/office/drawing/2014/main" id="{4A857185-E16C-40A5-8032-8049177473D1}"/>
+      <p:sp>
+        <p:nvSpPr>
+          <p:cNvPr id="11" name="Date Placeholder 10">
+            <a:extLst>
+              <a:ext uri="{FF2B5EF4-FFF2-40B4-BE49-F238E27FC236}">
+                <a16:creationId xmlns:a16="http://schemas.microsoft.com/office/drawing/2014/main" id="{196AD7FA-BD30-47CA-B1E9-5A3261C7892A}"/>
               </a:ext>
             </a:extLst>
           </p:cNvPr>
@@ -18955,10 +18896,10 @@
       </p:sp>
       <p:sp>
         <p:nvSpPr>
-          <p:cNvPr id="18" name="Slide Number Placeholder 17">
-            <a:extLst>
-              <a:ext uri="{FF2B5EF4-FFF2-40B4-BE49-F238E27FC236}">
-                <a16:creationId xmlns:a16="http://schemas.microsoft.com/office/drawing/2014/main" id="{70961BC8-7B79-40B2-B578-4EB512140BBB}"/>
+          <p:cNvPr id="13" name="Slide Number Placeholder 12">
+            <a:extLst>
+              <a:ext uri="{FF2B5EF4-FFF2-40B4-BE49-F238E27FC236}">
+                <a16:creationId xmlns:a16="http://schemas.microsoft.com/office/drawing/2014/main" id="{BF6287AF-451B-4FEA-A984-C734DD46F5F2}"/>
               </a:ext>
             </a:extLst>
           </p:cNvPr>
@@ -18991,7 +18932,7 @@
     </p:spTree>
     <p:extLst>
       <p:ext uri="{BB962C8B-B14F-4D97-AF65-F5344CB8AC3E}">
-        <p14:creationId xmlns:p14="http://schemas.microsoft.com/office/powerpoint/2010/main" val="3495264433"/>
+        <p14:creationId xmlns:p14="http://schemas.microsoft.com/office/powerpoint/2010/main" val="4081779217"/>
       </p:ext>
     </p:extLst>
   </p:cSld>
@@ -19023,6 +18964,339 @@
           <p:cNvPr id="2" name="Title 1">
             <a:extLst>
               <a:ext uri="{FF2B5EF4-FFF2-40B4-BE49-F238E27FC236}">
+                <a16:creationId xmlns:a16="http://schemas.microsoft.com/office/drawing/2014/main" id="{38DE2E09-3A82-4E32-88E3-59E694EFE546}"/>
+              </a:ext>
+            </a:extLst>
+          </p:cNvPr>
+          <p:cNvSpPr>
+            <a:spLocks noGrp="1"/>
+          </p:cNvSpPr>
+          <p:nvPr>
+            <p:ph type="title"/>
+          </p:nvPr>
+        </p:nvSpPr>
+        <p:spPr>
+          <a:xfrm>
+            <a:off x="1143001" y="533400"/>
+            <a:ext cx="5496636" cy="1685898"/>
+          </a:xfrm>
+        </p:spPr>
+        <p:txBody>
+          <a:bodyPr/>
+          <a:lstStyle/>
+          <a:p>
+            <a:r>
+              <a:rPr lang="en-US" dirty="0"/>
+              <a:t>Summary</a:t>
+            </a:r>
+          </a:p>
+        </p:txBody>
+      </p:sp>
+      <p:sp>
+        <p:nvSpPr>
+          <p:cNvPr id="3" name="Content Placeholder 2">
+            <a:extLst>
+              <a:ext uri="{FF2B5EF4-FFF2-40B4-BE49-F238E27FC236}">
+                <a16:creationId xmlns:a16="http://schemas.microsoft.com/office/drawing/2014/main" id="{9925E272-AF60-4462-95A9-115739F781AE}"/>
+              </a:ext>
+            </a:extLst>
+          </p:cNvPr>
+          <p:cNvSpPr>
+            <a:spLocks noGrp="1"/>
+          </p:cNvSpPr>
+          <p:nvPr>
+            <p:ph idx="1"/>
+          </p:nvPr>
+        </p:nvSpPr>
+        <p:spPr>
+          <a:xfrm>
+            <a:off x="1143001" y="2229347"/>
+            <a:ext cx="5496636" cy="3821743"/>
+          </a:xfrm>
+        </p:spPr>
+        <p:txBody>
+          <a:bodyPr/>
+          <a:lstStyle/>
+          <a:p>
+            <a:r>
+              <a:rPr lang="en-US" dirty="0"/>
+              <a:t>With PowerPoint, you can create presentations and share your work with others, wherever they are. Type the text you want here to get started. You can also add images, art, and videos on this template. Save to OneDrive and access your presentations from your computer, tablet, or phone. </a:t>
+            </a:r>
+          </a:p>
+        </p:txBody>
+      </p:sp>
+      <p:sp>
+        <p:nvSpPr>
+          <p:cNvPr id="17" name="Footer Placeholder 16">
+            <a:extLst>
+              <a:ext uri="{FF2B5EF4-FFF2-40B4-BE49-F238E27FC236}">
+                <a16:creationId xmlns:a16="http://schemas.microsoft.com/office/drawing/2014/main" id="{A372FF69-5317-4BE5-B218-0E85D7FE0FB1}"/>
+              </a:ext>
+            </a:extLst>
+          </p:cNvPr>
+          <p:cNvSpPr>
+            <a:spLocks noGrp="1"/>
+          </p:cNvSpPr>
+          <p:nvPr>
+            <p:ph type="ftr" sz="quarter" idx="11"/>
+          </p:nvPr>
+        </p:nvSpPr>
+        <p:spPr>
+          <a:xfrm>
+            <a:off x="154429" y="6398878"/>
+            <a:ext cx="4497315" cy="365125"/>
+          </a:xfrm>
+        </p:spPr>
+        <p:txBody>
+          <a:bodyPr/>
+          <a:lstStyle/>
+          <a:p>
+            <a:r>
+              <a:rPr lang="en-US" dirty="0"/>
+              <a:t>Sample Footer Text</a:t>
+            </a:r>
+          </a:p>
+        </p:txBody>
+      </p:sp>
+      <p:pic>
+        <p:nvPicPr>
+          <p:cNvPr id="68" name="Picture Placeholder 67" descr="View of city buildings over the water">
+            <a:extLst>
+              <a:ext uri="{FF2B5EF4-FFF2-40B4-BE49-F238E27FC236}">
+                <a16:creationId xmlns:a16="http://schemas.microsoft.com/office/drawing/2014/main" id="{C700B77F-91C5-4642-9ABF-EA81F3CF6916}"/>
+              </a:ext>
+            </a:extLst>
+          </p:cNvPr>
+          <p:cNvPicPr>
+            <a:picLocks noGrp="1" noChangeAspect="1"/>
+          </p:cNvPicPr>
+          <p:nvPr>
+            <p:ph type="pic" sz="quarter" idx="14"/>
+          </p:nvPr>
+        </p:nvPicPr>
+        <p:blipFill rotWithShape="1">
+          <a:blip r:embed="rId2">
+            <a:extLst>
+              <a:ext uri="{28A0092B-C50C-407E-A947-70E740481C1C}">
+                <a14:useLocalDpi xmlns:a14="http://schemas.microsoft.com/office/drawing/2010/main"/>
+              </a:ext>
+            </a:extLst>
+          </a:blip>
+          <a:srcRect/>
+          <a:stretch/>
+        </p:blipFill>
+        <p:spPr>
+          <a:xfrm>
+            <a:off x="7186070" y="0"/>
+            <a:ext cx="2463897" cy="3429000"/>
+          </a:xfrm>
+        </p:spPr>
+      </p:pic>
+      <p:pic>
+        <p:nvPicPr>
+          <p:cNvPr id="72" name="Picture Placeholder 71" descr="A picture containing blue glass buildings with reflection">
+            <a:extLst>
+              <a:ext uri="{FF2B5EF4-FFF2-40B4-BE49-F238E27FC236}">
+                <a16:creationId xmlns:a16="http://schemas.microsoft.com/office/drawing/2014/main" id="{781FD203-6B96-4232-92C2-850AD4DA0F7D}"/>
+              </a:ext>
+            </a:extLst>
+          </p:cNvPr>
+          <p:cNvPicPr>
+            <a:picLocks noGrp="1" noChangeAspect="1"/>
+          </p:cNvPicPr>
+          <p:nvPr>
+            <p:ph type="pic" sz="quarter" idx="13"/>
+          </p:nvPr>
+        </p:nvPicPr>
+        <p:blipFill rotWithShape="1">
+          <a:blip r:embed="rId3">
+            <a:extLst>
+              <a:ext uri="{28A0092B-C50C-407E-A947-70E740481C1C}">
+                <a14:useLocalDpi xmlns:a14="http://schemas.microsoft.com/office/drawing/2010/main"/>
+              </a:ext>
+            </a:extLst>
+          </a:blip>
+          <a:srcRect/>
+          <a:stretch/>
+        </p:blipFill>
+        <p:spPr>
+          <a:xfrm>
+            <a:off x="9649155" y="0"/>
+            <a:ext cx="2539797" cy="3429000"/>
+          </a:xfrm>
+        </p:spPr>
+      </p:pic>
+      <p:pic>
+        <p:nvPicPr>
+          <p:cNvPr id="74" name="Picture Placeholder 73" descr="Aerial view of city buildings at sunset">
+            <a:extLst>
+              <a:ext uri="{FF2B5EF4-FFF2-40B4-BE49-F238E27FC236}">
+                <a16:creationId xmlns:a16="http://schemas.microsoft.com/office/drawing/2014/main" id="{A84AF2F7-9744-4960-8C3C-77190198196B}"/>
+              </a:ext>
+            </a:extLst>
+          </p:cNvPr>
+          <p:cNvPicPr>
+            <a:picLocks noGrp="1" noChangeAspect="1"/>
+          </p:cNvPicPr>
+          <p:nvPr>
+            <p:ph type="pic" sz="quarter" idx="16"/>
+          </p:nvPr>
+        </p:nvPicPr>
+        <p:blipFill rotWithShape="1">
+          <a:blip r:embed="rId4">
+            <a:extLst>
+              <a:ext uri="{28A0092B-C50C-407E-A947-70E740481C1C}">
+                <a14:useLocalDpi xmlns:a14="http://schemas.microsoft.com/office/drawing/2010/main"/>
+              </a:ext>
+            </a:extLst>
+          </a:blip>
+          <a:srcRect/>
+          <a:stretch/>
+        </p:blipFill>
+        <p:spPr>
+          <a:xfrm>
+            <a:off x="7186070" y="3383280"/>
+            <a:ext cx="2463897" cy="3474720"/>
+          </a:xfrm>
+        </p:spPr>
+      </p:pic>
+      <p:pic>
+        <p:nvPicPr>
+          <p:cNvPr id="78" name="Picture Placeholder 77" descr="View of city buildings over the water from a track">
+            <a:extLst>
+              <a:ext uri="{FF2B5EF4-FFF2-40B4-BE49-F238E27FC236}">
+                <a16:creationId xmlns:a16="http://schemas.microsoft.com/office/drawing/2014/main" id="{D76BFBCE-A55E-4F19-9A0A-78307FDBE964}"/>
+              </a:ext>
+            </a:extLst>
+          </p:cNvPr>
+          <p:cNvPicPr>
+            <a:picLocks noGrp="1" noChangeAspect="1"/>
+          </p:cNvPicPr>
+          <p:nvPr>
+            <p:ph type="pic" sz="quarter" idx="15"/>
+          </p:nvPr>
+        </p:nvPicPr>
+        <p:blipFill rotWithShape="1">
+          <a:blip r:embed="rId5">
+            <a:extLst>
+              <a:ext uri="{28A0092B-C50C-407E-A947-70E740481C1C}">
+                <a14:useLocalDpi xmlns:a14="http://schemas.microsoft.com/office/drawing/2010/main"/>
+              </a:ext>
+            </a:extLst>
+          </a:blip>
+          <a:srcRect/>
+          <a:stretch/>
+        </p:blipFill>
+        <p:spPr>
+          <a:xfrm>
+            <a:off x="9649155" y="3383280"/>
+            <a:ext cx="2539797" cy="3474720"/>
+          </a:xfrm>
+        </p:spPr>
+      </p:pic>
+      <p:sp>
+        <p:nvSpPr>
+          <p:cNvPr id="16" name="Date Placeholder 15">
+            <a:extLst>
+              <a:ext uri="{FF2B5EF4-FFF2-40B4-BE49-F238E27FC236}">
+                <a16:creationId xmlns:a16="http://schemas.microsoft.com/office/drawing/2014/main" id="{4A857185-E16C-40A5-8032-8049177473D1}"/>
+              </a:ext>
+            </a:extLst>
+          </p:cNvPr>
+          <p:cNvSpPr>
+            <a:spLocks noGrp="1"/>
+          </p:cNvSpPr>
+          <p:nvPr>
+            <p:ph type="dt" sz="half" idx="10"/>
+          </p:nvPr>
+        </p:nvSpPr>
+        <p:spPr>
+          <a:xfrm>
+            <a:off x="7337102" y="6398878"/>
+            <a:ext cx="4193908" cy="365125"/>
+          </a:xfrm>
+        </p:spPr>
+        <p:txBody>
+          <a:bodyPr/>
+          <a:lstStyle/>
+          <a:p>
+            <a:r>
+              <a:rPr lang="en-US" dirty="0"/>
+              <a:t>2/7/20XX</a:t>
+            </a:r>
+          </a:p>
+        </p:txBody>
+      </p:sp>
+      <p:sp>
+        <p:nvSpPr>
+          <p:cNvPr id="18" name="Slide Number Placeholder 17">
+            <a:extLst>
+              <a:ext uri="{FF2B5EF4-FFF2-40B4-BE49-F238E27FC236}">
+                <a16:creationId xmlns:a16="http://schemas.microsoft.com/office/drawing/2014/main" id="{70961BC8-7B79-40B2-B578-4EB512140BBB}"/>
+              </a:ext>
+            </a:extLst>
+          </p:cNvPr>
+          <p:cNvSpPr>
+            <a:spLocks noGrp="1"/>
+          </p:cNvSpPr>
+          <p:nvPr>
+            <p:ph type="sldNum" sz="quarter" idx="12"/>
+          </p:nvPr>
+        </p:nvSpPr>
+        <p:spPr>
+          <a:xfrm>
+            <a:off x="11602477" y="6398878"/>
+            <a:ext cx="470887" cy="365125"/>
+          </a:xfrm>
+        </p:spPr>
+        <p:txBody>
+          <a:bodyPr/>
+          <a:lstStyle/>
+          <a:p>
+            <a:fld id="{312CC964-A50B-4C29-B4E4-2C30BB34CCF3}" type="slidenum">
+              <a:rPr lang="en-US" smtClean="0"/>
+              <a:pPr/>
+              <a:t>18</a:t>
+            </a:fld>
+            <a:endParaRPr lang="en-US" dirty="0"/>
+          </a:p>
+        </p:txBody>
+      </p:sp>
+    </p:spTree>
+    <p:extLst>
+      <p:ext uri="{BB962C8B-B14F-4D97-AF65-F5344CB8AC3E}">
+        <p14:creationId xmlns:p14="http://schemas.microsoft.com/office/powerpoint/2010/main" val="3495264433"/>
+      </p:ext>
+    </p:extLst>
+  </p:cSld>
+  <p:clrMapOvr>
+    <a:masterClrMapping/>
+  </p:clrMapOvr>
+</p:sld>
+</file>
+
+<file path=ppt/slides/slide19.xml><?xml version="1.0" encoding="utf-8"?>
+<p:sld xmlns:a="http://schemas.openxmlformats.org/drawingml/2006/main" xmlns:r="http://schemas.openxmlformats.org/officeDocument/2006/relationships" xmlns:p="http://schemas.openxmlformats.org/presentationml/2006/main">
+  <p:cSld>
+    <p:spTree>
+      <p:nvGrpSpPr>
+        <p:cNvPr id="1" name=""/>
+        <p:cNvGrpSpPr/>
+        <p:nvPr/>
+      </p:nvGrpSpPr>
+      <p:grpSpPr>
+        <a:xfrm>
+          <a:off x="0" y="0"/>
+          <a:ext cx="0" cy="0"/>
+          <a:chOff x="0" y="0"/>
+          <a:chExt cx="0" cy="0"/>
+        </a:xfrm>
+      </p:grpSpPr>
+      <p:sp>
+        <p:nvSpPr>
+          <p:cNvPr id="2" name="Title 1">
+            <a:extLst>
+              <a:ext uri="{FF2B5EF4-FFF2-40B4-BE49-F238E27FC236}">
                 <a16:creationId xmlns:a16="http://schemas.microsoft.com/office/drawing/2014/main" id="{17632718-615D-445E-861C-ADF040C4B2A4}"/>
               </a:ext>
             </a:extLst>
@@ -19233,7 +19507,7 @@
             <a:fld id="{312CC964-A50B-4C29-B4E4-2C30BB34CCF3}" type="slidenum">
               <a:rPr lang="en-US" smtClean="0"/>
               <a:pPr/>
-              <a:t>18</a:t>
+              <a:t>19</a:t>
             </a:fld>
             <a:endParaRPr lang="en-US" dirty="0"/>
           </a:p>
@@ -20186,7 +20460,7 @@
             <a:pPr lvl="0"/>
             <a:r>
               <a:rPr lang="en-US" dirty="0"/>
-              <a:t>Pandas and SQL used to clean data</a:t>
+              <a:t>Pandas used to clean data</a:t>
             </a:r>
           </a:p>
           <a:p>
@@ -20226,14 +20500,15 @@
         </p:spPr>
         <p:txBody>
           <a:bodyPr>
-            <a:normAutofit fontScale="85000" lnSpcReduction="10000"/>
+            <a:normAutofit/>
           </a:bodyPr>
           <a:lstStyle/>
           <a:p>
             <a:r>
-              <a:rPr lang="en-US" dirty="0"/>
-              <a:t>Logistic regression and random forest classifier  </a:t>
-            </a:r>
+              <a:rPr lang="en-US" sz="2400" dirty="0"/>
+              <a:t>Data Modeling Implementation</a:t>
+            </a:r>
+            <a:endParaRPr lang="en-US" dirty="0"/>
           </a:p>
         </p:txBody>
       </p:sp>
@@ -20273,8 +20548,32 @@
           <a:p>
             <a:r>
               <a:rPr lang="en-US" dirty="0"/>
-              <a:t>Narrowed down to Price bedroom and property status </a:t>
-            </a:r>
+              <a:t>Narrowed down to Price bedroom and postcode</a:t>
+            </a:r>
+          </a:p>
+          <a:p>
+            <a:r>
+              <a:rPr lang="en-US" dirty="0"/>
+              <a:t>Logistic Regression and Random Forest Classifier</a:t>
+            </a:r>
+          </a:p>
+          <a:p>
+            <a:r>
+              <a:rPr lang="en-US" dirty="0"/>
+              <a:t>R-squared testing</a:t>
+            </a:r>
+          </a:p>
+          <a:p>
+            <a:endParaRPr lang="en-US" dirty="0"/>
+          </a:p>
+          <a:p>
+            <a:endParaRPr lang="en-US" dirty="0"/>
+          </a:p>
+          <a:p>
+            <a:endParaRPr lang="en-US" dirty="0"/>
+          </a:p>
+          <a:p>
+            <a:endParaRPr lang="en-US" dirty="0"/>
           </a:p>
         </p:txBody>
       </p:sp>
@@ -20489,7 +20788,7 @@
             <p:ph idx="1"/>
             <p:extLst>
               <p:ext uri="{D42A27DB-BD31-4B8C-83A1-F6EECF244321}">
-                <p14:modId xmlns:p14="http://schemas.microsoft.com/office/powerpoint/2010/main" val="4288874225"/>
+                <p14:modId xmlns:p14="http://schemas.microsoft.com/office/powerpoint/2010/main" val="3058285707"/>
               </p:ext>
             </p:extLst>
           </p:nvPr>
@@ -20866,7 +21165,7 @@
                       <a:pPr algn="ctr"/>
                       <a:r>
                         <a:rPr lang="en-AU" dirty="0"/>
-                        <a:t>0.9442879</a:t>
+                        <a:t>0.99217527</a:t>
                       </a:r>
                       <a:endParaRPr lang="en-US" dirty="0"/>
                     </a:p>
@@ -20881,7 +21180,7 @@
                       <a:pPr algn="ctr"/>
                       <a:r>
                         <a:rPr lang="en-AU" dirty="0"/>
-                        <a:t>0.9178403</a:t>
+                        <a:t>0.9098591</a:t>
                       </a:r>
                       <a:endParaRPr lang="en-US" dirty="0"/>
                     </a:p>
@@ -21196,7 +21495,7 @@
           <p:cNvPr id="2" name="Title 1">
             <a:extLst>
               <a:ext uri="{FF2B5EF4-FFF2-40B4-BE49-F238E27FC236}">
-                <a16:creationId xmlns:a16="http://schemas.microsoft.com/office/drawing/2014/main" id="{4D18CD2A-2EC1-4055-AE20-4A35A1794F1C}"/>
+                <a16:creationId xmlns:a16="http://schemas.microsoft.com/office/drawing/2014/main" id="{973992A4-0D40-4A0F-BB3B-3E1AE6C3BF9D}"/>
               </a:ext>
             </a:extLst>
           </p:cNvPr>
@@ -21209,87 +21508,248 @@
         </p:nvSpPr>
         <p:spPr>
           <a:xfrm>
-            <a:off x="839788" y="365125"/>
-            <a:ext cx="10515600" cy="1325563"/>
+            <a:off x="1143000" y="533401"/>
+            <a:ext cx="9906000" cy="1382156"/>
           </a:xfrm>
         </p:spPr>
         <p:txBody>
-          <a:bodyPr/>
+          <a:bodyPr>
+            <a:normAutofit/>
+          </a:bodyPr>
           <a:lstStyle/>
           <a:p>
             <a:r>
-              <a:rPr lang="en-US" dirty="0"/>
-              <a:t>Output</a:t>
-            </a:r>
-          </a:p>
-        </p:txBody>
-      </p:sp>
-      <p:sp>
-        <p:nvSpPr>
-          <p:cNvPr id="5" name="Text Placeholder 4">
-            <a:extLst>
-              <a:ext uri="{FF2B5EF4-FFF2-40B4-BE49-F238E27FC236}">
-                <a16:creationId xmlns:a16="http://schemas.microsoft.com/office/drawing/2014/main" id="{77A2ABE5-0226-49ED-8CCF-C68A5DC8C37A}"/>
-              </a:ext>
-            </a:extLst>
-          </p:cNvPr>
-          <p:cNvSpPr>
-            <a:spLocks noGrp="1"/>
-          </p:cNvSpPr>
-          <p:nvPr>
-            <p:ph type="body" sz="quarter" idx="3"/>
-          </p:nvPr>
-        </p:nvSpPr>
-        <p:spPr>
-          <a:xfrm>
-            <a:off x="6172200" y="1734325"/>
-            <a:ext cx="5183188" cy="823912"/>
-          </a:xfrm>
-        </p:spPr>
-        <p:txBody>
-          <a:bodyPr/>
-          <a:lstStyle/>
-          <a:p>
-            <a:endParaRPr lang="en-US" dirty="0"/>
-          </a:p>
-        </p:txBody>
-      </p:sp>
-      <p:sp>
-        <p:nvSpPr>
-          <p:cNvPr id="6" name="Content Placeholder 5">
-            <a:extLst>
-              <a:ext uri="{FF2B5EF4-FFF2-40B4-BE49-F238E27FC236}">
-                <a16:creationId xmlns:a16="http://schemas.microsoft.com/office/drawing/2014/main" id="{B05028CE-DA21-47EC-B483-3CE6A8E62CF1}"/>
-              </a:ext>
-            </a:extLst>
-          </p:cNvPr>
-          <p:cNvSpPr>
-            <a:spLocks noGrp="1"/>
-          </p:cNvSpPr>
-          <p:nvPr>
-            <p:ph sz="quarter" idx="4"/>
-          </p:nvPr>
-        </p:nvSpPr>
-        <p:spPr>
-          <a:xfrm>
-            <a:off x="6172200" y="2558237"/>
-            <a:ext cx="5183188" cy="3684588"/>
-          </a:xfrm>
-        </p:spPr>
-        <p:txBody>
-          <a:bodyPr/>
-          <a:lstStyle/>
-          <a:p>
-            <a:endParaRPr lang="en-US" dirty="0"/>
-          </a:p>
-        </p:txBody>
-      </p:sp>
-      <p:sp>
-        <p:nvSpPr>
-          <p:cNvPr id="8" name="Footer Placeholder 7">
-            <a:extLst>
-              <a:ext uri="{FF2B5EF4-FFF2-40B4-BE49-F238E27FC236}">
-                <a16:creationId xmlns:a16="http://schemas.microsoft.com/office/drawing/2014/main" id="{1CB6C385-03DD-40B8-8F1B-4E62C60C85AA}"/>
+              <a:rPr lang="en-US" sz="4000" dirty="0"/>
+              <a:t>Data Modeling Implementation</a:t>
+            </a:r>
+          </a:p>
+        </p:txBody>
+      </p:sp>
+      <p:graphicFrame>
+        <p:nvGraphicFramePr>
+          <p:cNvPr id="39" name="Table 4">
+            <a:extLst>
+              <a:ext uri="{FF2B5EF4-FFF2-40B4-BE49-F238E27FC236}">
+                <a16:creationId xmlns:a16="http://schemas.microsoft.com/office/drawing/2014/main" id="{828FCC7C-9CA7-4A08-B1B6-91B39D2A90C7}"/>
+              </a:ext>
+            </a:extLst>
+          </p:cNvPr>
+          <p:cNvGraphicFramePr>
+            <a:graphicFrameLocks noGrp="1"/>
+          </p:cNvGraphicFramePr>
+          <p:nvPr>
+            <p:ph idx="1"/>
+            <p:extLst>
+              <p:ext uri="{D42A27DB-BD31-4B8C-83A1-F6EECF244321}">
+                <p14:modId xmlns:p14="http://schemas.microsoft.com/office/powerpoint/2010/main" val="3961460924"/>
+              </p:ext>
+            </p:extLst>
+          </p:nvPr>
+        </p:nvGraphicFramePr>
+        <p:xfrm>
+          <a:off x="1143000" y="2009775"/>
+          <a:ext cx="9906000" cy="2119752"/>
+        </p:xfrm>
+        <a:graphic>
+          <a:graphicData uri="http://schemas.openxmlformats.org/drawingml/2006/table">
+            <a:tbl>
+              <a:tblPr firstRow="1" bandRow="1">
+                <a:tableStyleId>{5C22544A-7EE6-4342-B048-85BDC9FD1C3A}</a:tableStyleId>
+              </a:tblPr>
+              <a:tblGrid>
+                <a:gridCol w="3962400">
+                  <a:extLst>
+                    <a:ext uri="{9D8B030D-6E8A-4147-A177-3AD203B41FA5}">
+                      <a16:colId xmlns:a16="http://schemas.microsoft.com/office/drawing/2014/main" val="1196845939"/>
+                    </a:ext>
+                  </a:extLst>
+                </a:gridCol>
+                <a:gridCol w="5943600">
+                  <a:extLst>
+                    <a:ext uri="{9D8B030D-6E8A-4147-A177-3AD203B41FA5}">
+                      <a16:colId xmlns:a16="http://schemas.microsoft.com/office/drawing/2014/main" val="1595433812"/>
+                    </a:ext>
+                  </a:extLst>
+                </a:gridCol>
+              </a:tblGrid>
+              <a:tr h="529938">
+                <a:tc>
+                  <a:txBody>
+                    <a:bodyPr/>
+                    <a:lstStyle/>
+                    <a:p>
+                      <a:pPr algn="ctr"/>
+                      <a:r>
+                        <a:rPr lang="en-US" dirty="0"/>
+                        <a:t>Property Type</a:t>
+                      </a:r>
+                    </a:p>
+                  </a:txBody>
+                  <a:tcPr anchor="ctr">
+                    <a:lnT w="9525" cap="flat" cmpd="sng" algn="ctr">
+                      <a:solidFill>
+                        <a:schemeClr val="accent1"/>
+                      </a:solidFill>
+                      <a:prstDash val="solid"/>
+                      <a:round/>
+                      <a:headEnd type="none" w="med" len="med"/>
+                      <a:tailEnd type="none" w="med" len="med"/>
+                    </a:lnT>
+                  </a:tcPr>
+                </a:tc>
+                <a:tc>
+                  <a:txBody>
+                    <a:bodyPr/>
+                    <a:lstStyle/>
+                    <a:p>
+                      <a:pPr algn="ctr"/>
+                      <a:r>
+                        <a:rPr lang="en-US" b="1" dirty="0">
+                          <a:solidFill>
+                            <a:schemeClr val="bg1"/>
+                          </a:solidFill>
+                        </a:rPr>
+                        <a:t>R-squared value</a:t>
+                      </a:r>
+                    </a:p>
+                  </a:txBody>
+                  <a:tcPr anchor="ctr">
+                    <a:lnT w="9525" cap="flat" cmpd="sng" algn="ctr">
+                      <a:solidFill>
+                        <a:schemeClr val="accent1"/>
+                      </a:solidFill>
+                      <a:prstDash val="solid"/>
+                      <a:round/>
+                      <a:headEnd type="none" w="med" len="med"/>
+                      <a:tailEnd type="none" w="med" len="med"/>
+                    </a:lnT>
+                    <a:solidFill>
+                      <a:schemeClr val="accent1"/>
+                    </a:solidFill>
+                  </a:tcPr>
+                </a:tc>
+                <a:extLst>
+                  <a:ext uri="{0D108BD9-81ED-4DB2-BD59-A6C34878D82A}">
+                    <a16:rowId xmlns:a16="http://schemas.microsoft.com/office/drawing/2014/main" val="4007227135"/>
+                  </a:ext>
+                </a:extLst>
+              </a:tr>
+              <a:tr h="529938">
+                <a:tc>
+                  <a:txBody>
+                    <a:bodyPr/>
+                    <a:lstStyle/>
+                    <a:p>
+                      <a:pPr algn="ctr"/>
+                      <a:r>
+                        <a:rPr lang="en-US" dirty="0"/>
+                        <a:t>House </a:t>
+                      </a:r>
+                    </a:p>
+                  </a:txBody>
+                  <a:tcPr anchor="ctr"/>
+                </a:tc>
+                <a:tc>
+                  <a:txBody>
+                    <a:bodyPr/>
+                    <a:lstStyle/>
+                    <a:p>
+                      <a:pPr algn="ctr"/>
+                      <a:r>
+                        <a:rPr lang="en-AU" dirty="0"/>
+                        <a:t>0.3646825</a:t>
+                      </a:r>
+                      <a:endParaRPr lang="en-US" dirty="0"/>
+                    </a:p>
+                  </a:txBody>
+                  <a:tcPr anchor="ctr"/>
+                </a:tc>
+                <a:extLst>
+                  <a:ext uri="{0D108BD9-81ED-4DB2-BD59-A6C34878D82A}">
+                    <a16:rowId xmlns:a16="http://schemas.microsoft.com/office/drawing/2014/main" val="2465055832"/>
+                  </a:ext>
+                </a:extLst>
+              </a:tr>
+              <a:tr h="529938">
+                <a:tc>
+                  <a:txBody>
+                    <a:bodyPr/>
+                    <a:lstStyle/>
+                    <a:p>
+                      <a:pPr algn="ctr"/>
+                      <a:r>
+                        <a:rPr lang="en-US" dirty="0"/>
+                        <a:t>Townhouse</a:t>
+                      </a:r>
+                    </a:p>
+                  </a:txBody>
+                  <a:tcPr anchor="ctr"/>
+                </a:tc>
+                <a:tc>
+                  <a:txBody>
+                    <a:bodyPr/>
+                    <a:lstStyle/>
+                    <a:p>
+                      <a:pPr algn="ctr"/>
+                      <a:r>
+                        <a:rPr lang="en-AU" dirty="0"/>
+                        <a:t>0.4428827</a:t>
+                      </a:r>
+                    </a:p>
+                  </a:txBody>
+                  <a:tcPr anchor="ctr"/>
+                </a:tc>
+                <a:extLst>
+                  <a:ext uri="{0D108BD9-81ED-4DB2-BD59-A6C34878D82A}">
+                    <a16:rowId xmlns:a16="http://schemas.microsoft.com/office/drawing/2014/main" val="1474616042"/>
+                  </a:ext>
+                </a:extLst>
+              </a:tr>
+              <a:tr h="529938">
+                <a:tc>
+                  <a:txBody>
+                    <a:bodyPr/>
+                    <a:lstStyle/>
+                    <a:p>
+                      <a:pPr algn="ctr"/>
+                      <a:r>
+                        <a:rPr lang="en-US" dirty="0"/>
+                        <a:t>Unit </a:t>
+                      </a:r>
+                    </a:p>
+                  </a:txBody>
+                  <a:tcPr anchor="ctr"/>
+                </a:tc>
+                <a:tc>
+                  <a:txBody>
+                    <a:bodyPr/>
+                    <a:lstStyle/>
+                    <a:p>
+                      <a:pPr algn="ctr"/>
+                      <a:r>
+                        <a:rPr lang="en-AU" dirty="0"/>
+                        <a:t>0.3359805</a:t>
+                      </a:r>
+                    </a:p>
+                  </a:txBody>
+                  <a:tcPr anchor="ctr"/>
+                </a:tc>
+                <a:extLst>
+                  <a:ext uri="{0D108BD9-81ED-4DB2-BD59-A6C34878D82A}">
+                    <a16:rowId xmlns:a16="http://schemas.microsoft.com/office/drawing/2014/main" val="3248917629"/>
+                  </a:ext>
+                </a:extLst>
+              </a:tr>
+            </a:tbl>
+          </a:graphicData>
+        </a:graphic>
+      </p:graphicFrame>
+      <p:sp>
+        <p:nvSpPr>
+          <p:cNvPr id="6" name="Footer Placeholder 5">
+            <a:extLst>
+              <a:ext uri="{FF2B5EF4-FFF2-40B4-BE49-F238E27FC236}">
+                <a16:creationId xmlns:a16="http://schemas.microsoft.com/office/drawing/2014/main" id="{C8C1BD91-A502-4CE9-B6CB-FBA31C8183A9}"/>
               </a:ext>
             </a:extLst>
           </p:cNvPr>
@@ -21319,10 +21779,10 @@
       </p:sp>
       <p:sp>
         <p:nvSpPr>
-          <p:cNvPr id="7" name="Date Placeholder 6">
-            <a:extLst>
-              <a:ext uri="{FF2B5EF4-FFF2-40B4-BE49-F238E27FC236}">
-                <a16:creationId xmlns:a16="http://schemas.microsoft.com/office/drawing/2014/main" id="{AF3C5F2A-97FD-42D5-B08A-F20B3EFD7D84}"/>
+          <p:cNvPr id="5" name="Date Placeholder 4">
+            <a:extLst>
+              <a:ext uri="{FF2B5EF4-FFF2-40B4-BE49-F238E27FC236}">
+                <a16:creationId xmlns:a16="http://schemas.microsoft.com/office/drawing/2014/main" id="{434CEA1C-DE10-4AAF-865D-450C0AEE11DB}"/>
               </a:ext>
             </a:extLst>
           </p:cNvPr>
@@ -21352,10 +21812,10 @@
       </p:sp>
       <p:sp>
         <p:nvSpPr>
-          <p:cNvPr id="9" name="Slide Number Placeholder 8">
-            <a:extLst>
-              <a:ext uri="{FF2B5EF4-FFF2-40B4-BE49-F238E27FC236}">
-                <a16:creationId xmlns:a16="http://schemas.microsoft.com/office/drawing/2014/main" id="{203229A0-1321-49E2-9958-3B1F86E2CC8F}"/>
+          <p:cNvPr id="7" name="Slide Number Placeholder 6">
+            <a:extLst>
+              <a:ext uri="{FF2B5EF4-FFF2-40B4-BE49-F238E27FC236}">
+                <a16:creationId xmlns:a16="http://schemas.microsoft.com/office/drawing/2014/main" id="{2A40B6AB-E9B1-4B7E-BD4C-74C93ABF5CBC}"/>
               </a:ext>
             </a:extLst>
           </p:cNvPr>
@@ -21385,40 +21845,10 @@
           </a:p>
         </p:txBody>
       </p:sp>
-      <p:pic>
-        <p:nvPicPr>
-          <p:cNvPr id="11" name="Picture 10">
-            <a:extLst>
-              <a:ext uri="{FF2B5EF4-FFF2-40B4-BE49-F238E27FC236}">
-                <a16:creationId xmlns:a16="http://schemas.microsoft.com/office/drawing/2014/main" id="{CA0CEF31-8892-4929-9704-DE8E54938E79}"/>
-              </a:ext>
-            </a:extLst>
-          </p:cNvPr>
-          <p:cNvPicPr>
-            <a:picLocks noChangeAspect="1"/>
-          </p:cNvPicPr>
-          <p:nvPr/>
-        </p:nvPicPr>
-        <p:blipFill>
-          <a:blip r:embed="rId2"/>
-          <a:stretch>
-            <a:fillRect/>
-          </a:stretch>
-        </p:blipFill>
-        <p:spPr>
-          <a:xfrm>
-            <a:off x="1344445" y="1901178"/>
-            <a:ext cx="3735555" cy="2604471"/>
-          </a:xfrm>
-          <a:prstGeom prst="rect">
-            <a:avLst/>
-          </a:prstGeom>
-        </p:spPr>
-      </p:pic>
     </p:spTree>
     <p:extLst>
       <p:ext uri="{BB962C8B-B14F-4D97-AF65-F5344CB8AC3E}">
-        <p14:creationId xmlns:p14="http://schemas.microsoft.com/office/powerpoint/2010/main" val="579630974"/>
+        <p14:creationId xmlns:p14="http://schemas.microsoft.com/office/powerpoint/2010/main" val="116697314"/>
       </p:ext>
     </p:extLst>
   </p:cSld>
@@ -21450,7 +21880,7 @@
           <p:cNvPr id="2" name="Title 1">
             <a:extLst>
               <a:ext uri="{FF2B5EF4-FFF2-40B4-BE49-F238E27FC236}">
-                <a16:creationId xmlns:a16="http://schemas.microsoft.com/office/drawing/2014/main" id="{47AC2224-2F96-4924-9848-CF43900BAD07}"/>
+                <a16:creationId xmlns:a16="http://schemas.microsoft.com/office/drawing/2014/main" id="{4D18CD2A-2EC1-4055-AE20-4A35A1794F1C}"/>
               </a:ext>
             </a:extLst>
           </p:cNvPr>
@@ -21461,131 +21891,263 @@
             <p:ph type="title"/>
           </p:nvPr>
         </p:nvSpPr>
-        <p:spPr/>
+        <p:spPr>
+          <a:xfrm>
+            <a:off x="839788" y="365125"/>
+            <a:ext cx="10515600" cy="1325563"/>
+          </a:xfrm>
+        </p:spPr>
         <p:txBody>
           <a:bodyPr/>
           <a:lstStyle/>
           <a:p>
-            <a:endParaRPr lang="en-AU" dirty="0"/>
-          </a:p>
-        </p:txBody>
-      </p:sp>
-      <p:sp>
-        <p:nvSpPr>
-          <p:cNvPr id="3" name="Content Placeholder 2">
-            <a:extLst>
-              <a:ext uri="{FF2B5EF4-FFF2-40B4-BE49-F238E27FC236}">
-                <a16:creationId xmlns:a16="http://schemas.microsoft.com/office/drawing/2014/main" id="{635AA165-B462-46C4-B0DE-01BB265B9F75}"/>
-              </a:ext>
-            </a:extLst>
-          </p:cNvPr>
-          <p:cNvSpPr>
-            <a:spLocks noGrp="1"/>
-          </p:cNvSpPr>
-          <p:nvPr>
-            <p:ph idx="1"/>
-          </p:nvPr>
-        </p:nvSpPr>
-        <p:spPr/>
+            <a:r>
+              <a:rPr lang="en-US" dirty="0"/>
+              <a:t>Output</a:t>
+            </a:r>
+          </a:p>
+        </p:txBody>
+      </p:sp>
+      <p:sp>
+        <p:nvSpPr>
+          <p:cNvPr id="5" name="Text Placeholder 4">
+            <a:extLst>
+              <a:ext uri="{FF2B5EF4-FFF2-40B4-BE49-F238E27FC236}">
+                <a16:creationId xmlns:a16="http://schemas.microsoft.com/office/drawing/2014/main" id="{77A2ABE5-0226-49ED-8CCF-C68A5DC8C37A}"/>
+              </a:ext>
+            </a:extLst>
+          </p:cNvPr>
+          <p:cNvSpPr>
+            <a:spLocks noGrp="1"/>
+          </p:cNvSpPr>
+          <p:nvPr>
+            <p:ph type="body" sz="quarter" idx="3"/>
+          </p:nvPr>
+        </p:nvSpPr>
+        <p:spPr>
+          <a:xfrm>
+            <a:off x="6172200" y="1734325"/>
+            <a:ext cx="5183188" cy="823912"/>
+          </a:xfrm>
+        </p:spPr>
         <p:txBody>
           <a:bodyPr/>
           <a:lstStyle/>
           <a:p>
-            <a:endParaRPr lang="en-AU"/>
-          </a:p>
-        </p:txBody>
-      </p:sp>
-      <p:sp>
-        <p:nvSpPr>
-          <p:cNvPr id="4" name="Footer Placeholder 3">
-            <a:extLst>
-              <a:ext uri="{FF2B5EF4-FFF2-40B4-BE49-F238E27FC236}">
-                <a16:creationId xmlns:a16="http://schemas.microsoft.com/office/drawing/2014/main" id="{0E7D0A54-16F2-4F80-95B2-ED5470A11AAC}"/>
-              </a:ext>
-            </a:extLst>
-          </p:cNvPr>
-          <p:cNvSpPr>
-            <a:spLocks noGrp="1"/>
-          </p:cNvSpPr>
-          <p:nvPr>
-            <p:ph type="ftr" sz="quarter" idx="11"/>
-          </p:nvPr>
-        </p:nvSpPr>
-        <p:spPr/>
+            <a:r>
+              <a:rPr lang="en-US" dirty="0"/>
+              <a:t>Potential data inclusion</a:t>
+            </a:r>
+          </a:p>
+        </p:txBody>
+      </p:sp>
+      <p:sp>
+        <p:nvSpPr>
+          <p:cNvPr id="6" name="Content Placeholder 5">
+            <a:extLst>
+              <a:ext uri="{FF2B5EF4-FFF2-40B4-BE49-F238E27FC236}">
+                <a16:creationId xmlns:a16="http://schemas.microsoft.com/office/drawing/2014/main" id="{B05028CE-DA21-47EC-B483-3CE6A8E62CF1}"/>
+              </a:ext>
+            </a:extLst>
+          </p:cNvPr>
+          <p:cNvSpPr>
+            <a:spLocks noGrp="1"/>
+          </p:cNvSpPr>
+          <p:nvPr>
+            <p:ph sz="quarter" idx="4"/>
+          </p:nvPr>
+        </p:nvSpPr>
+        <p:spPr>
+          <a:xfrm>
+            <a:off x="6172200" y="2558237"/>
+            <a:ext cx="5183188" cy="3684588"/>
+          </a:xfrm>
+        </p:spPr>
         <p:txBody>
           <a:bodyPr/>
           <a:lstStyle/>
           <a:p>
             <a:r>
-              <a:rPr lang="en-US"/>
-              <a:t>Sample Footer Text</a:t>
-            </a:r>
+              <a:rPr lang="en-US" dirty="0"/>
+              <a:t>House and Land size </a:t>
+            </a:r>
+          </a:p>
+          <a:p>
+            <a:r>
+              <a:rPr lang="en-US" dirty="0"/>
+              <a:t>Bathrooms </a:t>
+            </a:r>
+          </a:p>
+          <a:p>
+            <a:r>
+              <a:rPr lang="en-US" dirty="0"/>
+              <a:t>Car space </a:t>
+            </a:r>
+          </a:p>
+          <a:p>
+            <a:r>
+              <a:rPr lang="en-US" dirty="0"/>
+              <a:t>Quality of the dwelling </a:t>
+            </a:r>
+          </a:p>
+          <a:p>
+            <a:r>
+              <a:rPr lang="en-US" dirty="0"/>
+              <a:t>Infrastructures proximity </a:t>
+            </a:r>
+          </a:p>
+          <a:p>
             <a:endParaRPr lang="en-US" dirty="0"/>
           </a:p>
-        </p:txBody>
-      </p:sp>
-      <p:sp>
-        <p:nvSpPr>
-          <p:cNvPr id="5" name="Date Placeholder 4">
-            <a:extLst>
-              <a:ext uri="{FF2B5EF4-FFF2-40B4-BE49-F238E27FC236}">
-                <a16:creationId xmlns:a16="http://schemas.microsoft.com/office/drawing/2014/main" id="{430F07EB-3937-4947-BA6F-FE368D92CD18}"/>
-              </a:ext>
-            </a:extLst>
-          </p:cNvPr>
-          <p:cNvSpPr>
-            <a:spLocks noGrp="1"/>
-          </p:cNvSpPr>
-          <p:nvPr>
-            <p:ph type="dt" sz="half" idx="10"/>
-          </p:nvPr>
-        </p:nvSpPr>
-        <p:spPr/>
+          <a:p>
+            <a:pPr marL="0" indent="0">
+              <a:buNone/>
+            </a:pPr>
+            <a:r>
+              <a:rPr lang="en-US" dirty="0"/>
+              <a:t> </a:t>
+            </a:r>
+          </a:p>
+          <a:p>
+            <a:endParaRPr lang="en-US" dirty="0"/>
+          </a:p>
+        </p:txBody>
+      </p:sp>
+      <p:sp>
+        <p:nvSpPr>
+          <p:cNvPr id="8" name="Footer Placeholder 7">
+            <a:extLst>
+              <a:ext uri="{FF2B5EF4-FFF2-40B4-BE49-F238E27FC236}">
+                <a16:creationId xmlns:a16="http://schemas.microsoft.com/office/drawing/2014/main" id="{1CB6C385-03DD-40B8-8F1B-4E62C60C85AA}"/>
+              </a:ext>
+            </a:extLst>
+          </p:cNvPr>
+          <p:cNvSpPr>
+            <a:spLocks noGrp="1"/>
+          </p:cNvSpPr>
+          <p:nvPr>
+            <p:ph type="ftr" sz="quarter" idx="11"/>
+          </p:nvPr>
+        </p:nvSpPr>
+        <p:spPr>
+          <a:xfrm>
+            <a:off x="154429" y="6398878"/>
+            <a:ext cx="4497315" cy="365125"/>
+          </a:xfrm>
+        </p:spPr>
         <p:txBody>
           <a:bodyPr/>
           <a:lstStyle/>
           <a:p>
             <a:r>
-              <a:rPr lang="en-US"/>
-              <a:t>2/7/20XX</a:t>
-            </a:r>
-            <a:endParaRPr lang="en-US" dirty="0"/>
-          </a:p>
-        </p:txBody>
-      </p:sp>
-      <p:sp>
-        <p:nvSpPr>
-          <p:cNvPr id="6" name="Slide Number Placeholder 5">
-            <a:extLst>
-              <a:ext uri="{FF2B5EF4-FFF2-40B4-BE49-F238E27FC236}">
-                <a16:creationId xmlns:a16="http://schemas.microsoft.com/office/drawing/2014/main" id="{84F3C94E-B3F7-41A3-8CD6-B0693932F47E}"/>
-              </a:ext>
-            </a:extLst>
-          </p:cNvPr>
-          <p:cNvSpPr>
-            <a:spLocks noGrp="1"/>
-          </p:cNvSpPr>
-          <p:nvPr>
-            <p:ph type="sldNum" sz="quarter" idx="12"/>
-          </p:nvPr>
-        </p:nvSpPr>
-        <p:spPr/>
+              <a:rPr lang="en-US" dirty="0"/>
+              <a:t>Sample Footer Text</a:t>
+            </a:r>
+          </a:p>
+        </p:txBody>
+      </p:sp>
+      <p:sp>
+        <p:nvSpPr>
+          <p:cNvPr id="7" name="Date Placeholder 6">
+            <a:extLst>
+              <a:ext uri="{FF2B5EF4-FFF2-40B4-BE49-F238E27FC236}">
+                <a16:creationId xmlns:a16="http://schemas.microsoft.com/office/drawing/2014/main" id="{AF3C5F2A-97FD-42D5-B08A-F20B3EFD7D84}"/>
+              </a:ext>
+            </a:extLst>
+          </p:cNvPr>
+          <p:cNvSpPr>
+            <a:spLocks noGrp="1"/>
+          </p:cNvSpPr>
+          <p:nvPr>
+            <p:ph type="dt" sz="half" idx="10"/>
+          </p:nvPr>
+        </p:nvSpPr>
+        <p:spPr>
+          <a:xfrm>
+            <a:off x="7337102" y="6398878"/>
+            <a:ext cx="4193908" cy="365125"/>
+          </a:xfrm>
+        </p:spPr>
         <p:txBody>
           <a:bodyPr/>
           <a:lstStyle/>
           <a:p>
+            <a:r>
+              <a:rPr lang="en-US" dirty="0"/>
+              <a:t>2/7/20XX</a:t>
+            </a:r>
+          </a:p>
+        </p:txBody>
+      </p:sp>
+      <p:sp>
+        <p:nvSpPr>
+          <p:cNvPr id="9" name="Slide Number Placeholder 8">
+            <a:extLst>
+              <a:ext uri="{FF2B5EF4-FFF2-40B4-BE49-F238E27FC236}">
+                <a16:creationId xmlns:a16="http://schemas.microsoft.com/office/drawing/2014/main" id="{203229A0-1321-49E2-9958-3B1F86E2CC8F}"/>
+              </a:ext>
+            </a:extLst>
+          </p:cNvPr>
+          <p:cNvSpPr>
+            <a:spLocks noGrp="1"/>
+          </p:cNvSpPr>
+          <p:nvPr>
+            <p:ph type="sldNum" sz="quarter" idx="12"/>
+          </p:nvPr>
+        </p:nvSpPr>
+        <p:spPr>
+          <a:xfrm>
+            <a:off x="11602477" y="6398878"/>
+            <a:ext cx="470887" cy="365125"/>
+          </a:xfrm>
+        </p:spPr>
+        <p:txBody>
+          <a:bodyPr/>
+          <a:lstStyle/>
+          <a:p>
             <a:fld id="{312CC964-A50B-4C29-B4E4-2C30BB34CCF3}" type="slidenum">
               <a:rPr lang="en-US" smtClean="0"/>
+              <a:pPr/>
               <a:t>8</a:t>
             </a:fld>
             <a:endParaRPr lang="en-US" dirty="0"/>
           </a:p>
         </p:txBody>
       </p:sp>
+      <p:pic>
+        <p:nvPicPr>
+          <p:cNvPr id="11" name="Picture 10">
+            <a:extLst>
+              <a:ext uri="{FF2B5EF4-FFF2-40B4-BE49-F238E27FC236}">
+                <a16:creationId xmlns:a16="http://schemas.microsoft.com/office/drawing/2014/main" id="{CA0CEF31-8892-4929-9704-DE8E54938E79}"/>
+              </a:ext>
+            </a:extLst>
+          </p:cNvPr>
+          <p:cNvPicPr>
+            <a:picLocks noChangeAspect="1"/>
+          </p:cNvPicPr>
+          <p:nvPr/>
+        </p:nvPicPr>
+        <p:blipFill>
+          <a:blip r:embed="rId2"/>
+          <a:stretch>
+            <a:fillRect/>
+          </a:stretch>
+        </p:blipFill>
+        <p:spPr>
+          <a:xfrm>
+            <a:off x="1183578" y="1985844"/>
+            <a:ext cx="3735555" cy="3415889"/>
+          </a:xfrm>
+          <a:prstGeom prst="rect">
+            <a:avLst/>
+          </a:prstGeom>
+        </p:spPr>
+      </p:pic>
     </p:spTree>
     <p:extLst>
       <p:ext uri="{BB962C8B-B14F-4D97-AF65-F5344CB8AC3E}">
-        <p14:creationId xmlns:p14="http://schemas.microsoft.com/office/powerpoint/2010/main" val="240077539"/>
+        <p14:creationId xmlns:p14="http://schemas.microsoft.com/office/powerpoint/2010/main" val="579630974"/>
       </p:ext>
     </p:extLst>
   </p:cSld>
@@ -21633,7 +22195,7 @@
           <a:bodyPr/>
           <a:lstStyle/>
           <a:p>
-            <a:endParaRPr lang="en-AU"/>
+            <a:endParaRPr lang="en-AU" dirty="0"/>
           </a:p>
         </p:txBody>
       </p:sp>
@@ -21752,7 +22314,7 @@
     </p:spTree>
     <p:extLst>
       <p:ext uri="{BB962C8B-B14F-4D97-AF65-F5344CB8AC3E}">
-        <p14:creationId xmlns:p14="http://schemas.microsoft.com/office/powerpoint/2010/main" val="2513950244"/>
+        <p14:creationId xmlns:p14="http://schemas.microsoft.com/office/powerpoint/2010/main" val="240077539"/>
       </p:ext>
     </p:extLst>
   </p:cSld>
@@ -22259,15 +22821,6 @@
 </file>
 
 <file path=customXml/item1.xml><?xml version="1.0" encoding="utf-8"?>
-<?mso-contentType ?>
-<FormTemplates xmlns="http://schemas.microsoft.com/sharepoint/v3/contenttype/forms">
-  <Display>DocumentLibraryForm</Display>
-  <Edit>DocumentLibraryForm</Edit>
-  <New>DocumentLibraryForm</New>
-</FormTemplates>
-</file>
-
-<file path=customXml/item2.xml><?xml version="1.0" encoding="utf-8"?>
 <ct:contentTypeSchema xmlns:ct="http://schemas.microsoft.com/office/2006/metadata/contentType" xmlns:ma="http://schemas.microsoft.com/office/2006/metadata/properties/metaAttributes" ct:_="" ma:_="" ma:contentTypeName="Document" ma:contentTypeID="0x01010079F111ED35F8CC479449609E8A0923A6" ma:contentTypeVersion="18" ma:contentTypeDescription="Create a new document." ma:contentTypeScope="" ma:versionID="22a266b9fa9a230c5a512669d8b298c3">
   <xsd:schema xmlns:xsd="http://www.w3.org/2001/XMLSchema" xmlns:xs="http://www.w3.org/2001/XMLSchema" xmlns:p="http://schemas.microsoft.com/office/2006/metadata/properties" xmlns:ns1="http://schemas.microsoft.com/sharepoint/v3" xmlns:ns2="71af3243-3dd4-4a8d-8c0d-dd76da1f02a5" xmlns:ns3="16c05727-aa75-4e4a-9b5f-8a80a1165891" xmlns:ns4="230e9df3-be65-4c73-a93b-d1236ebd677e" targetNamespace="http://schemas.microsoft.com/office/2006/metadata/properties" ma:root="true" ma:fieldsID="eddc33fff6b14141ee5c74a0d29ea6a1" ns1:_="" ns2:_="" ns3:_="" ns4:_="">
     <xsd:import namespace="http://schemas.microsoft.com/sharepoint/v3"/>
@@ -22543,6 +23096,15 @@
 </ct:contentTypeSchema>
 </file>
 
+<file path=customXml/item2.xml><?xml version="1.0" encoding="utf-8"?>
+<?mso-contentType ?>
+<FormTemplates xmlns="http://schemas.microsoft.com/sharepoint/v3/contenttype/forms">
+  <Display>DocumentLibraryForm</Display>
+  <Edit>DocumentLibraryForm</Edit>
+  <New>DocumentLibraryForm</New>
+</FormTemplates>
+</file>
+
 <file path=customXml/item3.xml><?xml version="1.0" encoding="utf-8"?>
 <p:properties xmlns:p="http://schemas.microsoft.com/office/2006/metadata/properties" xmlns:xsi="http://www.w3.org/2001/XMLSchema-instance" xmlns:pc="http://schemas.microsoft.com/office/infopath/2007/PartnerControls">
   <documentManagement>
@@ -22563,14 +23125,6 @@
 </file>
 
 <file path=customXml/itemProps1.xml><?xml version="1.0" encoding="utf-8"?>
-<ds:datastoreItem xmlns:ds="http://schemas.openxmlformats.org/officeDocument/2006/customXml" ds:itemID="{207C1F5B-A1D0-429A-8E7C-3E271353D1E0}">
-  <ds:schemaRefs>
-    <ds:schemaRef ds:uri="http://schemas.microsoft.com/sharepoint/v3/contenttype/forms"/>
-  </ds:schemaRefs>
-</ds:datastoreItem>
-</file>
-
-<file path=customXml/itemProps2.xml><?xml version="1.0" encoding="utf-8"?>
 <ds:datastoreItem xmlns:ds="http://schemas.openxmlformats.org/officeDocument/2006/customXml" ds:itemID="{AA1E8BDE-7A03-4563-82F6-53B214F89568}">
   <ds:schemaRefs>
     <ds:schemaRef ds:uri="http://schemas.microsoft.com/office/2006/metadata/contentType"/>
@@ -22587,6 +23141,14 @@
     <ds:schemaRef ds:uri="http://purl.org/dc/elements/1.1/"/>
     <ds:schemaRef ds:uri="http://purl.org/dc/terms/"/>
     <ds:schemaRef ds:uri="http://schemas.microsoft.com/internal/obd"/>
+  </ds:schemaRefs>
+</ds:datastoreItem>
+</file>
+
+<file path=customXml/itemProps2.xml><?xml version="1.0" encoding="utf-8"?>
+<ds:datastoreItem xmlns:ds="http://schemas.openxmlformats.org/officeDocument/2006/customXml" ds:itemID="{207C1F5B-A1D0-429A-8E7C-3E271353D1E0}">
+  <ds:schemaRefs>
+    <ds:schemaRef ds:uri="http://schemas.microsoft.com/sharepoint/v3/contenttype/forms"/>
   </ds:schemaRefs>
 </ds:datastoreItem>
 </file>

--- a/Project 4.pptx
+++ b/Project 4.pptx
@@ -5,28 +5,31 @@
     <p:sldMasterId id="2147483660" r:id="rId4"/>
   </p:sldMasterIdLst>
   <p:notesMasterIdLst>
-    <p:notesMasterId r:id="rId24"/>
+    <p:notesMasterId r:id="rId27"/>
   </p:notesMasterIdLst>
   <p:sldIdLst>
     <p:sldId id="259" r:id="rId5"/>
     <p:sldId id="281" r:id="rId6"/>
     <p:sldId id="295" r:id="rId7"/>
-    <p:sldId id="294" r:id="rId8"/>
-    <p:sldId id="314" r:id="rId9"/>
-    <p:sldId id="296" r:id="rId10"/>
-    <p:sldId id="316" r:id="rId11"/>
-    <p:sldId id="315" r:id="rId12"/>
-    <p:sldId id="311" r:id="rId13"/>
-    <p:sldId id="312" r:id="rId14"/>
-    <p:sldId id="313" r:id="rId15"/>
-    <p:sldId id="308" r:id="rId16"/>
-    <p:sldId id="309" r:id="rId17"/>
-    <p:sldId id="305" r:id="rId18"/>
-    <p:sldId id="310" r:id="rId19"/>
-    <p:sldId id="306" r:id="rId20"/>
-    <p:sldId id="307" r:id="rId21"/>
-    <p:sldId id="300" r:id="rId22"/>
-    <p:sldId id="301" r:id="rId23"/>
+    <p:sldId id="317" r:id="rId8"/>
+    <p:sldId id="318" r:id="rId9"/>
+    <p:sldId id="319" r:id="rId10"/>
+    <p:sldId id="294" r:id="rId11"/>
+    <p:sldId id="314" r:id="rId12"/>
+    <p:sldId id="296" r:id="rId13"/>
+    <p:sldId id="316" r:id="rId14"/>
+    <p:sldId id="315" r:id="rId15"/>
+    <p:sldId id="311" r:id="rId16"/>
+    <p:sldId id="312" r:id="rId17"/>
+    <p:sldId id="313" r:id="rId18"/>
+    <p:sldId id="308" r:id="rId19"/>
+    <p:sldId id="309" r:id="rId20"/>
+    <p:sldId id="305" r:id="rId21"/>
+    <p:sldId id="310" r:id="rId22"/>
+    <p:sldId id="306" r:id="rId23"/>
+    <p:sldId id="307" r:id="rId24"/>
+    <p:sldId id="300" r:id="rId25"/>
+    <p:sldId id="301" r:id="rId26"/>
   </p:sldIdLst>
   <p:sldSz cx="12192000" cy="6858000"/>
   <p:notesSz cx="6858000" cy="9144000"/>
@@ -6459,7 +6462,7 @@
           <a:p>
             <a:fld id="{F4403B5A-21DF-4BBB-8059-B6B192FC641E}" type="datetimeFigureOut">
               <a:rPr lang="en-US" smtClean="0"/>
-              <a:t>1/24/2023</a:t>
+              <a:t>1/29/2023</a:t>
             </a:fld>
             <a:endParaRPr lang="en-US" dirty="0"/>
           </a:p>
@@ -16633,19 +16636,29 @@
         </p:nvSpPr>
         <p:spPr>
           <a:xfrm>
-            <a:off x="520697" y="1040001"/>
+            <a:off x="159970" y="905777"/>
             <a:ext cx="3338625" cy="3150159"/>
           </a:xfrm>
         </p:spPr>
         <p:txBody>
           <a:bodyPr>
-            <a:normAutofit/>
+            <a:normAutofit fontScale="90000"/>
           </a:bodyPr>
           <a:lstStyle/>
           <a:p>
             <a:r>
               <a:rPr lang="en-US" dirty="0"/>
               <a:t>Project 4 </a:t>
+            </a:r>
+            <a:br>
+              <a:rPr lang="en-US" dirty="0"/>
+            </a:br>
+            <a:br>
+              <a:rPr lang="en-US" dirty="0"/>
+            </a:br>
+            <a:r>
+              <a:rPr lang="en-US" dirty="0"/>
+              <a:t>Price prediction for the ACT property market</a:t>
             </a:r>
           </a:p>
         </p:txBody>
@@ -16730,7 +16743,7 @@
           <p:cNvPr id="2" name="Title 1">
             <a:extLst>
               <a:ext uri="{FF2B5EF4-FFF2-40B4-BE49-F238E27FC236}">
-                <a16:creationId xmlns:a16="http://schemas.microsoft.com/office/drawing/2014/main" id="{47AC2224-2F96-4924-9848-CF43900BAD07}"/>
+                <a16:creationId xmlns:a16="http://schemas.microsoft.com/office/drawing/2014/main" id="{973992A4-0D40-4A0F-BB3B-3E1AE6C3BF9D}"/>
               </a:ext>
             </a:extLst>
           </p:cNvPr>
@@ -16741,121 +16754,339 @@
             <p:ph type="title"/>
           </p:nvPr>
         </p:nvSpPr>
-        <p:spPr/>
+        <p:spPr>
+          <a:xfrm>
+            <a:off x="1143000" y="533401"/>
+            <a:ext cx="9906000" cy="1382156"/>
+          </a:xfrm>
+        </p:spPr>
+        <p:txBody>
+          <a:bodyPr>
+            <a:normAutofit/>
+          </a:bodyPr>
+          <a:lstStyle/>
+          <a:p>
+            <a:r>
+              <a:rPr lang="en-US" sz="4000" dirty="0"/>
+              <a:t>Data Modeling Implementation</a:t>
+            </a:r>
+          </a:p>
+        </p:txBody>
+      </p:sp>
+      <p:graphicFrame>
+        <p:nvGraphicFramePr>
+          <p:cNvPr id="39" name="Table 4">
+            <a:extLst>
+              <a:ext uri="{FF2B5EF4-FFF2-40B4-BE49-F238E27FC236}">
+                <a16:creationId xmlns:a16="http://schemas.microsoft.com/office/drawing/2014/main" id="{828FCC7C-9CA7-4A08-B1B6-91B39D2A90C7}"/>
+              </a:ext>
+            </a:extLst>
+          </p:cNvPr>
+          <p:cNvGraphicFramePr>
+            <a:graphicFrameLocks noGrp="1"/>
+          </p:cNvGraphicFramePr>
+          <p:nvPr>
+            <p:ph idx="1"/>
+            <p:extLst>
+              <p:ext uri="{D42A27DB-BD31-4B8C-83A1-F6EECF244321}">
+                <p14:modId xmlns:p14="http://schemas.microsoft.com/office/powerpoint/2010/main" val="3961460924"/>
+              </p:ext>
+            </p:extLst>
+          </p:nvPr>
+        </p:nvGraphicFramePr>
+        <p:xfrm>
+          <a:off x="1143000" y="2009775"/>
+          <a:ext cx="9906000" cy="2119752"/>
+        </p:xfrm>
+        <a:graphic>
+          <a:graphicData uri="http://schemas.openxmlformats.org/drawingml/2006/table">
+            <a:tbl>
+              <a:tblPr firstRow="1" bandRow="1">
+                <a:tableStyleId>{5C22544A-7EE6-4342-B048-85BDC9FD1C3A}</a:tableStyleId>
+              </a:tblPr>
+              <a:tblGrid>
+                <a:gridCol w="3962400">
+                  <a:extLst>
+                    <a:ext uri="{9D8B030D-6E8A-4147-A177-3AD203B41FA5}">
+                      <a16:colId xmlns:a16="http://schemas.microsoft.com/office/drawing/2014/main" val="1196845939"/>
+                    </a:ext>
+                  </a:extLst>
+                </a:gridCol>
+                <a:gridCol w="5943600">
+                  <a:extLst>
+                    <a:ext uri="{9D8B030D-6E8A-4147-A177-3AD203B41FA5}">
+                      <a16:colId xmlns:a16="http://schemas.microsoft.com/office/drawing/2014/main" val="1595433812"/>
+                    </a:ext>
+                  </a:extLst>
+                </a:gridCol>
+              </a:tblGrid>
+              <a:tr h="529938">
+                <a:tc>
+                  <a:txBody>
+                    <a:bodyPr/>
+                    <a:lstStyle/>
+                    <a:p>
+                      <a:pPr algn="ctr"/>
+                      <a:r>
+                        <a:rPr lang="en-US" dirty="0"/>
+                        <a:t>Property Type</a:t>
+                      </a:r>
+                    </a:p>
+                  </a:txBody>
+                  <a:tcPr anchor="ctr">
+                    <a:lnT w="9525" cap="flat" cmpd="sng" algn="ctr">
+                      <a:solidFill>
+                        <a:schemeClr val="accent1"/>
+                      </a:solidFill>
+                      <a:prstDash val="solid"/>
+                      <a:round/>
+                      <a:headEnd type="none" w="med" len="med"/>
+                      <a:tailEnd type="none" w="med" len="med"/>
+                    </a:lnT>
+                  </a:tcPr>
+                </a:tc>
+                <a:tc>
+                  <a:txBody>
+                    <a:bodyPr/>
+                    <a:lstStyle/>
+                    <a:p>
+                      <a:pPr algn="ctr"/>
+                      <a:r>
+                        <a:rPr lang="en-US" b="1" dirty="0">
+                          <a:solidFill>
+                            <a:schemeClr val="bg1"/>
+                          </a:solidFill>
+                        </a:rPr>
+                        <a:t>R-squared value</a:t>
+                      </a:r>
+                    </a:p>
+                  </a:txBody>
+                  <a:tcPr anchor="ctr">
+                    <a:lnT w="9525" cap="flat" cmpd="sng" algn="ctr">
+                      <a:solidFill>
+                        <a:schemeClr val="accent1"/>
+                      </a:solidFill>
+                      <a:prstDash val="solid"/>
+                      <a:round/>
+                      <a:headEnd type="none" w="med" len="med"/>
+                      <a:tailEnd type="none" w="med" len="med"/>
+                    </a:lnT>
+                    <a:solidFill>
+                      <a:schemeClr val="accent1"/>
+                    </a:solidFill>
+                  </a:tcPr>
+                </a:tc>
+                <a:extLst>
+                  <a:ext uri="{0D108BD9-81ED-4DB2-BD59-A6C34878D82A}">
+                    <a16:rowId xmlns:a16="http://schemas.microsoft.com/office/drawing/2014/main" val="4007227135"/>
+                  </a:ext>
+                </a:extLst>
+              </a:tr>
+              <a:tr h="529938">
+                <a:tc>
+                  <a:txBody>
+                    <a:bodyPr/>
+                    <a:lstStyle/>
+                    <a:p>
+                      <a:pPr algn="ctr"/>
+                      <a:r>
+                        <a:rPr lang="en-US" dirty="0"/>
+                        <a:t>House </a:t>
+                      </a:r>
+                    </a:p>
+                  </a:txBody>
+                  <a:tcPr anchor="ctr"/>
+                </a:tc>
+                <a:tc>
+                  <a:txBody>
+                    <a:bodyPr/>
+                    <a:lstStyle/>
+                    <a:p>
+                      <a:pPr algn="ctr"/>
+                      <a:r>
+                        <a:rPr lang="en-AU" dirty="0"/>
+                        <a:t>0.3646825</a:t>
+                      </a:r>
+                      <a:endParaRPr lang="en-US" dirty="0"/>
+                    </a:p>
+                  </a:txBody>
+                  <a:tcPr anchor="ctr"/>
+                </a:tc>
+                <a:extLst>
+                  <a:ext uri="{0D108BD9-81ED-4DB2-BD59-A6C34878D82A}">
+                    <a16:rowId xmlns:a16="http://schemas.microsoft.com/office/drawing/2014/main" val="2465055832"/>
+                  </a:ext>
+                </a:extLst>
+              </a:tr>
+              <a:tr h="529938">
+                <a:tc>
+                  <a:txBody>
+                    <a:bodyPr/>
+                    <a:lstStyle/>
+                    <a:p>
+                      <a:pPr algn="ctr"/>
+                      <a:r>
+                        <a:rPr lang="en-US" dirty="0"/>
+                        <a:t>Townhouse</a:t>
+                      </a:r>
+                    </a:p>
+                  </a:txBody>
+                  <a:tcPr anchor="ctr"/>
+                </a:tc>
+                <a:tc>
+                  <a:txBody>
+                    <a:bodyPr/>
+                    <a:lstStyle/>
+                    <a:p>
+                      <a:pPr algn="ctr"/>
+                      <a:r>
+                        <a:rPr lang="en-AU" dirty="0"/>
+                        <a:t>0.4428827</a:t>
+                      </a:r>
+                    </a:p>
+                  </a:txBody>
+                  <a:tcPr anchor="ctr"/>
+                </a:tc>
+                <a:extLst>
+                  <a:ext uri="{0D108BD9-81ED-4DB2-BD59-A6C34878D82A}">
+                    <a16:rowId xmlns:a16="http://schemas.microsoft.com/office/drawing/2014/main" val="1474616042"/>
+                  </a:ext>
+                </a:extLst>
+              </a:tr>
+              <a:tr h="529938">
+                <a:tc>
+                  <a:txBody>
+                    <a:bodyPr/>
+                    <a:lstStyle/>
+                    <a:p>
+                      <a:pPr algn="ctr"/>
+                      <a:r>
+                        <a:rPr lang="en-US" dirty="0"/>
+                        <a:t>Unit </a:t>
+                      </a:r>
+                    </a:p>
+                  </a:txBody>
+                  <a:tcPr anchor="ctr"/>
+                </a:tc>
+                <a:tc>
+                  <a:txBody>
+                    <a:bodyPr/>
+                    <a:lstStyle/>
+                    <a:p>
+                      <a:pPr algn="ctr"/>
+                      <a:r>
+                        <a:rPr lang="en-AU" dirty="0"/>
+                        <a:t>0.3359805</a:t>
+                      </a:r>
+                    </a:p>
+                  </a:txBody>
+                  <a:tcPr anchor="ctr"/>
+                </a:tc>
+                <a:extLst>
+                  <a:ext uri="{0D108BD9-81ED-4DB2-BD59-A6C34878D82A}">
+                    <a16:rowId xmlns:a16="http://schemas.microsoft.com/office/drawing/2014/main" val="3248917629"/>
+                  </a:ext>
+                </a:extLst>
+              </a:tr>
+            </a:tbl>
+          </a:graphicData>
+        </a:graphic>
+      </p:graphicFrame>
+      <p:sp>
+        <p:nvSpPr>
+          <p:cNvPr id="6" name="Footer Placeholder 5">
+            <a:extLst>
+              <a:ext uri="{FF2B5EF4-FFF2-40B4-BE49-F238E27FC236}">
+                <a16:creationId xmlns:a16="http://schemas.microsoft.com/office/drawing/2014/main" id="{C8C1BD91-A502-4CE9-B6CB-FBA31C8183A9}"/>
+              </a:ext>
+            </a:extLst>
+          </p:cNvPr>
+          <p:cNvSpPr>
+            <a:spLocks noGrp="1"/>
+          </p:cNvSpPr>
+          <p:nvPr>
+            <p:ph type="ftr" sz="quarter" idx="11"/>
+          </p:nvPr>
+        </p:nvSpPr>
+        <p:spPr>
+          <a:xfrm>
+            <a:off x="154429" y="6398878"/>
+            <a:ext cx="4497315" cy="365125"/>
+          </a:xfrm>
+        </p:spPr>
         <p:txBody>
           <a:bodyPr/>
           <a:lstStyle/>
           <a:p>
-            <a:endParaRPr lang="en-AU"/>
-          </a:p>
-        </p:txBody>
-      </p:sp>
-      <p:sp>
-        <p:nvSpPr>
-          <p:cNvPr id="3" name="Content Placeholder 2">
-            <a:extLst>
-              <a:ext uri="{FF2B5EF4-FFF2-40B4-BE49-F238E27FC236}">
-                <a16:creationId xmlns:a16="http://schemas.microsoft.com/office/drawing/2014/main" id="{635AA165-B462-46C4-B0DE-01BB265B9F75}"/>
-              </a:ext>
-            </a:extLst>
-          </p:cNvPr>
-          <p:cNvSpPr>
-            <a:spLocks noGrp="1"/>
-          </p:cNvSpPr>
-          <p:nvPr>
-            <p:ph idx="1"/>
-          </p:nvPr>
-        </p:nvSpPr>
-        <p:spPr/>
+            <a:r>
+              <a:rPr lang="en-US" dirty="0"/>
+              <a:t>Sample Footer Text</a:t>
+            </a:r>
+          </a:p>
+        </p:txBody>
+      </p:sp>
+      <p:sp>
+        <p:nvSpPr>
+          <p:cNvPr id="5" name="Date Placeholder 4">
+            <a:extLst>
+              <a:ext uri="{FF2B5EF4-FFF2-40B4-BE49-F238E27FC236}">
+                <a16:creationId xmlns:a16="http://schemas.microsoft.com/office/drawing/2014/main" id="{434CEA1C-DE10-4AAF-865D-450C0AEE11DB}"/>
+              </a:ext>
+            </a:extLst>
+          </p:cNvPr>
+          <p:cNvSpPr>
+            <a:spLocks noGrp="1"/>
+          </p:cNvSpPr>
+          <p:nvPr>
+            <p:ph type="dt" sz="half" idx="10"/>
+          </p:nvPr>
+        </p:nvSpPr>
+        <p:spPr>
+          <a:xfrm>
+            <a:off x="7337102" y="6398878"/>
+            <a:ext cx="4193908" cy="365125"/>
+          </a:xfrm>
+        </p:spPr>
         <p:txBody>
           <a:bodyPr/>
           <a:lstStyle/>
           <a:p>
-            <a:endParaRPr lang="en-AU"/>
-          </a:p>
-        </p:txBody>
-      </p:sp>
-      <p:sp>
-        <p:nvSpPr>
-          <p:cNvPr id="4" name="Footer Placeholder 3">
-            <a:extLst>
-              <a:ext uri="{FF2B5EF4-FFF2-40B4-BE49-F238E27FC236}">
-                <a16:creationId xmlns:a16="http://schemas.microsoft.com/office/drawing/2014/main" id="{0E7D0A54-16F2-4F80-95B2-ED5470A11AAC}"/>
-              </a:ext>
-            </a:extLst>
-          </p:cNvPr>
-          <p:cNvSpPr>
-            <a:spLocks noGrp="1"/>
-          </p:cNvSpPr>
-          <p:nvPr>
-            <p:ph type="ftr" sz="quarter" idx="11"/>
-          </p:nvPr>
-        </p:nvSpPr>
-        <p:spPr/>
+            <a:r>
+              <a:rPr lang="en-US" dirty="0"/>
+              <a:t>2/7/20XX</a:t>
+            </a:r>
+          </a:p>
+        </p:txBody>
+      </p:sp>
+      <p:sp>
+        <p:nvSpPr>
+          <p:cNvPr id="7" name="Slide Number Placeholder 6">
+            <a:extLst>
+              <a:ext uri="{FF2B5EF4-FFF2-40B4-BE49-F238E27FC236}">
+                <a16:creationId xmlns:a16="http://schemas.microsoft.com/office/drawing/2014/main" id="{2A40B6AB-E9B1-4B7E-BD4C-74C93ABF5CBC}"/>
+              </a:ext>
+            </a:extLst>
+          </p:cNvPr>
+          <p:cNvSpPr>
+            <a:spLocks noGrp="1"/>
+          </p:cNvSpPr>
+          <p:nvPr>
+            <p:ph type="sldNum" sz="quarter" idx="12"/>
+          </p:nvPr>
+        </p:nvSpPr>
+        <p:spPr>
+          <a:xfrm>
+            <a:off x="11602477" y="6398878"/>
+            <a:ext cx="470887" cy="365125"/>
+          </a:xfrm>
+        </p:spPr>
         <p:txBody>
           <a:bodyPr/>
           <a:lstStyle/>
           <a:p>
-            <a:r>
-              <a:rPr lang="en-US"/>
-              <a:t>Sample Footer Text</a:t>
-            </a:r>
-            <a:endParaRPr lang="en-US" dirty="0"/>
-          </a:p>
-        </p:txBody>
-      </p:sp>
-      <p:sp>
-        <p:nvSpPr>
-          <p:cNvPr id="5" name="Date Placeholder 4">
-            <a:extLst>
-              <a:ext uri="{FF2B5EF4-FFF2-40B4-BE49-F238E27FC236}">
-                <a16:creationId xmlns:a16="http://schemas.microsoft.com/office/drawing/2014/main" id="{430F07EB-3937-4947-BA6F-FE368D92CD18}"/>
-              </a:ext>
-            </a:extLst>
-          </p:cNvPr>
-          <p:cNvSpPr>
-            <a:spLocks noGrp="1"/>
-          </p:cNvSpPr>
-          <p:nvPr>
-            <p:ph type="dt" sz="half" idx="10"/>
-          </p:nvPr>
-        </p:nvSpPr>
-        <p:spPr/>
-        <p:txBody>
-          <a:bodyPr/>
-          <a:lstStyle/>
-          <a:p>
-            <a:r>
-              <a:rPr lang="en-US"/>
-              <a:t>2/7/20XX</a:t>
-            </a:r>
-            <a:endParaRPr lang="en-US" dirty="0"/>
-          </a:p>
-        </p:txBody>
-      </p:sp>
-      <p:sp>
-        <p:nvSpPr>
-          <p:cNvPr id="6" name="Slide Number Placeholder 5">
-            <a:extLst>
-              <a:ext uri="{FF2B5EF4-FFF2-40B4-BE49-F238E27FC236}">
-                <a16:creationId xmlns:a16="http://schemas.microsoft.com/office/drawing/2014/main" id="{84F3C94E-B3F7-41A3-8CD6-B0693932F47E}"/>
-              </a:ext>
-            </a:extLst>
-          </p:cNvPr>
-          <p:cNvSpPr>
-            <a:spLocks noGrp="1"/>
-          </p:cNvSpPr>
-          <p:nvPr>
-            <p:ph type="sldNum" sz="quarter" idx="12"/>
-          </p:nvPr>
-        </p:nvSpPr>
-        <p:spPr/>
-        <p:txBody>
-          <a:bodyPr/>
-          <a:lstStyle/>
-          <a:p>
             <a:fld id="{312CC964-A50B-4C29-B4E4-2C30BB34CCF3}" type="slidenum">
               <a:rPr lang="en-US" smtClean="0"/>
+              <a:pPr/>
               <a:t>10</a:t>
             </a:fld>
             <a:endParaRPr lang="en-US" dirty="0"/>
@@ -16865,7 +17096,7 @@
     </p:spTree>
     <p:extLst>
       <p:ext uri="{BB962C8B-B14F-4D97-AF65-F5344CB8AC3E}">
-        <p14:creationId xmlns:p14="http://schemas.microsoft.com/office/powerpoint/2010/main" val="2513950244"/>
+        <p14:creationId xmlns:p14="http://schemas.microsoft.com/office/powerpoint/2010/main" val="116697314"/>
       </p:ext>
     </p:extLst>
   </p:cSld>
@@ -16897,7 +17128,7 @@
           <p:cNvPr id="2" name="Title 1">
             <a:extLst>
               <a:ext uri="{FF2B5EF4-FFF2-40B4-BE49-F238E27FC236}">
-                <a16:creationId xmlns:a16="http://schemas.microsoft.com/office/drawing/2014/main" id="{47AC2224-2F96-4924-9848-CF43900BAD07}"/>
+                <a16:creationId xmlns:a16="http://schemas.microsoft.com/office/drawing/2014/main" id="{4D18CD2A-2EC1-4055-AE20-4A35A1794F1C}"/>
               </a:ext>
             </a:extLst>
           </p:cNvPr>
@@ -16908,131 +17139,263 @@
             <p:ph type="title"/>
           </p:nvPr>
         </p:nvSpPr>
-        <p:spPr/>
+        <p:spPr>
+          <a:xfrm>
+            <a:off x="839788" y="365125"/>
+            <a:ext cx="10515600" cy="1325563"/>
+          </a:xfrm>
+        </p:spPr>
         <p:txBody>
           <a:bodyPr/>
           <a:lstStyle/>
           <a:p>
-            <a:endParaRPr lang="en-AU"/>
-          </a:p>
-        </p:txBody>
-      </p:sp>
-      <p:sp>
-        <p:nvSpPr>
-          <p:cNvPr id="3" name="Content Placeholder 2">
-            <a:extLst>
-              <a:ext uri="{FF2B5EF4-FFF2-40B4-BE49-F238E27FC236}">
-                <a16:creationId xmlns:a16="http://schemas.microsoft.com/office/drawing/2014/main" id="{635AA165-B462-46C4-B0DE-01BB265B9F75}"/>
-              </a:ext>
-            </a:extLst>
-          </p:cNvPr>
-          <p:cNvSpPr>
-            <a:spLocks noGrp="1"/>
-          </p:cNvSpPr>
-          <p:nvPr>
-            <p:ph idx="1"/>
-          </p:nvPr>
-        </p:nvSpPr>
-        <p:spPr/>
+            <a:r>
+              <a:rPr lang="en-US" dirty="0"/>
+              <a:t>Output</a:t>
+            </a:r>
+          </a:p>
+        </p:txBody>
+      </p:sp>
+      <p:sp>
+        <p:nvSpPr>
+          <p:cNvPr id="5" name="Text Placeholder 4">
+            <a:extLst>
+              <a:ext uri="{FF2B5EF4-FFF2-40B4-BE49-F238E27FC236}">
+                <a16:creationId xmlns:a16="http://schemas.microsoft.com/office/drawing/2014/main" id="{77A2ABE5-0226-49ED-8CCF-C68A5DC8C37A}"/>
+              </a:ext>
+            </a:extLst>
+          </p:cNvPr>
+          <p:cNvSpPr>
+            <a:spLocks noGrp="1"/>
+          </p:cNvSpPr>
+          <p:nvPr>
+            <p:ph type="body" sz="quarter" idx="3"/>
+          </p:nvPr>
+        </p:nvSpPr>
+        <p:spPr>
+          <a:xfrm>
+            <a:off x="6172200" y="1734325"/>
+            <a:ext cx="5183188" cy="823912"/>
+          </a:xfrm>
+        </p:spPr>
         <p:txBody>
           <a:bodyPr/>
           <a:lstStyle/>
           <a:p>
-            <a:endParaRPr lang="en-AU"/>
-          </a:p>
-        </p:txBody>
-      </p:sp>
-      <p:sp>
-        <p:nvSpPr>
-          <p:cNvPr id="4" name="Footer Placeholder 3">
-            <a:extLst>
-              <a:ext uri="{FF2B5EF4-FFF2-40B4-BE49-F238E27FC236}">
-                <a16:creationId xmlns:a16="http://schemas.microsoft.com/office/drawing/2014/main" id="{0E7D0A54-16F2-4F80-95B2-ED5470A11AAC}"/>
-              </a:ext>
-            </a:extLst>
-          </p:cNvPr>
-          <p:cNvSpPr>
-            <a:spLocks noGrp="1"/>
-          </p:cNvSpPr>
-          <p:nvPr>
-            <p:ph type="ftr" sz="quarter" idx="11"/>
-          </p:nvPr>
-        </p:nvSpPr>
-        <p:spPr/>
+            <a:r>
+              <a:rPr lang="en-US" dirty="0"/>
+              <a:t>Potential data inclusion</a:t>
+            </a:r>
+          </a:p>
+        </p:txBody>
+      </p:sp>
+      <p:sp>
+        <p:nvSpPr>
+          <p:cNvPr id="6" name="Content Placeholder 5">
+            <a:extLst>
+              <a:ext uri="{FF2B5EF4-FFF2-40B4-BE49-F238E27FC236}">
+                <a16:creationId xmlns:a16="http://schemas.microsoft.com/office/drawing/2014/main" id="{B05028CE-DA21-47EC-B483-3CE6A8E62CF1}"/>
+              </a:ext>
+            </a:extLst>
+          </p:cNvPr>
+          <p:cNvSpPr>
+            <a:spLocks noGrp="1"/>
+          </p:cNvSpPr>
+          <p:nvPr>
+            <p:ph sz="quarter" idx="4"/>
+          </p:nvPr>
+        </p:nvSpPr>
+        <p:spPr>
+          <a:xfrm>
+            <a:off x="6172200" y="2558237"/>
+            <a:ext cx="5183188" cy="3684588"/>
+          </a:xfrm>
+        </p:spPr>
         <p:txBody>
           <a:bodyPr/>
           <a:lstStyle/>
           <a:p>
             <a:r>
-              <a:rPr lang="en-US"/>
-              <a:t>Sample Footer Text</a:t>
-            </a:r>
+              <a:rPr lang="en-US" dirty="0"/>
+              <a:t>House and Land size </a:t>
+            </a:r>
+          </a:p>
+          <a:p>
+            <a:r>
+              <a:rPr lang="en-US" dirty="0"/>
+              <a:t>Bathrooms </a:t>
+            </a:r>
+          </a:p>
+          <a:p>
+            <a:r>
+              <a:rPr lang="en-US" dirty="0"/>
+              <a:t>Car space </a:t>
+            </a:r>
+          </a:p>
+          <a:p>
+            <a:r>
+              <a:rPr lang="en-US" dirty="0"/>
+              <a:t>Quality of the dwelling </a:t>
+            </a:r>
+          </a:p>
+          <a:p>
+            <a:r>
+              <a:rPr lang="en-US" dirty="0"/>
+              <a:t>Infrastructures proximity </a:t>
+            </a:r>
+          </a:p>
+          <a:p>
             <a:endParaRPr lang="en-US" dirty="0"/>
           </a:p>
-        </p:txBody>
-      </p:sp>
-      <p:sp>
-        <p:nvSpPr>
-          <p:cNvPr id="5" name="Date Placeholder 4">
-            <a:extLst>
-              <a:ext uri="{FF2B5EF4-FFF2-40B4-BE49-F238E27FC236}">
-                <a16:creationId xmlns:a16="http://schemas.microsoft.com/office/drawing/2014/main" id="{430F07EB-3937-4947-BA6F-FE368D92CD18}"/>
-              </a:ext>
-            </a:extLst>
-          </p:cNvPr>
-          <p:cNvSpPr>
-            <a:spLocks noGrp="1"/>
-          </p:cNvSpPr>
-          <p:nvPr>
-            <p:ph type="dt" sz="half" idx="10"/>
-          </p:nvPr>
-        </p:nvSpPr>
-        <p:spPr/>
+          <a:p>
+            <a:pPr marL="0" indent="0">
+              <a:buNone/>
+            </a:pPr>
+            <a:r>
+              <a:rPr lang="en-US" dirty="0"/>
+              <a:t> </a:t>
+            </a:r>
+          </a:p>
+          <a:p>
+            <a:endParaRPr lang="en-US" dirty="0"/>
+          </a:p>
+        </p:txBody>
+      </p:sp>
+      <p:sp>
+        <p:nvSpPr>
+          <p:cNvPr id="8" name="Footer Placeholder 7">
+            <a:extLst>
+              <a:ext uri="{FF2B5EF4-FFF2-40B4-BE49-F238E27FC236}">
+                <a16:creationId xmlns:a16="http://schemas.microsoft.com/office/drawing/2014/main" id="{1CB6C385-03DD-40B8-8F1B-4E62C60C85AA}"/>
+              </a:ext>
+            </a:extLst>
+          </p:cNvPr>
+          <p:cNvSpPr>
+            <a:spLocks noGrp="1"/>
+          </p:cNvSpPr>
+          <p:nvPr>
+            <p:ph type="ftr" sz="quarter" idx="11"/>
+          </p:nvPr>
+        </p:nvSpPr>
+        <p:spPr>
+          <a:xfrm>
+            <a:off x="154429" y="6398878"/>
+            <a:ext cx="4497315" cy="365125"/>
+          </a:xfrm>
+        </p:spPr>
         <p:txBody>
           <a:bodyPr/>
           <a:lstStyle/>
           <a:p>
             <a:r>
-              <a:rPr lang="en-US"/>
-              <a:t>2/7/20XX</a:t>
-            </a:r>
-            <a:endParaRPr lang="en-US" dirty="0"/>
-          </a:p>
-        </p:txBody>
-      </p:sp>
-      <p:sp>
-        <p:nvSpPr>
-          <p:cNvPr id="6" name="Slide Number Placeholder 5">
-            <a:extLst>
-              <a:ext uri="{FF2B5EF4-FFF2-40B4-BE49-F238E27FC236}">
-                <a16:creationId xmlns:a16="http://schemas.microsoft.com/office/drawing/2014/main" id="{84F3C94E-B3F7-41A3-8CD6-B0693932F47E}"/>
-              </a:ext>
-            </a:extLst>
-          </p:cNvPr>
-          <p:cNvSpPr>
-            <a:spLocks noGrp="1"/>
-          </p:cNvSpPr>
-          <p:nvPr>
-            <p:ph type="sldNum" sz="quarter" idx="12"/>
-          </p:nvPr>
-        </p:nvSpPr>
-        <p:spPr/>
+              <a:rPr lang="en-US" dirty="0"/>
+              <a:t>Sample Footer Text</a:t>
+            </a:r>
+          </a:p>
+        </p:txBody>
+      </p:sp>
+      <p:sp>
+        <p:nvSpPr>
+          <p:cNvPr id="7" name="Date Placeholder 6">
+            <a:extLst>
+              <a:ext uri="{FF2B5EF4-FFF2-40B4-BE49-F238E27FC236}">
+                <a16:creationId xmlns:a16="http://schemas.microsoft.com/office/drawing/2014/main" id="{AF3C5F2A-97FD-42D5-B08A-F20B3EFD7D84}"/>
+              </a:ext>
+            </a:extLst>
+          </p:cNvPr>
+          <p:cNvSpPr>
+            <a:spLocks noGrp="1"/>
+          </p:cNvSpPr>
+          <p:nvPr>
+            <p:ph type="dt" sz="half" idx="10"/>
+          </p:nvPr>
+        </p:nvSpPr>
+        <p:spPr>
+          <a:xfrm>
+            <a:off x="7337102" y="6398878"/>
+            <a:ext cx="4193908" cy="365125"/>
+          </a:xfrm>
+        </p:spPr>
         <p:txBody>
           <a:bodyPr/>
           <a:lstStyle/>
           <a:p>
+            <a:r>
+              <a:rPr lang="en-US" dirty="0"/>
+              <a:t>2/7/20XX</a:t>
+            </a:r>
+          </a:p>
+        </p:txBody>
+      </p:sp>
+      <p:sp>
+        <p:nvSpPr>
+          <p:cNvPr id="9" name="Slide Number Placeholder 8">
+            <a:extLst>
+              <a:ext uri="{FF2B5EF4-FFF2-40B4-BE49-F238E27FC236}">
+                <a16:creationId xmlns:a16="http://schemas.microsoft.com/office/drawing/2014/main" id="{203229A0-1321-49E2-9958-3B1F86E2CC8F}"/>
+              </a:ext>
+            </a:extLst>
+          </p:cNvPr>
+          <p:cNvSpPr>
+            <a:spLocks noGrp="1"/>
+          </p:cNvSpPr>
+          <p:nvPr>
+            <p:ph type="sldNum" sz="quarter" idx="12"/>
+          </p:nvPr>
+        </p:nvSpPr>
+        <p:spPr>
+          <a:xfrm>
+            <a:off x="11602477" y="6398878"/>
+            <a:ext cx="470887" cy="365125"/>
+          </a:xfrm>
+        </p:spPr>
+        <p:txBody>
+          <a:bodyPr/>
+          <a:lstStyle/>
+          <a:p>
             <a:fld id="{312CC964-A50B-4C29-B4E4-2C30BB34CCF3}" type="slidenum">
               <a:rPr lang="en-US" smtClean="0"/>
+              <a:pPr/>
               <a:t>11</a:t>
             </a:fld>
             <a:endParaRPr lang="en-US" dirty="0"/>
           </a:p>
         </p:txBody>
       </p:sp>
+      <p:pic>
+        <p:nvPicPr>
+          <p:cNvPr id="11" name="Picture 10">
+            <a:extLst>
+              <a:ext uri="{FF2B5EF4-FFF2-40B4-BE49-F238E27FC236}">
+                <a16:creationId xmlns:a16="http://schemas.microsoft.com/office/drawing/2014/main" id="{CA0CEF31-8892-4929-9704-DE8E54938E79}"/>
+              </a:ext>
+            </a:extLst>
+          </p:cNvPr>
+          <p:cNvPicPr>
+            <a:picLocks noChangeAspect="1"/>
+          </p:cNvPicPr>
+          <p:nvPr/>
+        </p:nvPicPr>
+        <p:blipFill>
+          <a:blip r:embed="rId2"/>
+          <a:stretch>
+            <a:fillRect/>
+          </a:stretch>
+        </p:blipFill>
+        <p:spPr>
+          <a:xfrm>
+            <a:off x="1183578" y="1985844"/>
+            <a:ext cx="3735555" cy="3415889"/>
+          </a:xfrm>
+          <a:prstGeom prst="rect">
+            <a:avLst/>
+          </a:prstGeom>
+        </p:spPr>
+      </p:pic>
     </p:spTree>
     <p:extLst>
       <p:ext uri="{BB962C8B-B14F-4D97-AF65-F5344CB8AC3E}">
-        <p14:creationId xmlns:p14="http://schemas.microsoft.com/office/powerpoint/2010/main" val="3888286582"/>
+        <p14:creationId xmlns:p14="http://schemas.microsoft.com/office/powerpoint/2010/main" val="579630974"/>
       </p:ext>
     </p:extLst>
   </p:cSld>
@@ -17061,211 +17424,145 @@
       </p:grpSpPr>
       <p:sp>
         <p:nvSpPr>
-          <p:cNvPr id="5" name="Title 4">
-            <a:extLst>
-              <a:ext uri="{FF2B5EF4-FFF2-40B4-BE49-F238E27FC236}">
-                <a16:creationId xmlns:a16="http://schemas.microsoft.com/office/drawing/2014/main" id="{0979F08F-6890-4E7D-8F3F-47657269E4DC}"/>
-              </a:ext>
-            </a:extLst>
-          </p:cNvPr>
-          <p:cNvSpPr>
-            <a:spLocks noGrp="1"/>
-          </p:cNvSpPr>
-          <p:nvPr>
-            <p:ph type="ctrTitle"/>
-          </p:nvPr>
-        </p:nvSpPr>
-        <p:spPr>
-          <a:xfrm>
-            <a:off x="5083790" y="1064715"/>
-            <a:ext cx="6153912" cy="3922755"/>
-          </a:xfrm>
-        </p:spPr>
+          <p:cNvPr id="2" name="Title 1">
+            <a:extLst>
+              <a:ext uri="{FF2B5EF4-FFF2-40B4-BE49-F238E27FC236}">
+                <a16:creationId xmlns:a16="http://schemas.microsoft.com/office/drawing/2014/main" id="{47AC2224-2F96-4924-9848-CF43900BAD07}"/>
+              </a:ext>
+            </a:extLst>
+          </p:cNvPr>
+          <p:cNvSpPr>
+            <a:spLocks noGrp="1"/>
+          </p:cNvSpPr>
+          <p:nvPr>
+            <p:ph type="title"/>
+          </p:nvPr>
+        </p:nvSpPr>
+        <p:spPr/>
         <p:txBody>
           <a:bodyPr/>
           <a:lstStyle/>
           <a:p>
-            <a:r>
-              <a:rPr lang="en-US" dirty="0"/>
-              <a:t>The way  to get started is to quit </a:t>
-            </a:r>
-            <a:br>
-              <a:rPr lang="en-US" dirty="0"/>
-            </a:br>
-            <a:r>
-              <a:rPr lang="en-US" dirty="0"/>
-              <a:t>talking and begin doing.</a:t>
-            </a:r>
-          </a:p>
-        </p:txBody>
-      </p:sp>
-      <p:sp>
-        <p:nvSpPr>
-          <p:cNvPr id="6" name="Subtitle 5">
-            <a:extLst>
-              <a:ext uri="{FF2B5EF4-FFF2-40B4-BE49-F238E27FC236}">
-                <a16:creationId xmlns:a16="http://schemas.microsoft.com/office/drawing/2014/main" id="{BD4CE57B-A125-4D72-839E-A7A6A044FC38}"/>
-              </a:ext>
-            </a:extLst>
-          </p:cNvPr>
-          <p:cNvSpPr>
-            <a:spLocks noGrp="1"/>
-          </p:cNvSpPr>
-          <p:nvPr>
-            <p:ph type="subTitle" idx="1"/>
-          </p:nvPr>
-        </p:nvSpPr>
-        <p:spPr>
-          <a:xfrm>
-            <a:off x="5083790" y="5033339"/>
-            <a:ext cx="6157951" cy="943386"/>
-          </a:xfrm>
-        </p:spPr>
+            <a:endParaRPr lang="en-AU" dirty="0"/>
+          </a:p>
+        </p:txBody>
+      </p:sp>
+      <p:sp>
+        <p:nvSpPr>
+          <p:cNvPr id="3" name="Content Placeholder 2">
+            <a:extLst>
+              <a:ext uri="{FF2B5EF4-FFF2-40B4-BE49-F238E27FC236}">
+                <a16:creationId xmlns:a16="http://schemas.microsoft.com/office/drawing/2014/main" id="{635AA165-B462-46C4-B0DE-01BB265B9F75}"/>
+              </a:ext>
+            </a:extLst>
+          </p:cNvPr>
+          <p:cNvSpPr>
+            <a:spLocks noGrp="1"/>
+          </p:cNvSpPr>
+          <p:nvPr>
+            <p:ph idx="1"/>
+          </p:nvPr>
+        </p:nvSpPr>
+        <p:spPr/>
         <p:txBody>
           <a:bodyPr/>
           <a:lstStyle/>
           <a:p>
-            <a:r>
-              <a:rPr lang="en-US" dirty="0"/>
-              <a:t>Walt Disney</a:t>
-            </a:r>
-          </a:p>
-        </p:txBody>
-      </p:sp>
-      <p:pic>
-        <p:nvPicPr>
-          <p:cNvPr id="9" name="Picture Placeholder 8" descr="A picture containing blue glass buildings with reflection">
-            <a:extLst>
-              <a:ext uri="{FF2B5EF4-FFF2-40B4-BE49-F238E27FC236}">
-                <a16:creationId xmlns:a16="http://schemas.microsoft.com/office/drawing/2014/main" id="{EB5E1FEF-1282-4779-83BA-2F3F6D476B6F}"/>
-              </a:ext>
-            </a:extLst>
-          </p:cNvPr>
-          <p:cNvPicPr>
-            <a:picLocks noGrp="1" noChangeAspect="1"/>
-          </p:cNvPicPr>
-          <p:nvPr>
-            <p:ph type="pic" sz="quarter" idx="13"/>
-          </p:nvPr>
-        </p:nvPicPr>
-        <p:blipFill rotWithShape="1">
-          <a:blip r:embed="rId2" cstate="screen">
-            <a:extLst>
-              <a:ext uri="{28A0092B-C50C-407E-A947-70E740481C1C}">
-                <a14:useLocalDpi xmlns:a14="http://schemas.microsoft.com/office/drawing/2010/main"/>
-              </a:ext>
-            </a:extLst>
-          </a:blip>
-          <a:srcRect/>
-          <a:stretch/>
-        </p:blipFill>
-        <p:spPr>
-          <a:xfrm>
-            <a:off x="16822" y="0"/>
-            <a:ext cx="4811317" cy="6857998"/>
-          </a:xfrm>
-        </p:spPr>
-      </p:pic>
-      <p:sp>
-        <p:nvSpPr>
-          <p:cNvPr id="2" name="Date Placeholder 1">
-            <a:extLst>
-              <a:ext uri="{FF2B5EF4-FFF2-40B4-BE49-F238E27FC236}">
-                <a16:creationId xmlns:a16="http://schemas.microsoft.com/office/drawing/2014/main" id="{D81ADD0E-60C9-4DBB-AFBA-7492513A4C8F}"/>
-              </a:ext>
-            </a:extLst>
-          </p:cNvPr>
-          <p:cNvSpPr>
-            <a:spLocks noGrp="1"/>
-          </p:cNvSpPr>
-          <p:nvPr>
-            <p:ph type="dt" sz="half" idx="10"/>
-          </p:nvPr>
-        </p:nvSpPr>
-        <p:spPr>
-          <a:xfrm>
-            <a:off x="7337102" y="6398878"/>
-            <a:ext cx="4193908" cy="365125"/>
-          </a:xfrm>
-        </p:spPr>
+            <a:endParaRPr lang="en-AU"/>
+          </a:p>
+        </p:txBody>
+      </p:sp>
+      <p:sp>
+        <p:nvSpPr>
+          <p:cNvPr id="4" name="Footer Placeholder 3">
+            <a:extLst>
+              <a:ext uri="{FF2B5EF4-FFF2-40B4-BE49-F238E27FC236}">
+                <a16:creationId xmlns:a16="http://schemas.microsoft.com/office/drawing/2014/main" id="{0E7D0A54-16F2-4F80-95B2-ED5470A11AAC}"/>
+              </a:ext>
+            </a:extLst>
+          </p:cNvPr>
+          <p:cNvSpPr>
+            <a:spLocks noGrp="1"/>
+          </p:cNvSpPr>
+          <p:nvPr>
+            <p:ph type="ftr" sz="quarter" idx="11"/>
+          </p:nvPr>
+        </p:nvSpPr>
+        <p:spPr/>
         <p:txBody>
           <a:bodyPr/>
           <a:lstStyle/>
           <a:p>
             <a:r>
-              <a:rPr lang="en-US" dirty="0"/>
-              <a:t>2/7/20XX</a:t>
-            </a:r>
-          </a:p>
-        </p:txBody>
-      </p:sp>
-      <p:sp>
-        <p:nvSpPr>
-          <p:cNvPr id="4" name="Slide Number Placeholder 3">
-            <a:extLst>
-              <a:ext uri="{FF2B5EF4-FFF2-40B4-BE49-F238E27FC236}">
-                <a16:creationId xmlns:a16="http://schemas.microsoft.com/office/drawing/2014/main" id="{05F8C04B-250D-4AE1-9F65-682FB4830BAF}"/>
-              </a:ext>
-            </a:extLst>
-          </p:cNvPr>
-          <p:cNvSpPr>
-            <a:spLocks noGrp="1"/>
-          </p:cNvSpPr>
-          <p:nvPr>
-            <p:ph type="sldNum" sz="quarter" idx="12"/>
-          </p:nvPr>
-        </p:nvSpPr>
-        <p:spPr>
-          <a:xfrm>
-            <a:off x="11602477" y="6398878"/>
-            <a:ext cx="470887" cy="365125"/>
-          </a:xfrm>
-        </p:spPr>
+              <a:rPr lang="en-US"/>
+              <a:t>Sample Footer Text</a:t>
+            </a:r>
+            <a:endParaRPr lang="en-US" dirty="0"/>
+          </a:p>
+        </p:txBody>
+      </p:sp>
+      <p:sp>
+        <p:nvSpPr>
+          <p:cNvPr id="5" name="Date Placeholder 4">
+            <a:extLst>
+              <a:ext uri="{FF2B5EF4-FFF2-40B4-BE49-F238E27FC236}">
+                <a16:creationId xmlns:a16="http://schemas.microsoft.com/office/drawing/2014/main" id="{430F07EB-3937-4947-BA6F-FE368D92CD18}"/>
+              </a:ext>
+            </a:extLst>
+          </p:cNvPr>
+          <p:cNvSpPr>
+            <a:spLocks noGrp="1"/>
+          </p:cNvSpPr>
+          <p:nvPr>
+            <p:ph type="dt" sz="half" idx="10"/>
+          </p:nvPr>
+        </p:nvSpPr>
+        <p:spPr/>
         <p:txBody>
           <a:bodyPr/>
           <a:lstStyle/>
           <a:p>
+            <a:r>
+              <a:rPr lang="en-US"/>
+              <a:t>2/7/20XX</a:t>
+            </a:r>
+            <a:endParaRPr lang="en-US" dirty="0"/>
+          </a:p>
+        </p:txBody>
+      </p:sp>
+      <p:sp>
+        <p:nvSpPr>
+          <p:cNvPr id="6" name="Slide Number Placeholder 5">
+            <a:extLst>
+              <a:ext uri="{FF2B5EF4-FFF2-40B4-BE49-F238E27FC236}">
+                <a16:creationId xmlns:a16="http://schemas.microsoft.com/office/drawing/2014/main" id="{84F3C94E-B3F7-41A3-8CD6-B0693932F47E}"/>
+              </a:ext>
+            </a:extLst>
+          </p:cNvPr>
+          <p:cNvSpPr>
+            <a:spLocks noGrp="1"/>
+          </p:cNvSpPr>
+          <p:nvPr>
+            <p:ph type="sldNum" sz="quarter" idx="12"/>
+          </p:nvPr>
+        </p:nvSpPr>
+        <p:spPr/>
+        <p:txBody>
+          <a:bodyPr/>
+          <a:lstStyle/>
+          <a:p>
             <a:fld id="{312CC964-A50B-4C29-B4E4-2C30BB34CCF3}" type="slidenum">
               <a:rPr lang="en-US" smtClean="0"/>
-              <a:pPr/>
               <a:t>12</a:t>
             </a:fld>
             <a:endParaRPr lang="en-US" dirty="0"/>
           </a:p>
         </p:txBody>
       </p:sp>
-      <p:sp>
-        <p:nvSpPr>
-          <p:cNvPr id="3" name="Footer Placeholder 2">
-            <a:extLst>
-              <a:ext uri="{FF2B5EF4-FFF2-40B4-BE49-F238E27FC236}">
-                <a16:creationId xmlns:a16="http://schemas.microsoft.com/office/drawing/2014/main" id="{9E3B0AEB-C993-4B3B-B038-0B905739807E}"/>
-              </a:ext>
-            </a:extLst>
-          </p:cNvPr>
-          <p:cNvSpPr>
-            <a:spLocks noGrp="1"/>
-          </p:cNvSpPr>
-          <p:nvPr>
-            <p:ph type="ftr" sz="quarter" idx="11"/>
-          </p:nvPr>
-        </p:nvSpPr>
-        <p:spPr/>
-        <p:txBody>
-          <a:bodyPr/>
-          <a:lstStyle/>
-          <a:p>
-            <a:r>
-              <a:rPr lang="en-US" dirty="0"/>
-              <a:t>Sample Footer Text</a:t>
-            </a:r>
-          </a:p>
-        </p:txBody>
-      </p:sp>
     </p:spTree>
     <p:extLst>
       <p:ext uri="{BB962C8B-B14F-4D97-AF65-F5344CB8AC3E}">
-        <p14:creationId xmlns:p14="http://schemas.microsoft.com/office/powerpoint/2010/main" val="718815033"/>
+        <p14:creationId xmlns:p14="http://schemas.microsoft.com/office/powerpoint/2010/main" val="240077539"/>
       </p:ext>
     </p:extLst>
   </p:cSld>
@@ -17294,10 +17591,10 @@
       </p:grpSpPr>
       <p:sp>
         <p:nvSpPr>
-          <p:cNvPr id="3" name="Title 2">
-            <a:extLst>
-              <a:ext uri="{FF2B5EF4-FFF2-40B4-BE49-F238E27FC236}">
-                <a16:creationId xmlns:a16="http://schemas.microsoft.com/office/drawing/2014/main" id="{D3B7DCE3-A62E-497E-8A96-DF8D1A4904FD}"/>
+          <p:cNvPr id="2" name="Title 1">
+            <a:extLst>
+              <a:ext uri="{FF2B5EF4-FFF2-40B4-BE49-F238E27FC236}">
+                <a16:creationId xmlns:a16="http://schemas.microsoft.com/office/drawing/2014/main" id="{47AC2224-2F96-4924-9848-CF43900BAD07}"/>
               </a:ext>
             </a:extLst>
           </p:cNvPr>
@@ -17308,149 +17605,121 @@
             <p:ph type="title"/>
           </p:nvPr>
         </p:nvSpPr>
-        <p:spPr>
-          <a:xfrm>
-            <a:off x="1143000" y="533401"/>
-            <a:ext cx="9906000" cy="1382156"/>
-          </a:xfrm>
-        </p:spPr>
+        <p:spPr/>
         <p:txBody>
           <a:bodyPr/>
           <a:lstStyle/>
           <a:p>
-            <a:r>
-              <a:rPr lang="en-US" dirty="0"/>
-              <a:t>CHART</a:t>
-            </a:r>
-          </a:p>
-        </p:txBody>
-      </p:sp>
-      <p:graphicFrame>
-        <p:nvGraphicFramePr>
-          <p:cNvPr id="9" name="Content Placeholder 5" descr="Bar Chart Placeholder">
-            <a:extLst>
-              <a:ext uri="{FF2B5EF4-FFF2-40B4-BE49-F238E27FC236}">
-                <a16:creationId xmlns:a16="http://schemas.microsoft.com/office/drawing/2014/main" id="{29099B41-765C-4584-A6CA-8AC4F02907FC}"/>
-              </a:ext>
-            </a:extLst>
-          </p:cNvPr>
-          <p:cNvGraphicFramePr>
-            <a:graphicFrameLocks noGrp="1"/>
-          </p:cNvGraphicFramePr>
+            <a:endParaRPr lang="en-AU"/>
+          </a:p>
+        </p:txBody>
+      </p:sp>
+      <p:sp>
+        <p:nvSpPr>
+          <p:cNvPr id="3" name="Content Placeholder 2">
+            <a:extLst>
+              <a:ext uri="{FF2B5EF4-FFF2-40B4-BE49-F238E27FC236}">
+                <a16:creationId xmlns:a16="http://schemas.microsoft.com/office/drawing/2014/main" id="{635AA165-B462-46C4-B0DE-01BB265B9F75}"/>
+              </a:ext>
+            </a:extLst>
+          </p:cNvPr>
+          <p:cNvSpPr>
+            <a:spLocks noGrp="1"/>
+          </p:cNvSpPr>
           <p:nvPr>
             <p:ph idx="1"/>
-            <p:extLst>
-              <p:ext uri="{D42A27DB-BD31-4B8C-83A1-F6EECF244321}">
-                <p14:modId xmlns:p14="http://schemas.microsoft.com/office/powerpoint/2010/main" val="1259417029"/>
-              </p:ext>
-            </p:extLst>
-          </p:nvPr>
-        </p:nvGraphicFramePr>
-        <p:xfrm>
-          <a:off x="1143000" y="2009775"/>
-          <a:ext cx="9906000" cy="4024313"/>
-        </p:xfrm>
-        <a:graphic>
-          <a:graphicData uri="http://schemas.openxmlformats.org/drawingml/2006/chart">
-            <c:chart xmlns:c="http://schemas.openxmlformats.org/drawingml/2006/chart" xmlns:r="http://schemas.openxmlformats.org/officeDocument/2006/relationships" r:id="rId2"/>
-          </a:graphicData>
-        </a:graphic>
-      </p:graphicFrame>
-      <p:sp>
-        <p:nvSpPr>
-          <p:cNvPr id="4" name="Footer Placeholder 3">
-            <a:extLst>
-              <a:ext uri="{FF2B5EF4-FFF2-40B4-BE49-F238E27FC236}">
-                <a16:creationId xmlns:a16="http://schemas.microsoft.com/office/drawing/2014/main" id="{B9FB3C1C-0A06-4533-8DA4-50514E5F9E9D}"/>
-              </a:ext>
-            </a:extLst>
-          </p:cNvPr>
-          <p:cNvSpPr>
-            <a:spLocks noGrp="1"/>
-          </p:cNvSpPr>
-          <p:nvPr>
-            <p:ph type="ftr" sz="quarter" idx="11"/>
-          </p:nvPr>
-        </p:nvSpPr>
-        <p:spPr>
-          <a:xfrm>
-            <a:off x="154429" y="6398878"/>
-            <a:ext cx="4497315" cy="365125"/>
-          </a:xfrm>
-        </p:spPr>
+          </p:nvPr>
+        </p:nvSpPr>
+        <p:spPr/>
         <p:txBody>
           <a:bodyPr/>
           <a:lstStyle/>
           <a:p>
-            <a:r>
-              <a:rPr lang="en-US" dirty="0"/>
-              <a:t>Sample Footer Text</a:t>
-            </a:r>
-          </a:p>
-        </p:txBody>
-      </p:sp>
-      <p:sp>
-        <p:nvSpPr>
-          <p:cNvPr id="5" name="Date Placeholder 4">
-            <a:extLst>
-              <a:ext uri="{FF2B5EF4-FFF2-40B4-BE49-F238E27FC236}">
-                <a16:creationId xmlns:a16="http://schemas.microsoft.com/office/drawing/2014/main" id="{581A4C2F-12B6-403A-AAD2-73AC2A19E01E}"/>
-              </a:ext>
-            </a:extLst>
-          </p:cNvPr>
-          <p:cNvSpPr>
-            <a:spLocks noGrp="1"/>
-          </p:cNvSpPr>
-          <p:nvPr>
-            <p:ph type="dt" sz="half" idx="10"/>
-          </p:nvPr>
-        </p:nvSpPr>
-        <p:spPr>
-          <a:xfrm>
-            <a:off x="7337102" y="6398878"/>
-            <a:ext cx="4193908" cy="365125"/>
-          </a:xfrm>
-        </p:spPr>
+            <a:endParaRPr lang="en-AU"/>
+          </a:p>
+        </p:txBody>
+      </p:sp>
+      <p:sp>
+        <p:nvSpPr>
+          <p:cNvPr id="4" name="Footer Placeholder 3">
+            <a:extLst>
+              <a:ext uri="{FF2B5EF4-FFF2-40B4-BE49-F238E27FC236}">
+                <a16:creationId xmlns:a16="http://schemas.microsoft.com/office/drawing/2014/main" id="{0E7D0A54-16F2-4F80-95B2-ED5470A11AAC}"/>
+              </a:ext>
+            </a:extLst>
+          </p:cNvPr>
+          <p:cNvSpPr>
+            <a:spLocks noGrp="1"/>
+          </p:cNvSpPr>
+          <p:nvPr>
+            <p:ph type="ftr" sz="quarter" idx="11"/>
+          </p:nvPr>
+        </p:nvSpPr>
+        <p:spPr/>
         <p:txBody>
           <a:bodyPr/>
           <a:lstStyle/>
           <a:p>
             <a:r>
-              <a:rPr lang="en-US" dirty="0"/>
-              <a:t>2/7/20XX</a:t>
-            </a:r>
-          </a:p>
-        </p:txBody>
-      </p:sp>
-      <p:sp>
-        <p:nvSpPr>
-          <p:cNvPr id="6" name="Slide Number Placeholder 5">
-            <a:extLst>
-              <a:ext uri="{FF2B5EF4-FFF2-40B4-BE49-F238E27FC236}">
-                <a16:creationId xmlns:a16="http://schemas.microsoft.com/office/drawing/2014/main" id="{F1D8EAF4-7E41-4FEA-B534-06CE08821DB2}"/>
-              </a:ext>
-            </a:extLst>
-          </p:cNvPr>
-          <p:cNvSpPr>
-            <a:spLocks noGrp="1"/>
-          </p:cNvSpPr>
-          <p:nvPr>
-            <p:ph type="sldNum" sz="quarter" idx="12"/>
-          </p:nvPr>
-        </p:nvSpPr>
-        <p:spPr>
-          <a:xfrm>
-            <a:off x="11602477" y="6398878"/>
-            <a:ext cx="470887" cy="365125"/>
-          </a:xfrm>
-        </p:spPr>
+              <a:rPr lang="en-US"/>
+              <a:t>Sample Footer Text</a:t>
+            </a:r>
+            <a:endParaRPr lang="en-US" dirty="0"/>
+          </a:p>
+        </p:txBody>
+      </p:sp>
+      <p:sp>
+        <p:nvSpPr>
+          <p:cNvPr id="5" name="Date Placeholder 4">
+            <a:extLst>
+              <a:ext uri="{FF2B5EF4-FFF2-40B4-BE49-F238E27FC236}">
+                <a16:creationId xmlns:a16="http://schemas.microsoft.com/office/drawing/2014/main" id="{430F07EB-3937-4947-BA6F-FE368D92CD18}"/>
+              </a:ext>
+            </a:extLst>
+          </p:cNvPr>
+          <p:cNvSpPr>
+            <a:spLocks noGrp="1"/>
+          </p:cNvSpPr>
+          <p:nvPr>
+            <p:ph type="dt" sz="half" idx="10"/>
+          </p:nvPr>
+        </p:nvSpPr>
+        <p:spPr/>
         <p:txBody>
           <a:bodyPr/>
           <a:lstStyle/>
           <a:p>
+            <a:r>
+              <a:rPr lang="en-US"/>
+              <a:t>2/7/20XX</a:t>
+            </a:r>
+            <a:endParaRPr lang="en-US" dirty="0"/>
+          </a:p>
+        </p:txBody>
+      </p:sp>
+      <p:sp>
+        <p:nvSpPr>
+          <p:cNvPr id="6" name="Slide Number Placeholder 5">
+            <a:extLst>
+              <a:ext uri="{FF2B5EF4-FFF2-40B4-BE49-F238E27FC236}">
+                <a16:creationId xmlns:a16="http://schemas.microsoft.com/office/drawing/2014/main" id="{84F3C94E-B3F7-41A3-8CD6-B0693932F47E}"/>
+              </a:ext>
+            </a:extLst>
+          </p:cNvPr>
+          <p:cNvSpPr>
+            <a:spLocks noGrp="1"/>
+          </p:cNvSpPr>
+          <p:nvPr>
+            <p:ph type="sldNum" sz="quarter" idx="12"/>
+          </p:nvPr>
+        </p:nvSpPr>
+        <p:spPr/>
+        <p:txBody>
+          <a:bodyPr/>
+          <a:lstStyle/>
+          <a:p>
             <a:fld id="{312CC964-A50B-4C29-B4E4-2C30BB34CCF3}" type="slidenum">
               <a:rPr lang="en-US" smtClean="0"/>
-              <a:pPr/>
               <a:t>13</a:t>
             </a:fld>
             <a:endParaRPr lang="en-US" dirty="0"/>
@@ -17460,7 +17729,7 @@
     </p:spTree>
     <p:extLst>
       <p:ext uri="{BB962C8B-B14F-4D97-AF65-F5344CB8AC3E}">
-        <p14:creationId xmlns:p14="http://schemas.microsoft.com/office/powerpoint/2010/main" val="3382633633"/>
+        <p14:creationId xmlns:p14="http://schemas.microsoft.com/office/powerpoint/2010/main" val="2513950244"/>
       </p:ext>
     </p:extLst>
   </p:cSld>
@@ -17489,10 +17758,10 @@
       </p:grpSpPr>
       <p:sp>
         <p:nvSpPr>
-          <p:cNvPr id="11" name="Title 10">
-            <a:extLst>
-              <a:ext uri="{FF2B5EF4-FFF2-40B4-BE49-F238E27FC236}">
-                <a16:creationId xmlns:a16="http://schemas.microsoft.com/office/drawing/2014/main" id="{B5FF8487-12CC-455B-BB28-092AAA3E43A4}"/>
+          <p:cNvPr id="2" name="Title 1">
+            <a:extLst>
+              <a:ext uri="{FF2B5EF4-FFF2-40B4-BE49-F238E27FC236}">
+                <a16:creationId xmlns:a16="http://schemas.microsoft.com/office/drawing/2014/main" id="{47AC2224-2F96-4924-9848-CF43900BAD07}"/>
               </a:ext>
             </a:extLst>
           </p:cNvPr>
@@ -17503,518 +17772,121 @@
             <p:ph type="title"/>
           </p:nvPr>
         </p:nvSpPr>
-        <p:spPr>
-          <a:xfrm>
-            <a:off x="1143000" y="533401"/>
-            <a:ext cx="9906000" cy="1382156"/>
-          </a:xfrm>
-        </p:spPr>
+        <p:spPr/>
         <p:txBody>
           <a:bodyPr/>
           <a:lstStyle/>
           <a:p>
-            <a:r>
-              <a:rPr lang="en-US" dirty="0"/>
-              <a:t>team</a:t>
-            </a:r>
-          </a:p>
-        </p:txBody>
-      </p:sp>
-      <p:pic>
-        <p:nvPicPr>
-          <p:cNvPr id="25" name="Picture Placeholder 24" descr="A person smiling for the camera at the office">
-            <a:extLst>
-              <a:ext uri="{FF2B5EF4-FFF2-40B4-BE49-F238E27FC236}">
-                <a16:creationId xmlns:a16="http://schemas.microsoft.com/office/drawing/2014/main" id="{192E2443-3386-4F13-B458-B0DF7511A5FD}"/>
-              </a:ext>
-            </a:extLst>
-          </p:cNvPr>
-          <p:cNvPicPr>
-            <a:picLocks noGrp="1" noChangeAspect="1"/>
-          </p:cNvPicPr>
-          <p:nvPr>
-            <p:ph type="pic" sz="quarter" idx="20"/>
-          </p:nvPr>
-        </p:nvPicPr>
-        <p:blipFill rotWithShape="1">
-          <a:blip r:embed="rId2" cstate="screen">
-            <a:extLst>
-              <a:ext uri="{28A0092B-C50C-407E-A947-70E740481C1C}">
-                <a14:useLocalDpi xmlns:a14="http://schemas.microsoft.com/office/drawing/2010/main"/>
-              </a:ext>
-            </a:extLst>
-          </a:blip>
-          <a:srcRect/>
-          <a:stretch/>
-        </p:blipFill>
-        <p:spPr>
-          <a:xfrm>
-            <a:off x="1143000" y="2350008"/>
-            <a:ext cx="1965960" cy="1801368"/>
-          </a:xfrm>
-        </p:spPr>
-      </p:pic>
-      <p:sp>
-        <p:nvSpPr>
-          <p:cNvPr id="12" name="Text Placeholder 11">
-            <a:extLst>
-              <a:ext uri="{FF2B5EF4-FFF2-40B4-BE49-F238E27FC236}">
-                <a16:creationId xmlns:a16="http://schemas.microsoft.com/office/drawing/2014/main" id="{9CC19BCA-4923-4952-996B-EDA82BCF117C}"/>
-              </a:ext>
-            </a:extLst>
-          </p:cNvPr>
-          <p:cNvSpPr>
-            <a:spLocks noGrp="1"/>
-          </p:cNvSpPr>
-          <p:nvPr>
-            <p:ph type="body" idx="1"/>
-          </p:nvPr>
-        </p:nvSpPr>
-        <p:spPr>
-          <a:xfrm>
-            <a:off x="1145421" y="4319521"/>
-            <a:ext cx="1963236" cy="365760"/>
-          </a:xfrm>
-        </p:spPr>
+            <a:endParaRPr lang="en-AU"/>
+          </a:p>
+        </p:txBody>
+      </p:sp>
+      <p:sp>
+        <p:nvSpPr>
+          <p:cNvPr id="3" name="Content Placeholder 2">
+            <a:extLst>
+              <a:ext uri="{FF2B5EF4-FFF2-40B4-BE49-F238E27FC236}">
+                <a16:creationId xmlns:a16="http://schemas.microsoft.com/office/drawing/2014/main" id="{635AA165-B462-46C4-B0DE-01BB265B9F75}"/>
+              </a:ext>
+            </a:extLst>
+          </p:cNvPr>
+          <p:cNvSpPr>
+            <a:spLocks noGrp="1"/>
+          </p:cNvSpPr>
+          <p:nvPr>
+            <p:ph idx="1"/>
+          </p:nvPr>
+        </p:nvSpPr>
+        <p:spPr/>
         <p:txBody>
           <a:bodyPr/>
           <a:lstStyle/>
           <a:p>
-            <a:r>
-              <a:rPr lang="en-US" dirty="0"/>
-              <a:t>Name</a:t>
-            </a:r>
-          </a:p>
-        </p:txBody>
-      </p:sp>
-      <p:sp>
-        <p:nvSpPr>
-          <p:cNvPr id="13" name="Text Placeholder 12">
-            <a:extLst>
-              <a:ext uri="{FF2B5EF4-FFF2-40B4-BE49-F238E27FC236}">
-                <a16:creationId xmlns:a16="http://schemas.microsoft.com/office/drawing/2014/main" id="{CF48DD50-F55B-417A-A09A-9FF61091CD37}"/>
-              </a:ext>
-            </a:extLst>
-          </p:cNvPr>
-          <p:cNvSpPr>
-            <a:spLocks noGrp="1"/>
-          </p:cNvSpPr>
-          <p:nvPr>
-            <p:ph type="body" idx="13"/>
-          </p:nvPr>
-        </p:nvSpPr>
-        <p:spPr>
-          <a:xfrm>
-            <a:off x="1143000" y="4761768"/>
-            <a:ext cx="1963236" cy="741904"/>
-          </a:xfrm>
-        </p:spPr>
+            <a:endParaRPr lang="en-AU"/>
+          </a:p>
+        </p:txBody>
+      </p:sp>
+      <p:sp>
+        <p:nvSpPr>
+          <p:cNvPr id="4" name="Footer Placeholder 3">
+            <a:extLst>
+              <a:ext uri="{FF2B5EF4-FFF2-40B4-BE49-F238E27FC236}">
+                <a16:creationId xmlns:a16="http://schemas.microsoft.com/office/drawing/2014/main" id="{0E7D0A54-16F2-4F80-95B2-ED5470A11AAC}"/>
+              </a:ext>
+            </a:extLst>
+          </p:cNvPr>
+          <p:cNvSpPr>
+            <a:spLocks noGrp="1"/>
+          </p:cNvSpPr>
+          <p:nvPr>
+            <p:ph type="ftr" sz="quarter" idx="11"/>
+          </p:nvPr>
+        </p:nvSpPr>
+        <p:spPr/>
         <p:txBody>
           <a:bodyPr/>
           <a:lstStyle/>
           <a:p>
             <a:r>
-              <a:rPr lang="en-US" dirty="0"/>
-              <a:t>Title</a:t>
-            </a:r>
-          </a:p>
-        </p:txBody>
-      </p:sp>
-      <p:pic>
-        <p:nvPicPr>
-          <p:cNvPr id="27" name="Picture Placeholder 26" descr="A person smiling for the camera at the office">
-            <a:extLst>
-              <a:ext uri="{FF2B5EF4-FFF2-40B4-BE49-F238E27FC236}">
-                <a16:creationId xmlns:a16="http://schemas.microsoft.com/office/drawing/2014/main" id="{2E18694F-192C-45F7-A79D-A6644797BCE7}"/>
-              </a:ext>
-            </a:extLst>
-          </p:cNvPr>
-          <p:cNvPicPr>
-            <a:picLocks noGrp="1" noChangeAspect="1"/>
-          </p:cNvPicPr>
-          <p:nvPr>
-            <p:ph type="pic" sz="quarter" idx="21"/>
-          </p:nvPr>
-        </p:nvPicPr>
-        <p:blipFill rotWithShape="1">
-          <a:blip r:embed="rId3" cstate="screen">
-            <a:extLst>
-              <a:ext uri="{28A0092B-C50C-407E-A947-70E740481C1C}">
-                <a14:useLocalDpi xmlns:a14="http://schemas.microsoft.com/office/drawing/2010/main"/>
-              </a:ext>
-            </a:extLst>
-          </a:blip>
-          <a:srcRect/>
-          <a:stretch/>
-        </p:blipFill>
-        <p:spPr>
-          <a:xfrm>
-            <a:off x="3784636" y="2350008"/>
-            <a:ext cx="1965960" cy="1801368"/>
-          </a:xfrm>
-        </p:spPr>
-      </p:pic>
-      <p:sp>
-        <p:nvSpPr>
-          <p:cNvPr id="14" name="Text Placeholder 13">
-            <a:extLst>
-              <a:ext uri="{FF2B5EF4-FFF2-40B4-BE49-F238E27FC236}">
-                <a16:creationId xmlns:a16="http://schemas.microsoft.com/office/drawing/2014/main" id="{F7A0AB77-FE60-4102-A808-335BC24E9950}"/>
-              </a:ext>
-            </a:extLst>
-          </p:cNvPr>
-          <p:cNvSpPr>
-            <a:spLocks noGrp="1"/>
-          </p:cNvSpPr>
-          <p:nvPr>
-            <p:ph type="body" idx="14"/>
-          </p:nvPr>
-        </p:nvSpPr>
-        <p:spPr>
-          <a:xfrm>
-            <a:off x="3789781" y="4319520"/>
-            <a:ext cx="1963236" cy="365760"/>
-          </a:xfrm>
-        </p:spPr>
+              <a:rPr lang="en-US"/>
+              <a:t>Sample Footer Text</a:t>
+            </a:r>
+            <a:endParaRPr lang="en-US" dirty="0"/>
+          </a:p>
+        </p:txBody>
+      </p:sp>
+      <p:sp>
+        <p:nvSpPr>
+          <p:cNvPr id="5" name="Date Placeholder 4">
+            <a:extLst>
+              <a:ext uri="{FF2B5EF4-FFF2-40B4-BE49-F238E27FC236}">
+                <a16:creationId xmlns:a16="http://schemas.microsoft.com/office/drawing/2014/main" id="{430F07EB-3937-4947-BA6F-FE368D92CD18}"/>
+              </a:ext>
+            </a:extLst>
+          </p:cNvPr>
+          <p:cNvSpPr>
+            <a:spLocks noGrp="1"/>
+          </p:cNvSpPr>
+          <p:nvPr>
+            <p:ph type="dt" sz="half" idx="10"/>
+          </p:nvPr>
+        </p:nvSpPr>
+        <p:spPr/>
         <p:txBody>
           <a:bodyPr/>
           <a:lstStyle/>
           <a:p>
             <a:r>
-              <a:rPr lang="en-US" dirty="0"/>
-              <a:t>Name</a:t>
-            </a:r>
-          </a:p>
-        </p:txBody>
-      </p:sp>
-      <p:sp>
-        <p:nvSpPr>
-          <p:cNvPr id="15" name="Text Placeholder 14">
-            <a:extLst>
-              <a:ext uri="{FF2B5EF4-FFF2-40B4-BE49-F238E27FC236}">
-                <a16:creationId xmlns:a16="http://schemas.microsoft.com/office/drawing/2014/main" id="{55900307-389C-4833-9F6D-23CF84A7E974}"/>
-              </a:ext>
-            </a:extLst>
-          </p:cNvPr>
-          <p:cNvSpPr>
-            <a:spLocks noGrp="1"/>
-          </p:cNvSpPr>
-          <p:nvPr>
-            <p:ph type="body" idx="15"/>
-          </p:nvPr>
-        </p:nvSpPr>
-        <p:spPr>
-          <a:xfrm>
-            <a:off x="3787360" y="4761767"/>
-            <a:ext cx="1963236" cy="741904"/>
-          </a:xfrm>
-        </p:spPr>
+              <a:rPr lang="en-US"/>
+              <a:t>2/7/20XX</a:t>
+            </a:r>
+            <a:endParaRPr lang="en-US" dirty="0"/>
+          </a:p>
+        </p:txBody>
+      </p:sp>
+      <p:sp>
+        <p:nvSpPr>
+          <p:cNvPr id="6" name="Slide Number Placeholder 5">
+            <a:extLst>
+              <a:ext uri="{FF2B5EF4-FFF2-40B4-BE49-F238E27FC236}">
+                <a16:creationId xmlns:a16="http://schemas.microsoft.com/office/drawing/2014/main" id="{84F3C94E-B3F7-41A3-8CD6-B0693932F47E}"/>
+              </a:ext>
+            </a:extLst>
+          </p:cNvPr>
+          <p:cNvSpPr>
+            <a:spLocks noGrp="1"/>
+          </p:cNvSpPr>
+          <p:nvPr>
+            <p:ph type="sldNum" sz="quarter" idx="12"/>
+          </p:nvPr>
+        </p:nvSpPr>
+        <p:spPr/>
         <p:txBody>
           <a:bodyPr/>
           <a:lstStyle/>
           <a:p>
-            <a:r>
-              <a:rPr lang="en-US" dirty="0"/>
-              <a:t>Title</a:t>
-            </a:r>
-          </a:p>
-        </p:txBody>
-      </p:sp>
-      <p:pic>
-        <p:nvPicPr>
-          <p:cNvPr id="29" name="Picture Placeholder 28" descr="A person smiling for the camera at the office">
-            <a:extLst>
-              <a:ext uri="{FF2B5EF4-FFF2-40B4-BE49-F238E27FC236}">
-                <a16:creationId xmlns:a16="http://schemas.microsoft.com/office/drawing/2014/main" id="{AD3CA8A0-C478-4601-B591-250B0F58C3EA}"/>
-              </a:ext>
-            </a:extLst>
-          </p:cNvPr>
-          <p:cNvPicPr>
-            <a:picLocks noGrp="1" noChangeAspect="1"/>
-          </p:cNvPicPr>
-          <p:nvPr>
-            <p:ph type="pic" sz="quarter" idx="22"/>
-          </p:nvPr>
-        </p:nvPicPr>
-        <p:blipFill rotWithShape="1">
-          <a:blip r:embed="rId4" cstate="screen">
-            <a:extLst>
-              <a:ext uri="{28A0092B-C50C-407E-A947-70E740481C1C}">
-                <a14:useLocalDpi xmlns:a14="http://schemas.microsoft.com/office/drawing/2010/main"/>
-              </a:ext>
-            </a:extLst>
-          </a:blip>
-          <a:srcRect/>
-          <a:stretch/>
-        </p:blipFill>
-        <p:spPr>
-          <a:xfrm>
-            <a:off x="6437376" y="2350008"/>
-            <a:ext cx="1965960" cy="1801368"/>
-          </a:xfrm>
-        </p:spPr>
-      </p:pic>
-      <p:sp>
-        <p:nvSpPr>
-          <p:cNvPr id="16" name="Text Placeholder 15">
-            <a:extLst>
-              <a:ext uri="{FF2B5EF4-FFF2-40B4-BE49-F238E27FC236}">
-                <a16:creationId xmlns:a16="http://schemas.microsoft.com/office/drawing/2014/main" id="{2D7A6FC1-6929-4A5F-90E7-8D66A6079B21}"/>
-              </a:ext>
-            </a:extLst>
-          </p:cNvPr>
-          <p:cNvSpPr>
-            <a:spLocks noGrp="1"/>
-          </p:cNvSpPr>
-          <p:nvPr>
-            <p:ph type="body" idx="16"/>
-          </p:nvPr>
-        </p:nvSpPr>
-        <p:spPr>
-          <a:xfrm>
-            <a:off x="6441406" y="4319520"/>
-            <a:ext cx="1963236" cy="365760"/>
-          </a:xfrm>
-        </p:spPr>
-        <p:txBody>
-          <a:bodyPr/>
-          <a:lstStyle/>
-          <a:p>
-            <a:r>
-              <a:rPr lang="en-US" dirty="0"/>
-              <a:t>Name</a:t>
-            </a:r>
-          </a:p>
-        </p:txBody>
-      </p:sp>
-      <p:sp>
-        <p:nvSpPr>
-          <p:cNvPr id="17" name="Text Placeholder 16">
-            <a:extLst>
-              <a:ext uri="{FF2B5EF4-FFF2-40B4-BE49-F238E27FC236}">
-                <a16:creationId xmlns:a16="http://schemas.microsoft.com/office/drawing/2014/main" id="{2455B81D-74E1-4993-9CB7-C86E383417E1}"/>
-              </a:ext>
-            </a:extLst>
-          </p:cNvPr>
-          <p:cNvSpPr>
-            <a:spLocks noGrp="1"/>
-          </p:cNvSpPr>
-          <p:nvPr>
-            <p:ph type="body" idx="17"/>
-          </p:nvPr>
-        </p:nvSpPr>
-        <p:spPr>
-          <a:xfrm>
-            <a:off x="6438985" y="4761767"/>
-            <a:ext cx="1963236" cy="741904"/>
-          </a:xfrm>
-        </p:spPr>
-        <p:txBody>
-          <a:bodyPr/>
-          <a:lstStyle/>
-          <a:p>
-            <a:r>
-              <a:rPr lang="en-US" dirty="0"/>
-              <a:t>Title</a:t>
-            </a:r>
-          </a:p>
-        </p:txBody>
-      </p:sp>
-      <p:pic>
-        <p:nvPicPr>
-          <p:cNvPr id="31" name="Picture Placeholder 30" descr="A person smiling for the camera at the office">
-            <a:extLst>
-              <a:ext uri="{FF2B5EF4-FFF2-40B4-BE49-F238E27FC236}">
-                <a16:creationId xmlns:a16="http://schemas.microsoft.com/office/drawing/2014/main" id="{2215E562-117D-4476-B492-A2B90FA24853}"/>
-              </a:ext>
-            </a:extLst>
-          </p:cNvPr>
-          <p:cNvPicPr>
-            <a:picLocks noGrp="1" noChangeAspect="1"/>
-          </p:cNvPicPr>
-          <p:nvPr>
-            <p:ph type="pic" sz="quarter" idx="23"/>
-          </p:nvPr>
-        </p:nvPicPr>
-        <p:blipFill rotWithShape="1">
-          <a:blip r:embed="rId5" cstate="screen">
-            <a:extLst>
-              <a:ext uri="{28A0092B-C50C-407E-A947-70E740481C1C}">
-                <a14:useLocalDpi xmlns:a14="http://schemas.microsoft.com/office/drawing/2010/main"/>
-              </a:ext>
-            </a:extLst>
-          </a:blip>
-          <a:srcRect/>
-          <a:stretch/>
-        </p:blipFill>
-        <p:spPr>
-          <a:xfrm>
-            <a:off x="9089136" y="2350008"/>
-            <a:ext cx="1965960" cy="1801368"/>
-          </a:xfrm>
-        </p:spPr>
-      </p:pic>
-      <p:sp>
-        <p:nvSpPr>
-          <p:cNvPr id="18" name="Text Placeholder 17">
-            <a:extLst>
-              <a:ext uri="{FF2B5EF4-FFF2-40B4-BE49-F238E27FC236}">
-                <a16:creationId xmlns:a16="http://schemas.microsoft.com/office/drawing/2014/main" id="{B6AF93C3-3990-4E16-BC70-CEEBCF7E9B79}"/>
-              </a:ext>
-            </a:extLst>
-          </p:cNvPr>
-          <p:cNvSpPr>
-            <a:spLocks noGrp="1"/>
-          </p:cNvSpPr>
-          <p:nvPr>
-            <p:ph type="body" idx="18"/>
-          </p:nvPr>
-        </p:nvSpPr>
-        <p:spPr>
-          <a:xfrm>
-            <a:off x="9090610" y="4319520"/>
-            <a:ext cx="1963236" cy="365760"/>
-          </a:xfrm>
-        </p:spPr>
-        <p:txBody>
-          <a:bodyPr/>
-          <a:lstStyle/>
-          <a:p>
-            <a:r>
-              <a:rPr lang="en-US" dirty="0"/>
-              <a:t>Name</a:t>
-            </a:r>
-          </a:p>
-        </p:txBody>
-      </p:sp>
-      <p:sp>
-        <p:nvSpPr>
-          <p:cNvPr id="19" name="Text Placeholder 18">
-            <a:extLst>
-              <a:ext uri="{FF2B5EF4-FFF2-40B4-BE49-F238E27FC236}">
-                <a16:creationId xmlns:a16="http://schemas.microsoft.com/office/drawing/2014/main" id="{6D7685B1-86AF-4938-BC50-1C6253189708}"/>
-              </a:ext>
-            </a:extLst>
-          </p:cNvPr>
-          <p:cNvSpPr>
-            <a:spLocks noGrp="1"/>
-          </p:cNvSpPr>
-          <p:nvPr>
-            <p:ph type="body" idx="19"/>
-          </p:nvPr>
-        </p:nvSpPr>
-        <p:spPr>
-          <a:xfrm>
-            <a:off x="9088189" y="4761767"/>
-            <a:ext cx="1963236" cy="741904"/>
-          </a:xfrm>
-        </p:spPr>
-        <p:txBody>
-          <a:bodyPr/>
-          <a:lstStyle/>
-          <a:p>
-            <a:r>
-              <a:rPr lang="en-US" dirty="0"/>
-              <a:t>Title</a:t>
-            </a:r>
-          </a:p>
-        </p:txBody>
-      </p:sp>
-      <p:sp>
-        <p:nvSpPr>
-          <p:cNvPr id="33" name="Footer Placeholder 32">
-            <a:extLst>
-              <a:ext uri="{FF2B5EF4-FFF2-40B4-BE49-F238E27FC236}">
-                <a16:creationId xmlns:a16="http://schemas.microsoft.com/office/drawing/2014/main" id="{F44FB830-1437-400F-A377-489B315C7813}"/>
-              </a:ext>
-            </a:extLst>
-          </p:cNvPr>
-          <p:cNvSpPr>
-            <a:spLocks noGrp="1"/>
-          </p:cNvSpPr>
-          <p:nvPr>
-            <p:ph type="ftr" sz="quarter" idx="11"/>
-          </p:nvPr>
-        </p:nvSpPr>
-        <p:spPr>
-          <a:xfrm>
-            <a:off x="154429" y="6398878"/>
-            <a:ext cx="4497315" cy="365125"/>
-          </a:xfrm>
-        </p:spPr>
-        <p:txBody>
-          <a:bodyPr/>
-          <a:lstStyle/>
-          <a:p>
-            <a:r>
-              <a:rPr lang="en-US" dirty="0"/>
-              <a:t>Sample Footer Text</a:t>
-            </a:r>
-          </a:p>
-        </p:txBody>
-      </p:sp>
-      <p:sp>
-        <p:nvSpPr>
-          <p:cNvPr id="32" name="Date Placeholder 31">
-            <a:extLst>
-              <a:ext uri="{FF2B5EF4-FFF2-40B4-BE49-F238E27FC236}">
-                <a16:creationId xmlns:a16="http://schemas.microsoft.com/office/drawing/2014/main" id="{C6073673-4E9F-409B-AC5C-22C9A8D22565}"/>
-              </a:ext>
-            </a:extLst>
-          </p:cNvPr>
-          <p:cNvSpPr>
-            <a:spLocks noGrp="1"/>
-          </p:cNvSpPr>
-          <p:nvPr>
-            <p:ph type="dt" sz="half" idx="10"/>
-          </p:nvPr>
-        </p:nvSpPr>
-        <p:spPr>
-          <a:xfrm>
-            <a:off x="7337102" y="6398878"/>
-            <a:ext cx="4193908" cy="365125"/>
-          </a:xfrm>
-        </p:spPr>
-        <p:txBody>
-          <a:bodyPr/>
-          <a:lstStyle/>
-          <a:p>
-            <a:r>
-              <a:rPr lang="en-US" dirty="0"/>
-              <a:t>2/7/20XX</a:t>
-            </a:r>
-          </a:p>
-        </p:txBody>
-      </p:sp>
-      <p:sp>
-        <p:nvSpPr>
-          <p:cNvPr id="34" name="Slide Number Placeholder 33">
-            <a:extLst>
-              <a:ext uri="{FF2B5EF4-FFF2-40B4-BE49-F238E27FC236}">
-                <a16:creationId xmlns:a16="http://schemas.microsoft.com/office/drawing/2014/main" id="{97124BB6-5243-455D-83FF-AE2077E38773}"/>
-              </a:ext>
-            </a:extLst>
-          </p:cNvPr>
-          <p:cNvSpPr>
-            <a:spLocks noGrp="1"/>
-          </p:cNvSpPr>
-          <p:nvPr>
-            <p:ph type="sldNum" sz="quarter" idx="12"/>
-          </p:nvPr>
-        </p:nvSpPr>
-        <p:spPr>
-          <a:xfrm>
-            <a:off x="11602477" y="6398878"/>
-            <a:ext cx="470887" cy="365125"/>
-          </a:xfrm>
-        </p:spPr>
-        <p:txBody>
-          <a:bodyPr/>
-          <a:lstStyle/>
-          <a:p>
             <a:fld id="{312CC964-A50B-4C29-B4E4-2C30BB34CCF3}" type="slidenum">
               <a:rPr lang="en-US" smtClean="0"/>
-              <a:pPr/>
               <a:t>14</a:t>
             </a:fld>
             <a:endParaRPr lang="en-US" dirty="0"/>
@@ -18024,7 +17896,7 @@
     </p:spTree>
     <p:extLst>
       <p:ext uri="{BB962C8B-B14F-4D97-AF65-F5344CB8AC3E}">
-        <p14:creationId xmlns:p14="http://schemas.microsoft.com/office/powerpoint/2010/main" val="276079138"/>
+        <p14:creationId xmlns:p14="http://schemas.microsoft.com/office/powerpoint/2010/main" val="3888286582"/>
       </p:ext>
     </p:extLst>
   </p:cSld>
@@ -18051,57 +17923,26 @@
           <a:chExt cx="0" cy="0"/>
         </a:xfrm>
       </p:grpSpPr>
-      <p:graphicFrame>
-        <p:nvGraphicFramePr>
-          <p:cNvPr id="7" name="Content Placeholder 3" descr="Timeline Placeholder">
-            <a:extLst>
-              <a:ext uri="{FF2B5EF4-FFF2-40B4-BE49-F238E27FC236}">
-                <a16:creationId xmlns:a16="http://schemas.microsoft.com/office/drawing/2014/main" id="{DA394158-22C9-4554-A3A2-3E1C175CE5D9}"/>
-              </a:ext>
-            </a:extLst>
-          </p:cNvPr>
-          <p:cNvGraphicFramePr>
-            <a:graphicFrameLocks noGrp="1"/>
-          </p:cNvGraphicFramePr>
-          <p:nvPr>
-            <p:ph idx="1"/>
-            <p:extLst>
-              <p:ext uri="{D42A27DB-BD31-4B8C-83A1-F6EECF244321}">
-                <p14:modId xmlns:p14="http://schemas.microsoft.com/office/powerpoint/2010/main" val="4106763730"/>
-              </p:ext>
-            </p:extLst>
-          </p:nvPr>
-        </p:nvGraphicFramePr>
-        <p:xfrm>
-          <a:off x="838200" y="1825625"/>
-          <a:ext cx="10693400" cy="4351338"/>
-        </p:xfrm>
-        <a:graphic>
-          <a:graphicData uri="http://schemas.openxmlformats.org/drawingml/2006/diagram">
-            <dgm:relIds xmlns:dgm="http://schemas.openxmlformats.org/drawingml/2006/diagram" xmlns:r="http://schemas.openxmlformats.org/officeDocument/2006/relationships" r:dm="rId2" r:lo="rId3" r:qs="rId4" r:cs="rId5"/>
-          </a:graphicData>
-        </a:graphic>
-      </p:graphicFrame>
-      <p:sp>
-        <p:nvSpPr>
-          <p:cNvPr id="3" name="Title 2">
-            <a:extLst>
-              <a:ext uri="{FF2B5EF4-FFF2-40B4-BE49-F238E27FC236}">
-                <a16:creationId xmlns:a16="http://schemas.microsoft.com/office/drawing/2014/main" id="{BA4EA378-49C7-4674-A713-6300B71864FD}"/>
-              </a:ext>
-            </a:extLst>
-          </p:cNvPr>
-          <p:cNvSpPr>
-            <a:spLocks noGrp="1"/>
-          </p:cNvSpPr>
-          <p:nvPr>
-            <p:ph type="title"/>
+      <p:sp>
+        <p:nvSpPr>
+          <p:cNvPr id="5" name="Title 4">
+            <a:extLst>
+              <a:ext uri="{FF2B5EF4-FFF2-40B4-BE49-F238E27FC236}">
+                <a16:creationId xmlns:a16="http://schemas.microsoft.com/office/drawing/2014/main" id="{0979F08F-6890-4E7D-8F3F-47657269E4DC}"/>
+              </a:ext>
+            </a:extLst>
+          </p:cNvPr>
+          <p:cNvSpPr>
+            <a:spLocks noGrp="1"/>
+          </p:cNvSpPr>
+          <p:nvPr>
+            <p:ph type="ctrTitle"/>
           </p:nvPr>
         </p:nvSpPr>
         <p:spPr>
           <a:xfrm>
-            <a:off x="1143000" y="533401"/>
-            <a:ext cx="9906000" cy="1382156"/>
+            <a:off x="5083790" y="1064715"/>
+            <a:ext cx="6153912" cy="3922755"/>
           </a:xfrm>
         </p:spPr>
         <p:txBody>
@@ -18110,31 +17951,38 @@
           <a:p>
             <a:r>
               <a:rPr lang="en-US" dirty="0"/>
-              <a:t>TIMELINE</a:t>
-            </a:r>
-          </a:p>
-        </p:txBody>
-      </p:sp>
-      <p:sp>
-        <p:nvSpPr>
-          <p:cNvPr id="4" name="Footer Placeholder 3">
-            <a:extLst>
-              <a:ext uri="{FF2B5EF4-FFF2-40B4-BE49-F238E27FC236}">
-                <a16:creationId xmlns:a16="http://schemas.microsoft.com/office/drawing/2014/main" id="{46B35970-86DF-4F11-9D76-FECED88366F0}"/>
-              </a:ext>
-            </a:extLst>
-          </p:cNvPr>
-          <p:cNvSpPr>
-            <a:spLocks noGrp="1"/>
-          </p:cNvSpPr>
-          <p:nvPr>
-            <p:ph type="ftr" sz="quarter" idx="11"/>
+              <a:t>The way  to get started is to quit </a:t>
+            </a:r>
+            <a:br>
+              <a:rPr lang="en-US" dirty="0"/>
+            </a:br>
+            <a:r>
+              <a:rPr lang="en-US" dirty="0"/>
+              <a:t>talking and begin doing.</a:t>
+            </a:r>
+          </a:p>
+        </p:txBody>
+      </p:sp>
+      <p:sp>
+        <p:nvSpPr>
+          <p:cNvPr id="6" name="Subtitle 5">
+            <a:extLst>
+              <a:ext uri="{FF2B5EF4-FFF2-40B4-BE49-F238E27FC236}">
+                <a16:creationId xmlns:a16="http://schemas.microsoft.com/office/drawing/2014/main" id="{BD4CE57B-A125-4D72-839E-A7A6A044FC38}"/>
+              </a:ext>
+            </a:extLst>
+          </p:cNvPr>
+          <p:cNvSpPr>
+            <a:spLocks noGrp="1"/>
+          </p:cNvSpPr>
+          <p:nvPr>
+            <p:ph type="subTitle" idx="1"/>
           </p:nvPr>
         </p:nvSpPr>
         <p:spPr>
           <a:xfrm>
-            <a:off x="154429" y="6398878"/>
-            <a:ext cx="4497315" cy="365125"/>
+            <a:off x="5083790" y="5033339"/>
+            <a:ext cx="6157951" cy="943386"/>
           </a:xfrm>
         </p:spPr>
         <p:txBody>
@@ -18143,17 +17991,51 @@
           <a:p>
             <a:r>
               <a:rPr lang="en-US" dirty="0"/>
-              <a:t>Sample Footer Text</a:t>
-            </a:r>
-          </a:p>
-        </p:txBody>
-      </p:sp>
-      <p:sp>
-        <p:nvSpPr>
-          <p:cNvPr id="5" name="Date Placeholder 4">
-            <a:extLst>
-              <a:ext uri="{FF2B5EF4-FFF2-40B4-BE49-F238E27FC236}">
-                <a16:creationId xmlns:a16="http://schemas.microsoft.com/office/drawing/2014/main" id="{1A4C12C2-5182-41CE-A07D-11992CF629EA}"/>
+              <a:t>Walt Disney</a:t>
+            </a:r>
+          </a:p>
+        </p:txBody>
+      </p:sp>
+      <p:pic>
+        <p:nvPicPr>
+          <p:cNvPr id="9" name="Picture Placeholder 8" descr="A picture containing blue glass buildings with reflection">
+            <a:extLst>
+              <a:ext uri="{FF2B5EF4-FFF2-40B4-BE49-F238E27FC236}">
+                <a16:creationId xmlns:a16="http://schemas.microsoft.com/office/drawing/2014/main" id="{EB5E1FEF-1282-4779-83BA-2F3F6D476B6F}"/>
+              </a:ext>
+            </a:extLst>
+          </p:cNvPr>
+          <p:cNvPicPr>
+            <a:picLocks noGrp="1" noChangeAspect="1"/>
+          </p:cNvPicPr>
+          <p:nvPr>
+            <p:ph type="pic" sz="quarter" idx="13"/>
+          </p:nvPr>
+        </p:nvPicPr>
+        <p:blipFill rotWithShape="1">
+          <a:blip r:embed="rId2" cstate="screen">
+            <a:extLst>
+              <a:ext uri="{28A0092B-C50C-407E-A947-70E740481C1C}">
+                <a14:useLocalDpi xmlns:a14="http://schemas.microsoft.com/office/drawing/2010/main"/>
+              </a:ext>
+            </a:extLst>
+          </a:blip>
+          <a:srcRect/>
+          <a:stretch/>
+        </p:blipFill>
+        <p:spPr>
+          <a:xfrm>
+            <a:off x="16822" y="0"/>
+            <a:ext cx="4811317" cy="6857998"/>
+          </a:xfrm>
+        </p:spPr>
+      </p:pic>
+      <p:sp>
+        <p:nvSpPr>
+          <p:cNvPr id="2" name="Date Placeholder 1">
+            <a:extLst>
+              <a:ext uri="{FF2B5EF4-FFF2-40B4-BE49-F238E27FC236}">
+                <a16:creationId xmlns:a16="http://schemas.microsoft.com/office/drawing/2014/main" id="{D81ADD0E-60C9-4DBB-AFBA-7492513A4C8F}"/>
               </a:ext>
             </a:extLst>
           </p:cNvPr>
@@ -18183,10 +18065,10 @@
       </p:sp>
       <p:sp>
         <p:nvSpPr>
-          <p:cNvPr id="6" name="Slide Number Placeholder 5">
-            <a:extLst>
-              <a:ext uri="{FF2B5EF4-FFF2-40B4-BE49-F238E27FC236}">
-                <a16:creationId xmlns:a16="http://schemas.microsoft.com/office/drawing/2014/main" id="{90A3CABF-07C6-4D28-9459-B48AE520A290}"/>
+          <p:cNvPr id="4" name="Slide Number Placeholder 3">
+            <a:extLst>
+              <a:ext uri="{FF2B5EF4-FFF2-40B4-BE49-F238E27FC236}">
+                <a16:creationId xmlns:a16="http://schemas.microsoft.com/office/drawing/2014/main" id="{05F8C04B-250D-4AE1-9F65-682FB4830BAF}"/>
               </a:ext>
             </a:extLst>
           </p:cNvPr>
@@ -18216,10 +18098,38 @@
           </a:p>
         </p:txBody>
       </p:sp>
+      <p:sp>
+        <p:nvSpPr>
+          <p:cNvPr id="3" name="Footer Placeholder 2">
+            <a:extLst>
+              <a:ext uri="{FF2B5EF4-FFF2-40B4-BE49-F238E27FC236}">
+                <a16:creationId xmlns:a16="http://schemas.microsoft.com/office/drawing/2014/main" id="{9E3B0AEB-C993-4B3B-B038-0B905739807E}"/>
+              </a:ext>
+            </a:extLst>
+          </p:cNvPr>
+          <p:cNvSpPr>
+            <a:spLocks noGrp="1"/>
+          </p:cNvSpPr>
+          <p:nvPr>
+            <p:ph type="ftr" sz="quarter" idx="11"/>
+          </p:nvPr>
+        </p:nvSpPr>
+        <p:spPr/>
+        <p:txBody>
+          <a:bodyPr/>
+          <a:lstStyle/>
+          <a:p>
+            <a:r>
+              <a:rPr lang="en-US" dirty="0"/>
+              <a:t>Sample Footer Text</a:t>
+            </a:r>
+          </a:p>
+        </p:txBody>
+      </p:sp>
     </p:spTree>
     <p:extLst>
       <p:ext uri="{BB962C8B-B14F-4D97-AF65-F5344CB8AC3E}">
-        <p14:creationId xmlns:p14="http://schemas.microsoft.com/office/powerpoint/2010/main" val="4280447412"/>
+        <p14:creationId xmlns:p14="http://schemas.microsoft.com/office/powerpoint/2010/main" val="718815033"/>
       </p:ext>
     </p:extLst>
   </p:cSld>
@@ -18248,10 +18158,10 @@
       </p:grpSpPr>
       <p:sp>
         <p:nvSpPr>
-          <p:cNvPr id="2" name="Title 1">
-            <a:extLst>
-              <a:ext uri="{FF2B5EF4-FFF2-40B4-BE49-F238E27FC236}">
-                <a16:creationId xmlns:a16="http://schemas.microsoft.com/office/drawing/2014/main" id="{4D18CD2A-2EC1-4055-AE20-4A35A1794F1C}"/>
+          <p:cNvPr id="3" name="Title 2">
+            <a:extLst>
+              <a:ext uri="{FF2B5EF4-FFF2-40B4-BE49-F238E27FC236}">
+                <a16:creationId xmlns:a16="http://schemas.microsoft.com/office/drawing/2014/main" id="{D3B7DCE3-A62E-497E-8A96-DF8D1A4904FD}"/>
               </a:ext>
             </a:extLst>
           </p:cNvPr>
@@ -18264,8 +18174,8 @@
         </p:nvSpPr>
         <p:spPr>
           <a:xfrm>
-            <a:off x="839788" y="365125"/>
-            <a:ext cx="10515600" cy="1325563"/>
+            <a:off x="1143000" y="533401"/>
+            <a:ext cx="9906000" cy="1382156"/>
           </a:xfrm>
         </p:spPr>
         <p:txBody>
@@ -18274,170 +18184,48 @@
           <a:p>
             <a:r>
               <a:rPr lang="en-US" dirty="0"/>
-              <a:t>Content</a:t>
-            </a:r>
-          </a:p>
-        </p:txBody>
-      </p:sp>
-      <p:sp>
-        <p:nvSpPr>
-          <p:cNvPr id="3" name="Text Placeholder 2">
-            <a:extLst>
-              <a:ext uri="{FF2B5EF4-FFF2-40B4-BE49-F238E27FC236}">
-                <a16:creationId xmlns:a16="http://schemas.microsoft.com/office/drawing/2014/main" id="{7F14164C-CD4F-433C-8B7E-A0156DB2F947}"/>
-              </a:ext>
-            </a:extLst>
-          </p:cNvPr>
-          <p:cNvSpPr>
-            <a:spLocks noGrp="1"/>
-          </p:cNvSpPr>
-          <p:nvPr>
-            <p:ph type="body" idx="1"/>
-          </p:nvPr>
-        </p:nvSpPr>
-        <p:spPr>
-          <a:xfrm>
-            <a:off x="839788" y="1734325"/>
-            <a:ext cx="5157787" cy="823912"/>
-          </a:xfrm>
-        </p:spPr>
-        <p:txBody>
-          <a:bodyPr/>
-          <a:lstStyle/>
-          <a:p>
-            <a:r>
-              <a:rPr lang="en-US" dirty="0"/>
-              <a:t>Summary</a:t>
-            </a:r>
-          </a:p>
-        </p:txBody>
-      </p:sp>
-      <p:sp>
-        <p:nvSpPr>
-          <p:cNvPr id="4" name="Content Placeholder 3">
-            <a:extLst>
-              <a:ext uri="{FF2B5EF4-FFF2-40B4-BE49-F238E27FC236}">
-                <a16:creationId xmlns:a16="http://schemas.microsoft.com/office/drawing/2014/main" id="{CDE237F4-D8FA-4EB0-8875-57E81F3EA824}"/>
-              </a:ext>
-            </a:extLst>
-          </p:cNvPr>
-          <p:cNvSpPr>
-            <a:spLocks noGrp="1"/>
-          </p:cNvSpPr>
-          <p:nvPr>
-            <p:ph sz="half" idx="2"/>
-          </p:nvPr>
-        </p:nvSpPr>
-        <p:spPr>
-          <a:xfrm>
-            <a:off x="839788" y="2558237"/>
-            <a:ext cx="5157787" cy="3684588"/>
-          </a:xfrm>
-        </p:spPr>
-        <p:txBody>
-          <a:bodyPr/>
-          <a:lstStyle/>
-          <a:p>
-            <a:r>
-              <a:rPr lang="en-US" dirty="0"/>
-              <a:t>Add text, images, art, and videos. </a:t>
-            </a:r>
-          </a:p>
-          <a:p>
-            <a:r>
-              <a:rPr lang="en-US" dirty="0"/>
-              <a:t>Add transitions, animations, and motion. </a:t>
-            </a:r>
-          </a:p>
-          <a:p>
-            <a:r>
-              <a:rPr lang="en-US" dirty="0"/>
-              <a:t>Save to OneDrive, to get to your presentations from your computer, tablet, or phone. </a:t>
-            </a:r>
-          </a:p>
-          <a:p>
-            <a:endParaRPr lang="en-US" dirty="0"/>
-          </a:p>
-        </p:txBody>
-      </p:sp>
-      <p:sp>
-        <p:nvSpPr>
-          <p:cNvPr id="5" name="Text Placeholder 4">
-            <a:extLst>
-              <a:ext uri="{FF2B5EF4-FFF2-40B4-BE49-F238E27FC236}">
-                <a16:creationId xmlns:a16="http://schemas.microsoft.com/office/drawing/2014/main" id="{77A2ABE5-0226-49ED-8CCF-C68A5DC8C37A}"/>
-              </a:ext>
-            </a:extLst>
-          </p:cNvPr>
-          <p:cNvSpPr>
-            <a:spLocks noGrp="1"/>
-          </p:cNvSpPr>
-          <p:nvPr>
-            <p:ph type="body" sz="quarter" idx="3"/>
-          </p:nvPr>
-        </p:nvSpPr>
-        <p:spPr>
-          <a:xfrm>
-            <a:off x="6172200" y="1734325"/>
-            <a:ext cx="5183188" cy="823912"/>
-          </a:xfrm>
-        </p:spPr>
-        <p:txBody>
-          <a:bodyPr/>
-          <a:lstStyle/>
-          <a:p>
-            <a:r>
-              <a:rPr lang="en-US" dirty="0"/>
-              <a:t>SUMMARY</a:t>
-            </a:r>
-          </a:p>
-        </p:txBody>
-      </p:sp>
-      <p:sp>
-        <p:nvSpPr>
-          <p:cNvPr id="6" name="Content Placeholder 5">
-            <a:extLst>
-              <a:ext uri="{FF2B5EF4-FFF2-40B4-BE49-F238E27FC236}">
-                <a16:creationId xmlns:a16="http://schemas.microsoft.com/office/drawing/2014/main" id="{B05028CE-DA21-47EC-B483-3CE6A8E62CF1}"/>
-              </a:ext>
-            </a:extLst>
-          </p:cNvPr>
-          <p:cNvSpPr>
-            <a:spLocks noGrp="1"/>
-          </p:cNvSpPr>
-          <p:nvPr>
-            <p:ph sz="quarter" idx="4"/>
-          </p:nvPr>
-        </p:nvSpPr>
-        <p:spPr>
-          <a:xfrm>
-            <a:off x="6172200" y="2558237"/>
-            <a:ext cx="5183188" cy="3684588"/>
-          </a:xfrm>
-        </p:spPr>
-        <p:txBody>
-          <a:bodyPr/>
-          <a:lstStyle/>
-          <a:p>
-            <a:r>
-              <a:rPr lang="en-US" dirty="0"/>
-              <a:t>Open the Design Ideas pane for instant slide makeovers. </a:t>
-            </a:r>
-          </a:p>
-          <a:p>
-            <a:r>
-              <a:rPr lang="en-US" dirty="0"/>
-              <a:t>When we have design ideas, we’ll show them to you right there. </a:t>
-            </a:r>
-          </a:p>
-        </p:txBody>
-      </p:sp>
-      <p:sp>
-        <p:nvSpPr>
-          <p:cNvPr id="8" name="Footer Placeholder 7">
-            <a:extLst>
-              <a:ext uri="{FF2B5EF4-FFF2-40B4-BE49-F238E27FC236}">
-                <a16:creationId xmlns:a16="http://schemas.microsoft.com/office/drawing/2014/main" id="{1CB6C385-03DD-40B8-8F1B-4E62C60C85AA}"/>
+              <a:t>CHART</a:t>
+            </a:r>
+          </a:p>
+        </p:txBody>
+      </p:sp>
+      <p:graphicFrame>
+        <p:nvGraphicFramePr>
+          <p:cNvPr id="9" name="Content Placeholder 5" descr="Bar Chart Placeholder">
+            <a:extLst>
+              <a:ext uri="{FF2B5EF4-FFF2-40B4-BE49-F238E27FC236}">
+                <a16:creationId xmlns:a16="http://schemas.microsoft.com/office/drawing/2014/main" id="{29099B41-765C-4584-A6CA-8AC4F02907FC}"/>
+              </a:ext>
+            </a:extLst>
+          </p:cNvPr>
+          <p:cNvGraphicFramePr>
+            <a:graphicFrameLocks noGrp="1"/>
+          </p:cNvGraphicFramePr>
+          <p:nvPr>
+            <p:ph idx="1"/>
+            <p:extLst>
+              <p:ext uri="{D42A27DB-BD31-4B8C-83A1-F6EECF244321}">
+                <p14:modId xmlns:p14="http://schemas.microsoft.com/office/powerpoint/2010/main" val="1259417029"/>
+              </p:ext>
+            </p:extLst>
+          </p:nvPr>
+        </p:nvGraphicFramePr>
+        <p:xfrm>
+          <a:off x="1143000" y="2009775"/>
+          <a:ext cx="9906000" cy="4024313"/>
+        </p:xfrm>
+        <a:graphic>
+          <a:graphicData uri="http://schemas.openxmlformats.org/drawingml/2006/chart">
+            <c:chart xmlns:c="http://schemas.openxmlformats.org/drawingml/2006/chart" xmlns:r="http://schemas.openxmlformats.org/officeDocument/2006/relationships" r:id="rId2"/>
+          </a:graphicData>
+        </a:graphic>
+      </p:graphicFrame>
+      <p:sp>
+        <p:nvSpPr>
+          <p:cNvPr id="4" name="Footer Placeholder 3">
+            <a:extLst>
+              <a:ext uri="{FF2B5EF4-FFF2-40B4-BE49-F238E27FC236}">
+                <a16:creationId xmlns:a16="http://schemas.microsoft.com/office/drawing/2014/main" id="{B9FB3C1C-0A06-4533-8DA4-50514E5F9E9D}"/>
               </a:ext>
             </a:extLst>
           </p:cNvPr>
@@ -18467,10 +18255,10 @@
       </p:sp>
       <p:sp>
         <p:nvSpPr>
-          <p:cNvPr id="7" name="Date Placeholder 6">
-            <a:extLst>
-              <a:ext uri="{FF2B5EF4-FFF2-40B4-BE49-F238E27FC236}">
-                <a16:creationId xmlns:a16="http://schemas.microsoft.com/office/drawing/2014/main" id="{AF3C5F2A-97FD-42D5-B08A-F20B3EFD7D84}"/>
+          <p:cNvPr id="5" name="Date Placeholder 4">
+            <a:extLst>
+              <a:ext uri="{FF2B5EF4-FFF2-40B4-BE49-F238E27FC236}">
+                <a16:creationId xmlns:a16="http://schemas.microsoft.com/office/drawing/2014/main" id="{581A4C2F-12B6-403A-AAD2-73AC2A19E01E}"/>
               </a:ext>
             </a:extLst>
           </p:cNvPr>
@@ -18500,10 +18288,10 @@
       </p:sp>
       <p:sp>
         <p:nvSpPr>
-          <p:cNvPr id="9" name="Slide Number Placeholder 8">
-            <a:extLst>
-              <a:ext uri="{FF2B5EF4-FFF2-40B4-BE49-F238E27FC236}">
-                <a16:creationId xmlns:a16="http://schemas.microsoft.com/office/drawing/2014/main" id="{203229A0-1321-49E2-9958-3B1F86E2CC8F}"/>
+          <p:cNvPr id="6" name="Slide Number Placeholder 5">
+            <a:extLst>
+              <a:ext uri="{FF2B5EF4-FFF2-40B4-BE49-F238E27FC236}">
+                <a16:creationId xmlns:a16="http://schemas.microsoft.com/office/drawing/2014/main" id="{F1D8EAF4-7E41-4FEA-B534-06CE08821DB2}"/>
               </a:ext>
             </a:extLst>
           </p:cNvPr>
@@ -18536,7 +18324,7 @@
     </p:spTree>
     <p:extLst>
       <p:ext uri="{BB962C8B-B14F-4D97-AF65-F5344CB8AC3E}">
-        <p14:creationId xmlns:p14="http://schemas.microsoft.com/office/powerpoint/2010/main" val="742158403"/>
+        <p14:creationId xmlns:p14="http://schemas.microsoft.com/office/powerpoint/2010/main" val="3382633633"/>
       </p:ext>
     </p:extLst>
   </p:cSld>
@@ -18565,10 +18353,10 @@
       </p:grpSpPr>
       <p:sp>
         <p:nvSpPr>
-          <p:cNvPr id="2" name="Title 1">
-            <a:extLst>
-              <a:ext uri="{FF2B5EF4-FFF2-40B4-BE49-F238E27FC236}">
-                <a16:creationId xmlns:a16="http://schemas.microsoft.com/office/drawing/2014/main" id="{F479E736-254A-4657-A88B-DE71C47DA880}"/>
+          <p:cNvPr id="11" name="Title 10">
+            <a:extLst>
+              <a:ext uri="{FF2B5EF4-FFF2-40B4-BE49-F238E27FC236}">
+                <a16:creationId xmlns:a16="http://schemas.microsoft.com/office/drawing/2014/main" id="{B5FF8487-12CC-455B-BB28-092AAA3E43A4}"/>
               </a:ext>
             </a:extLst>
           </p:cNvPr>
@@ -18581,8 +18369,8 @@
         </p:nvSpPr>
         <p:spPr>
           <a:xfrm>
-            <a:off x="839788" y="365125"/>
-            <a:ext cx="10515600" cy="1325563"/>
+            <a:off x="1143000" y="533401"/>
+            <a:ext cx="9906000" cy="1382156"/>
           </a:xfrm>
         </p:spPr>
         <p:txBody>
@@ -18591,17 +18379,51 @@
           <a:p>
             <a:r>
               <a:rPr lang="en-US" dirty="0"/>
-              <a:t>Content 2</a:t>
-            </a:r>
-          </a:p>
-        </p:txBody>
-      </p:sp>
-      <p:sp>
-        <p:nvSpPr>
-          <p:cNvPr id="3" name="Text Placeholder 2">
-            <a:extLst>
-              <a:ext uri="{FF2B5EF4-FFF2-40B4-BE49-F238E27FC236}">
-                <a16:creationId xmlns:a16="http://schemas.microsoft.com/office/drawing/2014/main" id="{DFAB32D2-0B50-4101-875F-A81D7538524C}"/>
+              <a:t>team</a:t>
+            </a:r>
+          </a:p>
+        </p:txBody>
+      </p:sp>
+      <p:pic>
+        <p:nvPicPr>
+          <p:cNvPr id="25" name="Picture Placeholder 24" descr="A person smiling for the camera at the office">
+            <a:extLst>
+              <a:ext uri="{FF2B5EF4-FFF2-40B4-BE49-F238E27FC236}">
+                <a16:creationId xmlns:a16="http://schemas.microsoft.com/office/drawing/2014/main" id="{192E2443-3386-4F13-B458-B0DF7511A5FD}"/>
+              </a:ext>
+            </a:extLst>
+          </p:cNvPr>
+          <p:cNvPicPr>
+            <a:picLocks noGrp="1" noChangeAspect="1"/>
+          </p:cNvPicPr>
+          <p:nvPr>
+            <p:ph type="pic" sz="quarter" idx="20"/>
+          </p:nvPr>
+        </p:nvPicPr>
+        <p:blipFill rotWithShape="1">
+          <a:blip r:embed="rId2" cstate="screen">
+            <a:extLst>
+              <a:ext uri="{28A0092B-C50C-407E-A947-70E740481C1C}">
+                <a14:useLocalDpi xmlns:a14="http://schemas.microsoft.com/office/drawing/2010/main"/>
+              </a:ext>
+            </a:extLst>
+          </a:blip>
+          <a:srcRect/>
+          <a:stretch/>
+        </p:blipFill>
+        <p:spPr>
+          <a:xfrm>
+            <a:off x="1143000" y="2350008"/>
+            <a:ext cx="1965960" cy="1801368"/>
+          </a:xfrm>
+        </p:spPr>
+      </p:pic>
+      <p:sp>
+        <p:nvSpPr>
+          <p:cNvPr id="12" name="Text Placeholder 11">
+            <a:extLst>
+              <a:ext uri="{FF2B5EF4-FFF2-40B4-BE49-F238E27FC236}">
+                <a16:creationId xmlns:a16="http://schemas.microsoft.com/office/drawing/2014/main" id="{9CC19BCA-4923-4952-996B-EDA82BCF117C}"/>
               </a:ext>
             </a:extLst>
           </p:cNvPr>
@@ -18614,8 +18436,8 @@
         </p:nvSpPr>
         <p:spPr>
           <a:xfrm>
-            <a:off x="839788" y="1734325"/>
-            <a:ext cx="3200400" cy="823912"/>
+            <a:off x="1145421" y="4319521"/>
+            <a:ext cx="1963236" cy="365760"/>
           </a:xfrm>
         </p:spPr>
         <p:txBody>
@@ -18624,81 +18446,31 @@
           <a:p>
             <a:r>
               <a:rPr lang="en-US" dirty="0"/>
-              <a:t>Summary	</a:t>
-            </a:r>
-          </a:p>
-        </p:txBody>
-      </p:sp>
-      <p:sp>
-        <p:nvSpPr>
-          <p:cNvPr id="4" name="Content Placeholder 3">
-            <a:extLst>
-              <a:ext uri="{FF2B5EF4-FFF2-40B4-BE49-F238E27FC236}">
-                <a16:creationId xmlns:a16="http://schemas.microsoft.com/office/drawing/2014/main" id="{EA1C3B4B-27E0-48C6-BD24-1444DD46ED0A}"/>
-              </a:ext>
-            </a:extLst>
-          </p:cNvPr>
-          <p:cNvSpPr>
-            <a:spLocks noGrp="1"/>
-          </p:cNvSpPr>
-          <p:nvPr>
-            <p:ph sz="half" idx="2"/>
+              <a:t>Name</a:t>
+            </a:r>
+          </a:p>
+        </p:txBody>
+      </p:sp>
+      <p:sp>
+        <p:nvSpPr>
+          <p:cNvPr id="13" name="Text Placeholder 12">
+            <a:extLst>
+              <a:ext uri="{FF2B5EF4-FFF2-40B4-BE49-F238E27FC236}">
+                <a16:creationId xmlns:a16="http://schemas.microsoft.com/office/drawing/2014/main" id="{CF48DD50-F55B-417A-A09A-9FF61091CD37}"/>
+              </a:ext>
+            </a:extLst>
+          </p:cNvPr>
+          <p:cNvSpPr>
+            <a:spLocks noGrp="1"/>
+          </p:cNvSpPr>
+          <p:nvPr>
+            <p:ph type="body" idx="13"/>
           </p:nvPr>
         </p:nvSpPr>
         <p:spPr>
           <a:xfrm>
-            <a:off x="839788" y="2558237"/>
-            <a:ext cx="3200400" cy="3684588"/>
-          </a:xfrm>
-        </p:spPr>
-        <p:txBody>
-          <a:bodyPr>
-            <a:normAutofit/>
-          </a:bodyPr>
-          <a:lstStyle/>
-          <a:p>
-            <a:pPr lvl="0"/>
-            <a:r>
-              <a:rPr lang="en-US" dirty="0"/>
-              <a:t>Add text, images, art, and videos. </a:t>
-            </a:r>
-          </a:p>
-          <a:p>
-            <a:pPr lvl="0"/>
-            <a:r>
-              <a:rPr lang="en-US" dirty="0"/>
-              <a:t>Add transitions, animations, and motion. </a:t>
-            </a:r>
-          </a:p>
-          <a:p>
-            <a:pPr lvl="0"/>
-            <a:r>
-              <a:rPr lang="en-US" dirty="0"/>
-              <a:t>Save to OneDrive, to get to your presentations from your computer, tablet, or phone.</a:t>
-            </a:r>
-          </a:p>
-        </p:txBody>
-      </p:sp>
-      <p:sp>
-        <p:nvSpPr>
-          <p:cNvPr id="5" name="Text Placeholder 4">
-            <a:extLst>
-              <a:ext uri="{FF2B5EF4-FFF2-40B4-BE49-F238E27FC236}">
-                <a16:creationId xmlns:a16="http://schemas.microsoft.com/office/drawing/2014/main" id="{ECAC1A88-D97A-4F1E-9C4A-665733C70659}"/>
-              </a:ext>
-            </a:extLst>
-          </p:cNvPr>
-          <p:cNvSpPr>
-            <a:spLocks noGrp="1"/>
-          </p:cNvSpPr>
-          <p:nvPr>
-            <p:ph type="body" sz="quarter" idx="3"/>
-          </p:nvPr>
-        </p:nvSpPr>
-        <p:spPr>
-          <a:xfrm>
-            <a:off x="4495800" y="1734325"/>
-            <a:ext cx="3200400" cy="823912"/>
+            <a:off x="1143000" y="4761768"/>
+            <a:ext cx="1963236" cy="741904"/>
           </a:xfrm>
         </p:spPr>
         <p:txBody>
@@ -18707,72 +18479,65 @@
           <a:p>
             <a:r>
               <a:rPr lang="en-US" dirty="0"/>
-              <a:t>summary</a:t>
-            </a:r>
-          </a:p>
-        </p:txBody>
-      </p:sp>
-      <p:sp>
-        <p:nvSpPr>
-          <p:cNvPr id="6" name="Content Placeholder 5">
-            <a:extLst>
-              <a:ext uri="{FF2B5EF4-FFF2-40B4-BE49-F238E27FC236}">
-                <a16:creationId xmlns:a16="http://schemas.microsoft.com/office/drawing/2014/main" id="{DFB55301-A78F-4ECA-BBC5-6ADBA8452BD6}"/>
-              </a:ext>
-            </a:extLst>
-          </p:cNvPr>
-          <p:cNvSpPr>
-            <a:spLocks noGrp="1"/>
-          </p:cNvSpPr>
-          <p:nvPr>
-            <p:ph sz="quarter" idx="4"/>
-          </p:nvPr>
-        </p:nvSpPr>
+              <a:t>Title</a:t>
+            </a:r>
+          </a:p>
+        </p:txBody>
+      </p:sp>
+      <p:pic>
+        <p:nvPicPr>
+          <p:cNvPr id="27" name="Picture Placeholder 26" descr="A person smiling for the camera at the office">
+            <a:extLst>
+              <a:ext uri="{FF2B5EF4-FFF2-40B4-BE49-F238E27FC236}">
+                <a16:creationId xmlns:a16="http://schemas.microsoft.com/office/drawing/2014/main" id="{2E18694F-192C-45F7-A79D-A6644797BCE7}"/>
+              </a:ext>
+            </a:extLst>
+          </p:cNvPr>
+          <p:cNvPicPr>
+            <a:picLocks noGrp="1" noChangeAspect="1"/>
+          </p:cNvPicPr>
+          <p:nvPr>
+            <p:ph type="pic" sz="quarter" idx="21"/>
+          </p:nvPr>
+        </p:nvPicPr>
+        <p:blipFill rotWithShape="1">
+          <a:blip r:embed="rId3" cstate="screen">
+            <a:extLst>
+              <a:ext uri="{28A0092B-C50C-407E-A947-70E740481C1C}">
+                <a14:useLocalDpi xmlns:a14="http://schemas.microsoft.com/office/drawing/2010/main"/>
+              </a:ext>
+            </a:extLst>
+          </a:blip>
+          <a:srcRect/>
+          <a:stretch/>
+        </p:blipFill>
         <p:spPr>
           <a:xfrm>
-            <a:off x="4495800" y="2558237"/>
-            <a:ext cx="3200400" cy="3684588"/>
-          </a:xfrm>
-        </p:spPr>
-        <p:txBody>
-          <a:bodyPr>
-            <a:normAutofit/>
-          </a:bodyPr>
-          <a:lstStyle/>
-          <a:p>
-            <a:r>
-              <a:rPr lang="en-US" dirty="0"/>
-              <a:t>Open the Design Ideas pane for instant slide makeovers. </a:t>
-            </a:r>
-          </a:p>
-          <a:p>
-            <a:r>
-              <a:rPr lang="en-US" dirty="0"/>
-              <a:t>When we have design ideas, we’ll show them to you right there.</a:t>
-            </a:r>
-          </a:p>
-        </p:txBody>
-      </p:sp>
-      <p:sp>
-        <p:nvSpPr>
-          <p:cNvPr id="7" name="Text Placeholder 6">
-            <a:extLst>
-              <a:ext uri="{FF2B5EF4-FFF2-40B4-BE49-F238E27FC236}">
-                <a16:creationId xmlns:a16="http://schemas.microsoft.com/office/drawing/2014/main" id="{35BB4409-7785-40D0-9762-248A959B6DE2}"/>
-              </a:ext>
-            </a:extLst>
-          </p:cNvPr>
-          <p:cNvSpPr>
-            <a:spLocks noGrp="1"/>
-          </p:cNvSpPr>
-          <p:nvPr>
-            <p:ph type="body" sz="quarter" idx="13"/>
+            <a:off x="3784636" y="2350008"/>
+            <a:ext cx="1965960" cy="1801368"/>
+          </a:xfrm>
+        </p:spPr>
+      </p:pic>
+      <p:sp>
+        <p:nvSpPr>
+          <p:cNvPr id="14" name="Text Placeholder 13">
+            <a:extLst>
+              <a:ext uri="{FF2B5EF4-FFF2-40B4-BE49-F238E27FC236}">
+                <a16:creationId xmlns:a16="http://schemas.microsoft.com/office/drawing/2014/main" id="{F7A0AB77-FE60-4102-A808-335BC24E9950}"/>
+              </a:ext>
+            </a:extLst>
+          </p:cNvPr>
+          <p:cNvSpPr>
+            <a:spLocks noGrp="1"/>
+          </p:cNvSpPr>
+          <p:nvPr>
+            <p:ph type="body" idx="14"/>
           </p:nvPr>
         </p:nvSpPr>
         <p:spPr>
           <a:xfrm>
-            <a:off x="8151812" y="1734325"/>
-            <a:ext cx="3200400" cy="823912"/>
+            <a:off x="3789781" y="4319520"/>
+            <a:ext cx="1963236" cy="365760"/>
           </a:xfrm>
         </p:spPr>
         <p:txBody>
@@ -18781,59 +18546,250 @@
           <a:p>
             <a:r>
               <a:rPr lang="en-US" dirty="0"/>
-              <a:t>summary</a:t>
-            </a:r>
-          </a:p>
-        </p:txBody>
-      </p:sp>
-      <p:sp>
-        <p:nvSpPr>
-          <p:cNvPr id="8" name="Content Placeholder 7">
-            <a:extLst>
-              <a:ext uri="{FF2B5EF4-FFF2-40B4-BE49-F238E27FC236}">
-                <a16:creationId xmlns:a16="http://schemas.microsoft.com/office/drawing/2014/main" id="{978066DD-B3C1-4D98-8770-51E4077B46C0}"/>
-              </a:ext>
-            </a:extLst>
-          </p:cNvPr>
-          <p:cNvSpPr>
-            <a:spLocks noGrp="1"/>
-          </p:cNvSpPr>
-          <p:nvPr>
-            <p:ph sz="quarter" idx="14"/>
+              <a:t>Name</a:t>
+            </a:r>
+          </a:p>
+        </p:txBody>
+      </p:sp>
+      <p:sp>
+        <p:nvSpPr>
+          <p:cNvPr id="15" name="Text Placeholder 14">
+            <a:extLst>
+              <a:ext uri="{FF2B5EF4-FFF2-40B4-BE49-F238E27FC236}">
+                <a16:creationId xmlns:a16="http://schemas.microsoft.com/office/drawing/2014/main" id="{55900307-389C-4833-9F6D-23CF84A7E974}"/>
+              </a:ext>
+            </a:extLst>
+          </p:cNvPr>
+          <p:cNvSpPr>
+            <a:spLocks noGrp="1"/>
+          </p:cNvSpPr>
+          <p:nvPr>
+            <p:ph type="body" idx="15"/>
           </p:nvPr>
         </p:nvSpPr>
         <p:spPr>
           <a:xfrm>
-            <a:off x="8151812" y="2558237"/>
-            <a:ext cx="3200400" cy="3684588"/>
-          </a:xfrm>
-        </p:spPr>
-        <p:txBody>
-          <a:bodyPr>
-            <a:normAutofit/>
-          </a:bodyPr>
+            <a:off x="3787360" y="4761767"/>
+            <a:ext cx="1963236" cy="741904"/>
+          </a:xfrm>
+        </p:spPr>
+        <p:txBody>
+          <a:bodyPr/>
           <a:lstStyle/>
           <a:p>
             <a:r>
               <a:rPr lang="en-US" dirty="0"/>
-              <a:t>This PowerPoint theme uses its own unique set of colors, fonts, and effects to create the overall look and feel of these slides. </a:t>
-            </a:r>
-          </a:p>
-          <a:p>
-            <a:r>
-              <a:rPr lang="en-US"/>
-              <a:t>PowerPoint has tons of themes to give your presentation just the right personality. </a:t>
-            </a:r>
-            <a:endParaRPr lang="en-US" dirty="0"/>
-          </a:p>
-        </p:txBody>
-      </p:sp>
-      <p:sp>
-        <p:nvSpPr>
-          <p:cNvPr id="12" name="Footer Placeholder 11">
-            <a:extLst>
-              <a:ext uri="{FF2B5EF4-FFF2-40B4-BE49-F238E27FC236}">
-                <a16:creationId xmlns:a16="http://schemas.microsoft.com/office/drawing/2014/main" id="{64A4EE82-5E82-4F50-9452-91AD29BC019C}"/>
+              <a:t>Title</a:t>
+            </a:r>
+          </a:p>
+        </p:txBody>
+      </p:sp>
+      <p:pic>
+        <p:nvPicPr>
+          <p:cNvPr id="29" name="Picture Placeholder 28" descr="A person smiling for the camera at the office">
+            <a:extLst>
+              <a:ext uri="{FF2B5EF4-FFF2-40B4-BE49-F238E27FC236}">
+                <a16:creationId xmlns:a16="http://schemas.microsoft.com/office/drawing/2014/main" id="{AD3CA8A0-C478-4601-B591-250B0F58C3EA}"/>
+              </a:ext>
+            </a:extLst>
+          </p:cNvPr>
+          <p:cNvPicPr>
+            <a:picLocks noGrp="1" noChangeAspect="1"/>
+          </p:cNvPicPr>
+          <p:nvPr>
+            <p:ph type="pic" sz="quarter" idx="22"/>
+          </p:nvPr>
+        </p:nvPicPr>
+        <p:blipFill rotWithShape="1">
+          <a:blip r:embed="rId4" cstate="screen">
+            <a:extLst>
+              <a:ext uri="{28A0092B-C50C-407E-A947-70E740481C1C}">
+                <a14:useLocalDpi xmlns:a14="http://schemas.microsoft.com/office/drawing/2010/main"/>
+              </a:ext>
+            </a:extLst>
+          </a:blip>
+          <a:srcRect/>
+          <a:stretch/>
+        </p:blipFill>
+        <p:spPr>
+          <a:xfrm>
+            <a:off x="6437376" y="2350008"/>
+            <a:ext cx="1965960" cy="1801368"/>
+          </a:xfrm>
+        </p:spPr>
+      </p:pic>
+      <p:sp>
+        <p:nvSpPr>
+          <p:cNvPr id="16" name="Text Placeholder 15">
+            <a:extLst>
+              <a:ext uri="{FF2B5EF4-FFF2-40B4-BE49-F238E27FC236}">
+                <a16:creationId xmlns:a16="http://schemas.microsoft.com/office/drawing/2014/main" id="{2D7A6FC1-6929-4A5F-90E7-8D66A6079B21}"/>
+              </a:ext>
+            </a:extLst>
+          </p:cNvPr>
+          <p:cNvSpPr>
+            <a:spLocks noGrp="1"/>
+          </p:cNvSpPr>
+          <p:nvPr>
+            <p:ph type="body" idx="16"/>
+          </p:nvPr>
+        </p:nvSpPr>
+        <p:spPr>
+          <a:xfrm>
+            <a:off x="6441406" y="4319520"/>
+            <a:ext cx="1963236" cy="365760"/>
+          </a:xfrm>
+        </p:spPr>
+        <p:txBody>
+          <a:bodyPr/>
+          <a:lstStyle/>
+          <a:p>
+            <a:r>
+              <a:rPr lang="en-US" dirty="0"/>
+              <a:t>Name</a:t>
+            </a:r>
+          </a:p>
+        </p:txBody>
+      </p:sp>
+      <p:sp>
+        <p:nvSpPr>
+          <p:cNvPr id="17" name="Text Placeholder 16">
+            <a:extLst>
+              <a:ext uri="{FF2B5EF4-FFF2-40B4-BE49-F238E27FC236}">
+                <a16:creationId xmlns:a16="http://schemas.microsoft.com/office/drawing/2014/main" id="{2455B81D-74E1-4993-9CB7-C86E383417E1}"/>
+              </a:ext>
+            </a:extLst>
+          </p:cNvPr>
+          <p:cNvSpPr>
+            <a:spLocks noGrp="1"/>
+          </p:cNvSpPr>
+          <p:nvPr>
+            <p:ph type="body" idx="17"/>
+          </p:nvPr>
+        </p:nvSpPr>
+        <p:spPr>
+          <a:xfrm>
+            <a:off x="6438985" y="4761767"/>
+            <a:ext cx="1963236" cy="741904"/>
+          </a:xfrm>
+        </p:spPr>
+        <p:txBody>
+          <a:bodyPr/>
+          <a:lstStyle/>
+          <a:p>
+            <a:r>
+              <a:rPr lang="en-US" dirty="0"/>
+              <a:t>Title</a:t>
+            </a:r>
+          </a:p>
+        </p:txBody>
+      </p:sp>
+      <p:pic>
+        <p:nvPicPr>
+          <p:cNvPr id="31" name="Picture Placeholder 30" descr="A person smiling for the camera at the office">
+            <a:extLst>
+              <a:ext uri="{FF2B5EF4-FFF2-40B4-BE49-F238E27FC236}">
+                <a16:creationId xmlns:a16="http://schemas.microsoft.com/office/drawing/2014/main" id="{2215E562-117D-4476-B492-A2B90FA24853}"/>
+              </a:ext>
+            </a:extLst>
+          </p:cNvPr>
+          <p:cNvPicPr>
+            <a:picLocks noGrp="1" noChangeAspect="1"/>
+          </p:cNvPicPr>
+          <p:nvPr>
+            <p:ph type="pic" sz="quarter" idx="23"/>
+          </p:nvPr>
+        </p:nvPicPr>
+        <p:blipFill rotWithShape="1">
+          <a:blip r:embed="rId5" cstate="screen">
+            <a:extLst>
+              <a:ext uri="{28A0092B-C50C-407E-A947-70E740481C1C}">
+                <a14:useLocalDpi xmlns:a14="http://schemas.microsoft.com/office/drawing/2010/main"/>
+              </a:ext>
+            </a:extLst>
+          </a:blip>
+          <a:srcRect/>
+          <a:stretch/>
+        </p:blipFill>
+        <p:spPr>
+          <a:xfrm>
+            <a:off x="9089136" y="2350008"/>
+            <a:ext cx="1965960" cy="1801368"/>
+          </a:xfrm>
+        </p:spPr>
+      </p:pic>
+      <p:sp>
+        <p:nvSpPr>
+          <p:cNvPr id="18" name="Text Placeholder 17">
+            <a:extLst>
+              <a:ext uri="{FF2B5EF4-FFF2-40B4-BE49-F238E27FC236}">
+                <a16:creationId xmlns:a16="http://schemas.microsoft.com/office/drawing/2014/main" id="{B6AF93C3-3990-4E16-BC70-CEEBCF7E9B79}"/>
+              </a:ext>
+            </a:extLst>
+          </p:cNvPr>
+          <p:cNvSpPr>
+            <a:spLocks noGrp="1"/>
+          </p:cNvSpPr>
+          <p:nvPr>
+            <p:ph type="body" idx="18"/>
+          </p:nvPr>
+        </p:nvSpPr>
+        <p:spPr>
+          <a:xfrm>
+            <a:off x="9090610" y="4319520"/>
+            <a:ext cx="1963236" cy="365760"/>
+          </a:xfrm>
+        </p:spPr>
+        <p:txBody>
+          <a:bodyPr/>
+          <a:lstStyle/>
+          <a:p>
+            <a:r>
+              <a:rPr lang="en-US" dirty="0"/>
+              <a:t>Name</a:t>
+            </a:r>
+          </a:p>
+        </p:txBody>
+      </p:sp>
+      <p:sp>
+        <p:nvSpPr>
+          <p:cNvPr id="19" name="Text Placeholder 18">
+            <a:extLst>
+              <a:ext uri="{FF2B5EF4-FFF2-40B4-BE49-F238E27FC236}">
+                <a16:creationId xmlns:a16="http://schemas.microsoft.com/office/drawing/2014/main" id="{6D7685B1-86AF-4938-BC50-1C6253189708}"/>
+              </a:ext>
+            </a:extLst>
+          </p:cNvPr>
+          <p:cNvSpPr>
+            <a:spLocks noGrp="1"/>
+          </p:cNvSpPr>
+          <p:nvPr>
+            <p:ph type="body" idx="19"/>
+          </p:nvPr>
+        </p:nvSpPr>
+        <p:spPr>
+          <a:xfrm>
+            <a:off x="9088189" y="4761767"/>
+            <a:ext cx="1963236" cy="741904"/>
+          </a:xfrm>
+        </p:spPr>
+        <p:txBody>
+          <a:bodyPr/>
+          <a:lstStyle/>
+          <a:p>
+            <a:r>
+              <a:rPr lang="en-US" dirty="0"/>
+              <a:t>Title</a:t>
+            </a:r>
+          </a:p>
+        </p:txBody>
+      </p:sp>
+      <p:sp>
+        <p:nvSpPr>
+          <p:cNvPr id="33" name="Footer Placeholder 32">
+            <a:extLst>
+              <a:ext uri="{FF2B5EF4-FFF2-40B4-BE49-F238E27FC236}">
+                <a16:creationId xmlns:a16="http://schemas.microsoft.com/office/drawing/2014/main" id="{F44FB830-1437-400F-A377-489B315C7813}"/>
               </a:ext>
             </a:extLst>
           </p:cNvPr>
@@ -18863,10 +18819,10 @@
       </p:sp>
       <p:sp>
         <p:nvSpPr>
-          <p:cNvPr id="11" name="Date Placeholder 10">
-            <a:extLst>
-              <a:ext uri="{FF2B5EF4-FFF2-40B4-BE49-F238E27FC236}">
-                <a16:creationId xmlns:a16="http://schemas.microsoft.com/office/drawing/2014/main" id="{196AD7FA-BD30-47CA-B1E9-5A3261C7892A}"/>
+          <p:cNvPr id="32" name="Date Placeholder 31">
+            <a:extLst>
+              <a:ext uri="{FF2B5EF4-FFF2-40B4-BE49-F238E27FC236}">
+                <a16:creationId xmlns:a16="http://schemas.microsoft.com/office/drawing/2014/main" id="{C6073673-4E9F-409B-AC5C-22C9A8D22565}"/>
               </a:ext>
             </a:extLst>
           </p:cNvPr>
@@ -18896,10 +18852,10 @@
       </p:sp>
       <p:sp>
         <p:nvSpPr>
-          <p:cNvPr id="13" name="Slide Number Placeholder 12">
-            <a:extLst>
-              <a:ext uri="{FF2B5EF4-FFF2-40B4-BE49-F238E27FC236}">
-                <a16:creationId xmlns:a16="http://schemas.microsoft.com/office/drawing/2014/main" id="{BF6287AF-451B-4FEA-A984-C734DD46F5F2}"/>
+          <p:cNvPr id="34" name="Slide Number Placeholder 33">
+            <a:extLst>
+              <a:ext uri="{FF2B5EF4-FFF2-40B4-BE49-F238E27FC236}">
+                <a16:creationId xmlns:a16="http://schemas.microsoft.com/office/drawing/2014/main" id="{97124BB6-5243-455D-83FF-AE2077E38773}"/>
               </a:ext>
             </a:extLst>
           </p:cNvPr>
@@ -18932,7 +18888,7 @@
     </p:spTree>
     <p:extLst>
       <p:ext uri="{BB962C8B-B14F-4D97-AF65-F5344CB8AC3E}">
-        <p14:creationId xmlns:p14="http://schemas.microsoft.com/office/powerpoint/2010/main" val="4081779217"/>
+        <p14:creationId xmlns:p14="http://schemas.microsoft.com/office/powerpoint/2010/main" val="276079138"/>
       </p:ext>
     </p:extLst>
   </p:cSld>
@@ -18959,12 +18915,43 @@
           <a:chExt cx="0" cy="0"/>
         </a:xfrm>
       </p:grpSpPr>
-      <p:sp>
-        <p:nvSpPr>
-          <p:cNvPr id="2" name="Title 1">
-            <a:extLst>
-              <a:ext uri="{FF2B5EF4-FFF2-40B4-BE49-F238E27FC236}">
-                <a16:creationId xmlns:a16="http://schemas.microsoft.com/office/drawing/2014/main" id="{38DE2E09-3A82-4E32-88E3-59E694EFE546}"/>
+      <p:graphicFrame>
+        <p:nvGraphicFramePr>
+          <p:cNvPr id="7" name="Content Placeholder 3" descr="Timeline Placeholder">
+            <a:extLst>
+              <a:ext uri="{FF2B5EF4-FFF2-40B4-BE49-F238E27FC236}">
+                <a16:creationId xmlns:a16="http://schemas.microsoft.com/office/drawing/2014/main" id="{DA394158-22C9-4554-A3A2-3E1C175CE5D9}"/>
+              </a:ext>
+            </a:extLst>
+          </p:cNvPr>
+          <p:cNvGraphicFramePr>
+            <a:graphicFrameLocks noGrp="1"/>
+          </p:cNvGraphicFramePr>
+          <p:nvPr>
+            <p:ph idx="1"/>
+            <p:extLst>
+              <p:ext uri="{D42A27DB-BD31-4B8C-83A1-F6EECF244321}">
+                <p14:modId xmlns:p14="http://schemas.microsoft.com/office/powerpoint/2010/main" val="4106763730"/>
+              </p:ext>
+            </p:extLst>
+          </p:nvPr>
+        </p:nvGraphicFramePr>
+        <p:xfrm>
+          <a:off x="838200" y="1825625"/>
+          <a:ext cx="10693400" cy="4351338"/>
+        </p:xfrm>
+        <a:graphic>
+          <a:graphicData uri="http://schemas.openxmlformats.org/drawingml/2006/diagram">
+            <dgm:relIds xmlns:dgm="http://schemas.openxmlformats.org/drawingml/2006/diagram" xmlns:r="http://schemas.openxmlformats.org/officeDocument/2006/relationships" r:dm="rId2" r:lo="rId3" r:qs="rId4" r:cs="rId5"/>
+          </a:graphicData>
+        </a:graphic>
+      </p:graphicFrame>
+      <p:sp>
+        <p:nvSpPr>
+          <p:cNvPr id="3" name="Title 2">
+            <a:extLst>
+              <a:ext uri="{FF2B5EF4-FFF2-40B4-BE49-F238E27FC236}">
+                <a16:creationId xmlns:a16="http://schemas.microsoft.com/office/drawing/2014/main" id="{BA4EA378-49C7-4674-A713-6300B71864FD}"/>
               </a:ext>
             </a:extLst>
           </p:cNvPr>
@@ -18977,8 +18964,8 @@
         </p:nvSpPr>
         <p:spPr>
           <a:xfrm>
-            <a:off x="1143001" y="533400"/>
-            <a:ext cx="5496636" cy="1685898"/>
+            <a:off x="1143000" y="533401"/>
+            <a:ext cx="9906000" cy="1382156"/>
           </a:xfrm>
         </p:spPr>
         <p:txBody>
@@ -18987,50 +18974,17 @@
           <a:p>
             <a:r>
               <a:rPr lang="en-US" dirty="0"/>
-              <a:t>Summary</a:t>
-            </a:r>
-          </a:p>
-        </p:txBody>
-      </p:sp>
-      <p:sp>
-        <p:nvSpPr>
-          <p:cNvPr id="3" name="Content Placeholder 2">
-            <a:extLst>
-              <a:ext uri="{FF2B5EF4-FFF2-40B4-BE49-F238E27FC236}">
-                <a16:creationId xmlns:a16="http://schemas.microsoft.com/office/drawing/2014/main" id="{9925E272-AF60-4462-95A9-115739F781AE}"/>
-              </a:ext>
-            </a:extLst>
-          </p:cNvPr>
-          <p:cNvSpPr>
-            <a:spLocks noGrp="1"/>
-          </p:cNvSpPr>
-          <p:nvPr>
-            <p:ph idx="1"/>
-          </p:nvPr>
-        </p:nvSpPr>
-        <p:spPr>
-          <a:xfrm>
-            <a:off x="1143001" y="2229347"/>
-            <a:ext cx="5496636" cy="3821743"/>
-          </a:xfrm>
-        </p:spPr>
-        <p:txBody>
-          <a:bodyPr/>
-          <a:lstStyle/>
-          <a:p>
-            <a:r>
-              <a:rPr lang="en-US" dirty="0"/>
-              <a:t>With PowerPoint, you can create presentations and share your work with others, wherever they are. Type the text you want here to get started. You can also add images, art, and videos on this template. Save to OneDrive and access your presentations from your computer, tablet, or phone. </a:t>
-            </a:r>
-          </a:p>
-        </p:txBody>
-      </p:sp>
-      <p:sp>
-        <p:nvSpPr>
-          <p:cNvPr id="17" name="Footer Placeholder 16">
-            <a:extLst>
-              <a:ext uri="{FF2B5EF4-FFF2-40B4-BE49-F238E27FC236}">
-                <a16:creationId xmlns:a16="http://schemas.microsoft.com/office/drawing/2014/main" id="{A372FF69-5317-4BE5-B218-0E85D7FE0FB1}"/>
+              <a:t>TIMELINE</a:t>
+            </a:r>
+          </a:p>
+        </p:txBody>
+      </p:sp>
+      <p:sp>
+        <p:nvSpPr>
+          <p:cNvPr id="4" name="Footer Placeholder 3">
+            <a:extLst>
+              <a:ext uri="{FF2B5EF4-FFF2-40B4-BE49-F238E27FC236}">
+                <a16:creationId xmlns:a16="http://schemas.microsoft.com/office/drawing/2014/main" id="{46B35970-86DF-4F11-9D76-FECED88366F0}"/>
               </a:ext>
             </a:extLst>
           </p:cNvPr>
@@ -19058,148 +19012,12 @@
           </a:p>
         </p:txBody>
       </p:sp>
-      <p:pic>
-        <p:nvPicPr>
-          <p:cNvPr id="68" name="Picture Placeholder 67" descr="View of city buildings over the water">
-            <a:extLst>
-              <a:ext uri="{FF2B5EF4-FFF2-40B4-BE49-F238E27FC236}">
-                <a16:creationId xmlns:a16="http://schemas.microsoft.com/office/drawing/2014/main" id="{C700B77F-91C5-4642-9ABF-EA81F3CF6916}"/>
-              </a:ext>
-            </a:extLst>
-          </p:cNvPr>
-          <p:cNvPicPr>
-            <a:picLocks noGrp="1" noChangeAspect="1"/>
-          </p:cNvPicPr>
-          <p:nvPr>
-            <p:ph type="pic" sz="quarter" idx="14"/>
-          </p:nvPr>
-        </p:nvPicPr>
-        <p:blipFill rotWithShape="1">
-          <a:blip r:embed="rId2">
-            <a:extLst>
-              <a:ext uri="{28A0092B-C50C-407E-A947-70E740481C1C}">
-                <a14:useLocalDpi xmlns:a14="http://schemas.microsoft.com/office/drawing/2010/main"/>
-              </a:ext>
-            </a:extLst>
-          </a:blip>
-          <a:srcRect/>
-          <a:stretch/>
-        </p:blipFill>
-        <p:spPr>
-          <a:xfrm>
-            <a:off x="7186070" y="0"/>
-            <a:ext cx="2463897" cy="3429000"/>
-          </a:xfrm>
-        </p:spPr>
-      </p:pic>
-      <p:pic>
-        <p:nvPicPr>
-          <p:cNvPr id="72" name="Picture Placeholder 71" descr="A picture containing blue glass buildings with reflection">
-            <a:extLst>
-              <a:ext uri="{FF2B5EF4-FFF2-40B4-BE49-F238E27FC236}">
-                <a16:creationId xmlns:a16="http://schemas.microsoft.com/office/drawing/2014/main" id="{781FD203-6B96-4232-92C2-850AD4DA0F7D}"/>
-              </a:ext>
-            </a:extLst>
-          </p:cNvPr>
-          <p:cNvPicPr>
-            <a:picLocks noGrp="1" noChangeAspect="1"/>
-          </p:cNvPicPr>
-          <p:nvPr>
-            <p:ph type="pic" sz="quarter" idx="13"/>
-          </p:nvPr>
-        </p:nvPicPr>
-        <p:blipFill rotWithShape="1">
-          <a:blip r:embed="rId3">
-            <a:extLst>
-              <a:ext uri="{28A0092B-C50C-407E-A947-70E740481C1C}">
-                <a14:useLocalDpi xmlns:a14="http://schemas.microsoft.com/office/drawing/2010/main"/>
-              </a:ext>
-            </a:extLst>
-          </a:blip>
-          <a:srcRect/>
-          <a:stretch/>
-        </p:blipFill>
-        <p:spPr>
-          <a:xfrm>
-            <a:off x="9649155" y="0"/>
-            <a:ext cx="2539797" cy="3429000"/>
-          </a:xfrm>
-        </p:spPr>
-      </p:pic>
-      <p:pic>
-        <p:nvPicPr>
-          <p:cNvPr id="74" name="Picture Placeholder 73" descr="Aerial view of city buildings at sunset">
-            <a:extLst>
-              <a:ext uri="{FF2B5EF4-FFF2-40B4-BE49-F238E27FC236}">
-                <a16:creationId xmlns:a16="http://schemas.microsoft.com/office/drawing/2014/main" id="{A84AF2F7-9744-4960-8C3C-77190198196B}"/>
-              </a:ext>
-            </a:extLst>
-          </p:cNvPr>
-          <p:cNvPicPr>
-            <a:picLocks noGrp="1" noChangeAspect="1"/>
-          </p:cNvPicPr>
-          <p:nvPr>
-            <p:ph type="pic" sz="quarter" idx="16"/>
-          </p:nvPr>
-        </p:nvPicPr>
-        <p:blipFill rotWithShape="1">
-          <a:blip r:embed="rId4">
-            <a:extLst>
-              <a:ext uri="{28A0092B-C50C-407E-A947-70E740481C1C}">
-                <a14:useLocalDpi xmlns:a14="http://schemas.microsoft.com/office/drawing/2010/main"/>
-              </a:ext>
-            </a:extLst>
-          </a:blip>
-          <a:srcRect/>
-          <a:stretch/>
-        </p:blipFill>
-        <p:spPr>
-          <a:xfrm>
-            <a:off x="7186070" y="3383280"/>
-            <a:ext cx="2463897" cy="3474720"/>
-          </a:xfrm>
-        </p:spPr>
-      </p:pic>
-      <p:pic>
-        <p:nvPicPr>
-          <p:cNvPr id="78" name="Picture Placeholder 77" descr="View of city buildings over the water from a track">
-            <a:extLst>
-              <a:ext uri="{FF2B5EF4-FFF2-40B4-BE49-F238E27FC236}">
-                <a16:creationId xmlns:a16="http://schemas.microsoft.com/office/drawing/2014/main" id="{D76BFBCE-A55E-4F19-9A0A-78307FDBE964}"/>
-              </a:ext>
-            </a:extLst>
-          </p:cNvPr>
-          <p:cNvPicPr>
-            <a:picLocks noGrp="1" noChangeAspect="1"/>
-          </p:cNvPicPr>
-          <p:nvPr>
-            <p:ph type="pic" sz="quarter" idx="15"/>
-          </p:nvPr>
-        </p:nvPicPr>
-        <p:blipFill rotWithShape="1">
-          <a:blip r:embed="rId5">
-            <a:extLst>
-              <a:ext uri="{28A0092B-C50C-407E-A947-70E740481C1C}">
-                <a14:useLocalDpi xmlns:a14="http://schemas.microsoft.com/office/drawing/2010/main"/>
-              </a:ext>
-            </a:extLst>
-          </a:blip>
-          <a:srcRect/>
-          <a:stretch/>
-        </p:blipFill>
-        <p:spPr>
-          <a:xfrm>
-            <a:off x="9649155" y="3383280"/>
-            <a:ext cx="2539797" cy="3474720"/>
-          </a:xfrm>
-        </p:spPr>
-      </p:pic>
-      <p:sp>
-        <p:nvSpPr>
-          <p:cNvPr id="16" name="Date Placeholder 15">
-            <a:extLst>
-              <a:ext uri="{FF2B5EF4-FFF2-40B4-BE49-F238E27FC236}">
-                <a16:creationId xmlns:a16="http://schemas.microsoft.com/office/drawing/2014/main" id="{4A857185-E16C-40A5-8032-8049177473D1}"/>
+      <p:sp>
+        <p:nvSpPr>
+          <p:cNvPr id="5" name="Date Placeholder 4">
+            <a:extLst>
+              <a:ext uri="{FF2B5EF4-FFF2-40B4-BE49-F238E27FC236}">
+                <a16:creationId xmlns:a16="http://schemas.microsoft.com/office/drawing/2014/main" id="{1A4C12C2-5182-41CE-A07D-11992CF629EA}"/>
               </a:ext>
             </a:extLst>
           </p:cNvPr>
@@ -19229,10 +19047,10 @@
       </p:sp>
       <p:sp>
         <p:nvSpPr>
-          <p:cNvPr id="18" name="Slide Number Placeholder 17">
-            <a:extLst>
-              <a:ext uri="{FF2B5EF4-FFF2-40B4-BE49-F238E27FC236}">
-                <a16:creationId xmlns:a16="http://schemas.microsoft.com/office/drawing/2014/main" id="{70961BC8-7B79-40B2-B578-4EB512140BBB}"/>
+          <p:cNvPr id="6" name="Slide Number Placeholder 5">
+            <a:extLst>
+              <a:ext uri="{FF2B5EF4-FFF2-40B4-BE49-F238E27FC236}">
+                <a16:creationId xmlns:a16="http://schemas.microsoft.com/office/drawing/2014/main" id="{90A3CABF-07C6-4D28-9459-B48AE520A290}"/>
               </a:ext>
             </a:extLst>
           </p:cNvPr>
@@ -19265,7 +19083,7 @@
     </p:spTree>
     <p:extLst>
       <p:ext uri="{BB962C8B-B14F-4D97-AF65-F5344CB8AC3E}">
-        <p14:creationId xmlns:p14="http://schemas.microsoft.com/office/powerpoint/2010/main" val="3495264433"/>
+        <p14:creationId xmlns:p14="http://schemas.microsoft.com/office/powerpoint/2010/main" val="4280447412"/>
       </p:ext>
     </p:extLst>
   </p:cSld>
@@ -19297,7 +19115,7 @@
           <p:cNvPr id="2" name="Title 1">
             <a:extLst>
               <a:ext uri="{FF2B5EF4-FFF2-40B4-BE49-F238E27FC236}">
-                <a16:creationId xmlns:a16="http://schemas.microsoft.com/office/drawing/2014/main" id="{17632718-615D-445E-861C-ADF040C4B2A4}"/>
+                <a16:creationId xmlns:a16="http://schemas.microsoft.com/office/drawing/2014/main" id="{4D18CD2A-2EC1-4055-AE20-4A35A1794F1C}"/>
               </a:ext>
             </a:extLst>
           </p:cNvPr>
@@ -19310,8 +19128,8 @@
         </p:nvSpPr>
         <p:spPr>
           <a:xfrm>
-            <a:off x="5146159" y="685800"/>
-            <a:ext cx="6238688" cy="1382233"/>
+            <a:off x="839788" y="365125"/>
+            <a:ext cx="10515600" cy="1325563"/>
           </a:xfrm>
         </p:spPr>
         <p:txBody>
@@ -19320,51 +19138,170 @@
           <a:p>
             <a:r>
               <a:rPr lang="en-US" dirty="0"/>
-              <a:t>Thank you</a:t>
-            </a:r>
-          </a:p>
-        </p:txBody>
-      </p:sp>
-      <p:pic>
-        <p:nvPicPr>
-          <p:cNvPr id="6" name="Picture Placeholder 5" descr="A view of a bridge from below">
-            <a:extLst>
-              <a:ext uri="{FF2B5EF4-FFF2-40B4-BE49-F238E27FC236}">
-                <a16:creationId xmlns:a16="http://schemas.microsoft.com/office/drawing/2014/main" id="{610B39E1-AAA7-4199-8B7C-D12DD364E6D7}"/>
-              </a:ext>
-            </a:extLst>
-          </p:cNvPr>
-          <p:cNvPicPr>
-            <a:picLocks noGrp="1" noChangeAspect="1"/>
-          </p:cNvPicPr>
-          <p:nvPr>
-            <p:ph type="pic" sz="quarter" idx="13"/>
-          </p:nvPr>
-        </p:nvPicPr>
-        <p:blipFill rotWithShape="1">
-          <a:blip r:embed="rId2" cstate="screen">
-            <a:extLst>
-              <a:ext uri="{28A0092B-C50C-407E-A947-70E740481C1C}">
-                <a14:useLocalDpi xmlns:a14="http://schemas.microsoft.com/office/drawing/2010/main"/>
-              </a:ext>
-            </a:extLst>
-          </a:blip>
-          <a:srcRect/>
-          <a:stretch/>
-        </p:blipFill>
+              <a:t>Content</a:t>
+            </a:r>
+          </a:p>
+        </p:txBody>
+      </p:sp>
+      <p:sp>
+        <p:nvSpPr>
+          <p:cNvPr id="3" name="Text Placeholder 2">
+            <a:extLst>
+              <a:ext uri="{FF2B5EF4-FFF2-40B4-BE49-F238E27FC236}">
+                <a16:creationId xmlns:a16="http://schemas.microsoft.com/office/drawing/2014/main" id="{7F14164C-CD4F-433C-8B7E-A0156DB2F947}"/>
+              </a:ext>
+            </a:extLst>
+          </p:cNvPr>
+          <p:cNvSpPr>
+            <a:spLocks noGrp="1"/>
+          </p:cNvSpPr>
+          <p:nvPr>
+            <p:ph type="body" idx="1"/>
+          </p:nvPr>
+        </p:nvSpPr>
         <p:spPr>
           <a:xfrm>
-            <a:off x="0" y="-7444"/>
-            <a:ext cx="4966447" cy="6846394"/>
-          </a:xfrm>
-        </p:spPr>
-      </p:pic>
-      <p:sp>
-        <p:nvSpPr>
-          <p:cNvPr id="35" name="Footer Placeholder 2">
-            <a:extLst>
-              <a:ext uri="{FF2B5EF4-FFF2-40B4-BE49-F238E27FC236}">
-                <a16:creationId xmlns:a16="http://schemas.microsoft.com/office/drawing/2014/main" id="{B7DBC9F7-37C7-4A2D-ACBC-EBDA35886D84}"/>
+            <a:off x="839788" y="1734325"/>
+            <a:ext cx="5157787" cy="823912"/>
+          </a:xfrm>
+        </p:spPr>
+        <p:txBody>
+          <a:bodyPr/>
+          <a:lstStyle/>
+          <a:p>
+            <a:r>
+              <a:rPr lang="en-US" dirty="0"/>
+              <a:t>Summary</a:t>
+            </a:r>
+          </a:p>
+        </p:txBody>
+      </p:sp>
+      <p:sp>
+        <p:nvSpPr>
+          <p:cNvPr id="4" name="Content Placeholder 3">
+            <a:extLst>
+              <a:ext uri="{FF2B5EF4-FFF2-40B4-BE49-F238E27FC236}">
+                <a16:creationId xmlns:a16="http://schemas.microsoft.com/office/drawing/2014/main" id="{CDE237F4-D8FA-4EB0-8875-57E81F3EA824}"/>
+              </a:ext>
+            </a:extLst>
+          </p:cNvPr>
+          <p:cNvSpPr>
+            <a:spLocks noGrp="1"/>
+          </p:cNvSpPr>
+          <p:nvPr>
+            <p:ph sz="half" idx="2"/>
+          </p:nvPr>
+        </p:nvSpPr>
+        <p:spPr>
+          <a:xfrm>
+            <a:off x="839788" y="2558237"/>
+            <a:ext cx="5157787" cy="3684588"/>
+          </a:xfrm>
+        </p:spPr>
+        <p:txBody>
+          <a:bodyPr/>
+          <a:lstStyle/>
+          <a:p>
+            <a:r>
+              <a:rPr lang="en-US" dirty="0"/>
+              <a:t>Add text, images, art, and videos. </a:t>
+            </a:r>
+          </a:p>
+          <a:p>
+            <a:r>
+              <a:rPr lang="en-US" dirty="0"/>
+              <a:t>Add transitions, animations, and motion. </a:t>
+            </a:r>
+          </a:p>
+          <a:p>
+            <a:r>
+              <a:rPr lang="en-US" dirty="0"/>
+              <a:t>Save to OneDrive, to get to your presentations from your computer, tablet, or phone. </a:t>
+            </a:r>
+          </a:p>
+          <a:p>
+            <a:endParaRPr lang="en-US" dirty="0"/>
+          </a:p>
+        </p:txBody>
+      </p:sp>
+      <p:sp>
+        <p:nvSpPr>
+          <p:cNvPr id="5" name="Text Placeholder 4">
+            <a:extLst>
+              <a:ext uri="{FF2B5EF4-FFF2-40B4-BE49-F238E27FC236}">
+                <a16:creationId xmlns:a16="http://schemas.microsoft.com/office/drawing/2014/main" id="{77A2ABE5-0226-49ED-8CCF-C68A5DC8C37A}"/>
+              </a:ext>
+            </a:extLst>
+          </p:cNvPr>
+          <p:cNvSpPr>
+            <a:spLocks noGrp="1"/>
+          </p:cNvSpPr>
+          <p:nvPr>
+            <p:ph type="body" sz="quarter" idx="3"/>
+          </p:nvPr>
+        </p:nvSpPr>
+        <p:spPr>
+          <a:xfrm>
+            <a:off x="6172200" y="1734325"/>
+            <a:ext cx="5183188" cy="823912"/>
+          </a:xfrm>
+        </p:spPr>
+        <p:txBody>
+          <a:bodyPr/>
+          <a:lstStyle/>
+          <a:p>
+            <a:r>
+              <a:rPr lang="en-US" dirty="0"/>
+              <a:t>SUMMARY</a:t>
+            </a:r>
+          </a:p>
+        </p:txBody>
+      </p:sp>
+      <p:sp>
+        <p:nvSpPr>
+          <p:cNvPr id="6" name="Content Placeholder 5">
+            <a:extLst>
+              <a:ext uri="{FF2B5EF4-FFF2-40B4-BE49-F238E27FC236}">
+                <a16:creationId xmlns:a16="http://schemas.microsoft.com/office/drawing/2014/main" id="{B05028CE-DA21-47EC-B483-3CE6A8E62CF1}"/>
+              </a:ext>
+            </a:extLst>
+          </p:cNvPr>
+          <p:cNvSpPr>
+            <a:spLocks noGrp="1"/>
+          </p:cNvSpPr>
+          <p:nvPr>
+            <p:ph sz="quarter" idx="4"/>
+          </p:nvPr>
+        </p:nvSpPr>
+        <p:spPr>
+          <a:xfrm>
+            <a:off x="6172200" y="2558237"/>
+            <a:ext cx="5183188" cy="3684588"/>
+          </a:xfrm>
+        </p:spPr>
+        <p:txBody>
+          <a:bodyPr/>
+          <a:lstStyle/>
+          <a:p>
+            <a:r>
+              <a:rPr lang="en-US" dirty="0"/>
+              <a:t>Open the Design Ideas pane for instant slide makeovers. </a:t>
+            </a:r>
+          </a:p>
+          <a:p>
+            <a:r>
+              <a:rPr lang="en-US" dirty="0"/>
+              <a:t>When we have design ideas, we’ll show them to you right there. </a:t>
+            </a:r>
+          </a:p>
+        </p:txBody>
+      </p:sp>
+      <p:sp>
+        <p:nvSpPr>
+          <p:cNvPr id="8" name="Footer Placeholder 7">
+            <a:extLst>
+              <a:ext uri="{FF2B5EF4-FFF2-40B4-BE49-F238E27FC236}">
+                <a16:creationId xmlns:a16="http://schemas.microsoft.com/office/drawing/2014/main" id="{1CB6C385-03DD-40B8-8F1B-4E62C60C85AA}"/>
               </a:ext>
             </a:extLst>
           </p:cNvPr>
@@ -19383,15 +19320,7 @@
         </p:spPr>
         <p:txBody>
           <a:bodyPr/>
-          <a:lstStyle>
-            <a:lvl1pPr>
-              <a:defRPr>
-                <a:solidFill>
-                  <a:schemeClr val="bg1"/>
-                </a:solidFill>
-              </a:defRPr>
-            </a:lvl1pPr>
-          </a:lstStyle>
+          <a:lstStyle/>
           <a:p>
             <a:r>
               <a:rPr lang="en-US" dirty="0"/>
@@ -19402,55 +19331,10 @@
       </p:sp>
       <p:sp>
         <p:nvSpPr>
-          <p:cNvPr id="3" name="Content Placeholder 2">
-            <a:extLst>
-              <a:ext uri="{FF2B5EF4-FFF2-40B4-BE49-F238E27FC236}">
-                <a16:creationId xmlns:a16="http://schemas.microsoft.com/office/drawing/2014/main" id="{7137E6E0-B242-46D9-ABE6-B318CABC4509}"/>
-              </a:ext>
-            </a:extLst>
-          </p:cNvPr>
-          <p:cNvSpPr>
-            <a:spLocks noGrp="1"/>
-          </p:cNvSpPr>
-          <p:nvPr>
-            <p:ph idx="1"/>
-          </p:nvPr>
-        </p:nvSpPr>
-        <p:spPr>
-          <a:xfrm>
-            <a:off x="5146158" y="2301949"/>
-            <a:ext cx="6238687" cy="4022650"/>
-          </a:xfrm>
-        </p:spPr>
-        <p:txBody>
-          <a:bodyPr/>
-          <a:lstStyle/>
-          <a:p>
-            <a:r>
-              <a:rPr lang="en-US" dirty="0"/>
-              <a:t>Presenter Name</a:t>
-            </a:r>
-          </a:p>
-          <a:p>
-            <a:r>
-              <a:rPr lang="en-US" dirty="0"/>
-              <a:t>Email Address</a:t>
-            </a:r>
-          </a:p>
-          <a:p>
-            <a:r>
-              <a:rPr lang="en-US" dirty="0"/>
-              <a:t>Website Address</a:t>
-            </a:r>
-          </a:p>
-        </p:txBody>
-      </p:sp>
-      <p:sp>
-        <p:nvSpPr>
           <p:cNvPr id="7" name="Date Placeholder 6">
             <a:extLst>
               <a:ext uri="{FF2B5EF4-FFF2-40B4-BE49-F238E27FC236}">
-                <a16:creationId xmlns:a16="http://schemas.microsoft.com/office/drawing/2014/main" id="{FF14FC5E-CD12-447F-80A6-B27D30095D2C}"/>
+                <a16:creationId xmlns:a16="http://schemas.microsoft.com/office/drawing/2014/main" id="{AF3C5F2A-97FD-42D5-B08A-F20B3EFD7D84}"/>
               </a:ext>
             </a:extLst>
           </p:cNvPr>
@@ -19483,7 +19367,7 @@
           <p:cNvPr id="9" name="Slide Number Placeholder 8">
             <a:extLst>
               <a:ext uri="{FF2B5EF4-FFF2-40B4-BE49-F238E27FC236}">
-                <a16:creationId xmlns:a16="http://schemas.microsoft.com/office/drawing/2014/main" id="{219C547C-C2F1-493E-9B64-E089F9DBC6A3}"/>
+                <a16:creationId xmlns:a16="http://schemas.microsoft.com/office/drawing/2014/main" id="{203229A0-1321-49E2-9958-3B1F86E2CC8F}"/>
               </a:ext>
             </a:extLst>
           </p:cNvPr>
@@ -19516,7 +19400,7 @@
     </p:spTree>
     <p:extLst>
       <p:ext uri="{BB962C8B-B14F-4D97-AF65-F5344CB8AC3E}">
-        <p14:creationId xmlns:p14="http://schemas.microsoft.com/office/powerpoint/2010/main" val="3043070934"/>
+        <p14:creationId xmlns:p14="http://schemas.microsoft.com/office/powerpoint/2010/main" val="742158403"/>
       </p:ext>
     </p:extLst>
   </p:cSld>
@@ -19604,19 +19488,25 @@
           <a:p>
             <a:r>
               <a:rPr lang="en-US" dirty="0"/>
-              <a:t>Topic one - </a:t>
+              <a:t>Topic one - Introduction</a:t>
             </a:r>
           </a:p>
           <a:p>
             <a:r>
               <a:rPr lang="en-US" dirty="0"/>
-              <a:t>Topic two -</a:t>
+              <a:t>Topic two – Model - 1</a:t>
             </a:r>
           </a:p>
           <a:p>
             <a:r>
               <a:rPr lang="en-US" dirty="0"/>
-              <a:t>Topic three -</a:t>
+              <a:t>Topic three – Model -2</a:t>
+            </a:r>
+          </a:p>
+          <a:p>
+            <a:r>
+              <a:rPr lang="en-US" dirty="0"/>
+              <a:t>Topic four - Limitations.</a:t>
             </a:r>
           </a:p>
         </p:txBody>
@@ -19728,6 +19618,986 @@
     <p:extLst>
       <p:ext uri="{BB962C8B-B14F-4D97-AF65-F5344CB8AC3E}">
         <p14:creationId xmlns:p14="http://schemas.microsoft.com/office/powerpoint/2010/main" val="2976291157"/>
+      </p:ext>
+    </p:extLst>
+  </p:cSld>
+  <p:clrMapOvr>
+    <a:masterClrMapping/>
+  </p:clrMapOvr>
+</p:sld>
+</file>
+
+<file path=ppt/slides/slide20.xml><?xml version="1.0" encoding="utf-8"?>
+<p:sld xmlns:a="http://schemas.openxmlformats.org/drawingml/2006/main" xmlns:r="http://schemas.openxmlformats.org/officeDocument/2006/relationships" xmlns:p="http://schemas.openxmlformats.org/presentationml/2006/main">
+  <p:cSld>
+    <p:spTree>
+      <p:nvGrpSpPr>
+        <p:cNvPr id="1" name=""/>
+        <p:cNvGrpSpPr/>
+        <p:nvPr/>
+      </p:nvGrpSpPr>
+      <p:grpSpPr>
+        <a:xfrm>
+          <a:off x="0" y="0"/>
+          <a:ext cx="0" cy="0"/>
+          <a:chOff x="0" y="0"/>
+          <a:chExt cx="0" cy="0"/>
+        </a:xfrm>
+      </p:grpSpPr>
+      <p:sp>
+        <p:nvSpPr>
+          <p:cNvPr id="2" name="Title 1">
+            <a:extLst>
+              <a:ext uri="{FF2B5EF4-FFF2-40B4-BE49-F238E27FC236}">
+                <a16:creationId xmlns:a16="http://schemas.microsoft.com/office/drawing/2014/main" id="{F479E736-254A-4657-A88B-DE71C47DA880}"/>
+              </a:ext>
+            </a:extLst>
+          </p:cNvPr>
+          <p:cNvSpPr>
+            <a:spLocks noGrp="1"/>
+          </p:cNvSpPr>
+          <p:nvPr>
+            <p:ph type="title"/>
+          </p:nvPr>
+        </p:nvSpPr>
+        <p:spPr>
+          <a:xfrm>
+            <a:off x="839788" y="365125"/>
+            <a:ext cx="10515600" cy="1325563"/>
+          </a:xfrm>
+        </p:spPr>
+        <p:txBody>
+          <a:bodyPr/>
+          <a:lstStyle/>
+          <a:p>
+            <a:r>
+              <a:rPr lang="en-US" dirty="0"/>
+              <a:t>Content 2</a:t>
+            </a:r>
+          </a:p>
+        </p:txBody>
+      </p:sp>
+      <p:sp>
+        <p:nvSpPr>
+          <p:cNvPr id="3" name="Text Placeholder 2">
+            <a:extLst>
+              <a:ext uri="{FF2B5EF4-FFF2-40B4-BE49-F238E27FC236}">
+                <a16:creationId xmlns:a16="http://schemas.microsoft.com/office/drawing/2014/main" id="{DFAB32D2-0B50-4101-875F-A81D7538524C}"/>
+              </a:ext>
+            </a:extLst>
+          </p:cNvPr>
+          <p:cNvSpPr>
+            <a:spLocks noGrp="1"/>
+          </p:cNvSpPr>
+          <p:nvPr>
+            <p:ph type="body" idx="1"/>
+          </p:nvPr>
+        </p:nvSpPr>
+        <p:spPr>
+          <a:xfrm>
+            <a:off x="839788" y="1734325"/>
+            <a:ext cx="3200400" cy="823912"/>
+          </a:xfrm>
+        </p:spPr>
+        <p:txBody>
+          <a:bodyPr/>
+          <a:lstStyle/>
+          <a:p>
+            <a:r>
+              <a:rPr lang="en-US" dirty="0"/>
+              <a:t>Summary	</a:t>
+            </a:r>
+          </a:p>
+        </p:txBody>
+      </p:sp>
+      <p:sp>
+        <p:nvSpPr>
+          <p:cNvPr id="4" name="Content Placeholder 3">
+            <a:extLst>
+              <a:ext uri="{FF2B5EF4-FFF2-40B4-BE49-F238E27FC236}">
+                <a16:creationId xmlns:a16="http://schemas.microsoft.com/office/drawing/2014/main" id="{EA1C3B4B-27E0-48C6-BD24-1444DD46ED0A}"/>
+              </a:ext>
+            </a:extLst>
+          </p:cNvPr>
+          <p:cNvSpPr>
+            <a:spLocks noGrp="1"/>
+          </p:cNvSpPr>
+          <p:nvPr>
+            <p:ph sz="half" idx="2"/>
+          </p:nvPr>
+        </p:nvSpPr>
+        <p:spPr>
+          <a:xfrm>
+            <a:off x="839788" y="2558237"/>
+            <a:ext cx="3200400" cy="3684588"/>
+          </a:xfrm>
+        </p:spPr>
+        <p:txBody>
+          <a:bodyPr>
+            <a:normAutofit/>
+          </a:bodyPr>
+          <a:lstStyle/>
+          <a:p>
+            <a:pPr lvl="0"/>
+            <a:r>
+              <a:rPr lang="en-US" dirty="0"/>
+              <a:t>Add text, images, art, and videos. </a:t>
+            </a:r>
+          </a:p>
+          <a:p>
+            <a:pPr lvl="0"/>
+            <a:r>
+              <a:rPr lang="en-US" dirty="0"/>
+              <a:t>Add transitions, animations, and motion. </a:t>
+            </a:r>
+          </a:p>
+          <a:p>
+            <a:pPr lvl="0"/>
+            <a:r>
+              <a:rPr lang="en-US" dirty="0"/>
+              <a:t>Save to OneDrive, to get to your presentations from your computer, tablet, or phone.</a:t>
+            </a:r>
+          </a:p>
+        </p:txBody>
+      </p:sp>
+      <p:sp>
+        <p:nvSpPr>
+          <p:cNvPr id="5" name="Text Placeholder 4">
+            <a:extLst>
+              <a:ext uri="{FF2B5EF4-FFF2-40B4-BE49-F238E27FC236}">
+                <a16:creationId xmlns:a16="http://schemas.microsoft.com/office/drawing/2014/main" id="{ECAC1A88-D97A-4F1E-9C4A-665733C70659}"/>
+              </a:ext>
+            </a:extLst>
+          </p:cNvPr>
+          <p:cNvSpPr>
+            <a:spLocks noGrp="1"/>
+          </p:cNvSpPr>
+          <p:nvPr>
+            <p:ph type="body" sz="quarter" idx="3"/>
+          </p:nvPr>
+        </p:nvSpPr>
+        <p:spPr>
+          <a:xfrm>
+            <a:off x="4495800" y="1734325"/>
+            <a:ext cx="3200400" cy="823912"/>
+          </a:xfrm>
+        </p:spPr>
+        <p:txBody>
+          <a:bodyPr/>
+          <a:lstStyle/>
+          <a:p>
+            <a:r>
+              <a:rPr lang="en-US" dirty="0"/>
+              <a:t>summary</a:t>
+            </a:r>
+          </a:p>
+        </p:txBody>
+      </p:sp>
+      <p:sp>
+        <p:nvSpPr>
+          <p:cNvPr id="6" name="Content Placeholder 5">
+            <a:extLst>
+              <a:ext uri="{FF2B5EF4-FFF2-40B4-BE49-F238E27FC236}">
+                <a16:creationId xmlns:a16="http://schemas.microsoft.com/office/drawing/2014/main" id="{DFB55301-A78F-4ECA-BBC5-6ADBA8452BD6}"/>
+              </a:ext>
+            </a:extLst>
+          </p:cNvPr>
+          <p:cNvSpPr>
+            <a:spLocks noGrp="1"/>
+          </p:cNvSpPr>
+          <p:nvPr>
+            <p:ph sz="quarter" idx="4"/>
+          </p:nvPr>
+        </p:nvSpPr>
+        <p:spPr>
+          <a:xfrm>
+            <a:off x="4495800" y="2558237"/>
+            <a:ext cx="3200400" cy="3684588"/>
+          </a:xfrm>
+        </p:spPr>
+        <p:txBody>
+          <a:bodyPr>
+            <a:normAutofit/>
+          </a:bodyPr>
+          <a:lstStyle/>
+          <a:p>
+            <a:r>
+              <a:rPr lang="en-US" dirty="0"/>
+              <a:t>Open the Design Ideas pane for instant slide makeovers. </a:t>
+            </a:r>
+          </a:p>
+          <a:p>
+            <a:r>
+              <a:rPr lang="en-US" dirty="0"/>
+              <a:t>When we have design ideas, we’ll show them to you right there.</a:t>
+            </a:r>
+          </a:p>
+        </p:txBody>
+      </p:sp>
+      <p:sp>
+        <p:nvSpPr>
+          <p:cNvPr id="7" name="Text Placeholder 6">
+            <a:extLst>
+              <a:ext uri="{FF2B5EF4-FFF2-40B4-BE49-F238E27FC236}">
+                <a16:creationId xmlns:a16="http://schemas.microsoft.com/office/drawing/2014/main" id="{35BB4409-7785-40D0-9762-248A959B6DE2}"/>
+              </a:ext>
+            </a:extLst>
+          </p:cNvPr>
+          <p:cNvSpPr>
+            <a:spLocks noGrp="1"/>
+          </p:cNvSpPr>
+          <p:nvPr>
+            <p:ph type="body" sz="quarter" idx="13"/>
+          </p:nvPr>
+        </p:nvSpPr>
+        <p:spPr>
+          <a:xfrm>
+            <a:off x="8151812" y="1734325"/>
+            <a:ext cx="3200400" cy="823912"/>
+          </a:xfrm>
+        </p:spPr>
+        <p:txBody>
+          <a:bodyPr/>
+          <a:lstStyle/>
+          <a:p>
+            <a:r>
+              <a:rPr lang="en-US" dirty="0"/>
+              <a:t>summary</a:t>
+            </a:r>
+          </a:p>
+        </p:txBody>
+      </p:sp>
+      <p:sp>
+        <p:nvSpPr>
+          <p:cNvPr id="8" name="Content Placeholder 7">
+            <a:extLst>
+              <a:ext uri="{FF2B5EF4-FFF2-40B4-BE49-F238E27FC236}">
+                <a16:creationId xmlns:a16="http://schemas.microsoft.com/office/drawing/2014/main" id="{978066DD-B3C1-4D98-8770-51E4077B46C0}"/>
+              </a:ext>
+            </a:extLst>
+          </p:cNvPr>
+          <p:cNvSpPr>
+            <a:spLocks noGrp="1"/>
+          </p:cNvSpPr>
+          <p:nvPr>
+            <p:ph sz="quarter" idx="14"/>
+          </p:nvPr>
+        </p:nvSpPr>
+        <p:spPr>
+          <a:xfrm>
+            <a:off x="8151812" y="2558237"/>
+            <a:ext cx="3200400" cy="3684588"/>
+          </a:xfrm>
+        </p:spPr>
+        <p:txBody>
+          <a:bodyPr>
+            <a:normAutofit/>
+          </a:bodyPr>
+          <a:lstStyle/>
+          <a:p>
+            <a:r>
+              <a:rPr lang="en-US" dirty="0"/>
+              <a:t>This PowerPoint theme uses its own unique set of colors, fonts, and effects to create the overall look and feel of these slides. </a:t>
+            </a:r>
+          </a:p>
+          <a:p>
+            <a:r>
+              <a:rPr lang="en-US"/>
+              <a:t>PowerPoint has tons of themes to give your presentation just the right personality. </a:t>
+            </a:r>
+            <a:endParaRPr lang="en-US" dirty="0"/>
+          </a:p>
+        </p:txBody>
+      </p:sp>
+      <p:sp>
+        <p:nvSpPr>
+          <p:cNvPr id="12" name="Footer Placeholder 11">
+            <a:extLst>
+              <a:ext uri="{FF2B5EF4-FFF2-40B4-BE49-F238E27FC236}">
+                <a16:creationId xmlns:a16="http://schemas.microsoft.com/office/drawing/2014/main" id="{64A4EE82-5E82-4F50-9452-91AD29BC019C}"/>
+              </a:ext>
+            </a:extLst>
+          </p:cNvPr>
+          <p:cNvSpPr>
+            <a:spLocks noGrp="1"/>
+          </p:cNvSpPr>
+          <p:nvPr>
+            <p:ph type="ftr" sz="quarter" idx="11"/>
+          </p:nvPr>
+        </p:nvSpPr>
+        <p:spPr>
+          <a:xfrm>
+            <a:off x="154429" y="6398878"/>
+            <a:ext cx="4497315" cy="365125"/>
+          </a:xfrm>
+        </p:spPr>
+        <p:txBody>
+          <a:bodyPr/>
+          <a:lstStyle/>
+          <a:p>
+            <a:r>
+              <a:rPr lang="en-US" dirty="0"/>
+              <a:t>Sample Footer Text</a:t>
+            </a:r>
+          </a:p>
+        </p:txBody>
+      </p:sp>
+      <p:sp>
+        <p:nvSpPr>
+          <p:cNvPr id="11" name="Date Placeholder 10">
+            <a:extLst>
+              <a:ext uri="{FF2B5EF4-FFF2-40B4-BE49-F238E27FC236}">
+                <a16:creationId xmlns:a16="http://schemas.microsoft.com/office/drawing/2014/main" id="{196AD7FA-BD30-47CA-B1E9-5A3261C7892A}"/>
+              </a:ext>
+            </a:extLst>
+          </p:cNvPr>
+          <p:cNvSpPr>
+            <a:spLocks noGrp="1"/>
+          </p:cNvSpPr>
+          <p:nvPr>
+            <p:ph type="dt" sz="half" idx="10"/>
+          </p:nvPr>
+        </p:nvSpPr>
+        <p:spPr>
+          <a:xfrm>
+            <a:off x="7337102" y="6398878"/>
+            <a:ext cx="4193908" cy="365125"/>
+          </a:xfrm>
+        </p:spPr>
+        <p:txBody>
+          <a:bodyPr/>
+          <a:lstStyle/>
+          <a:p>
+            <a:r>
+              <a:rPr lang="en-US" dirty="0"/>
+              <a:t>2/7/20XX</a:t>
+            </a:r>
+          </a:p>
+        </p:txBody>
+      </p:sp>
+      <p:sp>
+        <p:nvSpPr>
+          <p:cNvPr id="13" name="Slide Number Placeholder 12">
+            <a:extLst>
+              <a:ext uri="{FF2B5EF4-FFF2-40B4-BE49-F238E27FC236}">
+                <a16:creationId xmlns:a16="http://schemas.microsoft.com/office/drawing/2014/main" id="{BF6287AF-451B-4FEA-A984-C734DD46F5F2}"/>
+              </a:ext>
+            </a:extLst>
+          </p:cNvPr>
+          <p:cNvSpPr>
+            <a:spLocks noGrp="1"/>
+          </p:cNvSpPr>
+          <p:nvPr>
+            <p:ph type="sldNum" sz="quarter" idx="12"/>
+          </p:nvPr>
+        </p:nvSpPr>
+        <p:spPr>
+          <a:xfrm>
+            <a:off x="11602477" y="6398878"/>
+            <a:ext cx="470887" cy="365125"/>
+          </a:xfrm>
+        </p:spPr>
+        <p:txBody>
+          <a:bodyPr/>
+          <a:lstStyle/>
+          <a:p>
+            <a:fld id="{312CC964-A50B-4C29-B4E4-2C30BB34CCF3}" type="slidenum">
+              <a:rPr lang="en-US" smtClean="0"/>
+              <a:pPr/>
+              <a:t>20</a:t>
+            </a:fld>
+            <a:endParaRPr lang="en-US" dirty="0"/>
+          </a:p>
+        </p:txBody>
+      </p:sp>
+    </p:spTree>
+    <p:extLst>
+      <p:ext uri="{BB962C8B-B14F-4D97-AF65-F5344CB8AC3E}">
+        <p14:creationId xmlns:p14="http://schemas.microsoft.com/office/powerpoint/2010/main" val="4081779217"/>
+      </p:ext>
+    </p:extLst>
+  </p:cSld>
+  <p:clrMapOvr>
+    <a:masterClrMapping/>
+  </p:clrMapOvr>
+</p:sld>
+</file>
+
+<file path=ppt/slides/slide21.xml><?xml version="1.0" encoding="utf-8"?>
+<p:sld xmlns:a="http://schemas.openxmlformats.org/drawingml/2006/main" xmlns:r="http://schemas.openxmlformats.org/officeDocument/2006/relationships" xmlns:p="http://schemas.openxmlformats.org/presentationml/2006/main">
+  <p:cSld>
+    <p:spTree>
+      <p:nvGrpSpPr>
+        <p:cNvPr id="1" name=""/>
+        <p:cNvGrpSpPr/>
+        <p:nvPr/>
+      </p:nvGrpSpPr>
+      <p:grpSpPr>
+        <a:xfrm>
+          <a:off x="0" y="0"/>
+          <a:ext cx="0" cy="0"/>
+          <a:chOff x="0" y="0"/>
+          <a:chExt cx="0" cy="0"/>
+        </a:xfrm>
+      </p:grpSpPr>
+      <p:sp>
+        <p:nvSpPr>
+          <p:cNvPr id="2" name="Title 1">
+            <a:extLst>
+              <a:ext uri="{FF2B5EF4-FFF2-40B4-BE49-F238E27FC236}">
+                <a16:creationId xmlns:a16="http://schemas.microsoft.com/office/drawing/2014/main" id="{38DE2E09-3A82-4E32-88E3-59E694EFE546}"/>
+              </a:ext>
+            </a:extLst>
+          </p:cNvPr>
+          <p:cNvSpPr>
+            <a:spLocks noGrp="1"/>
+          </p:cNvSpPr>
+          <p:nvPr>
+            <p:ph type="title"/>
+          </p:nvPr>
+        </p:nvSpPr>
+        <p:spPr>
+          <a:xfrm>
+            <a:off x="1143001" y="533400"/>
+            <a:ext cx="5496636" cy="1685898"/>
+          </a:xfrm>
+        </p:spPr>
+        <p:txBody>
+          <a:bodyPr/>
+          <a:lstStyle/>
+          <a:p>
+            <a:r>
+              <a:rPr lang="en-US" dirty="0"/>
+              <a:t>Summary</a:t>
+            </a:r>
+          </a:p>
+        </p:txBody>
+      </p:sp>
+      <p:sp>
+        <p:nvSpPr>
+          <p:cNvPr id="3" name="Content Placeholder 2">
+            <a:extLst>
+              <a:ext uri="{FF2B5EF4-FFF2-40B4-BE49-F238E27FC236}">
+                <a16:creationId xmlns:a16="http://schemas.microsoft.com/office/drawing/2014/main" id="{9925E272-AF60-4462-95A9-115739F781AE}"/>
+              </a:ext>
+            </a:extLst>
+          </p:cNvPr>
+          <p:cNvSpPr>
+            <a:spLocks noGrp="1"/>
+          </p:cNvSpPr>
+          <p:nvPr>
+            <p:ph idx="1"/>
+          </p:nvPr>
+        </p:nvSpPr>
+        <p:spPr>
+          <a:xfrm>
+            <a:off x="1143001" y="2229347"/>
+            <a:ext cx="5496636" cy="3821743"/>
+          </a:xfrm>
+        </p:spPr>
+        <p:txBody>
+          <a:bodyPr/>
+          <a:lstStyle/>
+          <a:p>
+            <a:r>
+              <a:rPr lang="en-US" dirty="0"/>
+              <a:t>With PowerPoint, you can create presentations and share your work with others, wherever they are. Type the text you want here to get started. You can also add images, art, and videos on this template. Save to OneDrive and access your presentations from your computer, tablet, or phone. </a:t>
+            </a:r>
+          </a:p>
+        </p:txBody>
+      </p:sp>
+      <p:sp>
+        <p:nvSpPr>
+          <p:cNvPr id="17" name="Footer Placeholder 16">
+            <a:extLst>
+              <a:ext uri="{FF2B5EF4-FFF2-40B4-BE49-F238E27FC236}">
+                <a16:creationId xmlns:a16="http://schemas.microsoft.com/office/drawing/2014/main" id="{A372FF69-5317-4BE5-B218-0E85D7FE0FB1}"/>
+              </a:ext>
+            </a:extLst>
+          </p:cNvPr>
+          <p:cNvSpPr>
+            <a:spLocks noGrp="1"/>
+          </p:cNvSpPr>
+          <p:nvPr>
+            <p:ph type="ftr" sz="quarter" idx="11"/>
+          </p:nvPr>
+        </p:nvSpPr>
+        <p:spPr>
+          <a:xfrm>
+            <a:off x="154429" y="6398878"/>
+            <a:ext cx="4497315" cy="365125"/>
+          </a:xfrm>
+        </p:spPr>
+        <p:txBody>
+          <a:bodyPr/>
+          <a:lstStyle/>
+          <a:p>
+            <a:r>
+              <a:rPr lang="en-US" dirty="0"/>
+              <a:t>Sample Footer Text</a:t>
+            </a:r>
+          </a:p>
+        </p:txBody>
+      </p:sp>
+      <p:pic>
+        <p:nvPicPr>
+          <p:cNvPr id="68" name="Picture Placeholder 67" descr="View of city buildings over the water">
+            <a:extLst>
+              <a:ext uri="{FF2B5EF4-FFF2-40B4-BE49-F238E27FC236}">
+                <a16:creationId xmlns:a16="http://schemas.microsoft.com/office/drawing/2014/main" id="{C700B77F-91C5-4642-9ABF-EA81F3CF6916}"/>
+              </a:ext>
+            </a:extLst>
+          </p:cNvPr>
+          <p:cNvPicPr>
+            <a:picLocks noGrp="1" noChangeAspect="1"/>
+          </p:cNvPicPr>
+          <p:nvPr>
+            <p:ph type="pic" sz="quarter" idx="14"/>
+          </p:nvPr>
+        </p:nvPicPr>
+        <p:blipFill rotWithShape="1">
+          <a:blip r:embed="rId2">
+            <a:extLst>
+              <a:ext uri="{28A0092B-C50C-407E-A947-70E740481C1C}">
+                <a14:useLocalDpi xmlns:a14="http://schemas.microsoft.com/office/drawing/2010/main"/>
+              </a:ext>
+            </a:extLst>
+          </a:blip>
+          <a:srcRect/>
+          <a:stretch/>
+        </p:blipFill>
+        <p:spPr>
+          <a:xfrm>
+            <a:off x="7186070" y="0"/>
+            <a:ext cx="2463897" cy="3429000"/>
+          </a:xfrm>
+        </p:spPr>
+      </p:pic>
+      <p:pic>
+        <p:nvPicPr>
+          <p:cNvPr id="72" name="Picture Placeholder 71" descr="A picture containing blue glass buildings with reflection">
+            <a:extLst>
+              <a:ext uri="{FF2B5EF4-FFF2-40B4-BE49-F238E27FC236}">
+                <a16:creationId xmlns:a16="http://schemas.microsoft.com/office/drawing/2014/main" id="{781FD203-6B96-4232-92C2-850AD4DA0F7D}"/>
+              </a:ext>
+            </a:extLst>
+          </p:cNvPr>
+          <p:cNvPicPr>
+            <a:picLocks noGrp="1" noChangeAspect="1"/>
+          </p:cNvPicPr>
+          <p:nvPr>
+            <p:ph type="pic" sz="quarter" idx="13"/>
+          </p:nvPr>
+        </p:nvPicPr>
+        <p:blipFill rotWithShape="1">
+          <a:blip r:embed="rId3">
+            <a:extLst>
+              <a:ext uri="{28A0092B-C50C-407E-A947-70E740481C1C}">
+                <a14:useLocalDpi xmlns:a14="http://schemas.microsoft.com/office/drawing/2010/main"/>
+              </a:ext>
+            </a:extLst>
+          </a:blip>
+          <a:srcRect/>
+          <a:stretch/>
+        </p:blipFill>
+        <p:spPr>
+          <a:xfrm>
+            <a:off x="9649155" y="0"/>
+            <a:ext cx="2539797" cy="3429000"/>
+          </a:xfrm>
+        </p:spPr>
+      </p:pic>
+      <p:pic>
+        <p:nvPicPr>
+          <p:cNvPr id="74" name="Picture Placeholder 73" descr="Aerial view of city buildings at sunset">
+            <a:extLst>
+              <a:ext uri="{FF2B5EF4-FFF2-40B4-BE49-F238E27FC236}">
+                <a16:creationId xmlns:a16="http://schemas.microsoft.com/office/drawing/2014/main" id="{A84AF2F7-9744-4960-8C3C-77190198196B}"/>
+              </a:ext>
+            </a:extLst>
+          </p:cNvPr>
+          <p:cNvPicPr>
+            <a:picLocks noGrp="1" noChangeAspect="1"/>
+          </p:cNvPicPr>
+          <p:nvPr>
+            <p:ph type="pic" sz="quarter" idx="16"/>
+          </p:nvPr>
+        </p:nvPicPr>
+        <p:blipFill rotWithShape="1">
+          <a:blip r:embed="rId4">
+            <a:extLst>
+              <a:ext uri="{28A0092B-C50C-407E-A947-70E740481C1C}">
+                <a14:useLocalDpi xmlns:a14="http://schemas.microsoft.com/office/drawing/2010/main"/>
+              </a:ext>
+            </a:extLst>
+          </a:blip>
+          <a:srcRect/>
+          <a:stretch/>
+        </p:blipFill>
+        <p:spPr>
+          <a:xfrm>
+            <a:off x="7186070" y="3383280"/>
+            <a:ext cx="2463897" cy="3474720"/>
+          </a:xfrm>
+        </p:spPr>
+      </p:pic>
+      <p:pic>
+        <p:nvPicPr>
+          <p:cNvPr id="78" name="Picture Placeholder 77" descr="View of city buildings over the water from a track">
+            <a:extLst>
+              <a:ext uri="{FF2B5EF4-FFF2-40B4-BE49-F238E27FC236}">
+                <a16:creationId xmlns:a16="http://schemas.microsoft.com/office/drawing/2014/main" id="{D76BFBCE-A55E-4F19-9A0A-78307FDBE964}"/>
+              </a:ext>
+            </a:extLst>
+          </p:cNvPr>
+          <p:cNvPicPr>
+            <a:picLocks noGrp="1" noChangeAspect="1"/>
+          </p:cNvPicPr>
+          <p:nvPr>
+            <p:ph type="pic" sz="quarter" idx="15"/>
+          </p:nvPr>
+        </p:nvPicPr>
+        <p:blipFill rotWithShape="1">
+          <a:blip r:embed="rId5">
+            <a:extLst>
+              <a:ext uri="{28A0092B-C50C-407E-A947-70E740481C1C}">
+                <a14:useLocalDpi xmlns:a14="http://schemas.microsoft.com/office/drawing/2010/main"/>
+              </a:ext>
+            </a:extLst>
+          </a:blip>
+          <a:srcRect/>
+          <a:stretch/>
+        </p:blipFill>
+        <p:spPr>
+          <a:xfrm>
+            <a:off x="9649155" y="3383280"/>
+            <a:ext cx="2539797" cy="3474720"/>
+          </a:xfrm>
+        </p:spPr>
+      </p:pic>
+      <p:sp>
+        <p:nvSpPr>
+          <p:cNvPr id="16" name="Date Placeholder 15">
+            <a:extLst>
+              <a:ext uri="{FF2B5EF4-FFF2-40B4-BE49-F238E27FC236}">
+                <a16:creationId xmlns:a16="http://schemas.microsoft.com/office/drawing/2014/main" id="{4A857185-E16C-40A5-8032-8049177473D1}"/>
+              </a:ext>
+            </a:extLst>
+          </p:cNvPr>
+          <p:cNvSpPr>
+            <a:spLocks noGrp="1"/>
+          </p:cNvSpPr>
+          <p:nvPr>
+            <p:ph type="dt" sz="half" idx="10"/>
+          </p:nvPr>
+        </p:nvSpPr>
+        <p:spPr>
+          <a:xfrm>
+            <a:off x="7337102" y="6398878"/>
+            <a:ext cx="4193908" cy="365125"/>
+          </a:xfrm>
+        </p:spPr>
+        <p:txBody>
+          <a:bodyPr/>
+          <a:lstStyle/>
+          <a:p>
+            <a:r>
+              <a:rPr lang="en-US" dirty="0"/>
+              <a:t>2/7/20XX</a:t>
+            </a:r>
+          </a:p>
+        </p:txBody>
+      </p:sp>
+      <p:sp>
+        <p:nvSpPr>
+          <p:cNvPr id="18" name="Slide Number Placeholder 17">
+            <a:extLst>
+              <a:ext uri="{FF2B5EF4-FFF2-40B4-BE49-F238E27FC236}">
+                <a16:creationId xmlns:a16="http://schemas.microsoft.com/office/drawing/2014/main" id="{70961BC8-7B79-40B2-B578-4EB512140BBB}"/>
+              </a:ext>
+            </a:extLst>
+          </p:cNvPr>
+          <p:cNvSpPr>
+            <a:spLocks noGrp="1"/>
+          </p:cNvSpPr>
+          <p:nvPr>
+            <p:ph type="sldNum" sz="quarter" idx="12"/>
+          </p:nvPr>
+        </p:nvSpPr>
+        <p:spPr>
+          <a:xfrm>
+            <a:off x="11602477" y="6398878"/>
+            <a:ext cx="470887" cy="365125"/>
+          </a:xfrm>
+        </p:spPr>
+        <p:txBody>
+          <a:bodyPr/>
+          <a:lstStyle/>
+          <a:p>
+            <a:fld id="{312CC964-A50B-4C29-B4E4-2C30BB34CCF3}" type="slidenum">
+              <a:rPr lang="en-US" smtClean="0"/>
+              <a:pPr/>
+              <a:t>21</a:t>
+            </a:fld>
+            <a:endParaRPr lang="en-US" dirty="0"/>
+          </a:p>
+        </p:txBody>
+      </p:sp>
+    </p:spTree>
+    <p:extLst>
+      <p:ext uri="{BB962C8B-B14F-4D97-AF65-F5344CB8AC3E}">
+        <p14:creationId xmlns:p14="http://schemas.microsoft.com/office/powerpoint/2010/main" val="3495264433"/>
+      </p:ext>
+    </p:extLst>
+  </p:cSld>
+  <p:clrMapOvr>
+    <a:masterClrMapping/>
+  </p:clrMapOvr>
+</p:sld>
+</file>
+
+<file path=ppt/slides/slide22.xml><?xml version="1.0" encoding="utf-8"?>
+<p:sld xmlns:a="http://schemas.openxmlformats.org/drawingml/2006/main" xmlns:r="http://schemas.openxmlformats.org/officeDocument/2006/relationships" xmlns:p="http://schemas.openxmlformats.org/presentationml/2006/main">
+  <p:cSld>
+    <p:spTree>
+      <p:nvGrpSpPr>
+        <p:cNvPr id="1" name=""/>
+        <p:cNvGrpSpPr/>
+        <p:nvPr/>
+      </p:nvGrpSpPr>
+      <p:grpSpPr>
+        <a:xfrm>
+          <a:off x="0" y="0"/>
+          <a:ext cx="0" cy="0"/>
+          <a:chOff x="0" y="0"/>
+          <a:chExt cx="0" cy="0"/>
+        </a:xfrm>
+      </p:grpSpPr>
+      <p:sp>
+        <p:nvSpPr>
+          <p:cNvPr id="2" name="Title 1">
+            <a:extLst>
+              <a:ext uri="{FF2B5EF4-FFF2-40B4-BE49-F238E27FC236}">
+                <a16:creationId xmlns:a16="http://schemas.microsoft.com/office/drawing/2014/main" id="{17632718-615D-445E-861C-ADF040C4B2A4}"/>
+              </a:ext>
+            </a:extLst>
+          </p:cNvPr>
+          <p:cNvSpPr>
+            <a:spLocks noGrp="1"/>
+          </p:cNvSpPr>
+          <p:nvPr>
+            <p:ph type="title"/>
+          </p:nvPr>
+        </p:nvSpPr>
+        <p:spPr>
+          <a:xfrm>
+            <a:off x="5146159" y="685800"/>
+            <a:ext cx="6238688" cy="1382233"/>
+          </a:xfrm>
+        </p:spPr>
+        <p:txBody>
+          <a:bodyPr/>
+          <a:lstStyle/>
+          <a:p>
+            <a:r>
+              <a:rPr lang="en-US" dirty="0"/>
+              <a:t>Thank you</a:t>
+            </a:r>
+          </a:p>
+        </p:txBody>
+      </p:sp>
+      <p:pic>
+        <p:nvPicPr>
+          <p:cNvPr id="6" name="Picture Placeholder 5" descr="A view of a bridge from below">
+            <a:extLst>
+              <a:ext uri="{FF2B5EF4-FFF2-40B4-BE49-F238E27FC236}">
+                <a16:creationId xmlns:a16="http://schemas.microsoft.com/office/drawing/2014/main" id="{610B39E1-AAA7-4199-8B7C-D12DD364E6D7}"/>
+              </a:ext>
+            </a:extLst>
+          </p:cNvPr>
+          <p:cNvPicPr>
+            <a:picLocks noGrp="1" noChangeAspect="1"/>
+          </p:cNvPicPr>
+          <p:nvPr>
+            <p:ph type="pic" sz="quarter" idx="13"/>
+          </p:nvPr>
+        </p:nvPicPr>
+        <p:blipFill rotWithShape="1">
+          <a:blip r:embed="rId2" cstate="screen">
+            <a:extLst>
+              <a:ext uri="{28A0092B-C50C-407E-A947-70E740481C1C}">
+                <a14:useLocalDpi xmlns:a14="http://schemas.microsoft.com/office/drawing/2010/main"/>
+              </a:ext>
+            </a:extLst>
+          </a:blip>
+          <a:srcRect/>
+          <a:stretch/>
+        </p:blipFill>
+        <p:spPr>
+          <a:xfrm>
+            <a:off x="0" y="-7444"/>
+            <a:ext cx="4966447" cy="6846394"/>
+          </a:xfrm>
+        </p:spPr>
+      </p:pic>
+      <p:sp>
+        <p:nvSpPr>
+          <p:cNvPr id="35" name="Footer Placeholder 2">
+            <a:extLst>
+              <a:ext uri="{FF2B5EF4-FFF2-40B4-BE49-F238E27FC236}">
+                <a16:creationId xmlns:a16="http://schemas.microsoft.com/office/drawing/2014/main" id="{B7DBC9F7-37C7-4A2D-ACBC-EBDA35886D84}"/>
+              </a:ext>
+            </a:extLst>
+          </p:cNvPr>
+          <p:cNvSpPr>
+            <a:spLocks noGrp="1"/>
+          </p:cNvSpPr>
+          <p:nvPr>
+            <p:ph type="ftr" sz="quarter" idx="11"/>
+          </p:nvPr>
+        </p:nvSpPr>
+        <p:spPr>
+          <a:xfrm>
+            <a:off x="154429" y="6398878"/>
+            <a:ext cx="4497315" cy="365125"/>
+          </a:xfrm>
+        </p:spPr>
+        <p:txBody>
+          <a:bodyPr/>
+          <a:lstStyle>
+            <a:lvl1pPr>
+              <a:defRPr>
+                <a:solidFill>
+                  <a:schemeClr val="bg1"/>
+                </a:solidFill>
+              </a:defRPr>
+            </a:lvl1pPr>
+          </a:lstStyle>
+          <a:p>
+            <a:r>
+              <a:rPr lang="en-US" dirty="0"/>
+              <a:t>Sample Footer Text</a:t>
+            </a:r>
+          </a:p>
+        </p:txBody>
+      </p:sp>
+      <p:sp>
+        <p:nvSpPr>
+          <p:cNvPr id="3" name="Content Placeholder 2">
+            <a:extLst>
+              <a:ext uri="{FF2B5EF4-FFF2-40B4-BE49-F238E27FC236}">
+                <a16:creationId xmlns:a16="http://schemas.microsoft.com/office/drawing/2014/main" id="{7137E6E0-B242-46D9-ABE6-B318CABC4509}"/>
+              </a:ext>
+            </a:extLst>
+          </p:cNvPr>
+          <p:cNvSpPr>
+            <a:spLocks noGrp="1"/>
+          </p:cNvSpPr>
+          <p:nvPr>
+            <p:ph idx="1"/>
+          </p:nvPr>
+        </p:nvSpPr>
+        <p:spPr>
+          <a:xfrm>
+            <a:off x="5146158" y="2301949"/>
+            <a:ext cx="6238687" cy="4022650"/>
+          </a:xfrm>
+        </p:spPr>
+        <p:txBody>
+          <a:bodyPr/>
+          <a:lstStyle/>
+          <a:p>
+            <a:r>
+              <a:rPr lang="en-US" dirty="0"/>
+              <a:t>Presenter Name</a:t>
+            </a:r>
+          </a:p>
+          <a:p>
+            <a:r>
+              <a:rPr lang="en-US" dirty="0"/>
+              <a:t>Email Address</a:t>
+            </a:r>
+          </a:p>
+          <a:p>
+            <a:r>
+              <a:rPr lang="en-US" dirty="0"/>
+              <a:t>Website Address</a:t>
+            </a:r>
+          </a:p>
+        </p:txBody>
+      </p:sp>
+      <p:sp>
+        <p:nvSpPr>
+          <p:cNvPr id="7" name="Date Placeholder 6">
+            <a:extLst>
+              <a:ext uri="{FF2B5EF4-FFF2-40B4-BE49-F238E27FC236}">
+                <a16:creationId xmlns:a16="http://schemas.microsoft.com/office/drawing/2014/main" id="{FF14FC5E-CD12-447F-80A6-B27D30095D2C}"/>
+              </a:ext>
+            </a:extLst>
+          </p:cNvPr>
+          <p:cNvSpPr>
+            <a:spLocks noGrp="1"/>
+          </p:cNvSpPr>
+          <p:nvPr>
+            <p:ph type="dt" sz="half" idx="10"/>
+          </p:nvPr>
+        </p:nvSpPr>
+        <p:spPr>
+          <a:xfrm>
+            <a:off x="7337102" y="6398878"/>
+            <a:ext cx="4193908" cy="365125"/>
+          </a:xfrm>
+        </p:spPr>
+        <p:txBody>
+          <a:bodyPr/>
+          <a:lstStyle/>
+          <a:p>
+            <a:r>
+              <a:rPr lang="en-US" dirty="0"/>
+              <a:t>2/7/20XX</a:t>
+            </a:r>
+          </a:p>
+        </p:txBody>
+      </p:sp>
+      <p:sp>
+        <p:nvSpPr>
+          <p:cNvPr id="9" name="Slide Number Placeholder 8">
+            <a:extLst>
+              <a:ext uri="{FF2B5EF4-FFF2-40B4-BE49-F238E27FC236}">
+                <a16:creationId xmlns:a16="http://schemas.microsoft.com/office/drawing/2014/main" id="{219C547C-C2F1-493E-9B64-E089F9DBC6A3}"/>
+              </a:ext>
+            </a:extLst>
+          </p:cNvPr>
+          <p:cNvSpPr>
+            <a:spLocks noGrp="1"/>
+          </p:cNvSpPr>
+          <p:nvPr>
+            <p:ph type="sldNum" sz="quarter" idx="12"/>
+          </p:nvPr>
+        </p:nvSpPr>
+        <p:spPr>
+          <a:xfrm>
+            <a:off x="11602477" y="6398878"/>
+            <a:ext cx="470887" cy="365125"/>
+          </a:xfrm>
+        </p:spPr>
+        <p:txBody>
+          <a:bodyPr/>
+          <a:lstStyle/>
+          <a:p>
+            <a:fld id="{312CC964-A50B-4C29-B4E4-2C30BB34CCF3}" type="slidenum">
+              <a:rPr lang="en-US" smtClean="0"/>
+              <a:pPr/>
+              <a:t>22</a:t>
+            </a:fld>
+            <a:endParaRPr lang="en-US" dirty="0"/>
+          </a:p>
+        </p:txBody>
+      </p:sp>
+    </p:spTree>
+    <p:extLst>
+      <p:ext uri="{BB962C8B-B14F-4D97-AF65-F5344CB8AC3E}">
+        <p14:creationId xmlns:p14="http://schemas.microsoft.com/office/powerpoint/2010/main" val="3043070934"/>
       </p:ext>
     </p:extLst>
   </p:cSld>
@@ -19772,8 +20642,8 @@
         </p:nvSpPr>
         <p:spPr>
           <a:xfrm>
-            <a:off x="5693734" y="557304"/>
-            <a:ext cx="5355265" cy="1625731"/>
+            <a:off x="5693734" y="247575"/>
+            <a:ext cx="5355265" cy="927742"/>
           </a:xfrm>
         </p:spPr>
         <p:txBody>
@@ -19873,13 +20743,13 @@
         </p:nvSpPr>
         <p:spPr>
           <a:xfrm>
-            <a:off x="5693734" y="2183035"/>
-            <a:ext cx="5355266" cy="4121845"/>
+            <a:off x="5693733" y="1817193"/>
+            <a:ext cx="5355266" cy="4397128"/>
           </a:xfrm>
         </p:spPr>
         <p:txBody>
           <a:bodyPr>
-            <a:normAutofit fontScale="55000" lnSpcReduction="20000"/>
+            <a:normAutofit fontScale="85000" lnSpcReduction="20000"/>
           </a:bodyPr>
           <a:lstStyle/>
           <a:p>
@@ -19892,7 +20762,29 @@
                 <a:effectLst/>
                 <a:latin typeface="Tahoma" panose="020B0604030504040204" pitchFamily="34" charset="0"/>
               </a:rPr>
-              <a:t>This year has seen Canberra’s property market take a tumble from the pandemic price peak; however, dwellings still remain $320,000 more expensive on average than before the global pandemic hit in 2020.</a:t>
+              <a:t>For our project- 04 we went with the real estate market. After dwelling into the data set from all over Australia over the last three years we decided to put our focus on ACT.</a:t>
+            </a:r>
+          </a:p>
+          <a:p>
+            <a:pPr algn="l"/>
+            <a:endParaRPr lang="en-US" dirty="0">
+              <a:solidFill>
+                <a:srgbClr val="444444"/>
+              </a:solidFill>
+              <a:latin typeface="Tahoma" panose="020B0604030504040204" pitchFamily="34" charset="0"/>
+            </a:endParaRPr>
+          </a:p>
+          <a:p>
+            <a:pPr algn="l"/>
+            <a:r>
+              <a:rPr lang="en-US" b="0" i="0" dirty="0">
+                <a:solidFill>
+                  <a:srgbClr val="444444"/>
+                </a:solidFill>
+                <a:effectLst/>
+                <a:latin typeface="Tahoma" panose="020B0604030504040204" pitchFamily="34" charset="0"/>
+              </a:rPr>
+              <a:t>This year has seen Canberra’s property market take a tumble from the pandemic price peak; however, dwellings remain $320,000 more expensive on average than before the global pandemic hit in 2020.</a:t>
             </a:r>
           </a:p>
           <a:p>
@@ -19921,101 +20813,23 @@
           </a:p>
           <a:p>
             <a:pPr algn="l"/>
-            <a:r>
-              <a:rPr lang="en-US" b="0" i="0" dirty="0">
-                <a:solidFill>
-                  <a:srgbClr val="444444"/>
-                </a:solidFill>
-                <a:effectLst/>
-                <a:latin typeface="Tahoma" panose="020B0604030504040204" pitchFamily="34" charset="0"/>
-              </a:rPr>
-              <a:t>Chief of Research and Economics at Domain, Dr Nicola Powell, said the overall landscape of Canberra’s property market changed as 2022 progressed and shifted away from 2021 conditions.</a:t>
-            </a:r>
+            <a:endParaRPr lang="en-US" b="0" i="0" dirty="0">
+              <a:solidFill>
+                <a:srgbClr val="444444"/>
+              </a:solidFill>
+              <a:effectLst/>
+              <a:latin typeface="Tahoma" panose="020B0604030504040204" pitchFamily="34" charset="0"/>
+            </a:endParaRPr>
           </a:p>
           <a:p>
             <a:pPr algn="l"/>
-            <a:r>
-              <a:rPr lang="en-US" b="0" i="0" dirty="0">
-                <a:solidFill>
-                  <a:srgbClr val="444444"/>
-                </a:solidFill>
-                <a:effectLst/>
-                <a:latin typeface="Tahoma" panose="020B0604030504040204" pitchFamily="34" charset="0"/>
-              </a:rPr>
-              <a:t>Last year, Canberra had the strongest upswing of property prices ever recorded in the city’s history, but as this year progressed, the dial shifted to becoming more in </a:t>
-            </a:r>
-            <a:r>
-              <a:rPr lang="en-US" b="0" i="0" dirty="0" err="1">
-                <a:solidFill>
-                  <a:srgbClr val="444444"/>
-                </a:solidFill>
-                <a:effectLst/>
-                <a:latin typeface="Tahoma" panose="020B0604030504040204" pitchFamily="34" charset="0"/>
-              </a:rPr>
-              <a:t>favour</a:t>
-            </a:r>
-            <a:r>
-              <a:rPr lang="en-US" b="0" i="0" dirty="0">
-                <a:solidFill>
-                  <a:srgbClr val="444444"/>
-                </a:solidFill>
-                <a:effectLst/>
-                <a:latin typeface="Tahoma" panose="020B0604030504040204" pitchFamily="34" charset="0"/>
-              </a:rPr>
-              <a:t> of buyers, Dr Powell said.</a:t>
-            </a:r>
-          </a:p>
-          <a:p>
-            <a:pPr algn="l"/>
-            <a:r>
-              <a:rPr lang="en-US" b="0" i="0" dirty="0">
-                <a:solidFill>
-                  <a:srgbClr val="444444"/>
-                </a:solidFill>
-                <a:effectLst/>
-                <a:latin typeface="Tahoma" panose="020B0604030504040204" pitchFamily="34" charset="0"/>
-              </a:rPr>
-              <a:t>“Overall, the housing market has tipped in </a:t>
-            </a:r>
-            <a:r>
-              <a:rPr lang="en-US" b="0" i="0" dirty="0" err="1">
-                <a:solidFill>
-                  <a:srgbClr val="444444"/>
-                </a:solidFill>
-                <a:effectLst/>
-                <a:latin typeface="Tahoma" panose="020B0604030504040204" pitchFamily="34" charset="0"/>
-              </a:rPr>
-              <a:t>favour</a:t>
-            </a:r>
-            <a:r>
-              <a:rPr lang="en-US" b="0" i="0" dirty="0">
-                <a:solidFill>
-                  <a:srgbClr val="444444"/>
-                </a:solidFill>
-                <a:effectLst/>
-                <a:latin typeface="Tahoma" panose="020B0604030504040204" pitchFamily="34" charset="0"/>
-              </a:rPr>
-              <a:t> of buyers,” she said.</a:t>
-            </a:r>
-          </a:p>
-          <a:p>
-            <a:pPr algn="l"/>
-            <a:r>
-              <a:rPr lang="en-US" b="0" i="0" dirty="0">
-                <a:solidFill>
-                  <a:srgbClr val="444444"/>
-                </a:solidFill>
-                <a:effectLst/>
-                <a:latin typeface="Tahoma" panose="020B0604030504040204" pitchFamily="34" charset="0"/>
-              </a:rPr>
-              <a:t>“In the beginning of the year, Canberra had record prices but as the year went on and we saw the RBA hike interest rates and owners battling mortgage affordability.”</a:t>
-            </a:r>
-          </a:p>
-          <a:p>
-            <a:r>
-              <a:rPr lang="en-US" dirty="0"/>
-              <a:t>. </a:t>
-            </a:r>
+            <a:endParaRPr lang="en-US" b="0" i="0" dirty="0">
+              <a:solidFill>
+                <a:srgbClr val="444444"/>
+              </a:solidFill>
+              <a:effectLst/>
+              <a:latin typeface="Tahoma" panose="020B0604030504040204" pitchFamily="34" charset="0"/>
+            </a:endParaRPr>
           </a:p>
         </p:txBody>
       </p:sp>
@@ -20136,6 +20950,14 @@
 <file path=ppt/slides/slide4.xml><?xml version="1.0" encoding="utf-8"?>
 <p:sld xmlns:a="http://schemas.openxmlformats.org/drawingml/2006/main" xmlns:r="http://schemas.openxmlformats.org/officeDocument/2006/relationships" xmlns:p="http://schemas.openxmlformats.org/presentationml/2006/main">
   <p:cSld>
+    <p:bg>
+      <p:bgPr>
+        <a:solidFill>
+          <a:schemeClr val="bg1"/>
+        </a:solidFill>
+        <a:effectLst/>
+      </p:bgPr>
+    </p:bg>
     <p:spTree>
       <p:nvGrpSpPr>
         <p:cNvPr id="1" name=""/>
@@ -20150,12 +20972,529 @@
           <a:chExt cx="0" cy="0"/>
         </a:xfrm>
       </p:grpSpPr>
+      <p:cxnSp>
+        <p:nvCxnSpPr>
+          <p:cNvPr id="44" name="Straight Connector 16">
+            <a:extLst>
+              <a:ext uri="{FF2B5EF4-FFF2-40B4-BE49-F238E27FC236}">
+                <a16:creationId xmlns:a16="http://schemas.microsoft.com/office/drawing/2014/main" id="{4436E0F2-A64B-471E-93C0-8DFE08CC57C8}"/>
+              </a:ext>
+              <a:ext uri="{C183D7F6-B498-43B3-948B-1728B52AA6E4}">
+                <adec:decorative xmlns:adec="http://schemas.microsoft.com/office/drawing/2017/decorative" val="1"/>
+              </a:ext>
+            </a:extLst>
+          </p:cNvPr>
+          <p:cNvCxnSpPr>
+            <a:cxnSpLocks noGrp="1" noRot="1" noChangeAspect="1" noMove="1" noResize="1" noEditPoints="1" noAdjustHandles="1" noChangeArrowheads="1" noChangeShapeType="1"/>
+          </p:cNvCxnSpPr>
+          <p:nvPr>
+            <p:extLst>
+              <p:ext uri="{386F3935-93C4-4BCD-93E2-E3B085C9AB24}">
+                <p16:designElem xmlns:p16="http://schemas.microsoft.com/office/powerpoint/2015/main" val="1"/>
+              </p:ext>
+            </p:extLst>
+          </p:nvPr>
+        </p:nvCxnSpPr>
+        <p:spPr>
+          <a:xfrm flipH="1">
+            <a:off x="0" y="0"/>
+            <a:ext cx="3119718" cy="685800"/>
+          </a:xfrm>
+          <a:prstGeom prst="line">
+            <a:avLst/>
+          </a:prstGeom>
+          <a:ln w="12700">
+            <a:solidFill>
+              <a:schemeClr val="accent2">
+                <a:alpha val="70000"/>
+              </a:schemeClr>
+            </a:solidFill>
+          </a:ln>
+        </p:spPr>
+        <p:style>
+          <a:lnRef idx="1">
+            <a:schemeClr val="accent1"/>
+          </a:lnRef>
+          <a:fillRef idx="0">
+            <a:schemeClr val="accent1"/>
+          </a:fillRef>
+          <a:effectRef idx="0">
+            <a:schemeClr val="accent1"/>
+          </a:effectRef>
+          <a:fontRef idx="minor">
+            <a:schemeClr val="tx1"/>
+          </a:fontRef>
+        </p:style>
+      </p:cxnSp>
+      <p:cxnSp>
+        <p:nvCxnSpPr>
+          <p:cNvPr id="46" name="Straight Connector 18">
+            <a:extLst>
+              <a:ext uri="{FF2B5EF4-FFF2-40B4-BE49-F238E27FC236}">
+                <a16:creationId xmlns:a16="http://schemas.microsoft.com/office/drawing/2014/main" id="{DC1E3AB1-2A8C-4607-9FAE-D8BDB280FE1A}"/>
+              </a:ext>
+              <a:ext uri="{C183D7F6-B498-43B3-948B-1728B52AA6E4}">
+                <adec:decorative xmlns:adec="http://schemas.microsoft.com/office/drawing/2017/decorative" val="1"/>
+              </a:ext>
+            </a:extLst>
+          </p:cNvPr>
+          <p:cNvCxnSpPr>
+            <a:cxnSpLocks noGrp="1" noRot="1" noChangeAspect="1" noMove="1" noResize="1" noEditPoints="1" noAdjustHandles="1" noChangeArrowheads="1" noChangeShapeType="1"/>
+          </p:cNvCxnSpPr>
+          <p:nvPr>
+            <p:extLst>
+              <p:ext uri="{386F3935-93C4-4BCD-93E2-E3B085C9AB24}">
+                <p16:designElem xmlns:p16="http://schemas.microsoft.com/office/powerpoint/2015/main" val="1"/>
+              </p:ext>
+            </p:extLst>
+          </p:nvPr>
+        </p:nvCxnSpPr>
+        <p:spPr>
+          <a:xfrm flipH="1">
+            <a:off x="0" y="0"/>
+            <a:ext cx="903768" cy="6543675"/>
+          </a:xfrm>
+          <a:prstGeom prst="line">
+            <a:avLst/>
+          </a:prstGeom>
+          <a:ln w="12700">
+            <a:solidFill>
+              <a:schemeClr val="accent2">
+                <a:alpha val="70000"/>
+              </a:schemeClr>
+            </a:solidFill>
+          </a:ln>
+        </p:spPr>
+        <p:style>
+          <a:lnRef idx="1">
+            <a:schemeClr val="accent1"/>
+          </a:lnRef>
+          <a:fillRef idx="0">
+            <a:schemeClr val="accent1"/>
+          </a:fillRef>
+          <a:effectRef idx="0">
+            <a:schemeClr val="accent1"/>
+          </a:effectRef>
+          <a:fontRef idx="minor">
+            <a:schemeClr val="tx1"/>
+          </a:fontRef>
+        </p:style>
+      </p:cxnSp>
+      <p:cxnSp>
+        <p:nvCxnSpPr>
+          <p:cNvPr id="47" name="Straight Connector 20">
+            <a:extLst>
+              <a:ext uri="{FF2B5EF4-FFF2-40B4-BE49-F238E27FC236}">
+                <a16:creationId xmlns:a16="http://schemas.microsoft.com/office/drawing/2014/main" id="{26D66059-832F-40B6-A35F-F56C8F38A1E7}"/>
+              </a:ext>
+              <a:ext uri="{C183D7F6-B498-43B3-948B-1728B52AA6E4}">
+                <adec:decorative xmlns:adec="http://schemas.microsoft.com/office/drawing/2017/decorative" val="1"/>
+              </a:ext>
+            </a:extLst>
+          </p:cNvPr>
+          <p:cNvCxnSpPr>
+            <a:cxnSpLocks noGrp="1" noRot="1" noChangeAspect="1" noMove="1" noResize="1" noEditPoints="1" noAdjustHandles="1" noChangeArrowheads="1" noChangeShapeType="1"/>
+          </p:cNvCxnSpPr>
+          <p:nvPr>
+            <p:extLst>
+              <p:ext uri="{386F3935-93C4-4BCD-93E2-E3B085C9AB24}">
+                <p16:designElem xmlns:p16="http://schemas.microsoft.com/office/powerpoint/2015/main" val="1"/>
+              </p:ext>
+            </p:extLst>
+          </p:nvPr>
+        </p:nvCxnSpPr>
+        <p:spPr>
+          <a:xfrm flipH="1" flipV="1">
+            <a:off x="-42863" y="5791200"/>
+            <a:ext cx="6286501" cy="1066801"/>
+          </a:xfrm>
+          <a:prstGeom prst="line">
+            <a:avLst/>
+          </a:prstGeom>
+          <a:ln w="12700">
+            <a:solidFill>
+              <a:schemeClr val="accent2">
+                <a:alpha val="70000"/>
+              </a:schemeClr>
+            </a:solidFill>
+          </a:ln>
+        </p:spPr>
+        <p:style>
+          <a:lnRef idx="1">
+            <a:schemeClr val="accent1"/>
+          </a:lnRef>
+          <a:fillRef idx="0">
+            <a:schemeClr val="accent1"/>
+          </a:fillRef>
+          <a:effectRef idx="0">
+            <a:schemeClr val="accent1"/>
+          </a:effectRef>
+          <a:fontRef idx="minor">
+            <a:schemeClr val="tx1"/>
+          </a:fontRef>
+        </p:style>
+      </p:cxnSp>
+      <p:cxnSp>
+        <p:nvCxnSpPr>
+          <p:cNvPr id="48" name="Straight Connector 22">
+            <a:extLst>
+              <a:ext uri="{FF2B5EF4-FFF2-40B4-BE49-F238E27FC236}">
+                <a16:creationId xmlns:a16="http://schemas.microsoft.com/office/drawing/2014/main" id="{A515E2ED-7EA9-448D-83FA-54C3DF9723BD}"/>
+              </a:ext>
+              <a:ext uri="{C183D7F6-B498-43B3-948B-1728B52AA6E4}">
+                <adec:decorative xmlns:adec="http://schemas.microsoft.com/office/drawing/2017/decorative" val="1"/>
+              </a:ext>
+            </a:extLst>
+          </p:cNvPr>
+          <p:cNvCxnSpPr>
+            <a:cxnSpLocks noGrp="1" noRot="1" noChangeAspect="1" noMove="1" noResize="1" noEditPoints="1" noAdjustHandles="1" noChangeArrowheads="1" noChangeShapeType="1"/>
+          </p:cNvCxnSpPr>
+          <p:nvPr>
+            <p:extLst>
+              <p:ext uri="{386F3935-93C4-4BCD-93E2-E3B085C9AB24}">
+                <p16:designElem xmlns:p16="http://schemas.microsoft.com/office/powerpoint/2015/main" val="1"/>
+              </p:ext>
+            </p:extLst>
+          </p:nvPr>
+        </p:nvCxnSpPr>
+        <p:spPr>
+          <a:xfrm flipH="1">
+            <a:off x="8462964" y="5848350"/>
+            <a:ext cx="3729036" cy="1009650"/>
+          </a:xfrm>
+          <a:prstGeom prst="line">
+            <a:avLst/>
+          </a:prstGeom>
+          <a:ln w="12700">
+            <a:solidFill>
+              <a:schemeClr val="accent2">
+                <a:alpha val="70000"/>
+              </a:schemeClr>
+            </a:solidFill>
+          </a:ln>
+        </p:spPr>
+        <p:style>
+          <a:lnRef idx="1">
+            <a:schemeClr val="accent1"/>
+          </a:lnRef>
+          <a:fillRef idx="0">
+            <a:schemeClr val="accent1"/>
+          </a:fillRef>
+          <a:effectRef idx="0">
+            <a:schemeClr val="accent1"/>
+          </a:effectRef>
+          <a:fontRef idx="minor">
+            <a:schemeClr val="tx1"/>
+          </a:fontRef>
+        </p:style>
+      </p:cxnSp>
+      <p:cxnSp>
+        <p:nvCxnSpPr>
+          <p:cNvPr id="49" name="Straight Connector 24">
+            <a:extLst>
+              <a:ext uri="{FF2B5EF4-FFF2-40B4-BE49-F238E27FC236}">
+                <a16:creationId xmlns:a16="http://schemas.microsoft.com/office/drawing/2014/main" id="{20595356-EABD-4767-AC9D-EA21FF115EC0}"/>
+              </a:ext>
+              <a:ext uri="{C183D7F6-B498-43B3-948B-1728B52AA6E4}">
+                <adec:decorative xmlns:adec="http://schemas.microsoft.com/office/drawing/2017/decorative" val="1"/>
+              </a:ext>
+            </a:extLst>
+          </p:cNvPr>
+          <p:cNvCxnSpPr>
+            <a:cxnSpLocks noGrp="1" noRot="1" noChangeAspect="1" noMove="1" noResize="1" noEditPoints="1" noAdjustHandles="1" noChangeArrowheads="1" noChangeShapeType="1"/>
+          </p:cNvCxnSpPr>
+          <p:nvPr>
+            <p:extLst>
+              <p:ext uri="{386F3935-93C4-4BCD-93E2-E3B085C9AB24}">
+                <p16:designElem xmlns:p16="http://schemas.microsoft.com/office/powerpoint/2015/main" val="1"/>
+              </p:ext>
+            </p:extLst>
+          </p:nvPr>
+        </p:nvCxnSpPr>
+        <p:spPr>
+          <a:xfrm flipH="1">
+            <a:off x="11543158" y="1647825"/>
+            <a:ext cx="648842" cy="5210175"/>
+          </a:xfrm>
+          <a:prstGeom prst="line">
+            <a:avLst/>
+          </a:prstGeom>
+          <a:ln w="12700">
+            <a:solidFill>
+              <a:schemeClr val="accent2">
+                <a:alpha val="70000"/>
+              </a:schemeClr>
+            </a:solidFill>
+          </a:ln>
+        </p:spPr>
+        <p:style>
+          <a:lnRef idx="1">
+            <a:schemeClr val="accent1"/>
+          </a:lnRef>
+          <a:fillRef idx="0">
+            <a:schemeClr val="accent1"/>
+          </a:fillRef>
+          <a:effectRef idx="0">
+            <a:schemeClr val="accent1"/>
+          </a:effectRef>
+          <a:fontRef idx="minor">
+            <a:schemeClr val="tx1"/>
+          </a:fontRef>
+        </p:style>
+      </p:cxnSp>
+      <p:cxnSp>
+        <p:nvCxnSpPr>
+          <p:cNvPr id="50" name="Straight Connector 26">
+            <a:extLst>
+              <a:ext uri="{FF2B5EF4-FFF2-40B4-BE49-F238E27FC236}">
+                <a16:creationId xmlns:a16="http://schemas.microsoft.com/office/drawing/2014/main" id="{28CD9F06-9628-469C-B788-A894E3E08281}"/>
+              </a:ext>
+              <a:ext uri="{C183D7F6-B498-43B3-948B-1728B52AA6E4}">
+                <adec:decorative xmlns:adec="http://schemas.microsoft.com/office/drawing/2017/decorative" val="1"/>
+              </a:ext>
+            </a:extLst>
+          </p:cNvPr>
+          <p:cNvCxnSpPr>
+            <a:cxnSpLocks noGrp="1" noRot="1" noChangeAspect="1" noMove="1" noResize="1" noEditPoints="1" noAdjustHandles="1" noChangeArrowheads="1" noChangeShapeType="1"/>
+          </p:cNvCxnSpPr>
+          <p:nvPr>
+            <p:extLst>
+              <p:ext uri="{386F3935-93C4-4BCD-93E2-E3B085C9AB24}">
+                <p16:designElem xmlns:p16="http://schemas.microsoft.com/office/powerpoint/2015/main" val="1"/>
+              </p:ext>
+            </p:extLst>
+          </p:nvPr>
+        </p:nvCxnSpPr>
+        <p:spPr>
+          <a:xfrm flipH="1" flipV="1">
+            <a:off x="10781554" y="0"/>
+            <a:ext cx="1410446" cy="4258340"/>
+          </a:xfrm>
+          <a:prstGeom prst="line">
+            <a:avLst/>
+          </a:prstGeom>
+          <a:ln w="12700">
+            <a:solidFill>
+              <a:schemeClr val="accent2">
+                <a:alpha val="70000"/>
+              </a:schemeClr>
+            </a:solidFill>
+          </a:ln>
+        </p:spPr>
+        <p:style>
+          <a:lnRef idx="1">
+            <a:schemeClr val="accent1"/>
+          </a:lnRef>
+          <a:fillRef idx="0">
+            <a:schemeClr val="accent1"/>
+          </a:fillRef>
+          <a:effectRef idx="0">
+            <a:schemeClr val="accent1"/>
+          </a:effectRef>
+          <a:fontRef idx="minor">
+            <a:schemeClr val="tx1"/>
+          </a:fontRef>
+        </p:style>
+      </p:cxnSp>
+      <p:cxnSp>
+        <p:nvCxnSpPr>
+          <p:cNvPr id="51" name="Straight Connector 28">
+            <a:extLst>
+              <a:ext uri="{FF2B5EF4-FFF2-40B4-BE49-F238E27FC236}">
+                <a16:creationId xmlns:a16="http://schemas.microsoft.com/office/drawing/2014/main" id="{8550A431-0B61-421B-B4B7-24C0CFF0F938}"/>
+              </a:ext>
+              <a:ext uri="{C183D7F6-B498-43B3-948B-1728B52AA6E4}">
+                <adec:decorative xmlns:adec="http://schemas.microsoft.com/office/drawing/2017/decorative" val="1"/>
+              </a:ext>
+            </a:extLst>
+          </p:cNvPr>
+          <p:cNvCxnSpPr>
+            <a:cxnSpLocks noGrp="1" noRot="1" noChangeAspect="1" noMove="1" noResize="1" noEditPoints="1" noAdjustHandles="1" noChangeArrowheads="1" noChangeShapeType="1"/>
+          </p:cNvCxnSpPr>
+          <p:nvPr>
+            <p:extLst>
+              <p:ext uri="{386F3935-93C4-4BCD-93E2-E3B085C9AB24}">
+                <p16:designElem xmlns:p16="http://schemas.microsoft.com/office/powerpoint/2015/main" val="1"/>
+              </p:ext>
+            </p:extLst>
+          </p:nvPr>
+        </p:nvCxnSpPr>
+        <p:spPr>
+          <a:xfrm flipH="1" flipV="1">
+            <a:off x="6529388" y="-4763"/>
+            <a:ext cx="5662612" cy="931975"/>
+          </a:xfrm>
+          <a:prstGeom prst="line">
+            <a:avLst/>
+          </a:prstGeom>
+          <a:ln w="12700">
+            <a:solidFill>
+              <a:schemeClr val="accent2">
+                <a:alpha val="70000"/>
+              </a:schemeClr>
+            </a:solidFill>
+          </a:ln>
+        </p:spPr>
+        <p:style>
+          <a:lnRef idx="1">
+            <a:schemeClr val="accent1"/>
+          </a:lnRef>
+          <a:fillRef idx="0">
+            <a:schemeClr val="accent1"/>
+          </a:fillRef>
+          <a:effectRef idx="0">
+            <a:schemeClr val="accent1"/>
+          </a:effectRef>
+          <a:fontRef idx="minor">
+            <a:schemeClr val="tx1"/>
+          </a:fontRef>
+        </p:style>
+      </p:cxnSp>
+      <p:sp useBgFill="1">
+        <p:nvSpPr>
+          <p:cNvPr id="52" name="Rectangle 30">
+            <a:extLst>
+              <a:ext uri="{FF2B5EF4-FFF2-40B4-BE49-F238E27FC236}">
+                <a16:creationId xmlns:a16="http://schemas.microsoft.com/office/drawing/2014/main" id="{5B8092E2-D77A-4CE6-BB2D-6269784456A0}"/>
+              </a:ext>
+              <a:ext uri="{C183D7F6-B498-43B3-948B-1728B52AA6E4}">
+                <adec:decorative xmlns:adec="http://schemas.microsoft.com/office/drawing/2017/decorative" val="1"/>
+              </a:ext>
+            </a:extLst>
+          </p:cNvPr>
+          <p:cNvSpPr>
+            <a:spLocks noGrp="1" noRot="1" noChangeAspect="1" noMove="1" noResize="1" noEditPoints="1" noAdjustHandles="1" noChangeArrowheads="1" noChangeShapeType="1" noTextEdit="1"/>
+          </p:cNvSpPr>
+          <p:nvPr>
+            <p:extLst>
+              <p:ext uri="{386F3935-93C4-4BCD-93E2-E3B085C9AB24}">
+                <p16:designElem xmlns:p16="http://schemas.microsoft.com/office/powerpoint/2015/main" val="1"/>
+              </p:ext>
+            </p:extLst>
+          </p:nvPr>
+        </p:nvSpPr>
+        <p:spPr>
+          <a:xfrm>
+            <a:off x="0" y="0"/>
+            <a:ext cx="12192000" cy="6858000"/>
+          </a:xfrm>
+          <a:prstGeom prst="rect">
+            <a:avLst/>
+          </a:prstGeom>
+          <a:ln w="12700" cap="flat" cmpd="sng" algn="ctr">
+            <a:noFill/>
+            <a:prstDash val="solid"/>
+            <a:miter lim="800000"/>
+          </a:ln>
+          <a:effectLst/>
+          <a:extLst>
+            <a:ext uri="{91240B29-F687-4F45-9708-019B960494DF}">
+              <a14:hiddenLine xmlns:a14="http://schemas.microsoft.com/office/drawing/2010/main" w="12700" cap="flat" cmpd="sng" algn="ctr">
+                <a:solidFill>
+                  <a:schemeClr val="accent1">
+                    <a:shade val="50000"/>
+                  </a:schemeClr>
+                </a:solidFill>
+                <a:prstDash val="solid"/>
+                <a:miter lim="800000"/>
+              </a14:hiddenLine>
+            </a:ext>
+          </a:extLst>
+        </p:spPr>
+        <p:style>
+          <a:lnRef idx="2">
+            <a:schemeClr val="accent1">
+              <a:shade val="50000"/>
+            </a:schemeClr>
+          </a:lnRef>
+          <a:fillRef idx="1">
+            <a:schemeClr val="accent1"/>
+          </a:fillRef>
+          <a:effectRef idx="0">
+            <a:schemeClr val="accent1"/>
+          </a:effectRef>
+          <a:fontRef idx="minor">
+            <a:schemeClr val="lt1"/>
+          </a:fontRef>
+        </p:style>
+        <p:txBody>
+          <a:bodyPr rtlCol="0" anchor="ctr"/>
+          <a:lstStyle/>
+          <a:p>
+            <a:pPr algn="ctr"/>
+            <a:endParaRPr lang="en-US"/>
+          </a:p>
+        </p:txBody>
+      </p:sp>
+      <p:sp>
+        <p:nvSpPr>
+          <p:cNvPr id="53" name="Rectangle 32">
+            <a:extLst>
+              <a:ext uri="{FF2B5EF4-FFF2-40B4-BE49-F238E27FC236}">
+                <a16:creationId xmlns:a16="http://schemas.microsoft.com/office/drawing/2014/main" id="{D02CD835-4B0F-45D6-9B85-B049A1005789}"/>
+              </a:ext>
+              <a:ext uri="{C183D7F6-B498-43B3-948B-1728B52AA6E4}">
+                <adec:decorative xmlns:adec="http://schemas.microsoft.com/office/drawing/2017/decorative" val="1"/>
+              </a:ext>
+            </a:extLst>
+          </p:cNvPr>
+          <p:cNvSpPr>
+            <a:spLocks noGrp="1" noRot="1" noChangeAspect="1" noMove="1" noResize="1" noEditPoints="1" noAdjustHandles="1" noChangeArrowheads="1" noChangeShapeType="1" noTextEdit="1"/>
+          </p:cNvSpPr>
+          <p:nvPr>
+            <p:extLst>
+              <p:ext uri="{386F3935-93C4-4BCD-93E2-E3B085C9AB24}">
+                <p16:designElem xmlns:p16="http://schemas.microsoft.com/office/powerpoint/2015/main" val="1"/>
+              </p:ext>
+            </p:extLst>
+          </p:nvPr>
+        </p:nvSpPr>
+        <p:spPr>
+          <a:xfrm>
+            <a:off x="0" y="653"/>
+            <a:ext cx="12192000" cy="2008900"/>
+          </a:xfrm>
+          <a:prstGeom prst="rect">
+            <a:avLst/>
+          </a:prstGeom>
+          <a:solidFill>
+            <a:schemeClr val="bg2"/>
+          </a:solidFill>
+          <a:ln>
+            <a:noFill/>
+          </a:ln>
+        </p:spPr>
+        <p:style>
+          <a:lnRef idx="2">
+            <a:schemeClr val="accent1">
+              <a:shade val="50000"/>
+            </a:schemeClr>
+          </a:lnRef>
+          <a:fillRef idx="1">
+            <a:schemeClr val="accent1"/>
+          </a:fillRef>
+          <a:effectRef idx="0">
+            <a:schemeClr val="accent1"/>
+          </a:effectRef>
+          <a:fontRef idx="minor">
+            <a:schemeClr val="lt1"/>
+          </a:fontRef>
+        </p:style>
+        <p:txBody>
+          <a:bodyPr rtlCol="0" anchor="ctr"/>
+          <a:lstStyle/>
+          <a:p>
+            <a:pPr algn="ctr"/>
+            <a:endParaRPr lang="en-US"/>
+          </a:p>
+        </p:txBody>
+      </p:sp>
       <p:sp>
         <p:nvSpPr>
           <p:cNvPr id="2" name="Title 1">
             <a:extLst>
               <a:ext uri="{FF2B5EF4-FFF2-40B4-BE49-F238E27FC236}">
-                <a16:creationId xmlns:a16="http://schemas.microsoft.com/office/drawing/2014/main" id="{7E9D8101-4ED5-4D91-9EFA-B0E7C1EA6E26}"/>
+                <a16:creationId xmlns:a16="http://schemas.microsoft.com/office/drawing/2014/main" id="{31B94A7A-0EDE-7FD9-9E96-7AF8DD0FADA4}"/>
               </a:ext>
             </a:extLst>
           </p:cNvPr>
@@ -20168,60 +21507,304 @@
         </p:nvSpPr>
         <p:spPr>
           <a:xfrm>
-            <a:off x="969264" y="2679192"/>
-            <a:ext cx="4946904" cy="3273552"/>
-          </a:xfrm>
-        </p:spPr>
-        <p:txBody>
-          <a:bodyPr/>
+            <a:off x="1129553" y="511309"/>
+            <a:ext cx="9577116" cy="1221957"/>
+          </a:xfrm>
+        </p:spPr>
+        <p:txBody>
+          <a:bodyPr vert="horz" lIns="91440" tIns="45720" rIns="91440" bIns="45720" rtlCol="0" anchor="ctr">
+            <a:normAutofit/>
+          </a:bodyPr>
           <a:lstStyle/>
           <a:p>
             <a:r>
+              <a:rPr lang="en-US"/>
+              <a:t>Purpose of the project</a:t>
+            </a:r>
+          </a:p>
+        </p:txBody>
+      </p:sp>
+      <p:cxnSp>
+        <p:nvCxnSpPr>
+          <p:cNvPr id="54" name="Straight Connector 34">
+            <a:extLst>
+              <a:ext uri="{FF2B5EF4-FFF2-40B4-BE49-F238E27FC236}">
+                <a16:creationId xmlns:a16="http://schemas.microsoft.com/office/drawing/2014/main" id="{7971A1EC-5980-40B2-973F-0D3D6630DBE1}"/>
+              </a:ext>
+              <a:ext uri="{C183D7F6-B498-43B3-948B-1728B52AA6E4}">
+                <adec:decorative xmlns:adec="http://schemas.microsoft.com/office/drawing/2017/decorative" val="1"/>
+              </a:ext>
+            </a:extLst>
+          </p:cNvPr>
+          <p:cNvCxnSpPr>
+            <a:cxnSpLocks noGrp="1" noRot="1" noChangeAspect="1" noMove="1" noResize="1" noEditPoints="1" noAdjustHandles="1" noChangeArrowheads="1" noChangeShapeType="1"/>
+          </p:cNvCxnSpPr>
+          <p:nvPr>
+            <p:extLst>
+              <p:ext uri="{386F3935-93C4-4BCD-93E2-E3B085C9AB24}">
+                <p16:designElem xmlns:p16="http://schemas.microsoft.com/office/powerpoint/2015/main" val="1"/>
+              </p:ext>
+            </p:extLst>
+          </p:nvPr>
+        </p:nvCxnSpPr>
+        <p:spPr>
+          <a:xfrm flipH="1">
+            <a:off x="0" y="0"/>
+            <a:ext cx="3119718" cy="685800"/>
+          </a:xfrm>
+          <a:prstGeom prst="line">
+            <a:avLst/>
+          </a:prstGeom>
+          <a:ln w="12700">
+            <a:solidFill>
+              <a:schemeClr val="accent2">
+                <a:alpha val="70000"/>
+              </a:schemeClr>
+            </a:solidFill>
+          </a:ln>
+        </p:spPr>
+        <p:style>
+          <a:lnRef idx="1">
+            <a:schemeClr val="accent1"/>
+          </a:lnRef>
+          <a:fillRef idx="0">
+            <a:schemeClr val="accent1"/>
+          </a:fillRef>
+          <a:effectRef idx="0">
+            <a:schemeClr val="accent1"/>
+          </a:effectRef>
+          <a:fontRef idx="minor">
+            <a:schemeClr val="tx1"/>
+          </a:fontRef>
+        </p:style>
+      </p:cxnSp>
+      <p:cxnSp>
+        <p:nvCxnSpPr>
+          <p:cNvPr id="55" name="Straight Connector 36">
+            <a:extLst>
+              <a:ext uri="{FF2B5EF4-FFF2-40B4-BE49-F238E27FC236}">
+                <a16:creationId xmlns:a16="http://schemas.microsoft.com/office/drawing/2014/main" id="{B0049A56-C4C2-4C0F-9F4F-D0E34391D968}"/>
+              </a:ext>
+              <a:ext uri="{C183D7F6-B498-43B3-948B-1728B52AA6E4}">
+                <adec:decorative xmlns:adec="http://schemas.microsoft.com/office/drawing/2017/decorative" val="1"/>
+              </a:ext>
+            </a:extLst>
+          </p:cNvPr>
+          <p:cNvCxnSpPr>
+            <a:cxnSpLocks noGrp="1" noRot="1" noChangeAspect="1" noMove="1" noResize="1" noEditPoints="1" noAdjustHandles="1" noChangeArrowheads="1" noChangeShapeType="1"/>
+          </p:cNvCxnSpPr>
+          <p:nvPr>
+            <p:extLst>
+              <p:ext uri="{386F3935-93C4-4BCD-93E2-E3B085C9AB24}">
+                <p16:designElem xmlns:p16="http://schemas.microsoft.com/office/powerpoint/2015/main" val="1"/>
+              </p:ext>
+            </p:extLst>
+          </p:nvPr>
+        </p:nvCxnSpPr>
+        <p:spPr>
+          <a:xfrm flipH="1">
+            <a:off x="478117" y="0"/>
+            <a:ext cx="340591" cy="2009553"/>
+          </a:xfrm>
+          <a:prstGeom prst="line">
+            <a:avLst/>
+          </a:prstGeom>
+          <a:ln w="12700">
+            <a:solidFill>
+              <a:schemeClr val="accent2">
+                <a:alpha val="70000"/>
+              </a:schemeClr>
+            </a:solidFill>
+          </a:ln>
+        </p:spPr>
+        <p:style>
+          <a:lnRef idx="1">
+            <a:schemeClr val="accent1"/>
+          </a:lnRef>
+          <a:fillRef idx="0">
+            <a:schemeClr val="accent1"/>
+          </a:fillRef>
+          <a:effectRef idx="0">
+            <a:schemeClr val="accent1"/>
+          </a:effectRef>
+          <a:fontRef idx="minor">
+            <a:schemeClr val="tx1"/>
+          </a:fontRef>
+        </p:style>
+      </p:cxnSp>
+      <p:cxnSp>
+        <p:nvCxnSpPr>
+          <p:cNvPr id="56" name="Straight Connector 38">
+            <a:extLst>
+              <a:ext uri="{FF2B5EF4-FFF2-40B4-BE49-F238E27FC236}">
+                <a16:creationId xmlns:a16="http://schemas.microsoft.com/office/drawing/2014/main" id="{7D02BE56-7EB5-4E62-B6E2-1C49E470A964}"/>
+              </a:ext>
+              <a:ext uri="{C183D7F6-B498-43B3-948B-1728B52AA6E4}">
+                <adec:decorative xmlns:adec="http://schemas.microsoft.com/office/drawing/2017/decorative" val="1"/>
+              </a:ext>
+            </a:extLst>
+          </p:cNvPr>
+          <p:cNvCxnSpPr>
+            <a:cxnSpLocks noGrp="1" noRot="1" noChangeAspect="1" noMove="1" noResize="1" noEditPoints="1" noAdjustHandles="1" noChangeArrowheads="1" noChangeShapeType="1"/>
+          </p:cNvCxnSpPr>
+          <p:nvPr>
+            <p:extLst>
+              <p:ext uri="{386F3935-93C4-4BCD-93E2-E3B085C9AB24}">
+                <p16:designElem xmlns:p16="http://schemas.microsoft.com/office/powerpoint/2015/main" val="1"/>
+              </p:ext>
+            </p:extLst>
+          </p:nvPr>
+        </p:nvCxnSpPr>
+        <p:spPr>
+          <a:xfrm flipH="1" flipV="1">
+            <a:off x="0" y="1299548"/>
+            <a:ext cx="1769035" cy="695570"/>
+          </a:xfrm>
+          <a:prstGeom prst="line">
+            <a:avLst/>
+          </a:prstGeom>
+          <a:ln w="12700">
+            <a:solidFill>
+              <a:schemeClr val="accent2">
+                <a:alpha val="70000"/>
+              </a:schemeClr>
+            </a:solidFill>
+          </a:ln>
+        </p:spPr>
+        <p:style>
+          <a:lnRef idx="1">
+            <a:schemeClr val="accent1"/>
+          </a:lnRef>
+          <a:fillRef idx="0">
+            <a:schemeClr val="accent1"/>
+          </a:fillRef>
+          <a:effectRef idx="0">
+            <a:schemeClr val="accent1"/>
+          </a:effectRef>
+          <a:fontRef idx="minor">
+            <a:schemeClr val="tx1"/>
+          </a:fontRef>
+        </p:style>
+      </p:cxnSp>
+      <p:sp>
+        <p:nvSpPr>
+          <p:cNvPr id="5" name="Content Placeholder 4">
+            <a:extLst>
+              <a:ext uri="{FF2B5EF4-FFF2-40B4-BE49-F238E27FC236}">
+                <a16:creationId xmlns:a16="http://schemas.microsoft.com/office/drawing/2014/main" id="{24988A60-ECC3-1DCE-1AD0-038A50C86E29}"/>
+              </a:ext>
+            </a:extLst>
+          </p:cNvPr>
+          <p:cNvSpPr>
+            <a:spLocks noGrp="1"/>
+          </p:cNvSpPr>
+          <p:nvPr>
+            <p:ph idx="1"/>
+          </p:nvPr>
+        </p:nvSpPr>
+        <p:spPr>
+          <a:xfrm>
+            <a:off x="1129553" y="2420471"/>
+            <a:ext cx="5479065" cy="3884410"/>
+          </a:xfrm>
+        </p:spPr>
+        <p:txBody>
+          <a:bodyPr vert="horz" lIns="91440" tIns="45720" rIns="91440" bIns="45720" rtlCol="0" anchor="ctr">
+            <a:normAutofit/>
+          </a:bodyPr>
+          <a:lstStyle/>
+          <a:p>
+            <a:pPr indent="-228600">
+              <a:buFont typeface="Arial" panose="020B0604020202020204" pitchFamily="34" charset="0"/>
+              <a:buChar char="•"/>
+            </a:pPr>
+            <a:r>
               <a:rPr lang="en-US" dirty="0"/>
-              <a:t>Topic one</a:t>
-            </a:r>
-          </a:p>
-        </p:txBody>
-      </p:sp>
-      <p:sp>
-        <p:nvSpPr>
-          <p:cNvPr id="3" name="Subtitle 2">
-            <a:extLst>
-              <a:ext uri="{FF2B5EF4-FFF2-40B4-BE49-F238E27FC236}">
-                <a16:creationId xmlns:a16="http://schemas.microsoft.com/office/drawing/2014/main" id="{B7D98F09-AA82-4443-B901-71F5DF765C10}"/>
-              </a:ext>
-            </a:extLst>
-          </p:cNvPr>
-          <p:cNvSpPr>
-            <a:spLocks noGrp="1"/>
-          </p:cNvSpPr>
-          <p:nvPr>
-            <p:ph type="subTitle" idx="1"/>
+              <a:t>The whole idea behind the project model is to try to use the historical data and train a model in a way that it can predict current values if someone were to buy property today.</a:t>
+            </a:r>
+          </a:p>
+          <a:p>
+            <a:pPr indent="-228600">
+              <a:buFont typeface="Arial" panose="020B0604020202020204" pitchFamily="34" charset="0"/>
+              <a:buChar char="•"/>
+            </a:pPr>
+            <a:r>
+              <a:rPr lang="en-US" dirty="0"/>
+              <a:t>We are aware that factors like price can be dependent on n number of features.</a:t>
+            </a:r>
+          </a:p>
+          <a:p>
+            <a:pPr indent="-228600">
+              <a:buFont typeface="Arial" panose="020B0604020202020204" pitchFamily="34" charset="0"/>
+              <a:buChar char="•"/>
+            </a:pPr>
+            <a:r>
+              <a:rPr lang="en-US" dirty="0"/>
+              <a:t>However today we are focusing on what type of property you are trying to buy.</a:t>
+            </a:r>
+          </a:p>
+          <a:p>
+            <a:pPr indent="-228600">
+              <a:buFont typeface="Arial" panose="020B0604020202020204" pitchFamily="34" charset="0"/>
+              <a:buChar char="•"/>
+            </a:pPr>
+            <a:endParaRPr lang="en-US" dirty="0"/>
+          </a:p>
+        </p:txBody>
+      </p:sp>
+      <p:sp>
+        <p:nvSpPr>
+          <p:cNvPr id="6" name="Footer Placeholder 5">
+            <a:extLst>
+              <a:ext uri="{FF2B5EF4-FFF2-40B4-BE49-F238E27FC236}">
+                <a16:creationId xmlns:a16="http://schemas.microsoft.com/office/drawing/2014/main" id="{4A8B7DCF-DDEA-A9F8-F148-8EA6ACC477FB}"/>
+              </a:ext>
+            </a:extLst>
+          </p:cNvPr>
+          <p:cNvSpPr>
+            <a:spLocks noGrp="1"/>
+          </p:cNvSpPr>
+          <p:nvPr>
+            <p:ph type="ftr" sz="quarter" idx="11"/>
           </p:nvPr>
         </p:nvSpPr>
         <p:spPr>
           <a:xfrm>
-            <a:off x="967750" y="975816"/>
-            <a:ext cx="2979897" cy="1264340"/>
-          </a:xfrm>
-        </p:spPr>
-        <p:txBody>
-          <a:bodyPr/>
+            <a:off x="154429" y="6398878"/>
+            <a:ext cx="4497315" cy="365125"/>
+          </a:xfrm>
+        </p:spPr>
+        <p:txBody>
+          <a:bodyPr vert="horz" lIns="91440" tIns="45720" rIns="91440" bIns="45720" rtlCol="0" anchor="ctr">
+            <a:normAutofit/>
+          </a:bodyPr>
           <a:lstStyle/>
           <a:p>
-            <a:r>
-              <a:rPr lang="en-US" dirty="0"/>
-              <a:t>Subtitle</a:t>
+            <a:pPr>
+              <a:spcAft>
+                <a:spcPts val="600"/>
+              </a:spcAft>
+            </a:pPr>
+            <a:r>
+              <a:rPr lang="en-US" b="1" kern="1200" spc="30" baseline="0">
+                <a:solidFill>
+                  <a:schemeClr val="tx2"/>
+                </a:solidFill>
+                <a:latin typeface="+mj-lt"/>
+                <a:ea typeface="+mn-ea"/>
+                <a:cs typeface="+mn-cs"/>
+              </a:rPr>
+              <a:t>Sample Footer Text</a:t>
             </a:r>
           </a:p>
         </p:txBody>
       </p:sp>
       <p:pic>
         <p:nvPicPr>
-          <p:cNvPr id="8" name="Picture Placeholder 7" descr="View of city buildings over the water from a track">
-            <a:extLst>
-              <a:ext uri="{FF2B5EF4-FFF2-40B4-BE49-F238E27FC236}">
-                <a16:creationId xmlns:a16="http://schemas.microsoft.com/office/drawing/2014/main" id="{5A5996C8-9A00-4071-B24A-D1B22DDFAD6F}"/>
+          <p:cNvPr id="12" name="Picture Placeholder 11" descr="A picture containing text, outdoor, grass, sky&#10;&#10;Description automatically generated">
+            <a:extLst>
+              <a:ext uri="{FF2B5EF4-FFF2-40B4-BE49-F238E27FC236}">
+                <a16:creationId xmlns:a16="http://schemas.microsoft.com/office/drawing/2014/main" id="{74A49074-95BE-67C6-4BD2-2E6C7ACCD68C}"/>
               </a:ext>
             </a:extLst>
           </p:cNvPr>
@@ -20233,95 +21816,284 @@
           </p:nvPr>
         </p:nvPicPr>
         <p:blipFill rotWithShape="1">
-          <a:blip r:embed="rId2" cstate="screen">
-            <a:extLst>
-              <a:ext uri="{28A0092B-C50C-407E-A947-70E740481C1C}">
-                <a14:useLocalDpi xmlns:a14="http://schemas.microsoft.com/office/drawing/2010/main"/>
-              </a:ext>
-            </a:extLst>
-          </a:blip>
-          <a:srcRect/>
+          <a:blip r:embed="rId2"/>
+          <a:srcRect r="30101"/>
           <a:stretch/>
         </p:blipFill>
         <p:spPr>
           <a:xfrm>
-            <a:off x="3208292" y="3"/>
-            <a:ext cx="8997356" cy="4581079"/>
-          </a:xfrm>
+            <a:off x="7225552" y="1995117"/>
+            <a:ext cx="4966447" cy="4862884"/>
+          </a:xfrm>
+          <a:prstGeom prst="rect">
+            <a:avLst/>
+          </a:prstGeom>
         </p:spPr>
       </p:pic>
-      <p:pic>
-        <p:nvPicPr>
-          <p:cNvPr id="10" name="Picture Placeholder 9" descr="View of city buildings over the water">
-            <a:extLst>
-              <a:ext uri="{FF2B5EF4-FFF2-40B4-BE49-F238E27FC236}">
-                <a16:creationId xmlns:a16="http://schemas.microsoft.com/office/drawing/2014/main" id="{C2C517CC-DCFE-4E86-A4E5-F5BFD7BF69FF}"/>
-              </a:ext>
-            </a:extLst>
-          </p:cNvPr>
-          <p:cNvPicPr>
-            <a:picLocks noGrp="1" noChangeAspect="1"/>
-          </p:cNvPicPr>
-          <p:nvPr>
-            <p:ph type="pic" sz="quarter" idx="14"/>
-          </p:nvPr>
-        </p:nvPicPr>
-        <p:blipFill rotWithShape="1">
-          <a:blip r:embed="rId3" cstate="screen">
-            <a:extLst>
-              <a:ext uri="{28A0092B-C50C-407E-A947-70E740481C1C}">
-                <a14:useLocalDpi xmlns:a14="http://schemas.microsoft.com/office/drawing/2010/main"/>
-              </a:ext>
-            </a:extLst>
-          </a:blip>
-          <a:srcRect/>
-          <a:stretch/>
-        </p:blipFill>
+      <p:cxnSp>
+        <p:nvCxnSpPr>
+          <p:cNvPr id="57" name="Straight Connector 40">
+            <a:extLst>
+              <a:ext uri="{FF2B5EF4-FFF2-40B4-BE49-F238E27FC236}">
+                <a16:creationId xmlns:a16="http://schemas.microsoft.com/office/drawing/2014/main" id="{C4595B06-EDA5-4E45-BED4-7891E7E0CD4D}"/>
+              </a:ext>
+              <a:ext uri="{C183D7F6-B498-43B3-948B-1728B52AA6E4}">
+                <adec:decorative xmlns:adec="http://schemas.microsoft.com/office/drawing/2017/decorative" val="1"/>
+              </a:ext>
+            </a:extLst>
+          </p:cNvPr>
+          <p:cNvCxnSpPr>
+            <a:cxnSpLocks noGrp="1" noRot="1" noChangeAspect="1" noMove="1" noResize="1" noEditPoints="1" noAdjustHandles="1" noChangeArrowheads="1" noChangeShapeType="1"/>
+          </p:cNvCxnSpPr>
+          <p:nvPr>
+            <p:extLst>
+              <p:ext uri="{386F3935-93C4-4BCD-93E2-E3B085C9AB24}">
+                <p16:designElem xmlns:p16="http://schemas.microsoft.com/office/powerpoint/2015/main" val="1"/>
+              </p:ext>
+            </p:extLst>
+          </p:nvPr>
+        </p:nvCxnSpPr>
+        <p:spPr>
+          <a:xfrm flipH="1">
+            <a:off x="7331150" y="1171094"/>
+            <a:ext cx="4860850" cy="824023"/>
+          </a:xfrm>
+          <a:prstGeom prst="line">
+            <a:avLst/>
+          </a:prstGeom>
+          <a:ln w="12700">
+            <a:solidFill>
+              <a:schemeClr val="accent2">
+                <a:alpha val="70000"/>
+              </a:schemeClr>
+            </a:solidFill>
+          </a:ln>
+        </p:spPr>
+        <p:style>
+          <a:lnRef idx="1">
+            <a:schemeClr val="accent1"/>
+          </a:lnRef>
+          <a:fillRef idx="0">
+            <a:schemeClr val="accent1"/>
+          </a:fillRef>
+          <a:effectRef idx="0">
+            <a:schemeClr val="accent1"/>
+          </a:effectRef>
+          <a:fontRef idx="minor">
+            <a:schemeClr val="tx1"/>
+          </a:fontRef>
+        </p:style>
+      </p:cxnSp>
+      <p:cxnSp>
+        <p:nvCxnSpPr>
+          <p:cNvPr id="43" name="Straight Connector 42">
+            <a:extLst>
+              <a:ext uri="{FF2B5EF4-FFF2-40B4-BE49-F238E27FC236}">
+                <a16:creationId xmlns:a16="http://schemas.microsoft.com/office/drawing/2014/main" id="{D79C9A5D-F572-476A-99A9-700077150BB3}"/>
+              </a:ext>
+              <a:ext uri="{C183D7F6-B498-43B3-948B-1728B52AA6E4}">
+                <adec:decorative xmlns:adec="http://schemas.microsoft.com/office/drawing/2017/decorative" val="1"/>
+              </a:ext>
+            </a:extLst>
+          </p:cNvPr>
+          <p:cNvCxnSpPr>
+            <a:cxnSpLocks noGrp="1" noRot="1" noChangeAspect="1" noMove="1" noResize="1" noEditPoints="1" noAdjustHandles="1" noChangeArrowheads="1" noChangeShapeType="1"/>
+          </p:cNvCxnSpPr>
+          <p:nvPr>
+            <p:extLst>
+              <p:ext uri="{386F3935-93C4-4BCD-93E2-E3B085C9AB24}">
+                <p16:designElem xmlns:p16="http://schemas.microsoft.com/office/powerpoint/2015/main" val="1"/>
+              </p:ext>
+            </p:extLst>
+          </p:nvPr>
+        </p:nvCxnSpPr>
+        <p:spPr>
+          <a:xfrm flipH="1" flipV="1">
+            <a:off x="8968704" y="0"/>
+            <a:ext cx="2147217" cy="1995117"/>
+          </a:xfrm>
+          <a:prstGeom prst="line">
+            <a:avLst/>
+          </a:prstGeom>
+          <a:ln w="12700">
+            <a:solidFill>
+              <a:schemeClr val="accent2">
+                <a:alpha val="70000"/>
+              </a:schemeClr>
+            </a:solidFill>
+          </a:ln>
+        </p:spPr>
+        <p:style>
+          <a:lnRef idx="1">
+            <a:schemeClr val="accent1"/>
+          </a:lnRef>
+          <a:fillRef idx="0">
+            <a:schemeClr val="accent1"/>
+          </a:fillRef>
+          <a:effectRef idx="0">
+            <a:schemeClr val="accent1"/>
+          </a:effectRef>
+          <a:fontRef idx="minor">
+            <a:schemeClr val="tx1"/>
+          </a:fontRef>
+        </p:style>
+      </p:cxnSp>
+      <p:cxnSp>
+        <p:nvCxnSpPr>
+          <p:cNvPr id="45" name="Straight Connector 44">
+            <a:extLst>
+              <a:ext uri="{FF2B5EF4-FFF2-40B4-BE49-F238E27FC236}">
+                <a16:creationId xmlns:a16="http://schemas.microsoft.com/office/drawing/2014/main" id="{59592DA5-68A4-46A6-90EA-F0304FF8EED7}"/>
+              </a:ext>
+              <a:ext uri="{C183D7F6-B498-43B3-948B-1728B52AA6E4}">
+                <adec:decorative xmlns:adec="http://schemas.microsoft.com/office/drawing/2017/decorative" val="1"/>
+              </a:ext>
+            </a:extLst>
+          </p:cNvPr>
+          <p:cNvCxnSpPr>
+            <a:cxnSpLocks noGrp="1" noRot="1" noChangeAspect="1" noMove="1" noResize="1" noEditPoints="1" noAdjustHandles="1" noChangeArrowheads="1" noChangeShapeType="1"/>
+          </p:cNvCxnSpPr>
+          <p:nvPr>
+            <p:extLst>
+              <p:ext uri="{386F3935-93C4-4BCD-93E2-E3B085C9AB24}">
+                <p16:designElem xmlns:p16="http://schemas.microsoft.com/office/powerpoint/2015/main" val="1"/>
+              </p:ext>
+            </p:extLst>
+          </p:nvPr>
+        </p:nvCxnSpPr>
+        <p:spPr>
+          <a:xfrm flipH="1">
+            <a:off x="11594353" y="-14436"/>
+            <a:ext cx="239059" cy="2009553"/>
+          </a:xfrm>
+          <a:prstGeom prst="line">
+            <a:avLst/>
+          </a:prstGeom>
+          <a:ln w="12700">
+            <a:solidFill>
+              <a:schemeClr val="accent2">
+                <a:alpha val="70000"/>
+              </a:schemeClr>
+            </a:solidFill>
+          </a:ln>
+        </p:spPr>
+        <p:style>
+          <a:lnRef idx="1">
+            <a:schemeClr val="accent1"/>
+          </a:lnRef>
+          <a:fillRef idx="0">
+            <a:schemeClr val="accent1"/>
+          </a:fillRef>
+          <a:effectRef idx="0">
+            <a:schemeClr val="accent1"/>
+          </a:effectRef>
+          <a:fontRef idx="minor">
+            <a:schemeClr val="tx1"/>
+          </a:fontRef>
+        </p:style>
+      </p:cxnSp>
+      <p:sp>
+        <p:nvSpPr>
+          <p:cNvPr id="7" name="Date Placeholder 6">
+            <a:extLst>
+              <a:ext uri="{FF2B5EF4-FFF2-40B4-BE49-F238E27FC236}">
+                <a16:creationId xmlns:a16="http://schemas.microsoft.com/office/drawing/2014/main" id="{CD79B49D-6492-8B5A-B63A-AE5D49989A8F}"/>
+              </a:ext>
+            </a:extLst>
+          </p:cNvPr>
+          <p:cNvSpPr>
+            <a:spLocks noGrp="1"/>
+          </p:cNvSpPr>
+          <p:nvPr>
+            <p:ph type="dt" sz="half" idx="10"/>
+          </p:nvPr>
+        </p:nvSpPr>
         <p:spPr>
           <a:xfrm>
-            <a:off x="7243070" y="883420"/>
-            <a:ext cx="4948931" cy="5974580"/>
-          </a:xfrm>
-        </p:spPr>
-      </p:pic>
-      <p:pic>
-        <p:nvPicPr>
-          <p:cNvPr id="12" name="Picture Placeholder 11" descr="A picture containing glass buildings with reflection">
-            <a:extLst>
-              <a:ext uri="{FF2B5EF4-FFF2-40B4-BE49-F238E27FC236}">
-                <a16:creationId xmlns:a16="http://schemas.microsoft.com/office/drawing/2014/main" id="{90D6ECDF-A0E4-4308-967E-8BAC3E85A4B7}"/>
-              </a:ext>
-            </a:extLst>
-          </p:cNvPr>
-          <p:cNvPicPr>
-            <a:picLocks noGrp="1" noChangeAspect="1"/>
-          </p:cNvPicPr>
-          <p:nvPr>
-            <p:ph type="pic" sz="quarter" idx="15"/>
-          </p:nvPr>
-        </p:nvPicPr>
-        <p:blipFill rotWithShape="1">
-          <a:blip r:embed="rId4" cstate="screen">
-            <a:extLst>
-              <a:ext uri="{28A0092B-C50C-407E-A947-70E740481C1C}">
-                <a14:useLocalDpi xmlns:a14="http://schemas.microsoft.com/office/drawing/2010/main"/>
-              </a:ext>
-            </a:extLst>
-          </a:blip>
-          <a:srcRect/>
-          <a:stretch/>
-        </p:blipFill>
+            <a:off x="7337102" y="6398878"/>
+            <a:ext cx="4193908" cy="365125"/>
+          </a:xfrm>
+        </p:spPr>
+        <p:txBody>
+          <a:bodyPr vert="horz" lIns="91440" tIns="45720" rIns="91440" bIns="45720" rtlCol="0" anchor="ctr">
+            <a:normAutofit/>
+          </a:bodyPr>
+          <a:lstStyle/>
+          <a:p>
+            <a:pPr>
+              <a:spcAft>
+                <a:spcPts val="600"/>
+              </a:spcAft>
+            </a:pPr>
+            <a:r>
+              <a:rPr lang="en-US">
+                <a:solidFill>
+                  <a:srgbClr val="FFFFFF"/>
+                </a:solidFill>
+              </a:rPr>
+              <a:t>2/7/20XX</a:t>
+            </a:r>
+          </a:p>
+        </p:txBody>
+      </p:sp>
+      <p:sp>
+        <p:nvSpPr>
+          <p:cNvPr id="8" name="Slide Number Placeholder 7">
+            <a:extLst>
+              <a:ext uri="{FF2B5EF4-FFF2-40B4-BE49-F238E27FC236}">
+                <a16:creationId xmlns:a16="http://schemas.microsoft.com/office/drawing/2014/main" id="{1913D17C-C1EF-A57F-F913-32BFBFA18BDD}"/>
+              </a:ext>
+            </a:extLst>
+          </p:cNvPr>
+          <p:cNvSpPr>
+            <a:spLocks noGrp="1"/>
+          </p:cNvSpPr>
+          <p:nvPr>
+            <p:ph type="sldNum" sz="quarter" idx="12"/>
+          </p:nvPr>
+        </p:nvSpPr>
         <p:spPr>
           <a:xfrm>
-            <a:off x="4234997" y="4574265"/>
-            <a:ext cx="5074516" cy="2298983"/>
-          </a:xfrm>
-        </p:spPr>
-      </p:pic>
+            <a:off x="11602477" y="6398878"/>
+            <a:ext cx="470887" cy="365125"/>
+          </a:xfrm>
+        </p:spPr>
+        <p:txBody>
+          <a:bodyPr vert="horz" lIns="91440" tIns="45720" rIns="91440" bIns="45720" rtlCol="0" anchor="ctr">
+            <a:normAutofit/>
+          </a:bodyPr>
+          <a:lstStyle/>
+          <a:p>
+            <a:pPr>
+              <a:spcAft>
+                <a:spcPts val="600"/>
+              </a:spcAft>
+            </a:pPr>
+            <a:fld id="{312CC964-A50B-4C29-B4E4-2C30BB34CCF3}" type="slidenum">
+              <a:rPr lang="en-US">
+                <a:solidFill>
+                  <a:srgbClr val="FFFFFF"/>
+                </a:solidFill>
+              </a:rPr>
+              <a:pPr>
+                <a:spcAft>
+                  <a:spcPts val="600"/>
+                </a:spcAft>
+              </a:pPr>
+              <a:t>4</a:t>
+            </a:fld>
+            <a:endParaRPr lang="en-US">
+              <a:solidFill>
+                <a:srgbClr val="FFFFFF"/>
+              </a:solidFill>
+            </a:endParaRPr>
+          </a:p>
+        </p:txBody>
+      </p:sp>
     </p:spTree>
     <p:extLst>
       <p:ext uri="{BB962C8B-B14F-4D97-AF65-F5344CB8AC3E}">
-        <p14:creationId xmlns:p14="http://schemas.microsoft.com/office/powerpoint/2010/main" val="3871568735"/>
+        <p14:creationId xmlns:p14="http://schemas.microsoft.com/office/powerpoint/2010/main" val="298047317"/>
       </p:ext>
     </p:extLst>
   </p:cSld>
@@ -20332,6 +22104,1993 @@
 </file>
 
 <file path=ppt/slides/slide5.xml><?xml version="1.0" encoding="utf-8"?>
+<p:sld xmlns:a="http://schemas.openxmlformats.org/drawingml/2006/main" xmlns:r="http://schemas.openxmlformats.org/officeDocument/2006/relationships" xmlns:p="http://schemas.openxmlformats.org/presentationml/2006/main">
+  <p:cSld>
+    <p:bg>
+      <p:bgPr>
+        <a:solidFill>
+          <a:schemeClr val="bg1"/>
+        </a:solidFill>
+        <a:effectLst/>
+      </p:bgPr>
+    </p:bg>
+    <p:spTree>
+      <p:nvGrpSpPr>
+        <p:cNvPr id="1" name=""/>
+        <p:cNvGrpSpPr/>
+        <p:nvPr/>
+      </p:nvGrpSpPr>
+      <p:grpSpPr>
+        <a:xfrm>
+          <a:off x="0" y="0"/>
+          <a:ext cx="0" cy="0"/>
+          <a:chOff x="0" y="0"/>
+          <a:chExt cx="0" cy="0"/>
+        </a:xfrm>
+      </p:grpSpPr>
+      <p:cxnSp>
+        <p:nvCxnSpPr>
+          <p:cNvPr id="53" name="Straight Connector 52">
+            <a:extLst>
+              <a:ext uri="{FF2B5EF4-FFF2-40B4-BE49-F238E27FC236}">
+                <a16:creationId xmlns:a16="http://schemas.microsoft.com/office/drawing/2014/main" id="{4436E0F2-A64B-471E-93C0-8DFE08CC57C8}"/>
+              </a:ext>
+              <a:ext uri="{C183D7F6-B498-43B3-948B-1728B52AA6E4}">
+                <adec:decorative xmlns:adec="http://schemas.microsoft.com/office/drawing/2017/decorative" val="1"/>
+              </a:ext>
+            </a:extLst>
+          </p:cNvPr>
+          <p:cNvCxnSpPr>
+            <a:cxnSpLocks noGrp="1" noRot="1" noChangeAspect="1" noMove="1" noResize="1" noEditPoints="1" noAdjustHandles="1" noChangeArrowheads="1" noChangeShapeType="1"/>
+          </p:cNvCxnSpPr>
+          <p:nvPr>
+            <p:extLst>
+              <p:ext uri="{386F3935-93C4-4BCD-93E2-E3B085C9AB24}">
+                <p16:designElem xmlns:p16="http://schemas.microsoft.com/office/powerpoint/2015/main" val="1"/>
+              </p:ext>
+            </p:extLst>
+          </p:nvPr>
+        </p:nvCxnSpPr>
+        <p:spPr>
+          <a:xfrm flipH="1">
+            <a:off x="0" y="0"/>
+            <a:ext cx="3119718" cy="685800"/>
+          </a:xfrm>
+          <a:prstGeom prst="line">
+            <a:avLst/>
+          </a:prstGeom>
+          <a:ln w="12700">
+            <a:solidFill>
+              <a:schemeClr val="accent2">
+                <a:alpha val="70000"/>
+              </a:schemeClr>
+            </a:solidFill>
+          </a:ln>
+        </p:spPr>
+        <p:style>
+          <a:lnRef idx="1">
+            <a:schemeClr val="accent1"/>
+          </a:lnRef>
+          <a:fillRef idx="0">
+            <a:schemeClr val="accent1"/>
+          </a:fillRef>
+          <a:effectRef idx="0">
+            <a:schemeClr val="accent1"/>
+          </a:effectRef>
+          <a:fontRef idx="minor">
+            <a:schemeClr val="tx1"/>
+          </a:fontRef>
+        </p:style>
+      </p:cxnSp>
+      <p:cxnSp>
+        <p:nvCxnSpPr>
+          <p:cNvPr id="55" name="Straight Connector 54">
+            <a:extLst>
+              <a:ext uri="{FF2B5EF4-FFF2-40B4-BE49-F238E27FC236}">
+                <a16:creationId xmlns:a16="http://schemas.microsoft.com/office/drawing/2014/main" id="{DC1E3AB1-2A8C-4607-9FAE-D8BDB280FE1A}"/>
+              </a:ext>
+              <a:ext uri="{C183D7F6-B498-43B3-948B-1728B52AA6E4}">
+                <adec:decorative xmlns:adec="http://schemas.microsoft.com/office/drawing/2017/decorative" val="1"/>
+              </a:ext>
+            </a:extLst>
+          </p:cNvPr>
+          <p:cNvCxnSpPr>
+            <a:cxnSpLocks noGrp="1" noRot="1" noChangeAspect="1" noMove="1" noResize="1" noEditPoints="1" noAdjustHandles="1" noChangeArrowheads="1" noChangeShapeType="1"/>
+          </p:cNvCxnSpPr>
+          <p:nvPr>
+            <p:extLst>
+              <p:ext uri="{386F3935-93C4-4BCD-93E2-E3B085C9AB24}">
+                <p16:designElem xmlns:p16="http://schemas.microsoft.com/office/powerpoint/2015/main" val="1"/>
+              </p:ext>
+            </p:extLst>
+          </p:nvPr>
+        </p:nvCxnSpPr>
+        <p:spPr>
+          <a:xfrm flipH="1">
+            <a:off x="0" y="0"/>
+            <a:ext cx="903768" cy="6543675"/>
+          </a:xfrm>
+          <a:prstGeom prst="line">
+            <a:avLst/>
+          </a:prstGeom>
+          <a:ln w="12700">
+            <a:solidFill>
+              <a:schemeClr val="accent2">
+                <a:alpha val="70000"/>
+              </a:schemeClr>
+            </a:solidFill>
+          </a:ln>
+        </p:spPr>
+        <p:style>
+          <a:lnRef idx="1">
+            <a:schemeClr val="accent1"/>
+          </a:lnRef>
+          <a:fillRef idx="0">
+            <a:schemeClr val="accent1"/>
+          </a:fillRef>
+          <a:effectRef idx="0">
+            <a:schemeClr val="accent1"/>
+          </a:effectRef>
+          <a:fontRef idx="minor">
+            <a:schemeClr val="tx1"/>
+          </a:fontRef>
+        </p:style>
+      </p:cxnSp>
+      <p:cxnSp>
+        <p:nvCxnSpPr>
+          <p:cNvPr id="57" name="Straight Connector 56">
+            <a:extLst>
+              <a:ext uri="{FF2B5EF4-FFF2-40B4-BE49-F238E27FC236}">
+                <a16:creationId xmlns:a16="http://schemas.microsoft.com/office/drawing/2014/main" id="{26D66059-832F-40B6-A35F-F56C8F38A1E7}"/>
+              </a:ext>
+              <a:ext uri="{C183D7F6-B498-43B3-948B-1728B52AA6E4}">
+                <adec:decorative xmlns:adec="http://schemas.microsoft.com/office/drawing/2017/decorative" val="1"/>
+              </a:ext>
+            </a:extLst>
+          </p:cNvPr>
+          <p:cNvCxnSpPr>
+            <a:cxnSpLocks noGrp="1" noRot="1" noChangeAspect="1" noMove="1" noResize="1" noEditPoints="1" noAdjustHandles="1" noChangeArrowheads="1" noChangeShapeType="1"/>
+          </p:cNvCxnSpPr>
+          <p:nvPr>
+            <p:extLst>
+              <p:ext uri="{386F3935-93C4-4BCD-93E2-E3B085C9AB24}">
+                <p16:designElem xmlns:p16="http://schemas.microsoft.com/office/powerpoint/2015/main" val="1"/>
+              </p:ext>
+            </p:extLst>
+          </p:nvPr>
+        </p:nvCxnSpPr>
+        <p:spPr>
+          <a:xfrm flipH="1" flipV="1">
+            <a:off x="-42863" y="5791200"/>
+            <a:ext cx="6286501" cy="1066801"/>
+          </a:xfrm>
+          <a:prstGeom prst="line">
+            <a:avLst/>
+          </a:prstGeom>
+          <a:ln w="12700">
+            <a:solidFill>
+              <a:schemeClr val="accent2">
+                <a:alpha val="70000"/>
+              </a:schemeClr>
+            </a:solidFill>
+          </a:ln>
+        </p:spPr>
+        <p:style>
+          <a:lnRef idx="1">
+            <a:schemeClr val="accent1"/>
+          </a:lnRef>
+          <a:fillRef idx="0">
+            <a:schemeClr val="accent1"/>
+          </a:fillRef>
+          <a:effectRef idx="0">
+            <a:schemeClr val="accent1"/>
+          </a:effectRef>
+          <a:fontRef idx="minor">
+            <a:schemeClr val="tx1"/>
+          </a:fontRef>
+        </p:style>
+      </p:cxnSp>
+      <p:cxnSp>
+        <p:nvCxnSpPr>
+          <p:cNvPr id="59" name="Straight Connector 58">
+            <a:extLst>
+              <a:ext uri="{FF2B5EF4-FFF2-40B4-BE49-F238E27FC236}">
+                <a16:creationId xmlns:a16="http://schemas.microsoft.com/office/drawing/2014/main" id="{A515E2ED-7EA9-448D-83FA-54C3DF9723BD}"/>
+              </a:ext>
+              <a:ext uri="{C183D7F6-B498-43B3-948B-1728B52AA6E4}">
+                <adec:decorative xmlns:adec="http://schemas.microsoft.com/office/drawing/2017/decorative" val="1"/>
+              </a:ext>
+            </a:extLst>
+          </p:cNvPr>
+          <p:cNvCxnSpPr>
+            <a:cxnSpLocks noGrp="1" noRot="1" noChangeAspect="1" noMove="1" noResize="1" noEditPoints="1" noAdjustHandles="1" noChangeArrowheads="1" noChangeShapeType="1"/>
+          </p:cNvCxnSpPr>
+          <p:nvPr>
+            <p:extLst>
+              <p:ext uri="{386F3935-93C4-4BCD-93E2-E3B085C9AB24}">
+                <p16:designElem xmlns:p16="http://schemas.microsoft.com/office/powerpoint/2015/main" val="1"/>
+              </p:ext>
+            </p:extLst>
+          </p:nvPr>
+        </p:nvCxnSpPr>
+        <p:spPr>
+          <a:xfrm flipH="1">
+            <a:off x="8462964" y="5848350"/>
+            <a:ext cx="3729036" cy="1009650"/>
+          </a:xfrm>
+          <a:prstGeom prst="line">
+            <a:avLst/>
+          </a:prstGeom>
+          <a:ln w="12700">
+            <a:solidFill>
+              <a:schemeClr val="accent2">
+                <a:alpha val="70000"/>
+              </a:schemeClr>
+            </a:solidFill>
+          </a:ln>
+        </p:spPr>
+        <p:style>
+          <a:lnRef idx="1">
+            <a:schemeClr val="accent1"/>
+          </a:lnRef>
+          <a:fillRef idx="0">
+            <a:schemeClr val="accent1"/>
+          </a:fillRef>
+          <a:effectRef idx="0">
+            <a:schemeClr val="accent1"/>
+          </a:effectRef>
+          <a:fontRef idx="minor">
+            <a:schemeClr val="tx1"/>
+          </a:fontRef>
+        </p:style>
+      </p:cxnSp>
+      <p:cxnSp>
+        <p:nvCxnSpPr>
+          <p:cNvPr id="61" name="Straight Connector 60">
+            <a:extLst>
+              <a:ext uri="{FF2B5EF4-FFF2-40B4-BE49-F238E27FC236}">
+                <a16:creationId xmlns:a16="http://schemas.microsoft.com/office/drawing/2014/main" id="{20595356-EABD-4767-AC9D-EA21FF115EC0}"/>
+              </a:ext>
+              <a:ext uri="{C183D7F6-B498-43B3-948B-1728B52AA6E4}">
+                <adec:decorative xmlns:adec="http://schemas.microsoft.com/office/drawing/2017/decorative" val="1"/>
+              </a:ext>
+            </a:extLst>
+          </p:cNvPr>
+          <p:cNvCxnSpPr>
+            <a:cxnSpLocks noGrp="1" noRot="1" noChangeAspect="1" noMove="1" noResize="1" noEditPoints="1" noAdjustHandles="1" noChangeArrowheads="1" noChangeShapeType="1"/>
+          </p:cNvCxnSpPr>
+          <p:nvPr>
+            <p:extLst>
+              <p:ext uri="{386F3935-93C4-4BCD-93E2-E3B085C9AB24}">
+                <p16:designElem xmlns:p16="http://schemas.microsoft.com/office/powerpoint/2015/main" val="1"/>
+              </p:ext>
+            </p:extLst>
+          </p:nvPr>
+        </p:nvCxnSpPr>
+        <p:spPr>
+          <a:xfrm flipH="1">
+            <a:off x="11543158" y="1647825"/>
+            <a:ext cx="648842" cy="5210175"/>
+          </a:xfrm>
+          <a:prstGeom prst="line">
+            <a:avLst/>
+          </a:prstGeom>
+          <a:ln w="12700">
+            <a:solidFill>
+              <a:schemeClr val="accent2">
+                <a:alpha val="70000"/>
+              </a:schemeClr>
+            </a:solidFill>
+          </a:ln>
+        </p:spPr>
+        <p:style>
+          <a:lnRef idx="1">
+            <a:schemeClr val="accent1"/>
+          </a:lnRef>
+          <a:fillRef idx="0">
+            <a:schemeClr val="accent1"/>
+          </a:fillRef>
+          <a:effectRef idx="0">
+            <a:schemeClr val="accent1"/>
+          </a:effectRef>
+          <a:fontRef idx="minor">
+            <a:schemeClr val="tx1"/>
+          </a:fontRef>
+        </p:style>
+      </p:cxnSp>
+      <p:cxnSp>
+        <p:nvCxnSpPr>
+          <p:cNvPr id="63" name="Straight Connector 62">
+            <a:extLst>
+              <a:ext uri="{FF2B5EF4-FFF2-40B4-BE49-F238E27FC236}">
+                <a16:creationId xmlns:a16="http://schemas.microsoft.com/office/drawing/2014/main" id="{28CD9F06-9628-469C-B788-A894E3E08281}"/>
+              </a:ext>
+              <a:ext uri="{C183D7F6-B498-43B3-948B-1728B52AA6E4}">
+                <adec:decorative xmlns:adec="http://schemas.microsoft.com/office/drawing/2017/decorative" val="1"/>
+              </a:ext>
+            </a:extLst>
+          </p:cNvPr>
+          <p:cNvCxnSpPr>
+            <a:cxnSpLocks noGrp="1" noRot="1" noChangeAspect="1" noMove="1" noResize="1" noEditPoints="1" noAdjustHandles="1" noChangeArrowheads="1" noChangeShapeType="1"/>
+          </p:cNvCxnSpPr>
+          <p:nvPr>
+            <p:extLst>
+              <p:ext uri="{386F3935-93C4-4BCD-93E2-E3B085C9AB24}">
+                <p16:designElem xmlns:p16="http://schemas.microsoft.com/office/powerpoint/2015/main" val="1"/>
+              </p:ext>
+            </p:extLst>
+          </p:nvPr>
+        </p:nvCxnSpPr>
+        <p:spPr>
+          <a:xfrm flipH="1" flipV="1">
+            <a:off x="10781554" y="0"/>
+            <a:ext cx="1410446" cy="4258340"/>
+          </a:xfrm>
+          <a:prstGeom prst="line">
+            <a:avLst/>
+          </a:prstGeom>
+          <a:ln w="12700">
+            <a:solidFill>
+              <a:schemeClr val="accent2">
+                <a:alpha val="70000"/>
+              </a:schemeClr>
+            </a:solidFill>
+          </a:ln>
+        </p:spPr>
+        <p:style>
+          <a:lnRef idx="1">
+            <a:schemeClr val="accent1"/>
+          </a:lnRef>
+          <a:fillRef idx="0">
+            <a:schemeClr val="accent1"/>
+          </a:fillRef>
+          <a:effectRef idx="0">
+            <a:schemeClr val="accent1"/>
+          </a:effectRef>
+          <a:fontRef idx="minor">
+            <a:schemeClr val="tx1"/>
+          </a:fontRef>
+        </p:style>
+      </p:cxnSp>
+      <p:cxnSp>
+        <p:nvCxnSpPr>
+          <p:cNvPr id="65" name="Straight Connector 64">
+            <a:extLst>
+              <a:ext uri="{FF2B5EF4-FFF2-40B4-BE49-F238E27FC236}">
+                <a16:creationId xmlns:a16="http://schemas.microsoft.com/office/drawing/2014/main" id="{8550A431-0B61-421B-B4B7-24C0CFF0F938}"/>
+              </a:ext>
+              <a:ext uri="{C183D7F6-B498-43B3-948B-1728B52AA6E4}">
+                <adec:decorative xmlns:adec="http://schemas.microsoft.com/office/drawing/2017/decorative" val="1"/>
+              </a:ext>
+            </a:extLst>
+          </p:cNvPr>
+          <p:cNvCxnSpPr>
+            <a:cxnSpLocks noGrp="1" noRot="1" noChangeAspect="1" noMove="1" noResize="1" noEditPoints="1" noAdjustHandles="1" noChangeArrowheads="1" noChangeShapeType="1"/>
+          </p:cNvCxnSpPr>
+          <p:nvPr>
+            <p:extLst>
+              <p:ext uri="{386F3935-93C4-4BCD-93E2-E3B085C9AB24}">
+                <p16:designElem xmlns:p16="http://schemas.microsoft.com/office/powerpoint/2015/main" val="1"/>
+              </p:ext>
+            </p:extLst>
+          </p:nvPr>
+        </p:nvCxnSpPr>
+        <p:spPr>
+          <a:xfrm flipH="1" flipV="1">
+            <a:off x="6529388" y="-4763"/>
+            <a:ext cx="5662612" cy="931975"/>
+          </a:xfrm>
+          <a:prstGeom prst="line">
+            <a:avLst/>
+          </a:prstGeom>
+          <a:ln w="12700">
+            <a:solidFill>
+              <a:schemeClr val="accent2">
+                <a:alpha val="70000"/>
+              </a:schemeClr>
+            </a:solidFill>
+          </a:ln>
+        </p:spPr>
+        <p:style>
+          <a:lnRef idx="1">
+            <a:schemeClr val="accent1"/>
+          </a:lnRef>
+          <a:fillRef idx="0">
+            <a:schemeClr val="accent1"/>
+          </a:fillRef>
+          <a:effectRef idx="0">
+            <a:schemeClr val="accent1"/>
+          </a:effectRef>
+          <a:fontRef idx="minor">
+            <a:schemeClr val="tx1"/>
+          </a:fontRef>
+        </p:style>
+      </p:cxnSp>
+      <p:sp useBgFill="1">
+        <p:nvSpPr>
+          <p:cNvPr id="67" name="Rectangle 66">
+            <a:extLst>
+              <a:ext uri="{FF2B5EF4-FFF2-40B4-BE49-F238E27FC236}">
+                <a16:creationId xmlns:a16="http://schemas.microsoft.com/office/drawing/2014/main" id="{DD16DE02-C2C8-477C-9FD7-70A983BDEA14}"/>
+              </a:ext>
+              <a:ext uri="{C183D7F6-B498-43B3-948B-1728B52AA6E4}">
+                <adec:decorative xmlns:adec="http://schemas.microsoft.com/office/drawing/2017/decorative" val="1"/>
+              </a:ext>
+            </a:extLst>
+          </p:cNvPr>
+          <p:cNvSpPr>
+            <a:spLocks noGrp="1" noRot="1" noChangeAspect="1" noMove="1" noResize="1" noEditPoints="1" noAdjustHandles="1" noChangeArrowheads="1" noChangeShapeType="1" noTextEdit="1"/>
+          </p:cNvSpPr>
+          <p:nvPr>
+            <p:extLst>
+              <p:ext uri="{386F3935-93C4-4BCD-93E2-E3B085C9AB24}">
+                <p16:designElem xmlns:p16="http://schemas.microsoft.com/office/powerpoint/2015/main" val="1"/>
+              </p:ext>
+            </p:extLst>
+          </p:nvPr>
+        </p:nvSpPr>
+        <p:spPr>
+          <a:xfrm>
+            <a:off x="0" y="0"/>
+            <a:ext cx="12192000" cy="6858000"/>
+          </a:xfrm>
+          <a:prstGeom prst="rect">
+            <a:avLst/>
+          </a:prstGeom>
+          <a:ln w="12700" cap="flat" cmpd="sng" algn="ctr">
+            <a:noFill/>
+            <a:prstDash val="solid"/>
+            <a:miter lim="800000"/>
+          </a:ln>
+          <a:effectLst/>
+          <a:extLst>
+            <a:ext uri="{91240B29-F687-4F45-9708-019B960494DF}">
+              <a14:hiddenLine xmlns:a14="http://schemas.microsoft.com/office/drawing/2010/main" w="12700" cap="flat" cmpd="sng" algn="ctr">
+                <a:solidFill>
+                  <a:schemeClr val="accent1">
+                    <a:shade val="50000"/>
+                  </a:schemeClr>
+                </a:solidFill>
+                <a:prstDash val="solid"/>
+                <a:miter lim="800000"/>
+              </a14:hiddenLine>
+            </a:ext>
+          </a:extLst>
+        </p:spPr>
+        <p:style>
+          <a:lnRef idx="2">
+            <a:schemeClr val="accent1">
+              <a:shade val="50000"/>
+            </a:schemeClr>
+          </a:lnRef>
+          <a:fillRef idx="1">
+            <a:schemeClr val="accent1"/>
+          </a:fillRef>
+          <a:effectRef idx="0">
+            <a:schemeClr val="accent1"/>
+          </a:effectRef>
+          <a:fontRef idx="minor">
+            <a:schemeClr val="lt1"/>
+          </a:fontRef>
+        </p:style>
+        <p:txBody>
+          <a:bodyPr rtlCol="0" anchor="ctr"/>
+          <a:lstStyle/>
+          <a:p>
+            <a:pPr algn="ctr"/>
+            <a:endParaRPr lang="en-US"/>
+          </a:p>
+        </p:txBody>
+      </p:sp>
+      <p:sp>
+        <p:nvSpPr>
+          <p:cNvPr id="69" name="Rectangle 68">
+            <a:extLst>
+              <a:ext uri="{FF2B5EF4-FFF2-40B4-BE49-F238E27FC236}">
+                <a16:creationId xmlns:a16="http://schemas.microsoft.com/office/drawing/2014/main" id="{D13AF29F-D5EC-4489-BF8F-3B356C5972CD}"/>
+              </a:ext>
+              <a:ext uri="{C183D7F6-B498-43B3-948B-1728B52AA6E4}">
+                <adec:decorative xmlns:adec="http://schemas.microsoft.com/office/drawing/2017/decorative" val="1"/>
+              </a:ext>
+            </a:extLst>
+          </p:cNvPr>
+          <p:cNvSpPr>
+            <a:spLocks noGrp="1" noRot="1" noChangeAspect="1" noMove="1" noResize="1" noEditPoints="1" noAdjustHandles="1" noChangeArrowheads="1" noChangeShapeType="1" noTextEdit="1"/>
+          </p:cNvSpPr>
+          <p:nvPr>
+            <p:extLst>
+              <p:ext uri="{386F3935-93C4-4BCD-93E2-E3B085C9AB24}">
+                <p16:designElem xmlns:p16="http://schemas.microsoft.com/office/powerpoint/2015/main" val="1"/>
+              </p:ext>
+            </p:extLst>
+          </p:nvPr>
+        </p:nvSpPr>
+        <p:spPr>
+          <a:xfrm>
+            <a:off x="0" y="653"/>
+            <a:ext cx="12192000" cy="2008900"/>
+          </a:xfrm>
+          <a:prstGeom prst="rect">
+            <a:avLst/>
+          </a:prstGeom>
+          <a:solidFill>
+            <a:schemeClr val="bg2"/>
+          </a:solidFill>
+          <a:ln>
+            <a:noFill/>
+          </a:ln>
+        </p:spPr>
+        <p:style>
+          <a:lnRef idx="2">
+            <a:schemeClr val="accent1">
+              <a:shade val="50000"/>
+            </a:schemeClr>
+          </a:lnRef>
+          <a:fillRef idx="1">
+            <a:schemeClr val="accent1"/>
+          </a:fillRef>
+          <a:effectRef idx="0">
+            <a:schemeClr val="accent1"/>
+          </a:effectRef>
+          <a:fontRef idx="minor">
+            <a:schemeClr val="lt1"/>
+          </a:fontRef>
+        </p:style>
+        <p:txBody>
+          <a:bodyPr rtlCol="0" anchor="ctr"/>
+          <a:lstStyle/>
+          <a:p>
+            <a:pPr algn="ctr"/>
+            <a:endParaRPr lang="en-US"/>
+          </a:p>
+        </p:txBody>
+      </p:sp>
+      <p:cxnSp>
+        <p:nvCxnSpPr>
+          <p:cNvPr id="71" name="Straight Connector 70">
+            <a:extLst>
+              <a:ext uri="{FF2B5EF4-FFF2-40B4-BE49-F238E27FC236}">
+                <a16:creationId xmlns:a16="http://schemas.microsoft.com/office/drawing/2014/main" id="{60173A01-F891-430E-B39E-483E711B204B}"/>
+              </a:ext>
+              <a:ext uri="{C183D7F6-B498-43B3-948B-1728B52AA6E4}">
+                <adec:decorative xmlns:adec="http://schemas.microsoft.com/office/drawing/2017/decorative" val="1"/>
+              </a:ext>
+            </a:extLst>
+          </p:cNvPr>
+          <p:cNvCxnSpPr>
+            <a:cxnSpLocks noGrp="1" noRot="1" noChangeAspect="1" noMove="1" noResize="1" noEditPoints="1" noAdjustHandles="1" noChangeArrowheads="1" noChangeShapeType="1"/>
+          </p:cNvCxnSpPr>
+          <p:nvPr>
+            <p:extLst>
+              <p:ext uri="{386F3935-93C4-4BCD-93E2-E3B085C9AB24}">
+                <p16:designElem xmlns:p16="http://schemas.microsoft.com/office/powerpoint/2015/main" val="1"/>
+              </p:ext>
+            </p:extLst>
+          </p:nvPr>
+        </p:nvCxnSpPr>
+        <p:spPr>
+          <a:xfrm flipH="1">
+            <a:off x="0" y="0"/>
+            <a:ext cx="3119718" cy="685800"/>
+          </a:xfrm>
+          <a:prstGeom prst="line">
+            <a:avLst/>
+          </a:prstGeom>
+          <a:ln w="12700">
+            <a:solidFill>
+              <a:schemeClr val="accent2">
+                <a:alpha val="70000"/>
+              </a:schemeClr>
+            </a:solidFill>
+          </a:ln>
+        </p:spPr>
+        <p:style>
+          <a:lnRef idx="1">
+            <a:schemeClr val="accent1"/>
+          </a:lnRef>
+          <a:fillRef idx="0">
+            <a:schemeClr val="accent1"/>
+          </a:fillRef>
+          <a:effectRef idx="0">
+            <a:schemeClr val="accent1"/>
+          </a:effectRef>
+          <a:fontRef idx="minor">
+            <a:schemeClr val="tx1"/>
+          </a:fontRef>
+        </p:style>
+      </p:cxnSp>
+      <p:cxnSp>
+        <p:nvCxnSpPr>
+          <p:cNvPr id="73" name="Straight Connector 72">
+            <a:extLst>
+              <a:ext uri="{FF2B5EF4-FFF2-40B4-BE49-F238E27FC236}">
+                <a16:creationId xmlns:a16="http://schemas.microsoft.com/office/drawing/2014/main" id="{1E0363E9-7CD0-497E-88D7-940136490327}"/>
+              </a:ext>
+              <a:ext uri="{C183D7F6-B498-43B3-948B-1728B52AA6E4}">
+                <adec:decorative xmlns:adec="http://schemas.microsoft.com/office/drawing/2017/decorative" val="1"/>
+              </a:ext>
+            </a:extLst>
+          </p:cNvPr>
+          <p:cNvCxnSpPr>
+            <a:cxnSpLocks noGrp="1" noRot="1" noChangeAspect="1" noMove="1" noResize="1" noEditPoints="1" noAdjustHandles="1" noChangeArrowheads="1" noChangeShapeType="1"/>
+          </p:cNvCxnSpPr>
+          <p:nvPr>
+            <p:extLst>
+              <p:ext uri="{386F3935-93C4-4BCD-93E2-E3B085C9AB24}">
+                <p16:designElem xmlns:p16="http://schemas.microsoft.com/office/powerpoint/2015/main" val="1"/>
+              </p:ext>
+            </p:extLst>
+          </p:nvPr>
+        </p:nvCxnSpPr>
+        <p:spPr>
+          <a:xfrm flipH="1">
+            <a:off x="478117" y="0"/>
+            <a:ext cx="340591" cy="2009553"/>
+          </a:xfrm>
+          <a:prstGeom prst="line">
+            <a:avLst/>
+          </a:prstGeom>
+          <a:ln w="12700">
+            <a:solidFill>
+              <a:schemeClr val="accent2">
+                <a:alpha val="70000"/>
+              </a:schemeClr>
+            </a:solidFill>
+          </a:ln>
+        </p:spPr>
+        <p:style>
+          <a:lnRef idx="1">
+            <a:schemeClr val="accent1"/>
+          </a:lnRef>
+          <a:fillRef idx="0">
+            <a:schemeClr val="accent1"/>
+          </a:fillRef>
+          <a:effectRef idx="0">
+            <a:schemeClr val="accent1"/>
+          </a:effectRef>
+          <a:fontRef idx="minor">
+            <a:schemeClr val="tx1"/>
+          </a:fontRef>
+        </p:style>
+      </p:cxnSp>
+      <p:cxnSp>
+        <p:nvCxnSpPr>
+          <p:cNvPr id="75" name="Straight Connector 74">
+            <a:extLst>
+              <a:ext uri="{FF2B5EF4-FFF2-40B4-BE49-F238E27FC236}">
+                <a16:creationId xmlns:a16="http://schemas.microsoft.com/office/drawing/2014/main" id="{ECCD4B14-FFCC-4CE5-BC9D-DF47AA1AD7F4}"/>
+              </a:ext>
+              <a:ext uri="{C183D7F6-B498-43B3-948B-1728B52AA6E4}">
+                <adec:decorative xmlns:adec="http://schemas.microsoft.com/office/drawing/2017/decorative" val="1"/>
+              </a:ext>
+            </a:extLst>
+          </p:cNvPr>
+          <p:cNvCxnSpPr>
+            <a:cxnSpLocks noGrp="1" noRot="1" noChangeAspect="1" noMove="1" noResize="1" noEditPoints="1" noAdjustHandles="1" noChangeArrowheads="1" noChangeShapeType="1"/>
+          </p:cNvCxnSpPr>
+          <p:nvPr>
+            <p:extLst>
+              <p:ext uri="{386F3935-93C4-4BCD-93E2-E3B085C9AB24}">
+                <p16:designElem xmlns:p16="http://schemas.microsoft.com/office/powerpoint/2015/main" val="1"/>
+              </p:ext>
+            </p:extLst>
+          </p:nvPr>
+        </p:nvCxnSpPr>
+        <p:spPr>
+          <a:xfrm flipH="1">
+            <a:off x="7331150" y="1171094"/>
+            <a:ext cx="4860850" cy="824023"/>
+          </a:xfrm>
+          <a:prstGeom prst="line">
+            <a:avLst/>
+          </a:prstGeom>
+          <a:ln w="12700">
+            <a:solidFill>
+              <a:schemeClr val="accent2">
+                <a:alpha val="70000"/>
+              </a:schemeClr>
+            </a:solidFill>
+          </a:ln>
+        </p:spPr>
+        <p:style>
+          <a:lnRef idx="1">
+            <a:schemeClr val="accent1"/>
+          </a:lnRef>
+          <a:fillRef idx="0">
+            <a:schemeClr val="accent1"/>
+          </a:fillRef>
+          <a:effectRef idx="0">
+            <a:schemeClr val="accent1"/>
+          </a:effectRef>
+          <a:fontRef idx="minor">
+            <a:schemeClr val="tx1"/>
+          </a:fontRef>
+        </p:style>
+      </p:cxnSp>
+      <p:cxnSp>
+        <p:nvCxnSpPr>
+          <p:cNvPr id="77" name="Straight Connector 76">
+            <a:extLst>
+              <a:ext uri="{FF2B5EF4-FFF2-40B4-BE49-F238E27FC236}">
+                <a16:creationId xmlns:a16="http://schemas.microsoft.com/office/drawing/2014/main" id="{15DED734-54E5-48ED-AEE6-165F24827C70}"/>
+              </a:ext>
+              <a:ext uri="{C183D7F6-B498-43B3-948B-1728B52AA6E4}">
+                <adec:decorative xmlns:adec="http://schemas.microsoft.com/office/drawing/2017/decorative" val="1"/>
+              </a:ext>
+            </a:extLst>
+          </p:cNvPr>
+          <p:cNvCxnSpPr>
+            <a:cxnSpLocks noGrp="1" noRot="1" noChangeAspect="1" noMove="1" noResize="1" noEditPoints="1" noAdjustHandles="1" noChangeArrowheads="1" noChangeShapeType="1"/>
+          </p:cNvCxnSpPr>
+          <p:nvPr>
+            <p:extLst>
+              <p:ext uri="{386F3935-93C4-4BCD-93E2-E3B085C9AB24}">
+                <p16:designElem xmlns:p16="http://schemas.microsoft.com/office/powerpoint/2015/main" val="1"/>
+              </p:ext>
+            </p:extLst>
+          </p:nvPr>
+        </p:nvCxnSpPr>
+        <p:spPr>
+          <a:xfrm flipH="1" flipV="1">
+            <a:off x="8968704" y="0"/>
+            <a:ext cx="2147217" cy="1995117"/>
+          </a:xfrm>
+          <a:prstGeom prst="line">
+            <a:avLst/>
+          </a:prstGeom>
+          <a:ln w="12700">
+            <a:solidFill>
+              <a:schemeClr val="accent2">
+                <a:alpha val="70000"/>
+              </a:schemeClr>
+            </a:solidFill>
+          </a:ln>
+        </p:spPr>
+        <p:style>
+          <a:lnRef idx="1">
+            <a:schemeClr val="accent1"/>
+          </a:lnRef>
+          <a:fillRef idx="0">
+            <a:schemeClr val="accent1"/>
+          </a:fillRef>
+          <a:effectRef idx="0">
+            <a:schemeClr val="accent1"/>
+          </a:effectRef>
+          <a:fontRef idx="minor">
+            <a:schemeClr val="tx1"/>
+          </a:fontRef>
+        </p:style>
+      </p:cxnSp>
+      <p:sp>
+        <p:nvSpPr>
+          <p:cNvPr id="2" name="Title 1">
+            <a:extLst>
+              <a:ext uri="{FF2B5EF4-FFF2-40B4-BE49-F238E27FC236}">
+                <a16:creationId xmlns:a16="http://schemas.microsoft.com/office/drawing/2014/main" id="{087D8BE3-5621-6952-017A-13749984D773}"/>
+              </a:ext>
+            </a:extLst>
+          </p:cNvPr>
+          <p:cNvSpPr>
+            <a:spLocks noGrp="1"/>
+          </p:cNvSpPr>
+          <p:nvPr>
+            <p:ph type="title"/>
+          </p:nvPr>
+        </p:nvSpPr>
+        <p:spPr>
+          <a:xfrm>
+            <a:off x="1129553" y="584791"/>
+            <a:ext cx="10064376" cy="1086847"/>
+          </a:xfrm>
+        </p:spPr>
+        <p:txBody>
+          <a:bodyPr vert="horz" lIns="91440" tIns="45720" rIns="91440" bIns="45720" rtlCol="0" anchor="ctr">
+            <a:normAutofit/>
+          </a:bodyPr>
+          <a:lstStyle/>
+          <a:p>
+            <a:r>
+              <a:rPr lang="en-US" dirty="0"/>
+              <a:t>Assumptions</a:t>
+            </a:r>
+          </a:p>
+        </p:txBody>
+      </p:sp>
+      <p:cxnSp>
+        <p:nvCxnSpPr>
+          <p:cNvPr id="94" name="Straight Connector 78">
+            <a:extLst>
+              <a:ext uri="{FF2B5EF4-FFF2-40B4-BE49-F238E27FC236}">
+                <a16:creationId xmlns:a16="http://schemas.microsoft.com/office/drawing/2014/main" id="{34222167-616B-448F-A79B-219A4FD3DDE9}"/>
+              </a:ext>
+              <a:ext uri="{C183D7F6-B498-43B3-948B-1728B52AA6E4}">
+                <adec:decorative xmlns:adec="http://schemas.microsoft.com/office/drawing/2017/decorative" val="1"/>
+              </a:ext>
+            </a:extLst>
+          </p:cNvPr>
+          <p:cNvCxnSpPr>
+            <a:cxnSpLocks noGrp="1" noRot="1" noChangeAspect="1" noMove="1" noResize="1" noEditPoints="1" noAdjustHandles="1" noChangeArrowheads="1" noChangeShapeType="1"/>
+          </p:cNvCxnSpPr>
+          <p:nvPr>
+            <p:extLst>
+              <p:ext uri="{386F3935-93C4-4BCD-93E2-E3B085C9AB24}">
+                <p16:designElem xmlns:p16="http://schemas.microsoft.com/office/powerpoint/2015/main" val="1"/>
+              </p:ext>
+            </p:extLst>
+          </p:nvPr>
+        </p:nvCxnSpPr>
+        <p:spPr>
+          <a:xfrm flipH="1">
+            <a:off x="11594353" y="0"/>
+            <a:ext cx="239059" cy="2009553"/>
+          </a:xfrm>
+          <a:prstGeom prst="line">
+            <a:avLst/>
+          </a:prstGeom>
+          <a:ln w="12700">
+            <a:solidFill>
+              <a:schemeClr val="accent2">
+                <a:alpha val="70000"/>
+              </a:schemeClr>
+            </a:solidFill>
+          </a:ln>
+        </p:spPr>
+        <p:style>
+          <a:lnRef idx="1">
+            <a:schemeClr val="accent1"/>
+          </a:lnRef>
+          <a:fillRef idx="0">
+            <a:schemeClr val="accent1"/>
+          </a:fillRef>
+          <a:effectRef idx="0">
+            <a:schemeClr val="accent1"/>
+          </a:effectRef>
+          <a:fontRef idx="minor">
+            <a:schemeClr val="tx1"/>
+          </a:fontRef>
+        </p:style>
+      </p:cxnSp>
+      <p:sp>
+        <p:nvSpPr>
+          <p:cNvPr id="5" name="Content Placeholder 4">
+            <a:extLst>
+              <a:ext uri="{FF2B5EF4-FFF2-40B4-BE49-F238E27FC236}">
+                <a16:creationId xmlns:a16="http://schemas.microsoft.com/office/drawing/2014/main" id="{9E4392A6-1D9D-C985-FFE3-65A2CF7EBDDA}"/>
+              </a:ext>
+            </a:extLst>
+          </p:cNvPr>
+          <p:cNvSpPr>
+            <a:spLocks noGrp="1"/>
+          </p:cNvSpPr>
+          <p:nvPr>
+            <p:ph idx="1"/>
+          </p:nvPr>
+        </p:nvSpPr>
+        <p:spPr>
+          <a:xfrm>
+            <a:off x="1129554" y="2499694"/>
+            <a:ext cx="5831833" cy="3824906"/>
+          </a:xfrm>
+        </p:spPr>
+        <p:txBody>
+          <a:bodyPr vert="horz" lIns="91440" tIns="45720" rIns="91440" bIns="45720" rtlCol="0" anchor="ctr">
+            <a:normAutofit/>
+          </a:bodyPr>
+          <a:lstStyle/>
+          <a:p>
+            <a:pPr indent="-228600">
+              <a:lnSpc>
+                <a:spcPct val="90000"/>
+              </a:lnSpc>
+              <a:buFont typeface="Arial" panose="020B0604020202020204" pitchFamily="34" charset="0"/>
+              <a:buChar char="•"/>
+            </a:pPr>
+            <a:r>
+              <a:rPr lang="en-US" sz="1900" dirty="0"/>
+              <a:t>Even though we are trying to train the model closest to the perfect the important decision of one's maybe biggest investment in life can’t be based on a few factors. Hence, we would like to clarify a few assumptions about the project.</a:t>
+            </a:r>
+          </a:p>
+          <a:p>
+            <a:pPr indent="-228600">
+              <a:lnSpc>
+                <a:spcPct val="90000"/>
+              </a:lnSpc>
+              <a:buFont typeface="Arial" panose="020B0604020202020204" pitchFamily="34" charset="0"/>
+              <a:buChar char="•"/>
+            </a:pPr>
+            <a:endParaRPr lang="en-US" sz="1900" dirty="0"/>
+          </a:p>
+          <a:p>
+            <a:pPr indent="-228600">
+              <a:lnSpc>
+                <a:spcPct val="90000"/>
+              </a:lnSpc>
+              <a:buFont typeface="Arial" panose="020B0604020202020204" pitchFamily="34" charset="0"/>
+              <a:buChar char="•"/>
+            </a:pPr>
+            <a:r>
+              <a:rPr lang="en-US" sz="1900" dirty="0"/>
+              <a:t>1) No pandemic- This model is not designed with the consideration of the pandemic. </a:t>
+            </a:r>
+          </a:p>
+          <a:p>
+            <a:pPr indent="-228600">
+              <a:lnSpc>
+                <a:spcPct val="90000"/>
+              </a:lnSpc>
+              <a:buFont typeface="Arial" panose="020B0604020202020204" pitchFamily="34" charset="0"/>
+              <a:buChar char="•"/>
+            </a:pPr>
+            <a:r>
+              <a:rPr lang="en-US" sz="1900" dirty="0"/>
+              <a:t>2) No first home buyer boom- we have not added a consideration for the government supports for the first home buyers.</a:t>
+            </a:r>
+          </a:p>
+          <a:p>
+            <a:pPr indent="-228600">
+              <a:lnSpc>
+                <a:spcPct val="90000"/>
+              </a:lnSpc>
+              <a:buFont typeface="Arial" panose="020B0604020202020204" pitchFamily="34" charset="0"/>
+              <a:buChar char="•"/>
+            </a:pPr>
+            <a:r>
+              <a:rPr lang="en-US" sz="1900" dirty="0"/>
+              <a:t>3) No banks - Interest rates, tax savings and ease of lending these factors are not considered in the model.</a:t>
+            </a:r>
+          </a:p>
+        </p:txBody>
+      </p:sp>
+      <p:pic>
+        <p:nvPicPr>
+          <p:cNvPr id="22" name="Picture Placeholder 21" descr="Text&#10;&#10;Description automatically generated">
+            <a:extLst>
+              <a:ext uri="{FF2B5EF4-FFF2-40B4-BE49-F238E27FC236}">
+                <a16:creationId xmlns:a16="http://schemas.microsoft.com/office/drawing/2014/main" id="{3F5E3531-A454-F8F7-5CAA-9FE7108CB4F1}"/>
+              </a:ext>
+            </a:extLst>
+          </p:cNvPr>
+          <p:cNvPicPr>
+            <a:picLocks noGrp="1" noChangeAspect="1"/>
+          </p:cNvPicPr>
+          <p:nvPr>
+            <p:ph type="pic" sz="quarter" idx="13"/>
+          </p:nvPr>
+        </p:nvPicPr>
+        <p:blipFill>
+          <a:blip r:embed="rId2"/>
+          <a:srcRect t="9167" b="9167"/>
+          <a:stretch>
+            <a:fillRect/>
+          </a:stretch>
+        </p:blipFill>
+        <p:spPr>
+          <a:xfrm>
+            <a:off x="7521974" y="2893832"/>
+            <a:ext cx="4136627" cy="2995462"/>
+          </a:xfrm>
+          <a:prstGeom prst="rect">
+            <a:avLst/>
+          </a:prstGeom>
+        </p:spPr>
+      </p:pic>
+      <p:sp>
+        <p:nvSpPr>
+          <p:cNvPr id="6" name="Footer Placeholder 5">
+            <a:extLst>
+              <a:ext uri="{FF2B5EF4-FFF2-40B4-BE49-F238E27FC236}">
+                <a16:creationId xmlns:a16="http://schemas.microsoft.com/office/drawing/2014/main" id="{22E224B6-B408-4375-E544-D7C933B176ED}"/>
+              </a:ext>
+            </a:extLst>
+          </p:cNvPr>
+          <p:cNvSpPr>
+            <a:spLocks noGrp="1"/>
+          </p:cNvSpPr>
+          <p:nvPr>
+            <p:ph type="ftr" sz="quarter" idx="11"/>
+          </p:nvPr>
+        </p:nvSpPr>
+        <p:spPr>
+          <a:xfrm>
+            <a:off x="154429" y="6398878"/>
+            <a:ext cx="4497315" cy="365125"/>
+          </a:xfrm>
+        </p:spPr>
+        <p:txBody>
+          <a:bodyPr vert="horz" lIns="91440" tIns="45720" rIns="91440" bIns="45720" rtlCol="0" anchor="ctr">
+            <a:normAutofit/>
+          </a:bodyPr>
+          <a:lstStyle/>
+          <a:p>
+            <a:pPr>
+              <a:spcAft>
+                <a:spcPts val="600"/>
+              </a:spcAft>
+            </a:pPr>
+            <a:r>
+              <a:rPr lang="en-US" b="1" kern="1200" spc="30" baseline="0">
+                <a:solidFill>
+                  <a:schemeClr val="tx2"/>
+                </a:solidFill>
+                <a:latin typeface="+mj-lt"/>
+                <a:ea typeface="+mn-ea"/>
+                <a:cs typeface="+mn-cs"/>
+              </a:rPr>
+              <a:t>Sample Footer Text</a:t>
+            </a:r>
+          </a:p>
+        </p:txBody>
+      </p:sp>
+      <p:sp>
+        <p:nvSpPr>
+          <p:cNvPr id="7" name="Date Placeholder 6">
+            <a:extLst>
+              <a:ext uri="{FF2B5EF4-FFF2-40B4-BE49-F238E27FC236}">
+                <a16:creationId xmlns:a16="http://schemas.microsoft.com/office/drawing/2014/main" id="{0D6D8953-72FF-2AF1-23F9-60B3422C027A}"/>
+              </a:ext>
+            </a:extLst>
+          </p:cNvPr>
+          <p:cNvSpPr>
+            <a:spLocks noGrp="1"/>
+          </p:cNvSpPr>
+          <p:nvPr>
+            <p:ph type="dt" sz="half" idx="10"/>
+          </p:nvPr>
+        </p:nvSpPr>
+        <p:spPr>
+          <a:xfrm>
+            <a:off x="7337102" y="6398878"/>
+            <a:ext cx="4193908" cy="365125"/>
+          </a:xfrm>
+        </p:spPr>
+        <p:txBody>
+          <a:bodyPr vert="horz" lIns="91440" tIns="45720" rIns="91440" bIns="45720" rtlCol="0" anchor="ctr">
+            <a:normAutofit/>
+          </a:bodyPr>
+          <a:lstStyle/>
+          <a:p>
+            <a:pPr>
+              <a:spcAft>
+                <a:spcPts val="600"/>
+              </a:spcAft>
+            </a:pPr>
+            <a:r>
+              <a:rPr lang="en-US"/>
+              <a:t>2/7/20XX</a:t>
+            </a:r>
+          </a:p>
+        </p:txBody>
+      </p:sp>
+      <p:sp>
+        <p:nvSpPr>
+          <p:cNvPr id="8" name="Slide Number Placeholder 7">
+            <a:extLst>
+              <a:ext uri="{FF2B5EF4-FFF2-40B4-BE49-F238E27FC236}">
+                <a16:creationId xmlns:a16="http://schemas.microsoft.com/office/drawing/2014/main" id="{B8B03776-FB24-8473-23C8-4F2485D9B9D1}"/>
+              </a:ext>
+            </a:extLst>
+          </p:cNvPr>
+          <p:cNvSpPr>
+            <a:spLocks noGrp="1"/>
+          </p:cNvSpPr>
+          <p:nvPr>
+            <p:ph type="sldNum" sz="quarter" idx="12"/>
+          </p:nvPr>
+        </p:nvSpPr>
+        <p:spPr>
+          <a:xfrm>
+            <a:off x="11602477" y="6398878"/>
+            <a:ext cx="470887" cy="365125"/>
+          </a:xfrm>
+        </p:spPr>
+        <p:txBody>
+          <a:bodyPr vert="horz" lIns="91440" tIns="45720" rIns="91440" bIns="45720" rtlCol="0" anchor="ctr">
+            <a:normAutofit/>
+          </a:bodyPr>
+          <a:lstStyle/>
+          <a:p>
+            <a:pPr>
+              <a:spcAft>
+                <a:spcPts val="600"/>
+              </a:spcAft>
+            </a:pPr>
+            <a:fld id="{312CC964-A50B-4C29-B4E4-2C30BB34CCF3}" type="slidenum">
+              <a:rPr lang="en-US" smtClean="0"/>
+              <a:pPr>
+                <a:spcAft>
+                  <a:spcPts val="600"/>
+                </a:spcAft>
+              </a:pPr>
+              <a:t>5</a:t>
+            </a:fld>
+            <a:endParaRPr lang="en-US"/>
+          </a:p>
+        </p:txBody>
+      </p:sp>
+    </p:spTree>
+    <p:extLst>
+      <p:ext uri="{BB962C8B-B14F-4D97-AF65-F5344CB8AC3E}">
+        <p14:creationId xmlns:p14="http://schemas.microsoft.com/office/powerpoint/2010/main" val="2563203531"/>
+      </p:ext>
+    </p:extLst>
+  </p:cSld>
+  <p:clrMapOvr>
+    <a:masterClrMapping/>
+  </p:clrMapOvr>
+</p:sld>
+</file>
+
+<file path=ppt/slides/slide6.xml><?xml version="1.0" encoding="utf-8"?>
+<p:sld xmlns:a="http://schemas.openxmlformats.org/drawingml/2006/main" xmlns:r="http://schemas.openxmlformats.org/officeDocument/2006/relationships" xmlns:p="http://schemas.openxmlformats.org/presentationml/2006/main">
+  <p:cSld>
+    <p:bg>
+      <p:bgPr>
+        <a:solidFill>
+          <a:schemeClr val="bg1"/>
+        </a:solidFill>
+        <a:effectLst/>
+      </p:bgPr>
+    </p:bg>
+    <p:spTree>
+      <p:nvGrpSpPr>
+        <p:cNvPr id="1" name=""/>
+        <p:cNvGrpSpPr/>
+        <p:nvPr/>
+      </p:nvGrpSpPr>
+      <p:grpSpPr>
+        <a:xfrm>
+          <a:off x="0" y="0"/>
+          <a:ext cx="0" cy="0"/>
+          <a:chOff x="0" y="0"/>
+          <a:chExt cx="0" cy="0"/>
+        </a:xfrm>
+      </p:grpSpPr>
+      <p:cxnSp>
+        <p:nvCxnSpPr>
+          <p:cNvPr id="85" name="Straight Connector 67">
+            <a:extLst>
+              <a:ext uri="{FF2B5EF4-FFF2-40B4-BE49-F238E27FC236}">
+                <a16:creationId xmlns:a16="http://schemas.microsoft.com/office/drawing/2014/main" id="{4436E0F2-A64B-471E-93C0-8DFE08CC57C8}"/>
+              </a:ext>
+              <a:ext uri="{C183D7F6-B498-43B3-948B-1728B52AA6E4}">
+                <adec:decorative xmlns:adec="http://schemas.microsoft.com/office/drawing/2017/decorative" val="1"/>
+              </a:ext>
+            </a:extLst>
+          </p:cNvPr>
+          <p:cNvCxnSpPr>
+            <a:cxnSpLocks noGrp="1" noRot="1" noChangeAspect="1" noMove="1" noResize="1" noEditPoints="1" noAdjustHandles="1" noChangeArrowheads="1" noChangeShapeType="1"/>
+          </p:cNvCxnSpPr>
+          <p:nvPr>
+            <p:extLst>
+              <p:ext uri="{386F3935-93C4-4BCD-93E2-E3B085C9AB24}">
+                <p16:designElem xmlns:p16="http://schemas.microsoft.com/office/powerpoint/2015/main" val="1"/>
+              </p:ext>
+            </p:extLst>
+          </p:nvPr>
+        </p:nvCxnSpPr>
+        <p:spPr>
+          <a:xfrm flipH="1">
+            <a:off x="0" y="0"/>
+            <a:ext cx="3119718" cy="685800"/>
+          </a:xfrm>
+          <a:prstGeom prst="line">
+            <a:avLst/>
+          </a:prstGeom>
+          <a:ln w="12700">
+            <a:solidFill>
+              <a:schemeClr val="accent2">
+                <a:alpha val="70000"/>
+              </a:schemeClr>
+            </a:solidFill>
+          </a:ln>
+        </p:spPr>
+        <p:style>
+          <a:lnRef idx="1">
+            <a:schemeClr val="accent1"/>
+          </a:lnRef>
+          <a:fillRef idx="0">
+            <a:schemeClr val="accent1"/>
+          </a:fillRef>
+          <a:effectRef idx="0">
+            <a:schemeClr val="accent1"/>
+          </a:effectRef>
+          <a:fontRef idx="minor">
+            <a:schemeClr val="tx1"/>
+          </a:fontRef>
+        </p:style>
+      </p:cxnSp>
+      <p:cxnSp>
+        <p:nvCxnSpPr>
+          <p:cNvPr id="87" name="Straight Connector 69">
+            <a:extLst>
+              <a:ext uri="{FF2B5EF4-FFF2-40B4-BE49-F238E27FC236}">
+                <a16:creationId xmlns:a16="http://schemas.microsoft.com/office/drawing/2014/main" id="{DC1E3AB1-2A8C-4607-9FAE-D8BDB280FE1A}"/>
+              </a:ext>
+              <a:ext uri="{C183D7F6-B498-43B3-948B-1728B52AA6E4}">
+                <adec:decorative xmlns:adec="http://schemas.microsoft.com/office/drawing/2017/decorative" val="1"/>
+              </a:ext>
+            </a:extLst>
+          </p:cNvPr>
+          <p:cNvCxnSpPr>
+            <a:cxnSpLocks noGrp="1" noRot="1" noChangeAspect="1" noMove="1" noResize="1" noEditPoints="1" noAdjustHandles="1" noChangeArrowheads="1" noChangeShapeType="1"/>
+          </p:cNvCxnSpPr>
+          <p:nvPr>
+            <p:extLst>
+              <p:ext uri="{386F3935-93C4-4BCD-93E2-E3B085C9AB24}">
+                <p16:designElem xmlns:p16="http://schemas.microsoft.com/office/powerpoint/2015/main" val="1"/>
+              </p:ext>
+            </p:extLst>
+          </p:nvPr>
+        </p:nvCxnSpPr>
+        <p:spPr>
+          <a:xfrm flipH="1">
+            <a:off x="0" y="0"/>
+            <a:ext cx="903768" cy="6543675"/>
+          </a:xfrm>
+          <a:prstGeom prst="line">
+            <a:avLst/>
+          </a:prstGeom>
+          <a:ln w="12700">
+            <a:solidFill>
+              <a:schemeClr val="accent2">
+                <a:alpha val="70000"/>
+              </a:schemeClr>
+            </a:solidFill>
+          </a:ln>
+        </p:spPr>
+        <p:style>
+          <a:lnRef idx="1">
+            <a:schemeClr val="accent1"/>
+          </a:lnRef>
+          <a:fillRef idx="0">
+            <a:schemeClr val="accent1"/>
+          </a:fillRef>
+          <a:effectRef idx="0">
+            <a:schemeClr val="accent1"/>
+          </a:effectRef>
+          <a:fontRef idx="minor">
+            <a:schemeClr val="tx1"/>
+          </a:fontRef>
+        </p:style>
+      </p:cxnSp>
+      <p:cxnSp>
+        <p:nvCxnSpPr>
+          <p:cNvPr id="89" name="Straight Connector 71">
+            <a:extLst>
+              <a:ext uri="{FF2B5EF4-FFF2-40B4-BE49-F238E27FC236}">
+                <a16:creationId xmlns:a16="http://schemas.microsoft.com/office/drawing/2014/main" id="{26D66059-832F-40B6-A35F-F56C8F38A1E7}"/>
+              </a:ext>
+              <a:ext uri="{C183D7F6-B498-43B3-948B-1728B52AA6E4}">
+                <adec:decorative xmlns:adec="http://schemas.microsoft.com/office/drawing/2017/decorative" val="1"/>
+              </a:ext>
+            </a:extLst>
+          </p:cNvPr>
+          <p:cNvCxnSpPr>
+            <a:cxnSpLocks noGrp="1" noRot="1" noChangeAspect="1" noMove="1" noResize="1" noEditPoints="1" noAdjustHandles="1" noChangeArrowheads="1" noChangeShapeType="1"/>
+          </p:cNvCxnSpPr>
+          <p:nvPr>
+            <p:extLst>
+              <p:ext uri="{386F3935-93C4-4BCD-93E2-E3B085C9AB24}">
+                <p16:designElem xmlns:p16="http://schemas.microsoft.com/office/powerpoint/2015/main" val="1"/>
+              </p:ext>
+            </p:extLst>
+          </p:nvPr>
+        </p:nvCxnSpPr>
+        <p:spPr>
+          <a:xfrm flipH="1" flipV="1">
+            <a:off x="-42863" y="5791200"/>
+            <a:ext cx="6286501" cy="1066801"/>
+          </a:xfrm>
+          <a:prstGeom prst="line">
+            <a:avLst/>
+          </a:prstGeom>
+          <a:ln w="12700">
+            <a:solidFill>
+              <a:schemeClr val="accent2">
+                <a:alpha val="70000"/>
+              </a:schemeClr>
+            </a:solidFill>
+          </a:ln>
+        </p:spPr>
+        <p:style>
+          <a:lnRef idx="1">
+            <a:schemeClr val="accent1"/>
+          </a:lnRef>
+          <a:fillRef idx="0">
+            <a:schemeClr val="accent1"/>
+          </a:fillRef>
+          <a:effectRef idx="0">
+            <a:schemeClr val="accent1"/>
+          </a:effectRef>
+          <a:fontRef idx="minor">
+            <a:schemeClr val="tx1"/>
+          </a:fontRef>
+        </p:style>
+      </p:cxnSp>
+      <p:cxnSp>
+        <p:nvCxnSpPr>
+          <p:cNvPr id="91" name="Straight Connector 73">
+            <a:extLst>
+              <a:ext uri="{FF2B5EF4-FFF2-40B4-BE49-F238E27FC236}">
+                <a16:creationId xmlns:a16="http://schemas.microsoft.com/office/drawing/2014/main" id="{A515E2ED-7EA9-448D-83FA-54C3DF9723BD}"/>
+              </a:ext>
+              <a:ext uri="{C183D7F6-B498-43B3-948B-1728B52AA6E4}">
+                <adec:decorative xmlns:adec="http://schemas.microsoft.com/office/drawing/2017/decorative" val="1"/>
+              </a:ext>
+            </a:extLst>
+          </p:cNvPr>
+          <p:cNvCxnSpPr>
+            <a:cxnSpLocks noGrp="1" noRot="1" noChangeAspect="1" noMove="1" noResize="1" noEditPoints="1" noAdjustHandles="1" noChangeArrowheads="1" noChangeShapeType="1"/>
+          </p:cNvCxnSpPr>
+          <p:nvPr>
+            <p:extLst>
+              <p:ext uri="{386F3935-93C4-4BCD-93E2-E3B085C9AB24}">
+                <p16:designElem xmlns:p16="http://schemas.microsoft.com/office/powerpoint/2015/main" val="1"/>
+              </p:ext>
+            </p:extLst>
+          </p:nvPr>
+        </p:nvCxnSpPr>
+        <p:spPr>
+          <a:xfrm flipH="1">
+            <a:off x="8462964" y="5848350"/>
+            <a:ext cx="3729036" cy="1009650"/>
+          </a:xfrm>
+          <a:prstGeom prst="line">
+            <a:avLst/>
+          </a:prstGeom>
+          <a:ln w="12700">
+            <a:solidFill>
+              <a:schemeClr val="accent2">
+                <a:alpha val="70000"/>
+              </a:schemeClr>
+            </a:solidFill>
+          </a:ln>
+        </p:spPr>
+        <p:style>
+          <a:lnRef idx="1">
+            <a:schemeClr val="accent1"/>
+          </a:lnRef>
+          <a:fillRef idx="0">
+            <a:schemeClr val="accent1"/>
+          </a:fillRef>
+          <a:effectRef idx="0">
+            <a:schemeClr val="accent1"/>
+          </a:effectRef>
+          <a:fontRef idx="minor">
+            <a:schemeClr val="tx1"/>
+          </a:fontRef>
+        </p:style>
+      </p:cxnSp>
+      <p:cxnSp>
+        <p:nvCxnSpPr>
+          <p:cNvPr id="92" name="Straight Connector 75">
+            <a:extLst>
+              <a:ext uri="{FF2B5EF4-FFF2-40B4-BE49-F238E27FC236}">
+                <a16:creationId xmlns:a16="http://schemas.microsoft.com/office/drawing/2014/main" id="{20595356-EABD-4767-AC9D-EA21FF115EC0}"/>
+              </a:ext>
+              <a:ext uri="{C183D7F6-B498-43B3-948B-1728B52AA6E4}">
+                <adec:decorative xmlns:adec="http://schemas.microsoft.com/office/drawing/2017/decorative" val="1"/>
+              </a:ext>
+            </a:extLst>
+          </p:cNvPr>
+          <p:cNvCxnSpPr>
+            <a:cxnSpLocks noGrp="1" noRot="1" noChangeAspect="1" noMove="1" noResize="1" noEditPoints="1" noAdjustHandles="1" noChangeArrowheads="1" noChangeShapeType="1"/>
+          </p:cNvCxnSpPr>
+          <p:nvPr>
+            <p:extLst>
+              <p:ext uri="{386F3935-93C4-4BCD-93E2-E3B085C9AB24}">
+                <p16:designElem xmlns:p16="http://schemas.microsoft.com/office/powerpoint/2015/main" val="1"/>
+              </p:ext>
+            </p:extLst>
+          </p:nvPr>
+        </p:nvCxnSpPr>
+        <p:spPr>
+          <a:xfrm flipH="1">
+            <a:off x="11543158" y="1647825"/>
+            <a:ext cx="648842" cy="5210175"/>
+          </a:xfrm>
+          <a:prstGeom prst="line">
+            <a:avLst/>
+          </a:prstGeom>
+          <a:ln w="12700">
+            <a:solidFill>
+              <a:schemeClr val="accent2">
+                <a:alpha val="70000"/>
+              </a:schemeClr>
+            </a:solidFill>
+          </a:ln>
+        </p:spPr>
+        <p:style>
+          <a:lnRef idx="1">
+            <a:schemeClr val="accent1"/>
+          </a:lnRef>
+          <a:fillRef idx="0">
+            <a:schemeClr val="accent1"/>
+          </a:fillRef>
+          <a:effectRef idx="0">
+            <a:schemeClr val="accent1"/>
+          </a:effectRef>
+          <a:fontRef idx="minor">
+            <a:schemeClr val="tx1"/>
+          </a:fontRef>
+        </p:style>
+      </p:cxnSp>
+      <p:cxnSp>
+        <p:nvCxnSpPr>
+          <p:cNvPr id="93" name="Straight Connector 77">
+            <a:extLst>
+              <a:ext uri="{FF2B5EF4-FFF2-40B4-BE49-F238E27FC236}">
+                <a16:creationId xmlns:a16="http://schemas.microsoft.com/office/drawing/2014/main" id="{28CD9F06-9628-469C-B788-A894E3E08281}"/>
+              </a:ext>
+              <a:ext uri="{C183D7F6-B498-43B3-948B-1728B52AA6E4}">
+                <adec:decorative xmlns:adec="http://schemas.microsoft.com/office/drawing/2017/decorative" val="1"/>
+              </a:ext>
+            </a:extLst>
+          </p:cNvPr>
+          <p:cNvCxnSpPr>
+            <a:cxnSpLocks noGrp="1" noRot="1" noChangeAspect="1" noMove="1" noResize="1" noEditPoints="1" noAdjustHandles="1" noChangeArrowheads="1" noChangeShapeType="1"/>
+          </p:cNvCxnSpPr>
+          <p:nvPr>
+            <p:extLst>
+              <p:ext uri="{386F3935-93C4-4BCD-93E2-E3B085C9AB24}">
+                <p16:designElem xmlns:p16="http://schemas.microsoft.com/office/powerpoint/2015/main" val="1"/>
+              </p:ext>
+            </p:extLst>
+          </p:nvPr>
+        </p:nvCxnSpPr>
+        <p:spPr>
+          <a:xfrm flipH="1" flipV="1">
+            <a:off x="10781554" y="0"/>
+            <a:ext cx="1410446" cy="4258340"/>
+          </a:xfrm>
+          <a:prstGeom prst="line">
+            <a:avLst/>
+          </a:prstGeom>
+          <a:ln w="12700">
+            <a:solidFill>
+              <a:schemeClr val="accent2">
+                <a:alpha val="70000"/>
+              </a:schemeClr>
+            </a:solidFill>
+          </a:ln>
+        </p:spPr>
+        <p:style>
+          <a:lnRef idx="1">
+            <a:schemeClr val="accent1"/>
+          </a:lnRef>
+          <a:fillRef idx="0">
+            <a:schemeClr val="accent1"/>
+          </a:fillRef>
+          <a:effectRef idx="0">
+            <a:schemeClr val="accent1"/>
+          </a:effectRef>
+          <a:fontRef idx="minor">
+            <a:schemeClr val="tx1"/>
+          </a:fontRef>
+        </p:style>
+      </p:cxnSp>
+      <p:cxnSp>
+        <p:nvCxnSpPr>
+          <p:cNvPr id="94" name="Straight Connector 79">
+            <a:extLst>
+              <a:ext uri="{FF2B5EF4-FFF2-40B4-BE49-F238E27FC236}">
+                <a16:creationId xmlns:a16="http://schemas.microsoft.com/office/drawing/2014/main" id="{8550A431-0B61-421B-B4B7-24C0CFF0F938}"/>
+              </a:ext>
+              <a:ext uri="{C183D7F6-B498-43B3-948B-1728B52AA6E4}">
+                <adec:decorative xmlns:adec="http://schemas.microsoft.com/office/drawing/2017/decorative" val="1"/>
+              </a:ext>
+            </a:extLst>
+          </p:cNvPr>
+          <p:cNvCxnSpPr>
+            <a:cxnSpLocks noGrp="1" noRot="1" noChangeAspect="1" noMove="1" noResize="1" noEditPoints="1" noAdjustHandles="1" noChangeArrowheads="1" noChangeShapeType="1"/>
+          </p:cNvCxnSpPr>
+          <p:nvPr>
+            <p:extLst>
+              <p:ext uri="{386F3935-93C4-4BCD-93E2-E3B085C9AB24}">
+                <p16:designElem xmlns:p16="http://schemas.microsoft.com/office/powerpoint/2015/main" val="1"/>
+              </p:ext>
+            </p:extLst>
+          </p:nvPr>
+        </p:nvCxnSpPr>
+        <p:spPr>
+          <a:xfrm flipH="1" flipV="1">
+            <a:off x="6529388" y="-4763"/>
+            <a:ext cx="5662612" cy="931975"/>
+          </a:xfrm>
+          <a:prstGeom prst="line">
+            <a:avLst/>
+          </a:prstGeom>
+          <a:ln w="12700">
+            <a:solidFill>
+              <a:schemeClr val="accent2">
+                <a:alpha val="70000"/>
+              </a:schemeClr>
+            </a:solidFill>
+          </a:ln>
+        </p:spPr>
+        <p:style>
+          <a:lnRef idx="1">
+            <a:schemeClr val="accent1"/>
+          </a:lnRef>
+          <a:fillRef idx="0">
+            <a:schemeClr val="accent1"/>
+          </a:fillRef>
+          <a:effectRef idx="0">
+            <a:schemeClr val="accent1"/>
+          </a:effectRef>
+          <a:fontRef idx="minor">
+            <a:schemeClr val="tx1"/>
+          </a:fontRef>
+        </p:style>
+      </p:cxnSp>
+      <p:sp useBgFill="1">
+        <p:nvSpPr>
+          <p:cNvPr id="95" name="Rectangle 81">
+            <a:extLst>
+              <a:ext uri="{FF2B5EF4-FFF2-40B4-BE49-F238E27FC236}">
+                <a16:creationId xmlns:a16="http://schemas.microsoft.com/office/drawing/2014/main" id="{446E324D-9201-4292-875F-C3B15A73714B}"/>
+              </a:ext>
+              <a:ext uri="{C183D7F6-B498-43B3-948B-1728B52AA6E4}">
+                <adec:decorative xmlns:adec="http://schemas.microsoft.com/office/drawing/2017/decorative" val="1"/>
+              </a:ext>
+            </a:extLst>
+          </p:cNvPr>
+          <p:cNvSpPr>
+            <a:spLocks noGrp="1" noRot="1" noChangeAspect="1" noMove="1" noResize="1" noEditPoints="1" noAdjustHandles="1" noChangeArrowheads="1" noChangeShapeType="1" noTextEdit="1"/>
+          </p:cNvSpPr>
+          <p:nvPr>
+            <p:extLst>
+              <p:ext uri="{386F3935-93C4-4BCD-93E2-E3B085C9AB24}">
+                <p16:designElem xmlns:p16="http://schemas.microsoft.com/office/powerpoint/2015/main" val="1"/>
+              </p:ext>
+            </p:extLst>
+          </p:nvPr>
+        </p:nvSpPr>
+        <p:spPr>
+          <a:xfrm>
+            <a:off x="0" y="0"/>
+            <a:ext cx="12192000" cy="6858000"/>
+          </a:xfrm>
+          <a:prstGeom prst="rect">
+            <a:avLst/>
+          </a:prstGeom>
+          <a:ln w="12700" cap="flat" cmpd="sng" algn="ctr">
+            <a:noFill/>
+            <a:prstDash val="solid"/>
+            <a:miter lim="800000"/>
+          </a:ln>
+          <a:effectLst/>
+          <a:extLst>
+            <a:ext uri="{91240B29-F687-4F45-9708-019B960494DF}">
+              <a14:hiddenLine xmlns:a14="http://schemas.microsoft.com/office/drawing/2010/main" w="12700" cap="flat" cmpd="sng" algn="ctr">
+                <a:solidFill>
+                  <a:schemeClr val="accent1">
+                    <a:shade val="50000"/>
+                  </a:schemeClr>
+                </a:solidFill>
+                <a:prstDash val="solid"/>
+                <a:miter lim="800000"/>
+              </a14:hiddenLine>
+            </a:ext>
+          </a:extLst>
+        </p:spPr>
+        <p:style>
+          <a:lnRef idx="2">
+            <a:schemeClr val="accent1">
+              <a:shade val="50000"/>
+            </a:schemeClr>
+          </a:lnRef>
+          <a:fillRef idx="1">
+            <a:schemeClr val="accent1"/>
+          </a:fillRef>
+          <a:effectRef idx="0">
+            <a:schemeClr val="accent1"/>
+          </a:effectRef>
+          <a:fontRef idx="minor">
+            <a:schemeClr val="lt1"/>
+          </a:fontRef>
+        </p:style>
+        <p:txBody>
+          <a:bodyPr rtlCol="0" anchor="ctr"/>
+          <a:lstStyle/>
+          <a:p>
+            <a:pPr algn="ctr"/>
+            <a:endParaRPr lang="en-US"/>
+          </a:p>
+        </p:txBody>
+      </p:sp>
+      <p:cxnSp>
+        <p:nvCxnSpPr>
+          <p:cNvPr id="84" name="Straight Connector 83">
+            <a:extLst>
+              <a:ext uri="{FF2B5EF4-FFF2-40B4-BE49-F238E27FC236}">
+                <a16:creationId xmlns:a16="http://schemas.microsoft.com/office/drawing/2014/main" id="{02AD7D83-A622-4E64-A15F-5715B2553B7D}"/>
+              </a:ext>
+              <a:ext uri="{C183D7F6-B498-43B3-948B-1728B52AA6E4}">
+                <adec:decorative xmlns:adec="http://schemas.microsoft.com/office/drawing/2017/decorative" val="1"/>
+              </a:ext>
+            </a:extLst>
+          </p:cNvPr>
+          <p:cNvCxnSpPr>
+            <a:cxnSpLocks noGrp="1" noRot="1" noChangeAspect="1" noMove="1" noResize="1" noEditPoints="1" noAdjustHandles="1" noChangeArrowheads="1" noChangeShapeType="1"/>
+          </p:cNvCxnSpPr>
+          <p:nvPr>
+            <p:extLst>
+              <p:ext uri="{386F3935-93C4-4BCD-93E2-E3B085C9AB24}">
+                <p16:designElem xmlns:p16="http://schemas.microsoft.com/office/powerpoint/2015/main" val="1"/>
+              </p:ext>
+            </p:extLst>
+          </p:nvPr>
+        </p:nvCxnSpPr>
+        <p:spPr>
+          <a:xfrm flipH="1">
+            <a:off x="0" y="-1"/>
+            <a:ext cx="5683516" cy="2885563"/>
+          </a:xfrm>
+          <a:prstGeom prst="line">
+            <a:avLst/>
+          </a:prstGeom>
+          <a:ln w="12700">
+            <a:solidFill>
+              <a:schemeClr val="accent2">
+                <a:alpha val="70000"/>
+              </a:schemeClr>
+            </a:solidFill>
+          </a:ln>
+        </p:spPr>
+        <p:style>
+          <a:lnRef idx="1">
+            <a:schemeClr val="accent1"/>
+          </a:lnRef>
+          <a:fillRef idx="0">
+            <a:schemeClr val="accent1"/>
+          </a:fillRef>
+          <a:effectRef idx="0">
+            <a:schemeClr val="accent1"/>
+          </a:effectRef>
+          <a:fontRef idx="minor">
+            <a:schemeClr val="tx1"/>
+          </a:fontRef>
+        </p:style>
+      </p:cxnSp>
+      <p:cxnSp>
+        <p:nvCxnSpPr>
+          <p:cNvPr id="86" name="Straight Connector 85">
+            <a:extLst>
+              <a:ext uri="{FF2B5EF4-FFF2-40B4-BE49-F238E27FC236}">
+                <a16:creationId xmlns:a16="http://schemas.microsoft.com/office/drawing/2014/main" id="{E97A393F-6750-4B9D-A774-36E66ABA4706}"/>
+              </a:ext>
+              <a:ext uri="{C183D7F6-B498-43B3-948B-1728B52AA6E4}">
+                <adec:decorative xmlns:adec="http://schemas.microsoft.com/office/drawing/2017/decorative" val="1"/>
+              </a:ext>
+            </a:extLst>
+          </p:cNvPr>
+          <p:cNvCxnSpPr>
+            <a:cxnSpLocks noGrp="1" noRot="1" noChangeAspect="1" noMove="1" noResize="1" noEditPoints="1" noAdjustHandles="1" noChangeArrowheads="1" noChangeShapeType="1"/>
+          </p:cNvCxnSpPr>
+          <p:nvPr>
+            <p:extLst>
+              <p:ext uri="{386F3935-93C4-4BCD-93E2-E3B085C9AB24}">
+                <p16:designElem xmlns:p16="http://schemas.microsoft.com/office/powerpoint/2015/main" val="1"/>
+              </p:ext>
+            </p:extLst>
+          </p:nvPr>
+        </p:nvCxnSpPr>
+        <p:spPr>
+          <a:xfrm>
+            <a:off x="8957835" y="0"/>
+            <a:ext cx="3234165" cy="1555028"/>
+          </a:xfrm>
+          <a:prstGeom prst="line">
+            <a:avLst/>
+          </a:prstGeom>
+          <a:ln w="12700">
+            <a:solidFill>
+              <a:schemeClr val="accent2">
+                <a:alpha val="70000"/>
+              </a:schemeClr>
+            </a:solidFill>
+          </a:ln>
+        </p:spPr>
+        <p:style>
+          <a:lnRef idx="1">
+            <a:schemeClr val="accent1"/>
+          </a:lnRef>
+          <a:fillRef idx="0">
+            <a:schemeClr val="accent1"/>
+          </a:fillRef>
+          <a:effectRef idx="0">
+            <a:schemeClr val="accent1"/>
+          </a:effectRef>
+          <a:fontRef idx="minor">
+            <a:schemeClr val="tx1"/>
+          </a:fontRef>
+        </p:style>
+      </p:cxnSp>
+      <p:sp>
+        <p:nvSpPr>
+          <p:cNvPr id="6" name="Footer Placeholder 5">
+            <a:extLst>
+              <a:ext uri="{FF2B5EF4-FFF2-40B4-BE49-F238E27FC236}">
+                <a16:creationId xmlns:a16="http://schemas.microsoft.com/office/drawing/2014/main" id="{92826E41-9BA6-A39F-7AD4-89F7484BAA1D}"/>
+              </a:ext>
+            </a:extLst>
+          </p:cNvPr>
+          <p:cNvSpPr>
+            <a:spLocks noGrp="1"/>
+          </p:cNvSpPr>
+          <p:nvPr>
+            <p:ph type="ftr" sz="quarter" idx="11"/>
+          </p:nvPr>
+        </p:nvSpPr>
+        <p:spPr>
+          <a:xfrm>
+            <a:off x="154429" y="6398878"/>
+            <a:ext cx="4497315" cy="365125"/>
+          </a:xfrm>
+        </p:spPr>
+        <p:txBody>
+          <a:bodyPr vert="horz" lIns="91440" tIns="45720" rIns="91440" bIns="45720" rtlCol="0" anchor="ctr">
+            <a:normAutofit/>
+          </a:bodyPr>
+          <a:lstStyle/>
+          <a:p>
+            <a:pPr>
+              <a:spcAft>
+                <a:spcPts val="600"/>
+              </a:spcAft>
+            </a:pPr>
+            <a:r>
+              <a:rPr lang="en-US" b="1" kern="1200" spc="30" baseline="0">
+                <a:solidFill>
+                  <a:schemeClr val="tx2"/>
+                </a:solidFill>
+                <a:latin typeface="+mj-lt"/>
+                <a:ea typeface="+mn-ea"/>
+                <a:cs typeface="+mn-cs"/>
+              </a:rPr>
+              <a:t>Sample Footer Text</a:t>
+            </a:r>
+          </a:p>
+        </p:txBody>
+      </p:sp>
+      <p:cxnSp>
+        <p:nvCxnSpPr>
+          <p:cNvPr id="88" name="Straight Connector 87">
+            <a:extLst>
+              <a:ext uri="{FF2B5EF4-FFF2-40B4-BE49-F238E27FC236}">
+                <a16:creationId xmlns:a16="http://schemas.microsoft.com/office/drawing/2014/main" id="{92A6F3B3-F9A3-4E38-8F8E-5247F74D500F}"/>
+              </a:ext>
+              <a:ext uri="{C183D7F6-B498-43B3-948B-1728B52AA6E4}">
+                <adec:decorative xmlns:adec="http://schemas.microsoft.com/office/drawing/2017/decorative" val="1"/>
+              </a:ext>
+            </a:extLst>
+          </p:cNvPr>
+          <p:cNvCxnSpPr>
+            <a:cxnSpLocks noGrp="1" noRot="1" noChangeAspect="1" noMove="1" noResize="1" noEditPoints="1" noAdjustHandles="1" noChangeArrowheads="1" noChangeShapeType="1"/>
+          </p:cNvCxnSpPr>
+          <p:nvPr>
+            <p:extLst>
+              <p:ext uri="{386F3935-93C4-4BCD-93E2-E3B085C9AB24}">
+                <p16:designElem xmlns:p16="http://schemas.microsoft.com/office/powerpoint/2015/main" val="1"/>
+              </p:ext>
+            </p:extLst>
+          </p:nvPr>
+        </p:nvCxnSpPr>
+        <p:spPr>
+          <a:xfrm flipH="1" flipV="1">
+            <a:off x="1" y="1242929"/>
+            <a:ext cx="3559041" cy="5615070"/>
+          </a:xfrm>
+          <a:prstGeom prst="line">
+            <a:avLst/>
+          </a:prstGeom>
+          <a:ln w="12700">
+            <a:solidFill>
+              <a:schemeClr val="accent2">
+                <a:alpha val="70000"/>
+              </a:schemeClr>
+            </a:solidFill>
+          </a:ln>
+        </p:spPr>
+        <p:style>
+          <a:lnRef idx="1">
+            <a:schemeClr val="accent1"/>
+          </a:lnRef>
+          <a:fillRef idx="0">
+            <a:schemeClr val="accent1"/>
+          </a:fillRef>
+          <a:effectRef idx="0">
+            <a:schemeClr val="accent1"/>
+          </a:effectRef>
+          <a:fontRef idx="minor">
+            <a:schemeClr val="tx1"/>
+          </a:fontRef>
+        </p:style>
+      </p:cxnSp>
+      <p:sp>
+        <p:nvSpPr>
+          <p:cNvPr id="7" name="Date Placeholder 6">
+            <a:extLst>
+              <a:ext uri="{FF2B5EF4-FFF2-40B4-BE49-F238E27FC236}">
+                <a16:creationId xmlns:a16="http://schemas.microsoft.com/office/drawing/2014/main" id="{857A291D-03C3-64B7-3453-407A3B728791}"/>
+              </a:ext>
+            </a:extLst>
+          </p:cNvPr>
+          <p:cNvSpPr>
+            <a:spLocks noGrp="1"/>
+          </p:cNvSpPr>
+          <p:nvPr>
+            <p:ph type="dt" sz="half" idx="10"/>
+          </p:nvPr>
+        </p:nvSpPr>
+        <p:spPr>
+          <a:xfrm>
+            <a:off x="7337102" y="6398878"/>
+            <a:ext cx="4193908" cy="365125"/>
+          </a:xfrm>
+        </p:spPr>
+        <p:txBody>
+          <a:bodyPr vert="horz" lIns="91440" tIns="45720" rIns="91440" bIns="45720" rtlCol="0" anchor="ctr">
+            <a:normAutofit/>
+          </a:bodyPr>
+          <a:lstStyle/>
+          <a:p>
+            <a:pPr>
+              <a:spcAft>
+                <a:spcPts val="600"/>
+              </a:spcAft>
+            </a:pPr>
+            <a:r>
+              <a:rPr lang="en-US"/>
+              <a:t>2/7/20XX</a:t>
+            </a:r>
+          </a:p>
+        </p:txBody>
+      </p:sp>
+      <p:sp>
+        <p:nvSpPr>
+          <p:cNvPr id="8" name="Slide Number Placeholder 7">
+            <a:extLst>
+              <a:ext uri="{FF2B5EF4-FFF2-40B4-BE49-F238E27FC236}">
+                <a16:creationId xmlns:a16="http://schemas.microsoft.com/office/drawing/2014/main" id="{738E02EE-F3E2-F6B9-73EB-B7AE143FBBDA}"/>
+              </a:ext>
+            </a:extLst>
+          </p:cNvPr>
+          <p:cNvSpPr>
+            <a:spLocks noGrp="1"/>
+          </p:cNvSpPr>
+          <p:nvPr>
+            <p:ph type="sldNum" sz="quarter" idx="12"/>
+          </p:nvPr>
+        </p:nvSpPr>
+        <p:spPr>
+          <a:xfrm>
+            <a:off x="11602477" y="6398878"/>
+            <a:ext cx="470887" cy="365125"/>
+          </a:xfrm>
+        </p:spPr>
+        <p:txBody>
+          <a:bodyPr vert="horz" lIns="91440" tIns="45720" rIns="91440" bIns="45720" rtlCol="0" anchor="ctr">
+            <a:normAutofit/>
+          </a:bodyPr>
+          <a:lstStyle/>
+          <a:p>
+            <a:pPr>
+              <a:spcAft>
+                <a:spcPts val="600"/>
+              </a:spcAft>
+            </a:pPr>
+            <a:fld id="{312CC964-A50B-4C29-B4E4-2C30BB34CCF3}" type="slidenum">
+              <a:rPr lang="en-US"/>
+              <a:pPr>
+                <a:spcAft>
+                  <a:spcPts val="600"/>
+                </a:spcAft>
+              </a:pPr>
+              <a:t>6</a:t>
+            </a:fld>
+            <a:endParaRPr lang="en-US"/>
+          </a:p>
+        </p:txBody>
+      </p:sp>
+      <p:cxnSp>
+        <p:nvCxnSpPr>
+          <p:cNvPr id="90" name="Straight Connector 89">
+            <a:extLst>
+              <a:ext uri="{FF2B5EF4-FFF2-40B4-BE49-F238E27FC236}">
+                <a16:creationId xmlns:a16="http://schemas.microsoft.com/office/drawing/2014/main" id="{1D51125D-D15A-4ADA-929B-DACA6E0D1CB2}"/>
+              </a:ext>
+              <a:ext uri="{C183D7F6-B498-43B3-948B-1728B52AA6E4}">
+                <adec:decorative xmlns:adec="http://schemas.microsoft.com/office/drawing/2017/decorative" val="1"/>
+              </a:ext>
+            </a:extLst>
+          </p:cNvPr>
+          <p:cNvCxnSpPr>
+            <a:cxnSpLocks noGrp="1" noRot="1" noChangeAspect="1" noMove="1" noResize="1" noEditPoints="1" noAdjustHandles="1" noChangeArrowheads="1" noChangeShapeType="1"/>
+          </p:cNvCxnSpPr>
+          <p:nvPr>
+            <p:extLst>
+              <p:ext uri="{386F3935-93C4-4BCD-93E2-E3B085C9AB24}">
+                <p16:designElem xmlns:p16="http://schemas.microsoft.com/office/powerpoint/2015/main" val="1"/>
+              </p:ext>
+            </p:extLst>
+          </p:nvPr>
+        </p:nvCxnSpPr>
+        <p:spPr>
+          <a:xfrm flipH="1">
+            <a:off x="8909656" y="3630223"/>
+            <a:ext cx="3282344" cy="3227776"/>
+          </a:xfrm>
+          <a:prstGeom prst="line">
+            <a:avLst/>
+          </a:prstGeom>
+          <a:ln w="12700">
+            <a:solidFill>
+              <a:schemeClr val="accent2">
+                <a:alpha val="70000"/>
+              </a:schemeClr>
+            </a:solidFill>
+          </a:ln>
+        </p:spPr>
+        <p:style>
+          <a:lnRef idx="1">
+            <a:schemeClr val="accent1"/>
+          </a:lnRef>
+          <a:fillRef idx="0">
+            <a:schemeClr val="accent1"/>
+          </a:fillRef>
+          <a:effectRef idx="0">
+            <a:schemeClr val="accent1"/>
+          </a:effectRef>
+          <a:fontRef idx="minor">
+            <a:schemeClr val="tx1"/>
+          </a:fontRef>
+        </p:style>
+      </p:cxnSp>
+      <p:pic>
+        <p:nvPicPr>
+          <p:cNvPr id="14" name="Picture 13" descr="Map&#10;&#10;Description automatically generated">
+            <a:extLst>
+              <a:ext uri="{FF2B5EF4-FFF2-40B4-BE49-F238E27FC236}">
+                <a16:creationId xmlns:a16="http://schemas.microsoft.com/office/drawing/2014/main" id="{A244944C-C92D-E1CF-1057-17565FF8EE86}"/>
+              </a:ext>
+            </a:extLst>
+          </p:cNvPr>
+          <p:cNvPicPr>
+            <a:picLocks noChangeAspect="1"/>
+          </p:cNvPicPr>
+          <p:nvPr/>
+        </p:nvPicPr>
+        <p:blipFill rotWithShape="1">
+          <a:blip r:embed="rId2"/>
+          <a:srcRect r="4906" b="-2"/>
+          <a:stretch/>
+        </p:blipFill>
+        <p:spPr>
+          <a:xfrm>
+            <a:off x="0" y="0"/>
+            <a:ext cx="12192000" cy="6718412"/>
+          </a:xfrm>
+          <a:prstGeom prst="rect">
+            <a:avLst/>
+          </a:prstGeom>
+        </p:spPr>
+      </p:pic>
+    </p:spTree>
+    <p:extLst>
+      <p:ext uri="{BB962C8B-B14F-4D97-AF65-F5344CB8AC3E}">
+        <p14:creationId xmlns:p14="http://schemas.microsoft.com/office/powerpoint/2010/main" val="2485105948"/>
+      </p:ext>
+    </p:extLst>
+  </p:cSld>
+  <p:clrMapOvr>
+    <a:masterClrMapping/>
+  </p:clrMapOvr>
+</p:sld>
+</file>
+
+<file path=ppt/slides/slide7.xml><?xml version="1.0" encoding="utf-8"?>
 <p:sld xmlns:a="http://schemas.openxmlformats.org/drawingml/2006/main" xmlns:r="http://schemas.openxmlformats.org/officeDocument/2006/relationships" xmlns:p="http://schemas.openxmlformats.org/presentationml/2006/main">
   <p:cSld>
     <p:spTree>
@@ -20353,6 +24112,204 @@
           <p:cNvPr id="2" name="Title 1">
             <a:extLst>
               <a:ext uri="{FF2B5EF4-FFF2-40B4-BE49-F238E27FC236}">
+                <a16:creationId xmlns:a16="http://schemas.microsoft.com/office/drawing/2014/main" id="{7E9D8101-4ED5-4D91-9EFA-B0E7C1EA6E26}"/>
+              </a:ext>
+            </a:extLst>
+          </p:cNvPr>
+          <p:cNvSpPr>
+            <a:spLocks noGrp="1"/>
+          </p:cNvSpPr>
+          <p:nvPr>
+            <p:ph type="title"/>
+          </p:nvPr>
+        </p:nvSpPr>
+        <p:spPr>
+          <a:xfrm>
+            <a:off x="969264" y="2679192"/>
+            <a:ext cx="4946904" cy="3273552"/>
+          </a:xfrm>
+        </p:spPr>
+        <p:txBody>
+          <a:bodyPr/>
+          <a:lstStyle/>
+          <a:p>
+            <a:r>
+              <a:rPr lang="en-US" dirty="0"/>
+              <a:t>Topic Two</a:t>
+            </a:r>
+          </a:p>
+        </p:txBody>
+      </p:sp>
+      <p:sp>
+        <p:nvSpPr>
+          <p:cNvPr id="3" name="Subtitle 2">
+            <a:extLst>
+              <a:ext uri="{FF2B5EF4-FFF2-40B4-BE49-F238E27FC236}">
+                <a16:creationId xmlns:a16="http://schemas.microsoft.com/office/drawing/2014/main" id="{B7D98F09-AA82-4443-B901-71F5DF765C10}"/>
+              </a:ext>
+            </a:extLst>
+          </p:cNvPr>
+          <p:cNvSpPr>
+            <a:spLocks noGrp="1"/>
+          </p:cNvSpPr>
+          <p:nvPr>
+            <p:ph type="subTitle" idx="1"/>
+          </p:nvPr>
+        </p:nvSpPr>
+        <p:spPr>
+          <a:xfrm>
+            <a:off x="967750" y="975816"/>
+            <a:ext cx="2979897" cy="1264340"/>
+          </a:xfrm>
+        </p:spPr>
+        <p:txBody>
+          <a:bodyPr/>
+          <a:lstStyle/>
+          <a:p>
+            <a:r>
+              <a:rPr lang="en-US" dirty="0"/>
+              <a:t>Subtitle</a:t>
+            </a:r>
+          </a:p>
+        </p:txBody>
+      </p:sp>
+      <p:pic>
+        <p:nvPicPr>
+          <p:cNvPr id="8" name="Picture Placeholder 7" descr="View of city buildings over the water from a track">
+            <a:extLst>
+              <a:ext uri="{FF2B5EF4-FFF2-40B4-BE49-F238E27FC236}">
+                <a16:creationId xmlns:a16="http://schemas.microsoft.com/office/drawing/2014/main" id="{5A5996C8-9A00-4071-B24A-D1B22DDFAD6F}"/>
+              </a:ext>
+            </a:extLst>
+          </p:cNvPr>
+          <p:cNvPicPr>
+            <a:picLocks noGrp="1" noChangeAspect="1"/>
+          </p:cNvPicPr>
+          <p:nvPr>
+            <p:ph type="pic" sz="quarter" idx="13"/>
+          </p:nvPr>
+        </p:nvPicPr>
+        <p:blipFill rotWithShape="1">
+          <a:blip r:embed="rId2" cstate="screen">
+            <a:extLst>
+              <a:ext uri="{28A0092B-C50C-407E-A947-70E740481C1C}">
+                <a14:useLocalDpi xmlns:a14="http://schemas.microsoft.com/office/drawing/2010/main"/>
+              </a:ext>
+            </a:extLst>
+          </a:blip>
+          <a:srcRect/>
+          <a:stretch/>
+        </p:blipFill>
+        <p:spPr>
+          <a:xfrm>
+            <a:off x="3208292" y="3"/>
+            <a:ext cx="8997356" cy="4581079"/>
+          </a:xfrm>
+        </p:spPr>
+      </p:pic>
+      <p:pic>
+        <p:nvPicPr>
+          <p:cNvPr id="10" name="Picture Placeholder 9" descr="View of city buildings over the water">
+            <a:extLst>
+              <a:ext uri="{FF2B5EF4-FFF2-40B4-BE49-F238E27FC236}">
+                <a16:creationId xmlns:a16="http://schemas.microsoft.com/office/drawing/2014/main" id="{C2C517CC-DCFE-4E86-A4E5-F5BFD7BF69FF}"/>
+              </a:ext>
+            </a:extLst>
+          </p:cNvPr>
+          <p:cNvPicPr>
+            <a:picLocks noGrp="1" noChangeAspect="1"/>
+          </p:cNvPicPr>
+          <p:nvPr>
+            <p:ph type="pic" sz="quarter" idx="14"/>
+          </p:nvPr>
+        </p:nvPicPr>
+        <p:blipFill rotWithShape="1">
+          <a:blip r:embed="rId3" cstate="screen">
+            <a:extLst>
+              <a:ext uri="{28A0092B-C50C-407E-A947-70E740481C1C}">
+                <a14:useLocalDpi xmlns:a14="http://schemas.microsoft.com/office/drawing/2010/main"/>
+              </a:ext>
+            </a:extLst>
+          </a:blip>
+          <a:srcRect/>
+          <a:stretch/>
+        </p:blipFill>
+        <p:spPr>
+          <a:xfrm>
+            <a:off x="7243070" y="883420"/>
+            <a:ext cx="4948931" cy="5974580"/>
+          </a:xfrm>
+        </p:spPr>
+      </p:pic>
+      <p:pic>
+        <p:nvPicPr>
+          <p:cNvPr id="12" name="Picture Placeholder 11" descr="A picture containing glass buildings with reflection">
+            <a:extLst>
+              <a:ext uri="{FF2B5EF4-FFF2-40B4-BE49-F238E27FC236}">
+                <a16:creationId xmlns:a16="http://schemas.microsoft.com/office/drawing/2014/main" id="{90D6ECDF-A0E4-4308-967E-8BAC3E85A4B7}"/>
+              </a:ext>
+            </a:extLst>
+          </p:cNvPr>
+          <p:cNvPicPr>
+            <a:picLocks noGrp="1" noChangeAspect="1"/>
+          </p:cNvPicPr>
+          <p:nvPr>
+            <p:ph type="pic" sz="quarter" idx="15"/>
+          </p:nvPr>
+        </p:nvPicPr>
+        <p:blipFill rotWithShape="1">
+          <a:blip r:embed="rId4" cstate="screen">
+            <a:extLst>
+              <a:ext uri="{28A0092B-C50C-407E-A947-70E740481C1C}">
+                <a14:useLocalDpi xmlns:a14="http://schemas.microsoft.com/office/drawing/2010/main"/>
+              </a:ext>
+            </a:extLst>
+          </a:blip>
+          <a:srcRect/>
+          <a:stretch/>
+        </p:blipFill>
+        <p:spPr>
+          <a:xfrm>
+            <a:off x="4234997" y="4574265"/>
+            <a:ext cx="5074516" cy="2298983"/>
+          </a:xfrm>
+        </p:spPr>
+      </p:pic>
+    </p:spTree>
+    <p:extLst>
+      <p:ext uri="{BB962C8B-B14F-4D97-AF65-F5344CB8AC3E}">
+        <p14:creationId xmlns:p14="http://schemas.microsoft.com/office/powerpoint/2010/main" val="3871568735"/>
+      </p:ext>
+    </p:extLst>
+  </p:cSld>
+  <p:clrMapOvr>
+    <a:masterClrMapping/>
+  </p:clrMapOvr>
+</p:sld>
+</file>
+
+<file path=ppt/slides/slide8.xml><?xml version="1.0" encoding="utf-8"?>
+<p:sld xmlns:a="http://schemas.openxmlformats.org/drawingml/2006/main" xmlns:r="http://schemas.openxmlformats.org/officeDocument/2006/relationships" xmlns:p="http://schemas.openxmlformats.org/presentationml/2006/main">
+  <p:cSld>
+    <p:spTree>
+      <p:nvGrpSpPr>
+        <p:cNvPr id="1" name=""/>
+        <p:cNvGrpSpPr/>
+        <p:nvPr/>
+      </p:nvGrpSpPr>
+      <p:grpSpPr>
+        <a:xfrm>
+          <a:off x="0" y="0"/>
+          <a:ext cx="0" cy="0"/>
+          <a:chOff x="0" y="0"/>
+          <a:chExt cx="0" cy="0"/>
+        </a:xfrm>
+      </p:grpSpPr>
+      <p:sp>
+        <p:nvSpPr>
+          <p:cNvPr id="2" name="Title 1">
+            <a:extLst>
+              <a:ext uri="{FF2B5EF4-FFF2-40B4-BE49-F238E27FC236}">
                 <a16:creationId xmlns:a16="http://schemas.microsoft.com/office/drawing/2014/main" id="{F479E736-254A-4657-A88B-DE71C47DA880}"/>
               </a:ext>
             </a:extLst>
@@ -20672,7 +24629,7 @@
             <a:fld id="{312CC964-A50B-4C29-B4E4-2C30BB34CCF3}" type="slidenum">
               <a:rPr lang="en-US" smtClean="0"/>
               <a:pPr/>
-              <a:t>5</a:t>
+              <a:t>8</a:t>
             </a:fld>
             <a:endParaRPr lang="en-US" dirty="0"/>
           </a:p>
@@ -20720,7 +24677,7 @@
 </p:sld>
 </file>
 
-<file path=ppt/slides/slide6.xml><?xml version="1.0" encoding="utf-8"?>
+<file path=ppt/slides/slide9.xml><?xml version="1.0" encoding="utf-8"?>
 <p:sld xmlns:a="http://schemas.openxmlformats.org/drawingml/2006/main" xmlns:r="http://schemas.openxmlformats.org/officeDocument/2006/relationships" xmlns:p="http://schemas.openxmlformats.org/presentationml/2006/main">
   <p:cSld>
     <p:spTree>
@@ -21454,7 +25411,7 @@
             <a:fld id="{312CC964-A50B-4C29-B4E4-2C30BB34CCF3}" type="slidenum">
               <a:rPr lang="en-US" smtClean="0"/>
               <a:pPr/>
-              <a:t>6</a:t>
+              <a:t>9</a:t>
             </a:fld>
             <a:endParaRPr lang="en-US" dirty="0"/>
           </a:p>
@@ -21464,857 +25421,6 @@
     <p:extLst>
       <p:ext uri="{BB962C8B-B14F-4D97-AF65-F5344CB8AC3E}">
         <p14:creationId xmlns:p14="http://schemas.microsoft.com/office/powerpoint/2010/main" val="2694395794"/>
-      </p:ext>
-    </p:extLst>
-  </p:cSld>
-  <p:clrMapOvr>
-    <a:masterClrMapping/>
-  </p:clrMapOvr>
-</p:sld>
-</file>
-
-<file path=ppt/slides/slide7.xml><?xml version="1.0" encoding="utf-8"?>
-<p:sld xmlns:a="http://schemas.openxmlformats.org/drawingml/2006/main" xmlns:r="http://schemas.openxmlformats.org/officeDocument/2006/relationships" xmlns:p="http://schemas.openxmlformats.org/presentationml/2006/main">
-  <p:cSld>
-    <p:spTree>
-      <p:nvGrpSpPr>
-        <p:cNvPr id="1" name=""/>
-        <p:cNvGrpSpPr/>
-        <p:nvPr/>
-      </p:nvGrpSpPr>
-      <p:grpSpPr>
-        <a:xfrm>
-          <a:off x="0" y="0"/>
-          <a:ext cx="0" cy="0"/>
-          <a:chOff x="0" y="0"/>
-          <a:chExt cx="0" cy="0"/>
-        </a:xfrm>
-      </p:grpSpPr>
-      <p:sp>
-        <p:nvSpPr>
-          <p:cNvPr id="2" name="Title 1">
-            <a:extLst>
-              <a:ext uri="{FF2B5EF4-FFF2-40B4-BE49-F238E27FC236}">
-                <a16:creationId xmlns:a16="http://schemas.microsoft.com/office/drawing/2014/main" id="{973992A4-0D40-4A0F-BB3B-3E1AE6C3BF9D}"/>
-              </a:ext>
-            </a:extLst>
-          </p:cNvPr>
-          <p:cNvSpPr>
-            <a:spLocks noGrp="1"/>
-          </p:cNvSpPr>
-          <p:nvPr>
-            <p:ph type="title"/>
-          </p:nvPr>
-        </p:nvSpPr>
-        <p:spPr>
-          <a:xfrm>
-            <a:off x="1143000" y="533401"/>
-            <a:ext cx="9906000" cy="1382156"/>
-          </a:xfrm>
-        </p:spPr>
-        <p:txBody>
-          <a:bodyPr>
-            <a:normAutofit/>
-          </a:bodyPr>
-          <a:lstStyle/>
-          <a:p>
-            <a:r>
-              <a:rPr lang="en-US" sz="4000" dirty="0"/>
-              <a:t>Data Modeling Implementation</a:t>
-            </a:r>
-          </a:p>
-        </p:txBody>
-      </p:sp>
-      <p:graphicFrame>
-        <p:nvGraphicFramePr>
-          <p:cNvPr id="39" name="Table 4">
-            <a:extLst>
-              <a:ext uri="{FF2B5EF4-FFF2-40B4-BE49-F238E27FC236}">
-                <a16:creationId xmlns:a16="http://schemas.microsoft.com/office/drawing/2014/main" id="{828FCC7C-9CA7-4A08-B1B6-91B39D2A90C7}"/>
-              </a:ext>
-            </a:extLst>
-          </p:cNvPr>
-          <p:cNvGraphicFramePr>
-            <a:graphicFrameLocks noGrp="1"/>
-          </p:cNvGraphicFramePr>
-          <p:nvPr>
-            <p:ph idx="1"/>
-            <p:extLst>
-              <p:ext uri="{D42A27DB-BD31-4B8C-83A1-F6EECF244321}">
-                <p14:modId xmlns:p14="http://schemas.microsoft.com/office/powerpoint/2010/main" val="3961460924"/>
-              </p:ext>
-            </p:extLst>
-          </p:nvPr>
-        </p:nvGraphicFramePr>
-        <p:xfrm>
-          <a:off x="1143000" y="2009775"/>
-          <a:ext cx="9906000" cy="2119752"/>
-        </p:xfrm>
-        <a:graphic>
-          <a:graphicData uri="http://schemas.openxmlformats.org/drawingml/2006/table">
-            <a:tbl>
-              <a:tblPr firstRow="1" bandRow="1">
-                <a:tableStyleId>{5C22544A-7EE6-4342-B048-85BDC9FD1C3A}</a:tableStyleId>
-              </a:tblPr>
-              <a:tblGrid>
-                <a:gridCol w="3962400">
-                  <a:extLst>
-                    <a:ext uri="{9D8B030D-6E8A-4147-A177-3AD203B41FA5}">
-                      <a16:colId xmlns:a16="http://schemas.microsoft.com/office/drawing/2014/main" val="1196845939"/>
-                    </a:ext>
-                  </a:extLst>
-                </a:gridCol>
-                <a:gridCol w="5943600">
-                  <a:extLst>
-                    <a:ext uri="{9D8B030D-6E8A-4147-A177-3AD203B41FA5}">
-                      <a16:colId xmlns:a16="http://schemas.microsoft.com/office/drawing/2014/main" val="1595433812"/>
-                    </a:ext>
-                  </a:extLst>
-                </a:gridCol>
-              </a:tblGrid>
-              <a:tr h="529938">
-                <a:tc>
-                  <a:txBody>
-                    <a:bodyPr/>
-                    <a:lstStyle/>
-                    <a:p>
-                      <a:pPr algn="ctr"/>
-                      <a:r>
-                        <a:rPr lang="en-US" dirty="0"/>
-                        <a:t>Property Type</a:t>
-                      </a:r>
-                    </a:p>
-                  </a:txBody>
-                  <a:tcPr anchor="ctr">
-                    <a:lnT w="9525" cap="flat" cmpd="sng" algn="ctr">
-                      <a:solidFill>
-                        <a:schemeClr val="accent1"/>
-                      </a:solidFill>
-                      <a:prstDash val="solid"/>
-                      <a:round/>
-                      <a:headEnd type="none" w="med" len="med"/>
-                      <a:tailEnd type="none" w="med" len="med"/>
-                    </a:lnT>
-                  </a:tcPr>
-                </a:tc>
-                <a:tc>
-                  <a:txBody>
-                    <a:bodyPr/>
-                    <a:lstStyle/>
-                    <a:p>
-                      <a:pPr algn="ctr"/>
-                      <a:r>
-                        <a:rPr lang="en-US" b="1" dirty="0">
-                          <a:solidFill>
-                            <a:schemeClr val="bg1"/>
-                          </a:solidFill>
-                        </a:rPr>
-                        <a:t>R-squared value</a:t>
-                      </a:r>
-                    </a:p>
-                  </a:txBody>
-                  <a:tcPr anchor="ctr">
-                    <a:lnT w="9525" cap="flat" cmpd="sng" algn="ctr">
-                      <a:solidFill>
-                        <a:schemeClr val="accent1"/>
-                      </a:solidFill>
-                      <a:prstDash val="solid"/>
-                      <a:round/>
-                      <a:headEnd type="none" w="med" len="med"/>
-                      <a:tailEnd type="none" w="med" len="med"/>
-                    </a:lnT>
-                    <a:solidFill>
-                      <a:schemeClr val="accent1"/>
-                    </a:solidFill>
-                  </a:tcPr>
-                </a:tc>
-                <a:extLst>
-                  <a:ext uri="{0D108BD9-81ED-4DB2-BD59-A6C34878D82A}">
-                    <a16:rowId xmlns:a16="http://schemas.microsoft.com/office/drawing/2014/main" val="4007227135"/>
-                  </a:ext>
-                </a:extLst>
-              </a:tr>
-              <a:tr h="529938">
-                <a:tc>
-                  <a:txBody>
-                    <a:bodyPr/>
-                    <a:lstStyle/>
-                    <a:p>
-                      <a:pPr algn="ctr"/>
-                      <a:r>
-                        <a:rPr lang="en-US" dirty="0"/>
-                        <a:t>House </a:t>
-                      </a:r>
-                    </a:p>
-                  </a:txBody>
-                  <a:tcPr anchor="ctr"/>
-                </a:tc>
-                <a:tc>
-                  <a:txBody>
-                    <a:bodyPr/>
-                    <a:lstStyle/>
-                    <a:p>
-                      <a:pPr algn="ctr"/>
-                      <a:r>
-                        <a:rPr lang="en-AU" dirty="0"/>
-                        <a:t>0.3646825</a:t>
-                      </a:r>
-                      <a:endParaRPr lang="en-US" dirty="0"/>
-                    </a:p>
-                  </a:txBody>
-                  <a:tcPr anchor="ctr"/>
-                </a:tc>
-                <a:extLst>
-                  <a:ext uri="{0D108BD9-81ED-4DB2-BD59-A6C34878D82A}">
-                    <a16:rowId xmlns:a16="http://schemas.microsoft.com/office/drawing/2014/main" val="2465055832"/>
-                  </a:ext>
-                </a:extLst>
-              </a:tr>
-              <a:tr h="529938">
-                <a:tc>
-                  <a:txBody>
-                    <a:bodyPr/>
-                    <a:lstStyle/>
-                    <a:p>
-                      <a:pPr algn="ctr"/>
-                      <a:r>
-                        <a:rPr lang="en-US" dirty="0"/>
-                        <a:t>Townhouse</a:t>
-                      </a:r>
-                    </a:p>
-                  </a:txBody>
-                  <a:tcPr anchor="ctr"/>
-                </a:tc>
-                <a:tc>
-                  <a:txBody>
-                    <a:bodyPr/>
-                    <a:lstStyle/>
-                    <a:p>
-                      <a:pPr algn="ctr"/>
-                      <a:r>
-                        <a:rPr lang="en-AU" dirty="0"/>
-                        <a:t>0.4428827</a:t>
-                      </a:r>
-                    </a:p>
-                  </a:txBody>
-                  <a:tcPr anchor="ctr"/>
-                </a:tc>
-                <a:extLst>
-                  <a:ext uri="{0D108BD9-81ED-4DB2-BD59-A6C34878D82A}">
-                    <a16:rowId xmlns:a16="http://schemas.microsoft.com/office/drawing/2014/main" val="1474616042"/>
-                  </a:ext>
-                </a:extLst>
-              </a:tr>
-              <a:tr h="529938">
-                <a:tc>
-                  <a:txBody>
-                    <a:bodyPr/>
-                    <a:lstStyle/>
-                    <a:p>
-                      <a:pPr algn="ctr"/>
-                      <a:r>
-                        <a:rPr lang="en-US" dirty="0"/>
-                        <a:t>Unit </a:t>
-                      </a:r>
-                    </a:p>
-                  </a:txBody>
-                  <a:tcPr anchor="ctr"/>
-                </a:tc>
-                <a:tc>
-                  <a:txBody>
-                    <a:bodyPr/>
-                    <a:lstStyle/>
-                    <a:p>
-                      <a:pPr algn="ctr"/>
-                      <a:r>
-                        <a:rPr lang="en-AU" dirty="0"/>
-                        <a:t>0.3359805</a:t>
-                      </a:r>
-                    </a:p>
-                  </a:txBody>
-                  <a:tcPr anchor="ctr"/>
-                </a:tc>
-                <a:extLst>
-                  <a:ext uri="{0D108BD9-81ED-4DB2-BD59-A6C34878D82A}">
-                    <a16:rowId xmlns:a16="http://schemas.microsoft.com/office/drawing/2014/main" val="3248917629"/>
-                  </a:ext>
-                </a:extLst>
-              </a:tr>
-            </a:tbl>
-          </a:graphicData>
-        </a:graphic>
-      </p:graphicFrame>
-      <p:sp>
-        <p:nvSpPr>
-          <p:cNvPr id="6" name="Footer Placeholder 5">
-            <a:extLst>
-              <a:ext uri="{FF2B5EF4-FFF2-40B4-BE49-F238E27FC236}">
-                <a16:creationId xmlns:a16="http://schemas.microsoft.com/office/drawing/2014/main" id="{C8C1BD91-A502-4CE9-B6CB-FBA31C8183A9}"/>
-              </a:ext>
-            </a:extLst>
-          </p:cNvPr>
-          <p:cNvSpPr>
-            <a:spLocks noGrp="1"/>
-          </p:cNvSpPr>
-          <p:nvPr>
-            <p:ph type="ftr" sz="quarter" idx="11"/>
-          </p:nvPr>
-        </p:nvSpPr>
-        <p:spPr>
-          <a:xfrm>
-            <a:off x="154429" y="6398878"/>
-            <a:ext cx="4497315" cy="365125"/>
-          </a:xfrm>
-        </p:spPr>
-        <p:txBody>
-          <a:bodyPr/>
-          <a:lstStyle/>
-          <a:p>
-            <a:r>
-              <a:rPr lang="en-US" dirty="0"/>
-              <a:t>Sample Footer Text</a:t>
-            </a:r>
-          </a:p>
-        </p:txBody>
-      </p:sp>
-      <p:sp>
-        <p:nvSpPr>
-          <p:cNvPr id="5" name="Date Placeholder 4">
-            <a:extLst>
-              <a:ext uri="{FF2B5EF4-FFF2-40B4-BE49-F238E27FC236}">
-                <a16:creationId xmlns:a16="http://schemas.microsoft.com/office/drawing/2014/main" id="{434CEA1C-DE10-4AAF-865D-450C0AEE11DB}"/>
-              </a:ext>
-            </a:extLst>
-          </p:cNvPr>
-          <p:cNvSpPr>
-            <a:spLocks noGrp="1"/>
-          </p:cNvSpPr>
-          <p:nvPr>
-            <p:ph type="dt" sz="half" idx="10"/>
-          </p:nvPr>
-        </p:nvSpPr>
-        <p:spPr>
-          <a:xfrm>
-            <a:off x="7337102" y="6398878"/>
-            <a:ext cx="4193908" cy="365125"/>
-          </a:xfrm>
-        </p:spPr>
-        <p:txBody>
-          <a:bodyPr/>
-          <a:lstStyle/>
-          <a:p>
-            <a:r>
-              <a:rPr lang="en-US" dirty="0"/>
-              <a:t>2/7/20XX</a:t>
-            </a:r>
-          </a:p>
-        </p:txBody>
-      </p:sp>
-      <p:sp>
-        <p:nvSpPr>
-          <p:cNvPr id="7" name="Slide Number Placeholder 6">
-            <a:extLst>
-              <a:ext uri="{FF2B5EF4-FFF2-40B4-BE49-F238E27FC236}">
-                <a16:creationId xmlns:a16="http://schemas.microsoft.com/office/drawing/2014/main" id="{2A40B6AB-E9B1-4B7E-BD4C-74C93ABF5CBC}"/>
-              </a:ext>
-            </a:extLst>
-          </p:cNvPr>
-          <p:cNvSpPr>
-            <a:spLocks noGrp="1"/>
-          </p:cNvSpPr>
-          <p:nvPr>
-            <p:ph type="sldNum" sz="quarter" idx="12"/>
-          </p:nvPr>
-        </p:nvSpPr>
-        <p:spPr>
-          <a:xfrm>
-            <a:off x="11602477" y="6398878"/>
-            <a:ext cx="470887" cy="365125"/>
-          </a:xfrm>
-        </p:spPr>
-        <p:txBody>
-          <a:bodyPr/>
-          <a:lstStyle/>
-          <a:p>
-            <a:fld id="{312CC964-A50B-4C29-B4E4-2C30BB34CCF3}" type="slidenum">
-              <a:rPr lang="en-US" smtClean="0"/>
-              <a:pPr/>
-              <a:t>7</a:t>
-            </a:fld>
-            <a:endParaRPr lang="en-US" dirty="0"/>
-          </a:p>
-        </p:txBody>
-      </p:sp>
-    </p:spTree>
-    <p:extLst>
-      <p:ext uri="{BB962C8B-B14F-4D97-AF65-F5344CB8AC3E}">
-        <p14:creationId xmlns:p14="http://schemas.microsoft.com/office/powerpoint/2010/main" val="116697314"/>
-      </p:ext>
-    </p:extLst>
-  </p:cSld>
-  <p:clrMapOvr>
-    <a:masterClrMapping/>
-  </p:clrMapOvr>
-</p:sld>
-</file>
-
-<file path=ppt/slides/slide8.xml><?xml version="1.0" encoding="utf-8"?>
-<p:sld xmlns:a="http://schemas.openxmlformats.org/drawingml/2006/main" xmlns:r="http://schemas.openxmlformats.org/officeDocument/2006/relationships" xmlns:p="http://schemas.openxmlformats.org/presentationml/2006/main">
-  <p:cSld>
-    <p:spTree>
-      <p:nvGrpSpPr>
-        <p:cNvPr id="1" name=""/>
-        <p:cNvGrpSpPr/>
-        <p:nvPr/>
-      </p:nvGrpSpPr>
-      <p:grpSpPr>
-        <a:xfrm>
-          <a:off x="0" y="0"/>
-          <a:ext cx="0" cy="0"/>
-          <a:chOff x="0" y="0"/>
-          <a:chExt cx="0" cy="0"/>
-        </a:xfrm>
-      </p:grpSpPr>
-      <p:sp>
-        <p:nvSpPr>
-          <p:cNvPr id="2" name="Title 1">
-            <a:extLst>
-              <a:ext uri="{FF2B5EF4-FFF2-40B4-BE49-F238E27FC236}">
-                <a16:creationId xmlns:a16="http://schemas.microsoft.com/office/drawing/2014/main" id="{4D18CD2A-2EC1-4055-AE20-4A35A1794F1C}"/>
-              </a:ext>
-            </a:extLst>
-          </p:cNvPr>
-          <p:cNvSpPr>
-            <a:spLocks noGrp="1"/>
-          </p:cNvSpPr>
-          <p:nvPr>
-            <p:ph type="title"/>
-          </p:nvPr>
-        </p:nvSpPr>
-        <p:spPr>
-          <a:xfrm>
-            <a:off x="839788" y="365125"/>
-            <a:ext cx="10515600" cy="1325563"/>
-          </a:xfrm>
-        </p:spPr>
-        <p:txBody>
-          <a:bodyPr/>
-          <a:lstStyle/>
-          <a:p>
-            <a:r>
-              <a:rPr lang="en-US" dirty="0"/>
-              <a:t>Output</a:t>
-            </a:r>
-          </a:p>
-        </p:txBody>
-      </p:sp>
-      <p:sp>
-        <p:nvSpPr>
-          <p:cNvPr id="5" name="Text Placeholder 4">
-            <a:extLst>
-              <a:ext uri="{FF2B5EF4-FFF2-40B4-BE49-F238E27FC236}">
-                <a16:creationId xmlns:a16="http://schemas.microsoft.com/office/drawing/2014/main" id="{77A2ABE5-0226-49ED-8CCF-C68A5DC8C37A}"/>
-              </a:ext>
-            </a:extLst>
-          </p:cNvPr>
-          <p:cNvSpPr>
-            <a:spLocks noGrp="1"/>
-          </p:cNvSpPr>
-          <p:nvPr>
-            <p:ph type="body" sz="quarter" idx="3"/>
-          </p:nvPr>
-        </p:nvSpPr>
-        <p:spPr>
-          <a:xfrm>
-            <a:off x="6172200" y="1734325"/>
-            <a:ext cx="5183188" cy="823912"/>
-          </a:xfrm>
-        </p:spPr>
-        <p:txBody>
-          <a:bodyPr/>
-          <a:lstStyle/>
-          <a:p>
-            <a:r>
-              <a:rPr lang="en-US" dirty="0"/>
-              <a:t>Potential data inclusion</a:t>
-            </a:r>
-          </a:p>
-        </p:txBody>
-      </p:sp>
-      <p:sp>
-        <p:nvSpPr>
-          <p:cNvPr id="6" name="Content Placeholder 5">
-            <a:extLst>
-              <a:ext uri="{FF2B5EF4-FFF2-40B4-BE49-F238E27FC236}">
-                <a16:creationId xmlns:a16="http://schemas.microsoft.com/office/drawing/2014/main" id="{B05028CE-DA21-47EC-B483-3CE6A8E62CF1}"/>
-              </a:ext>
-            </a:extLst>
-          </p:cNvPr>
-          <p:cNvSpPr>
-            <a:spLocks noGrp="1"/>
-          </p:cNvSpPr>
-          <p:nvPr>
-            <p:ph sz="quarter" idx="4"/>
-          </p:nvPr>
-        </p:nvSpPr>
-        <p:spPr>
-          <a:xfrm>
-            <a:off x="6172200" y="2558237"/>
-            <a:ext cx="5183188" cy="3684588"/>
-          </a:xfrm>
-        </p:spPr>
-        <p:txBody>
-          <a:bodyPr/>
-          <a:lstStyle/>
-          <a:p>
-            <a:r>
-              <a:rPr lang="en-US" dirty="0"/>
-              <a:t>House and Land size </a:t>
-            </a:r>
-          </a:p>
-          <a:p>
-            <a:r>
-              <a:rPr lang="en-US" dirty="0"/>
-              <a:t>Bathrooms </a:t>
-            </a:r>
-          </a:p>
-          <a:p>
-            <a:r>
-              <a:rPr lang="en-US" dirty="0"/>
-              <a:t>Car space </a:t>
-            </a:r>
-          </a:p>
-          <a:p>
-            <a:r>
-              <a:rPr lang="en-US" dirty="0"/>
-              <a:t>Quality of the dwelling </a:t>
-            </a:r>
-          </a:p>
-          <a:p>
-            <a:r>
-              <a:rPr lang="en-US" dirty="0"/>
-              <a:t>Infrastructures proximity </a:t>
-            </a:r>
-          </a:p>
-          <a:p>
-            <a:endParaRPr lang="en-US" dirty="0"/>
-          </a:p>
-          <a:p>
-            <a:pPr marL="0" indent="0">
-              <a:buNone/>
-            </a:pPr>
-            <a:r>
-              <a:rPr lang="en-US" dirty="0"/>
-              <a:t> </a:t>
-            </a:r>
-          </a:p>
-          <a:p>
-            <a:endParaRPr lang="en-US" dirty="0"/>
-          </a:p>
-        </p:txBody>
-      </p:sp>
-      <p:sp>
-        <p:nvSpPr>
-          <p:cNvPr id="8" name="Footer Placeholder 7">
-            <a:extLst>
-              <a:ext uri="{FF2B5EF4-FFF2-40B4-BE49-F238E27FC236}">
-                <a16:creationId xmlns:a16="http://schemas.microsoft.com/office/drawing/2014/main" id="{1CB6C385-03DD-40B8-8F1B-4E62C60C85AA}"/>
-              </a:ext>
-            </a:extLst>
-          </p:cNvPr>
-          <p:cNvSpPr>
-            <a:spLocks noGrp="1"/>
-          </p:cNvSpPr>
-          <p:nvPr>
-            <p:ph type="ftr" sz="quarter" idx="11"/>
-          </p:nvPr>
-        </p:nvSpPr>
-        <p:spPr>
-          <a:xfrm>
-            <a:off x="154429" y="6398878"/>
-            <a:ext cx="4497315" cy="365125"/>
-          </a:xfrm>
-        </p:spPr>
-        <p:txBody>
-          <a:bodyPr/>
-          <a:lstStyle/>
-          <a:p>
-            <a:r>
-              <a:rPr lang="en-US" dirty="0"/>
-              <a:t>Sample Footer Text</a:t>
-            </a:r>
-          </a:p>
-        </p:txBody>
-      </p:sp>
-      <p:sp>
-        <p:nvSpPr>
-          <p:cNvPr id="7" name="Date Placeholder 6">
-            <a:extLst>
-              <a:ext uri="{FF2B5EF4-FFF2-40B4-BE49-F238E27FC236}">
-                <a16:creationId xmlns:a16="http://schemas.microsoft.com/office/drawing/2014/main" id="{AF3C5F2A-97FD-42D5-B08A-F20B3EFD7D84}"/>
-              </a:ext>
-            </a:extLst>
-          </p:cNvPr>
-          <p:cNvSpPr>
-            <a:spLocks noGrp="1"/>
-          </p:cNvSpPr>
-          <p:nvPr>
-            <p:ph type="dt" sz="half" idx="10"/>
-          </p:nvPr>
-        </p:nvSpPr>
-        <p:spPr>
-          <a:xfrm>
-            <a:off x="7337102" y="6398878"/>
-            <a:ext cx="4193908" cy="365125"/>
-          </a:xfrm>
-        </p:spPr>
-        <p:txBody>
-          <a:bodyPr/>
-          <a:lstStyle/>
-          <a:p>
-            <a:r>
-              <a:rPr lang="en-US" dirty="0"/>
-              <a:t>2/7/20XX</a:t>
-            </a:r>
-          </a:p>
-        </p:txBody>
-      </p:sp>
-      <p:sp>
-        <p:nvSpPr>
-          <p:cNvPr id="9" name="Slide Number Placeholder 8">
-            <a:extLst>
-              <a:ext uri="{FF2B5EF4-FFF2-40B4-BE49-F238E27FC236}">
-                <a16:creationId xmlns:a16="http://schemas.microsoft.com/office/drawing/2014/main" id="{203229A0-1321-49E2-9958-3B1F86E2CC8F}"/>
-              </a:ext>
-            </a:extLst>
-          </p:cNvPr>
-          <p:cNvSpPr>
-            <a:spLocks noGrp="1"/>
-          </p:cNvSpPr>
-          <p:nvPr>
-            <p:ph type="sldNum" sz="quarter" idx="12"/>
-          </p:nvPr>
-        </p:nvSpPr>
-        <p:spPr>
-          <a:xfrm>
-            <a:off x="11602477" y="6398878"/>
-            <a:ext cx="470887" cy="365125"/>
-          </a:xfrm>
-        </p:spPr>
-        <p:txBody>
-          <a:bodyPr/>
-          <a:lstStyle/>
-          <a:p>
-            <a:fld id="{312CC964-A50B-4C29-B4E4-2C30BB34CCF3}" type="slidenum">
-              <a:rPr lang="en-US" smtClean="0"/>
-              <a:pPr/>
-              <a:t>8</a:t>
-            </a:fld>
-            <a:endParaRPr lang="en-US" dirty="0"/>
-          </a:p>
-        </p:txBody>
-      </p:sp>
-      <p:pic>
-        <p:nvPicPr>
-          <p:cNvPr id="11" name="Picture 10">
-            <a:extLst>
-              <a:ext uri="{FF2B5EF4-FFF2-40B4-BE49-F238E27FC236}">
-                <a16:creationId xmlns:a16="http://schemas.microsoft.com/office/drawing/2014/main" id="{CA0CEF31-8892-4929-9704-DE8E54938E79}"/>
-              </a:ext>
-            </a:extLst>
-          </p:cNvPr>
-          <p:cNvPicPr>
-            <a:picLocks noChangeAspect="1"/>
-          </p:cNvPicPr>
-          <p:nvPr/>
-        </p:nvPicPr>
-        <p:blipFill>
-          <a:blip r:embed="rId2"/>
-          <a:stretch>
-            <a:fillRect/>
-          </a:stretch>
-        </p:blipFill>
-        <p:spPr>
-          <a:xfrm>
-            <a:off x="1183578" y="1985844"/>
-            <a:ext cx="3735555" cy="3415889"/>
-          </a:xfrm>
-          <a:prstGeom prst="rect">
-            <a:avLst/>
-          </a:prstGeom>
-        </p:spPr>
-      </p:pic>
-    </p:spTree>
-    <p:extLst>
-      <p:ext uri="{BB962C8B-B14F-4D97-AF65-F5344CB8AC3E}">
-        <p14:creationId xmlns:p14="http://schemas.microsoft.com/office/powerpoint/2010/main" val="579630974"/>
-      </p:ext>
-    </p:extLst>
-  </p:cSld>
-  <p:clrMapOvr>
-    <a:masterClrMapping/>
-  </p:clrMapOvr>
-</p:sld>
-</file>
-
-<file path=ppt/slides/slide9.xml><?xml version="1.0" encoding="utf-8"?>
-<p:sld xmlns:a="http://schemas.openxmlformats.org/drawingml/2006/main" xmlns:r="http://schemas.openxmlformats.org/officeDocument/2006/relationships" xmlns:p="http://schemas.openxmlformats.org/presentationml/2006/main">
-  <p:cSld>
-    <p:spTree>
-      <p:nvGrpSpPr>
-        <p:cNvPr id="1" name=""/>
-        <p:cNvGrpSpPr/>
-        <p:nvPr/>
-      </p:nvGrpSpPr>
-      <p:grpSpPr>
-        <a:xfrm>
-          <a:off x="0" y="0"/>
-          <a:ext cx="0" cy="0"/>
-          <a:chOff x="0" y="0"/>
-          <a:chExt cx="0" cy="0"/>
-        </a:xfrm>
-      </p:grpSpPr>
-      <p:sp>
-        <p:nvSpPr>
-          <p:cNvPr id="2" name="Title 1">
-            <a:extLst>
-              <a:ext uri="{FF2B5EF4-FFF2-40B4-BE49-F238E27FC236}">
-                <a16:creationId xmlns:a16="http://schemas.microsoft.com/office/drawing/2014/main" id="{47AC2224-2F96-4924-9848-CF43900BAD07}"/>
-              </a:ext>
-            </a:extLst>
-          </p:cNvPr>
-          <p:cNvSpPr>
-            <a:spLocks noGrp="1"/>
-          </p:cNvSpPr>
-          <p:nvPr>
-            <p:ph type="title"/>
-          </p:nvPr>
-        </p:nvSpPr>
-        <p:spPr/>
-        <p:txBody>
-          <a:bodyPr/>
-          <a:lstStyle/>
-          <a:p>
-            <a:endParaRPr lang="en-AU" dirty="0"/>
-          </a:p>
-        </p:txBody>
-      </p:sp>
-      <p:sp>
-        <p:nvSpPr>
-          <p:cNvPr id="3" name="Content Placeholder 2">
-            <a:extLst>
-              <a:ext uri="{FF2B5EF4-FFF2-40B4-BE49-F238E27FC236}">
-                <a16:creationId xmlns:a16="http://schemas.microsoft.com/office/drawing/2014/main" id="{635AA165-B462-46C4-B0DE-01BB265B9F75}"/>
-              </a:ext>
-            </a:extLst>
-          </p:cNvPr>
-          <p:cNvSpPr>
-            <a:spLocks noGrp="1"/>
-          </p:cNvSpPr>
-          <p:nvPr>
-            <p:ph idx="1"/>
-          </p:nvPr>
-        </p:nvSpPr>
-        <p:spPr/>
-        <p:txBody>
-          <a:bodyPr/>
-          <a:lstStyle/>
-          <a:p>
-            <a:endParaRPr lang="en-AU"/>
-          </a:p>
-        </p:txBody>
-      </p:sp>
-      <p:sp>
-        <p:nvSpPr>
-          <p:cNvPr id="4" name="Footer Placeholder 3">
-            <a:extLst>
-              <a:ext uri="{FF2B5EF4-FFF2-40B4-BE49-F238E27FC236}">
-                <a16:creationId xmlns:a16="http://schemas.microsoft.com/office/drawing/2014/main" id="{0E7D0A54-16F2-4F80-95B2-ED5470A11AAC}"/>
-              </a:ext>
-            </a:extLst>
-          </p:cNvPr>
-          <p:cNvSpPr>
-            <a:spLocks noGrp="1"/>
-          </p:cNvSpPr>
-          <p:nvPr>
-            <p:ph type="ftr" sz="quarter" idx="11"/>
-          </p:nvPr>
-        </p:nvSpPr>
-        <p:spPr/>
-        <p:txBody>
-          <a:bodyPr/>
-          <a:lstStyle/>
-          <a:p>
-            <a:r>
-              <a:rPr lang="en-US"/>
-              <a:t>Sample Footer Text</a:t>
-            </a:r>
-            <a:endParaRPr lang="en-US" dirty="0"/>
-          </a:p>
-        </p:txBody>
-      </p:sp>
-      <p:sp>
-        <p:nvSpPr>
-          <p:cNvPr id="5" name="Date Placeholder 4">
-            <a:extLst>
-              <a:ext uri="{FF2B5EF4-FFF2-40B4-BE49-F238E27FC236}">
-                <a16:creationId xmlns:a16="http://schemas.microsoft.com/office/drawing/2014/main" id="{430F07EB-3937-4947-BA6F-FE368D92CD18}"/>
-              </a:ext>
-            </a:extLst>
-          </p:cNvPr>
-          <p:cNvSpPr>
-            <a:spLocks noGrp="1"/>
-          </p:cNvSpPr>
-          <p:nvPr>
-            <p:ph type="dt" sz="half" idx="10"/>
-          </p:nvPr>
-        </p:nvSpPr>
-        <p:spPr/>
-        <p:txBody>
-          <a:bodyPr/>
-          <a:lstStyle/>
-          <a:p>
-            <a:r>
-              <a:rPr lang="en-US"/>
-              <a:t>2/7/20XX</a:t>
-            </a:r>
-            <a:endParaRPr lang="en-US" dirty="0"/>
-          </a:p>
-        </p:txBody>
-      </p:sp>
-      <p:sp>
-        <p:nvSpPr>
-          <p:cNvPr id="6" name="Slide Number Placeholder 5">
-            <a:extLst>
-              <a:ext uri="{FF2B5EF4-FFF2-40B4-BE49-F238E27FC236}">
-                <a16:creationId xmlns:a16="http://schemas.microsoft.com/office/drawing/2014/main" id="{84F3C94E-B3F7-41A3-8CD6-B0693932F47E}"/>
-              </a:ext>
-            </a:extLst>
-          </p:cNvPr>
-          <p:cNvSpPr>
-            <a:spLocks noGrp="1"/>
-          </p:cNvSpPr>
-          <p:nvPr>
-            <p:ph type="sldNum" sz="quarter" idx="12"/>
-          </p:nvPr>
-        </p:nvSpPr>
-        <p:spPr/>
-        <p:txBody>
-          <a:bodyPr/>
-          <a:lstStyle/>
-          <a:p>
-            <a:fld id="{312CC964-A50B-4C29-B4E4-2C30BB34CCF3}" type="slidenum">
-              <a:rPr lang="en-US" smtClean="0"/>
-              <a:t>9</a:t>
-            </a:fld>
-            <a:endParaRPr lang="en-US" dirty="0"/>
-          </a:p>
-        </p:txBody>
-      </p:sp>
-    </p:spTree>
-    <p:extLst>
-      <p:ext uri="{BB962C8B-B14F-4D97-AF65-F5344CB8AC3E}">
-        <p14:creationId xmlns:p14="http://schemas.microsoft.com/office/powerpoint/2010/main" val="240077539"/>
       </p:ext>
     </p:extLst>
   </p:cSld>
@@ -22821,6 +25927,15 @@
 </file>
 
 <file path=customXml/item1.xml><?xml version="1.0" encoding="utf-8"?>
+<?mso-contentType ?>
+<FormTemplates xmlns="http://schemas.microsoft.com/sharepoint/v3/contenttype/forms">
+  <Display>DocumentLibraryForm</Display>
+  <Edit>DocumentLibraryForm</Edit>
+  <New>DocumentLibraryForm</New>
+</FormTemplates>
+</file>
+
+<file path=customXml/item2.xml><?xml version="1.0" encoding="utf-8"?>
 <ct:contentTypeSchema xmlns:ct="http://schemas.microsoft.com/office/2006/metadata/contentType" xmlns:ma="http://schemas.microsoft.com/office/2006/metadata/properties/metaAttributes" ct:_="" ma:_="" ma:contentTypeName="Document" ma:contentTypeID="0x01010079F111ED35F8CC479449609E8A0923A6" ma:contentTypeVersion="18" ma:contentTypeDescription="Create a new document." ma:contentTypeScope="" ma:versionID="22a266b9fa9a230c5a512669d8b298c3">
   <xsd:schema xmlns:xsd="http://www.w3.org/2001/XMLSchema" xmlns:xs="http://www.w3.org/2001/XMLSchema" xmlns:p="http://schemas.microsoft.com/office/2006/metadata/properties" xmlns:ns1="http://schemas.microsoft.com/sharepoint/v3" xmlns:ns2="71af3243-3dd4-4a8d-8c0d-dd76da1f02a5" xmlns:ns3="16c05727-aa75-4e4a-9b5f-8a80a1165891" xmlns:ns4="230e9df3-be65-4c73-a93b-d1236ebd677e" targetNamespace="http://schemas.microsoft.com/office/2006/metadata/properties" ma:root="true" ma:fieldsID="eddc33fff6b14141ee5c74a0d29ea6a1" ns1:_="" ns2:_="" ns3:_="" ns4:_="">
     <xsd:import namespace="http://schemas.microsoft.com/sharepoint/v3"/>
@@ -23096,15 +26211,6 @@
 </ct:contentTypeSchema>
 </file>
 
-<file path=customXml/item2.xml><?xml version="1.0" encoding="utf-8"?>
-<?mso-contentType ?>
-<FormTemplates xmlns="http://schemas.microsoft.com/sharepoint/v3/contenttype/forms">
-  <Display>DocumentLibraryForm</Display>
-  <Edit>DocumentLibraryForm</Edit>
-  <New>DocumentLibraryForm</New>
-</FormTemplates>
-</file>
-
 <file path=customXml/item3.xml><?xml version="1.0" encoding="utf-8"?>
 <p:properties xmlns:p="http://schemas.microsoft.com/office/2006/metadata/properties" xmlns:xsi="http://www.w3.org/2001/XMLSchema-instance" xmlns:pc="http://schemas.microsoft.com/office/infopath/2007/PartnerControls">
   <documentManagement>
@@ -23125,6 +26231,14 @@
 </file>
 
 <file path=customXml/itemProps1.xml><?xml version="1.0" encoding="utf-8"?>
+<ds:datastoreItem xmlns:ds="http://schemas.openxmlformats.org/officeDocument/2006/customXml" ds:itemID="{207C1F5B-A1D0-429A-8E7C-3E271353D1E0}">
+  <ds:schemaRefs>
+    <ds:schemaRef ds:uri="http://schemas.microsoft.com/sharepoint/v3/contenttype/forms"/>
+  </ds:schemaRefs>
+</ds:datastoreItem>
+</file>
+
+<file path=customXml/itemProps2.xml><?xml version="1.0" encoding="utf-8"?>
 <ds:datastoreItem xmlns:ds="http://schemas.openxmlformats.org/officeDocument/2006/customXml" ds:itemID="{AA1E8BDE-7A03-4563-82F6-53B214F89568}">
   <ds:schemaRefs>
     <ds:schemaRef ds:uri="http://schemas.microsoft.com/office/2006/metadata/contentType"/>
@@ -23141,14 +26255,6 @@
     <ds:schemaRef ds:uri="http://purl.org/dc/elements/1.1/"/>
     <ds:schemaRef ds:uri="http://purl.org/dc/terms/"/>
     <ds:schemaRef ds:uri="http://schemas.microsoft.com/internal/obd"/>
-  </ds:schemaRefs>
-</ds:datastoreItem>
-</file>
-
-<file path=customXml/itemProps2.xml><?xml version="1.0" encoding="utf-8"?>
-<ds:datastoreItem xmlns:ds="http://schemas.openxmlformats.org/officeDocument/2006/customXml" ds:itemID="{207C1F5B-A1D0-429A-8E7C-3E271353D1E0}">
-  <ds:schemaRefs>
-    <ds:schemaRef ds:uri="http://schemas.microsoft.com/sharepoint/v3/contenttype/forms"/>
   </ds:schemaRefs>
 </ds:datastoreItem>
 </file>

--- a/Project 4.pptx
+++ b/Project 4.pptx
@@ -5,7 +5,7 @@
     <p:sldMasterId id="2147483660" r:id="rId4"/>
   </p:sldMasterIdLst>
   <p:notesMasterIdLst>
-    <p:notesMasterId r:id="rId16"/>
+    <p:notesMasterId r:id="rId21"/>
   </p:notesMasterIdLst>
   <p:sldIdLst>
     <p:sldId id="259" r:id="rId5"/>
@@ -19,6 +19,11 @@
     <p:sldId id="315" r:id="rId13"/>
     <p:sldId id="296" r:id="rId14"/>
     <p:sldId id="316" r:id="rId15"/>
+    <p:sldId id="321" r:id="rId16"/>
+    <p:sldId id="325" r:id="rId17"/>
+    <p:sldId id="320" r:id="rId18"/>
+    <p:sldId id="323" r:id="rId19"/>
+    <p:sldId id="322" r:id="rId20"/>
   </p:sldIdLst>
   <p:sldSz cx="12192000" cy="6858000"/>
   <p:notesSz cx="6858000" cy="9144000"/>
@@ -11279,6 +11284,2421 @@
     <p:extLst>
       <p:ext uri="{BB962C8B-B14F-4D97-AF65-F5344CB8AC3E}">
         <p14:creationId xmlns:p14="http://schemas.microsoft.com/office/powerpoint/2010/main" val="116697314"/>
+      </p:ext>
+    </p:extLst>
+  </p:cSld>
+  <p:clrMapOvr>
+    <a:masterClrMapping/>
+  </p:clrMapOvr>
+</p:sld>
+</file>
+
+<file path=ppt/slides/slide12.xml><?xml version="1.0" encoding="utf-8"?>
+<p:sld xmlns:a="http://schemas.openxmlformats.org/drawingml/2006/main" xmlns:r="http://schemas.openxmlformats.org/officeDocument/2006/relationships" xmlns:p="http://schemas.openxmlformats.org/presentationml/2006/main">
+  <p:cSld>
+    <p:spTree>
+      <p:nvGrpSpPr>
+        <p:cNvPr id="1" name=""/>
+        <p:cNvGrpSpPr/>
+        <p:nvPr/>
+      </p:nvGrpSpPr>
+      <p:grpSpPr>
+        <a:xfrm>
+          <a:off x="0" y="0"/>
+          <a:ext cx="0" cy="0"/>
+          <a:chOff x="0" y="0"/>
+          <a:chExt cx="0" cy="0"/>
+        </a:xfrm>
+      </p:grpSpPr>
+      <p:sp>
+        <p:nvSpPr>
+          <p:cNvPr id="2" name="Title 1">
+            <a:extLst>
+              <a:ext uri="{FF2B5EF4-FFF2-40B4-BE49-F238E27FC236}">
+                <a16:creationId xmlns:a16="http://schemas.microsoft.com/office/drawing/2014/main" id="{7E9D8101-4ED5-4D91-9EFA-B0E7C1EA6E26}"/>
+              </a:ext>
+            </a:extLst>
+          </p:cNvPr>
+          <p:cNvSpPr>
+            <a:spLocks noGrp="1"/>
+          </p:cNvSpPr>
+          <p:nvPr>
+            <p:ph type="title"/>
+          </p:nvPr>
+        </p:nvSpPr>
+        <p:spPr>
+          <a:xfrm>
+            <a:off x="969264" y="2679192"/>
+            <a:ext cx="4946904" cy="3273552"/>
+          </a:xfrm>
+        </p:spPr>
+        <p:txBody>
+          <a:bodyPr/>
+          <a:lstStyle/>
+          <a:p>
+            <a:r>
+              <a:rPr lang="en-US" dirty="0"/>
+              <a:t>Topic THREE</a:t>
+            </a:r>
+          </a:p>
+        </p:txBody>
+      </p:sp>
+      <p:pic>
+        <p:nvPicPr>
+          <p:cNvPr id="8" name="Picture Placeholder 7" descr="View of city buildings over the water from a track">
+            <a:extLst>
+              <a:ext uri="{FF2B5EF4-FFF2-40B4-BE49-F238E27FC236}">
+                <a16:creationId xmlns:a16="http://schemas.microsoft.com/office/drawing/2014/main" id="{5A5996C8-9A00-4071-B24A-D1B22DDFAD6F}"/>
+              </a:ext>
+            </a:extLst>
+          </p:cNvPr>
+          <p:cNvPicPr>
+            <a:picLocks noGrp="1" noChangeAspect="1"/>
+          </p:cNvPicPr>
+          <p:nvPr>
+            <p:ph type="pic" sz="quarter" idx="13"/>
+          </p:nvPr>
+        </p:nvPicPr>
+        <p:blipFill rotWithShape="1">
+          <a:blip r:embed="rId2" cstate="screen">
+            <a:extLst>
+              <a:ext uri="{28A0092B-C50C-407E-A947-70E740481C1C}">
+                <a14:useLocalDpi xmlns:a14="http://schemas.microsoft.com/office/drawing/2010/main"/>
+              </a:ext>
+            </a:extLst>
+          </a:blip>
+          <a:srcRect/>
+          <a:stretch/>
+        </p:blipFill>
+        <p:spPr>
+          <a:xfrm>
+            <a:off x="3208292" y="3"/>
+            <a:ext cx="8997356" cy="4581079"/>
+          </a:xfrm>
+        </p:spPr>
+      </p:pic>
+      <p:pic>
+        <p:nvPicPr>
+          <p:cNvPr id="10" name="Picture Placeholder 9" descr="View of city buildings over the water">
+            <a:extLst>
+              <a:ext uri="{FF2B5EF4-FFF2-40B4-BE49-F238E27FC236}">
+                <a16:creationId xmlns:a16="http://schemas.microsoft.com/office/drawing/2014/main" id="{C2C517CC-DCFE-4E86-A4E5-F5BFD7BF69FF}"/>
+              </a:ext>
+            </a:extLst>
+          </p:cNvPr>
+          <p:cNvPicPr>
+            <a:picLocks noGrp="1" noChangeAspect="1"/>
+          </p:cNvPicPr>
+          <p:nvPr>
+            <p:ph type="pic" sz="quarter" idx="14"/>
+          </p:nvPr>
+        </p:nvPicPr>
+        <p:blipFill rotWithShape="1">
+          <a:blip r:embed="rId3" cstate="screen">
+            <a:extLst>
+              <a:ext uri="{28A0092B-C50C-407E-A947-70E740481C1C}">
+                <a14:useLocalDpi xmlns:a14="http://schemas.microsoft.com/office/drawing/2010/main"/>
+              </a:ext>
+            </a:extLst>
+          </a:blip>
+          <a:srcRect/>
+          <a:stretch/>
+        </p:blipFill>
+        <p:spPr>
+          <a:xfrm>
+            <a:off x="7243070" y="883420"/>
+            <a:ext cx="4948931" cy="5974580"/>
+          </a:xfrm>
+        </p:spPr>
+      </p:pic>
+      <p:pic>
+        <p:nvPicPr>
+          <p:cNvPr id="12" name="Picture Placeholder 11" descr="A picture containing glass buildings with reflection">
+            <a:extLst>
+              <a:ext uri="{FF2B5EF4-FFF2-40B4-BE49-F238E27FC236}">
+                <a16:creationId xmlns:a16="http://schemas.microsoft.com/office/drawing/2014/main" id="{90D6ECDF-A0E4-4308-967E-8BAC3E85A4B7}"/>
+              </a:ext>
+            </a:extLst>
+          </p:cNvPr>
+          <p:cNvPicPr>
+            <a:picLocks noGrp="1" noChangeAspect="1"/>
+          </p:cNvPicPr>
+          <p:nvPr>
+            <p:ph type="pic" sz="quarter" idx="15"/>
+          </p:nvPr>
+        </p:nvPicPr>
+        <p:blipFill rotWithShape="1">
+          <a:blip r:embed="rId4" cstate="screen">
+            <a:extLst>
+              <a:ext uri="{28A0092B-C50C-407E-A947-70E740481C1C}">
+                <a14:useLocalDpi xmlns:a14="http://schemas.microsoft.com/office/drawing/2010/main"/>
+              </a:ext>
+            </a:extLst>
+          </a:blip>
+          <a:srcRect/>
+          <a:stretch/>
+        </p:blipFill>
+        <p:spPr>
+          <a:xfrm>
+            <a:off x="4234997" y="4574265"/>
+            <a:ext cx="5074516" cy="2298983"/>
+          </a:xfrm>
+        </p:spPr>
+      </p:pic>
+    </p:spTree>
+    <p:extLst>
+      <p:ext uri="{BB962C8B-B14F-4D97-AF65-F5344CB8AC3E}">
+        <p14:creationId xmlns:p14="http://schemas.microsoft.com/office/powerpoint/2010/main" val="463899147"/>
+      </p:ext>
+    </p:extLst>
+  </p:cSld>
+  <p:clrMapOvr>
+    <a:masterClrMapping/>
+  </p:clrMapOvr>
+</p:sld>
+</file>
+
+<file path=ppt/slides/slide13.xml><?xml version="1.0" encoding="utf-8"?>
+<p:sld xmlns:a="http://schemas.openxmlformats.org/drawingml/2006/main" xmlns:r="http://schemas.openxmlformats.org/officeDocument/2006/relationships" xmlns:p="http://schemas.openxmlformats.org/presentationml/2006/main">
+  <p:cSld>
+    <p:spTree>
+      <p:nvGrpSpPr>
+        <p:cNvPr id="1" name=""/>
+        <p:cNvGrpSpPr/>
+        <p:nvPr/>
+      </p:nvGrpSpPr>
+      <p:grpSpPr>
+        <a:xfrm>
+          <a:off x="0" y="0"/>
+          <a:ext cx="0" cy="0"/>
+          <a:chOff x="0" y="0"/>
+          <a:chExt cx="0" cy="0"/>
+        </a:xfrm>
+      </p:grpSpPr>
+      <p:sp>
+        <p:nvSpPr>
+          <p:cNvPr id="2" name="Title 1">
+            <a:extLst>
+              <a:ext uri="{FF2B5EF4-FFF2-40B4-BE49-F238E27FC236}">
+                <a16:creationId xmlns:a16="http://schemas.microsoft.com/office/drawing/2014/main" id="{46C8712D-6BDE-21F2-43B6-B2170C9FDA4A}"/>
+              </a:ext>
+            </a:extLst>
+          </p:cNvPr>
+          <p:cNvSpPr>
+            <a:spLocks noGrp="1"/>
+          </p:cNvSpPr>
+          <p:nvPr>
+            <p:ph type="title"/>
+          </p:nvPr>
+        </p:nvSpPr>
+        <p:spPr/>
+        <p:txBody>
+          <a:bodyPr/>
+          <a:lstStyle/>
+          <a:p>
+            <a:r>
+              <a:rPr lang="en-AU" dirty="0"/>
+              <a:t>Parameters for modelling</a:t>
+            </a:r>
+          </a:p>
+        </p:txBody>
+      </p:sp>
+      <p:sp>
+        <p:nvSpPr>
+          <p:cNvPr id="3" name="Content Placeholder 2">
+            <a:extLst>
+              <a:ext uri="{FF2B5EF4-FFF2-40B4-BE49-F238E27FC236}">
+                <a16:creationId xmlns:a16="http://schemas.microsoft.com/office/drawing/2014/main" id="{11E5E28B-0B39-F403-DD27-2BD4A466E05C}"/>
+              </a:ext>
+            </a:extLst>
+          </p:cNvPr>
+          <p:cNvSpPr>
+            <a:spLocks noGrp="1"/>
+          </p:cNvSpPr>
+          <p:nvPr>
+            <p:ph idx="1"/>
+          </p:nvPr>
+        </p:nvSpPr>
+        <p:spPr/>
+        <p:txBody>
+          <a:bodyPr>
+            <a:normAutofit fontScale="85000" lnSpcReduction="20000"/>
+          </a:bodyPr>
+          <a:lstStyle/>
+          <a:p>
+            <a:pPr marL="342900" indent="-342900">
+              <a:buFont typeface="Arial" panose="020B0604020202020204" pitchFamily="34" charset="0"/>
+              <a:buChar char="•"/>
+            </a:pPr>
+            <a:r>
+              <a:rPr lang="en-AU" dirty="0"/>
+              <a:t>Latitude</a:t>
+            </a:r>
+          </a:p>
+          <a:p>
+            <a:pPr marL="342900" indent="-342900">
+              <a:buFont typeface="Arial" panose="020B0604020202020204" pitchFamily="34" charset="0"/>
+              <a:buChar char="•"/>
+            </a:pPr>
+            <a:r>
+              <a:rPr lang="en-AU" dirty="0"/>
+              <a:t>Longitude</a:t>
+            </a:r>
+          </a:p>
+          <a:p>
+            <a:pPr marL="342900" indent="-342900">
+              <a:buFont typeface="Arial" panose="020B0604020202020204" pitchFamily="34" charset="0"/>
+              <a:buChar char="•"/>
+            </a:pPr>
+            <a:r>
+              <a:rPr lang="en-AU" dirty="0"/>
+              <a:t>No of bedrooms</a:t>
+            </a:r>
+          </a:p>
+          <a:p>
+            <a:pPr marL="342900" indent="-342900">
+              <a:buFont typeface="Arial" panose="020B0604020202020204" pitchFamily="34" charset="0"/>
+              <a:buChar char="•"/>
+            </a:pPr>
+            <a:r>
+              <a:rPr lang="en-AU" dirty="0"/>
+              <a:t>Property Type</a:t>
+            </a:r>
+          </a:p>
+          <a:p>
+            <a:pPr marL="342900" indent="-342900">
+              <a:buFont typeface="Arial" panose="020B0604020202020204" pitchFamily="34" charset="0"/>
+              <a:buChar char="•"/>
+            </a:pPr>
+            <a:r>
+              <a:rPr lang="en-AU" dirty="0"/>
+              <a:t>Postcode</a:t>
+            </a:r>
+          </a:p>
+          <a:p>
+            <a:pPr marL="342900" indent="-342900">
+              <a:buFont typeface="Arial" panose="020B0604020202020204" pitchFamily="34" charset="0"/>
+              <a:buChar char="•"/>
+            </a:pPr>
+            <a:r>
+              <a:rPr lang="en-AU" dirty="0"/>
+              <a:t>Month sold</a:t>
+            </a:r>
+          </a:p>
+          <a:p>
+            <a:pPr marL="342900" indent="-342900">
+              <a:buFont typeface="Arial" panose="020B0604020202020204" pitchFamily="34" charset="0"/>
+              <a:buChar char="•"/>
+            </a:pPr>
+            <a:r>
+              <a:rPr lang="en-AU" dirty="0"/>
+              <a:t>Year sold</a:t>
+            </a:r>
+          </a:p>
+        </p:txBody>
+      </p:sp>
+      <p:sp>
+        <p:nvSpPr>
+          <p:cNvPr id="4" name="Footer Placeholder 3">
+            <a:extLst>
+              <a:ext uri="{FF2B5EF4-FFF2-40B4-BE49-F238E27FC236}">
+                <a16:creationId xmlns:a16="http://schemas.microsoft.com/office/drawing/2014/main" id="{CAE3AC15-911B-5138-2958-479FA2734113}"/>
+              </a:ext>
+            </a:extLst>
+          </p:cNvPr>
+          <p:cNvSpPr>
+            <a:spLocks noGrp="1"/>
+          </p:cNvSpPr>
+          <p:nvPr>
+            <p:ph type="ftr" sz="quarter" idx="11"/>
+          </p:nvPr>
+        </p:nvSpPr>
+        <p:spPr/>
+        <p:txBody>
+          <a:bodyPr/>
+          <a:lstStyle/>
+          <a:p>
+            <a:r>
+              <a:rPr lang="en-US"/>
+              <a:t>Sample Footer Text</a:t>
+            </a:r>
+            <a:endParaRPr lang="en-US" dirty="0"/>
+          </a:p>
+        </p:txBody>
+      </p:sp>
+      <p:sp>
+        <p:nvSpPr>
+          <p:cNvPr id="5" name="Date Placeholder 4">
+            <a:extLst>
+              <a:ext uri="{FF2B5EF4-FFF2-40B4-BE49-F238E27FC236}">
+                <a16:creationId xmlns:a16="http://schemas.microsoft.com/office/drawing/2014/main" id="{86EFD0CA-E38D-2C66-7FB2-9281C980F2B2}"/>
+              </a:ext>
+            </a:extLst>
+          </p:cNvPr>
+          <p:cNvSpPr>
+            <a:spLocks noGrp="1"/>
+          </p:cNvSpPr>
+          <p:nvPr>
+            <p:ph type="dt" sz="half" idx="10"/>
+          </p:nvPr>
+        </p:nvSpPr>
+        <p:spPr/>
+        <p:txBody>
+          <a:bodyPr/>
+          <a:lstStyle/>
+          <a:p>
+            <a:r>
+              <a:rPr lang="en-US"/>
+              <a:t>2/7/20XX</a:t>
+            </a:r>
+            <a:endParaRPr lang="en-US" dirty="0"/>
+          </a:p>
+        </p:txBody>
+      </p:sp>
+      <p:sp>
+        <p:nvSpPr>
+          <p:cNvPr id="6" name="Slide Number Placeholder 5">
+            <a:extLst>
+              <a:ext uri="{FF2B5EF4-FFF2-40B4-BE49-F238E27FC236}">
+                <a16:creationId xmlns:a16="http://schemas.microsoft.com/office/drawing/2014/main" id="{7CF65E9C-E219-EA7C-94BA-A3AF7A597A27}"/>
+              </a:ext>
+            </a:extLst>
+          </p:cNvPr>
+          <p:cNvSpPr>
+            <a:spLocks noGrp="1"/>
+          </p:cNvSpPr>
+          <p:nvPr>
+            <p:ph type="sldNum" sz="quarter" idx="12"/>
+          </p:nvPr>
+        </p:nvSpPr>
+        <p:spPr/>
+        <p:txBody>
+          <a:bodyPr/>
+          <a:lstStyle/>
+          <a:p>
+            <a:fld id="{312CC964-A50B-4C29-B4E4-2C30BB34CCF3}" type="slidenum">
+              <a:rPr lang="en-US" smtClean="0"/>
+              <a:t>13</a:t>
+            </a:fld>
+            <a:endParaRPr lang="en-US" dirty="0"/>
+          </a:p>
+        </p:txBody>
+      </p:sp>
+    </p:spTree>
+    <p:extLst>
+      <p:ext uri="{BB962C8B-B14F-4D97-AF65-F5344CB8AC3E}">
+        <p14:creationId xmlns:p14="http://schemas.microsoft.com/office/powerpoint/2010/main" val="2117326338"/>
+      </p:ext>
+    </p:extLst>
+  </p:cSld>
+  <p:clrMapOvr>
+    <a:masterClrMapping/>
+  </p:clrMapOvr>
+</p:sld>
+</file>
+
+<file path=ppt/slides/slide14.xml><?xml version="1.0" encoding="utf-8"?>
+<p:sld xmlns:a="http://schemas.openxmlformats.org/drawingml/2006/main" xmlns:r="http://schemas.openxmlformats.org/officeDocument/2006/relationships" xmlns:p="http://schemas.openxmlformats.org/presentationml/2006/main">
+  <p:cSld>
+    <p:spTree>
+      <p:nvGrpSpPr>
+        <p:cNvPr id="1" name=""/>
+        <p:cNvGrpSpPr/>
+        <p:nvPr/>
+      </p:nvGrpSpPr>
+      <p:grpSpPr>
+        <a:xfrm>
+          <a:off x="0" y="0"/>
+          <a:ext cx="0" cy="0"/>
+          <a:chOff x="0" y="0"/>
+          <a:chExt cx="0" cy="0"/>
+        </a:xfrm>
+      </p:grpSpPr>
+      <p:sp>
+        <p:nvSpPr>
+          <p:cNvPr id="2" name="Title 1">
+            <a:extLst>
+              <a:ext uri="{FF2B5EF4-FFF2-40B4-BE49-F238E27FC236}">
+                <a16:creationId xmlns:a16="http://schemas.microsoft.com/office/drawing/2014/main" id="{2777D005-553D-A1D3-100E-EFB4E94554F0}"/>
+              </a:ext>
+            </a:extLst>
+          </p:cNvPr>
+          <p:cNvSpPr>
+            <a:spLocks noGrp="1"/>
+          </p:cNvSpPr>
+          <p:nvPr>
+            <p:ph type="title"/>
+          </p:nvPr>
+        </p:nvSpPr>
+        <p:spPr/>
+        <p:txBody>
+          <a:bodyPr>
+            <a:normAutofit/>
+          </a:bodyPr>
+          <a:lstStyle/>
+          <a:p>
+            <a:r>
+              <a:rPr lang="en-AU" dirty="0"/>
+              <a:t>Data modelling comparison</a:t>
+            </a:r>
+          </a:p>
+        </p:txBody>
+      </p:sp>
+      <p:sp>
+        <p:nvSpPr>
+          <p:cNvPr id="3" name="Content Placeholder 2">
+            <a:extLst>
+              <a:ext uri="{FF2B5EF4-FFF2-40B4-BE49-F238E27FC236}">
+                <a16:creationId xmlns:a16="http://schemas.microsoft.com/office/drawing/2014/main" id="{7A2BDD33-7B70-D5F9-9F12-BC482A302475}"/>
+              </a:ext>
+            </a:extLst>
+          </p:cNvPr>
+          <p:cNvSpPr>
+            <a:spLocks noGrp="1"/>
+          </p:cNvSpPr>
+          <p:nvPr>
+            <p:ph idx="1"/>
+          </p:nvPr>
+        </p:nvSpPr>
+        <p:spPr/>
+        <p:txBody>
+          <a:bodyPr/>
+          <a:lstStyle/>
+          <a:p>
+            <a:r>
+              <a:rPr lang="en-AU" dirty="0"/>
+              <a:t>Linear Regression vs </a:t>
+            </a:r>
+            <a:r>
+              <a:rPr lang="en-AU" dirty="0" err="1"/>
+              <a:t>Keras</a:t>
+            </a:r>
+            <a:r>
+              <a:rPr lang="en-AU" dirty="0"/>
+              <a:t> Regression</a:t>
+            </a:r>
+          </a:p>
+        </p:txBody>
+      </p:sp>
+      <p:sp>
+        <p:nvSpPr>
+          <p:cNvPr id="4" name="Footer Placeholder 3">
+            <a:extLst>
+              <a:ext uri="{FF2B5EF4-FFF2-40B4-BE49-F238E27FC236}">
+                <a16:creationId xmlns:a16="http://schemas.microsoft.com/office/drawing/2014/main" id="{34C03716-A74C-5B5C-A86D-D4E5FCBF9F6C}"/>
+              </a:ext>
+            </a:extLst>
+          </p:cNvPr>
+          <p:cNvSpPr>
+            <a:spLocks noGrp="1"/>
+          </p:cNvSpPr>
+          <p:nvPr>
+            <p:ph type="ftr" sz="quarter" idx="11"/>
+          </p:nvPr>
+        </p:nvSpPr>
+        <p:spPr/>
+        <p:txBody>
+          <a:bodyPr/>
+          <a:lstStyle/>
+          <a:p>
+            <a:r>
+              <a:rPr lang="en-US"/>
+              <a:t>Sample Footer Text</a:t>
+            </a:r>
+            <a:endParaRPr lang="en-US" dirty="0"/>
+          </a:p>
+        </p:txBody>
+      </p:sp>
+      <p:sp>
+        <p:nvSpPr>
+          <p:cNvPr id="5" name="Date Placeholder 4">
+            <a:extLst>
+              <a:ext uri="{FF2B5EF4-FFF2-40B4-BE49-F238E27FC236}">
+                <a16:creationId xmlns:a16="http://schemas.microsoft.com/office/drawing/2014/main" id="{2F703136-C87E-079B-536D-BADA018F277F}"/>
+              </a:ext>
+            </a:extLst>
+          </p:cNvPr>
+          <p:cNvSpPr>
+            <a:spLocks noGrp="1"/>
+          </p:cNvSpPr>
+          <p:nvPr>
+            <p:ph type="dt" sz="half" idx="10"/>
+          </p:nvPr>
+        </p:nvSpPr>
+        <p:spPr/>
+        <p:txBody>
+          <a:bodyPr/>
+          <a:lstStyle/>
+          <a:p>
+            <a:r>
+              <a:rPr lang="en-US"/>
+              <a:t>2/7/20XX</a:t>
+            </a:r>
+            <a:endParaRPr lang="en-US" dirty="0"/>
+          </a:p>
+        </p:txBody>
+      </p:sp>
+      <p:sp>
+        <p:nvSpPr>
+          <p:cNvPr id="6" name="Slide Number Placeholder 5">
+            <a:extLst>
+              <a:ext uri="{FF2B5EF4-FFF2-40B4-BE49-F238E27FC236}">
+                <a16:creationId xmlns:a16="http://schemas.microsoft.com/office/drawing/2014/main" id="{48FD18D1-B5D5-C530-2676-33A2A238BEB0}"/>
+              </a:ext>
+            </a:extLst>
+          </p:cNvPr>
+          <p:cNvSpPr>
+            <a:spLocks noGrp="1"/>
+          </p:cNvSpPr>
+          <p:nvPr>
+            <p:ph type="sldNum" sz="quarter" idx="12"/>
+          </p:nvPr>
+        </p:nvSpPr>
+        <p:spPr/>
+        <p:txBody>
+          <a:bodyPr/>
+          <a:lstStyle/>
+          <a:p>
+            <a:fld id="{312CC964-A50B-4C29-B4E4-2C30BB34CCF3}" type="slidenum">
+              <a:rPr lang="en-US" smtClean="0"/>
+              <a:t>14</a:t>
+            </a:fld>
+            <a:endParaRPr lang="en-US" dirty="0"/>
+          </a:p>
+        </p:txBody>
+      </p:sp>
+      <p:graphicFrame>
+        <p:nvGraphicFramePr>
+          <p:cNvPr id="8" name="Table 8">
+            <a:extLst>
+              <a:ext uri="{FF2B5EF4-FFF2-40B4-BE49-F238E27FC236}">
+                <a16:creationId xmlns:a16="http://schemas.microsoft.com/office/drawing/2014/main" id="{9F347CCE-2B98-AAAA-A049-2DFDEBBC26EF}"/>
+              </a:ext>
+            </a:extLst>
+          </p:cNvPr>
+          <p:cNvGraphicFramePr>
+            <a:graphicFrameLocks noGrp="1"/>
+          </p:cNvGraphicFramePr>
+          <p:nvPr>
+            <p:extLst>
+              <p:ext uri="{D42A27DB-BD31-4B8C-83A1-F6EECF244321}">
+                <p14:modId xmlns:p14="http://schemas.microsoft.com/office/powerpoint/2010/main" val="252554399"/>
+              </p:ext>
+            </p:extLst>
+          </p:nvPr>
+        </p:nvGraphicFramePr>
+        <p:xfrm>
+          <a:off x="1919857" y="2871390"/>
+          <a:ext cx="8127999" cy="1854200"/>
+        </p:xfrm>
+        <a:graphic>
+          <a:graphicData uri="http://schemas.openxmlformats.org/drawingml/2006/table">
+            <a:tbl>
+              <a:tblPr firstRow="1" bandRow="1">
+                <a:tableStyleId>{5C22544A-7EE6-4342-B048-85BDC9FD1C3A}</a:tableStyleId>
+              </a:tblPr>
+              <a:tblGrid>
+                <a:gridCol w="2709333">
+                  <a:extLst>
+                    <a:ext uri="{9D8B030D-6E8A-4147-A177-3AD203B41FA5}">
+                      <a16:colId xmlns:a16="http://schemas.microsoft.com/office/drawing/2014/main" val="3690270857"/>
+                    </a:ext>
+                  </a:extLst>
+                </a:gridCol>
+                <a:gridCol w="2709333">
+                  <a:extLst>
+                    <a:ext uri="{9D8B030D-6E8A-4147-A177-3AD203B41FA5}">
+                      <a16:colId xmlns:a16="http://schemas.microsoft.com/office/drawing/2014/main" val="2690235070"/>
+                    </a:ext>
+                  </a:extLst>
+                </a:gridCol>
+                <a:gridCol w="2709333">
+                  <a:extLst>
+                    <a:ext uri="{9D8B030D-6E8A-4147-A177-3AD203B41FA5}">
+                      <a16:colId xmlns:a16="http://schemas.microsoft.com/office/drawing/2014/main" val="3976132914"/>
+                    </a:ext>
+                  </a:extLst>
+                </a:gridCol>
+              </a:tblGrid>
+              <a:tr h="370840">
+                <a:tc>
+                  <a:txBody>
+                    <a:bodyPr/>
+                    <a:lstStyle/>
+                    <a:p>
+                      <a:endParaRPr lang="en-AU"/>
+                    </a:p>
+                  </a:txBody>
+                  <a:tcPr/>
+                </a:tc>
+                <a:tc>
+                  <a:txBody>
+                    <a:bodyPr/>
+                    <a:lstStyle/>
+                    <a:p>
+                      <a:r>
+                        <a:rPr lang="en-AU" dirty="0"/>
+                        <a:t>Linear Regression</a:t>
+                      </a:r>
+                    </a:p>
+                  </a:txBody>
+                  <a:tcPr/>
+                </a:tc>
+                <a:tc>
+                  <a:txBody>
+                    <a:bodyPr/>
+                    <a:lstStyle/>
+                    <a:p>
+                      <a:r>
+                        <a:rPr lang="en-AU" dirty="0" err="1"/>
+                        <a:t>Keras</a:t>
+                      </a:r>
+                      <a:r>
+                        <a:rPr lang="en-AU" dirty="0"/>
+                        <a:t> Regression</a:t>
+                      </a:r>
+                    </a:p>
+                  </a:txBody>
+                  <a:tcPr/>
+                </a:tc>
+                <a:extLst>
+                  <a:ext uri="{0D108BD9-81ED-4DB2-BD59-A6C34878D82A}">
+                    <a16:rowId xmlns:a16="http://schemas.microsoft.com/office/drawing/2014/main" val="1508743397"/>
+                  </a:ext>
+                </a:extLst>
+              </a:tr>
+              <a:tr h="370840">
+                <a:tc>
+                  <a:txBody>
+                    <a:bodyPr/>
+                    <a:lstStyle/>
+                    <a:p>
+                      <a:r>
+                        <a:rPr lang="en-AU" dirty="0"/>
+                        <a:t>Mean Absolute Error</a:t>
+                      </a:r>
+                    </a:p>
+                  </a:txBody>
+                  <a:tcPr/>
+                </a:tc>
+                <a:tc>
+                  <a:txBody>
+                    <a:bodyPr/>
+                    <a:lstStyle/>
+                    <a:p>
+                      <a:pPr algn="r"/>
+                      <a:r>
+                        <a:rPr lang="en-AU" dirty="0"/>
+                        <a:t>132944.42</a:t>
+                      </a:r>
+                    </a:p>
+                  </a:txBody>
+                  <a:tcPr/>
+                </a:tc>
+                <a:tc>
+                  <a:txBody>
+                    <a:bodyPr/>
+                    <a:lstStyle/>
+                    <a:p>
+                      <a:pPr algn="r"/>
+                      <a:r>
+                        <a:rPr lang="en-AU" dirty="0"/>
+                        <a:t>105160.75</a:t>
+                      </a:r>
+                    </a:p>
+                  </a:txBody>
+                  <a:tcPr/>
+                </a:tc>
+                <a:extLst>
+                  <a:ext uri="{0D108BD9-81ED-4DB2-BD59-A6C34878D82A}">
+                    <a16:rowId xmlns:a16="http://schemas.microsoft.com/office/drawing/2014/main" val="1521582250"/>
+                  </a:ext>
+                </a:extLst>
+              </a:tr>
+              <a:tr h="370840">
+                <a:tc>
+                  <a:txBody>
+                    <a:bodyPr/>
+                    <a:lstStyle/>
+                    <a:p>
+                      <a:r>
+                        <a:rPr lang="en-AU" dirty="0"/>
+                        <a:t>Mean Squared Error</a:t>
+                      </a:r>
+                    </a:p>
+                  </a:txBody>
+                  <a:tcPr/>
+                </a:tc>
+                <a:tc>
+                  <a:txBody>
+                    <a:bodyPr/>
+                    <a:lstStyle/>
+                    <a:p>
+                      <a:pPr algn="r"/>
+                      <a:r>
+                        <a:rPr lang="en-AU" dirty="0"/>
+                        <a:t>37424819461.94</a:t>
+                      </a:r>
+                    </a:p>
+                  </a:txBody>
+                  <a:tcPr/>
+                </a:tc>
+                <a:tc>
+                  <a:txBody>
+                    <a:bodyPr/>
+                    <a:lstStyle/>
+                    <a:p>
+                      <a:pPr algn="r"/>
+                      <a:r>
+                        <a:rPr lang="en-AU" dirty="0"/>
+                        <a:t>26696349075.46</a:t>
+                      </a:r>
+                    </a:p>
+                  </a:txBody>
+                  <a:tcPr/>
+                </a:tc>
+                <a:extLst>
+                  <a:ext uri="{0D108BD9-81ED-4DB2-BD59-A6C34878D82A}">
+                    <a16:rowId xmlns:a16="http://schemas.microsoft.com/office/drawing/2014/main" val="1007024730"/>
+                  </a:ext>
+                </a:extLst>
+              </a:tr>
+              <a:tr h="370840">
+                <a:tc>
+                  <a:txBody>
+                    <a:bodyPr/>
+                    <a:lstStyle/>
+                    <a:p>
+                      <a:r>
+                        <a:rPr lang="en-AU" dirty="0"/>
+                        <a:t>Root Mean Squared Error</a:t>
+                      </a:r>
+                    </a:p>
+                  </a:txBody>
+                  <a:tcPr/>
+                </a:tc>
+                <a:tc>
+                  <a:txBody>
+                    <a:bodyPr/>
+                    <a:lstStyle/>
+                    <a:p>
+                      <a:pPr algn="r"/>
+                      <a:r>
+                        <a:rPr lang="en-AU" dirty="0"/>
+                        <a:t>193454.95</a:t>
+                      </a:r>
+                    </a:p>
+                  </a:txBody>
+                  <a:tcPr/>
+                </a:tc>
+                <a:tc>
+                  <a:txBody>
+                    <a:bodyPr/>
+                    <a:lstStyle/>
+                    <a:p>
+                      <a:pPr algn="r"/>
+                      <a:r>
+                        <a:rPr lang="en-AU" dirty="0"/>
+                        <a:t>163390.17</a:t>
+                      </a:r>
+                    </a:p>
+                  </a:txBody>
+                  <a:tcPr/>
+                </a:tc>
+                <a:extLst>
+                  <a:ext uri="{0D108BD9-81ED-4DB2-BD59-A6C34878D82A}">
+                    <a16:rowId xmlns:a16="http://schemas.microsoft.com/office/drawing/2014/main" val="578452780"/>
+                  </a:ext>
+                </a:extLst>
+              </a:tr>
+              <a:tr h="370840">
+                <a:tc>
+                  <a:txBody>
+                    <a:bodyPr/>
+                    <a:lstStyle/>
+                    <a:p>
+                      <a:r>
+                        <a:rPr lang="en-AU" dirty="0"/>
+                        <a:t>Variance Score</a:t>
+                      </a:r>
+                    </a:p>
+                  </a:txBody>
+                  <a:tcPr/>
+                </a:tc>
+                <a:tc>
+                  <a:txBody>
+                    <a:bodyPr/>
+                    <a:lstStyle/>
+                    <a:p>
+                      <a:pPr algn="r"/>
+                      <a:r>
+                        <a:rPr lang="en-AU" dirty="0"/>
+                        <a:t>57.52</a:t>
+                      </a:r>
+                    </a:p>
+                  </a:txBody>
+                  <a:tcPr/>
+                </a:tc>
+                <a:tc>
+                  <a:txBody>
+                    <a:bodyPr/>
+                    <a:lstStyle/>
+                    <a:p>
+                      <a:pPr algn="r"/>
+                      <a:r>
+                        <a:rPr lang="en-AU" dirty="0"/>
+                        <a:t>69.71</a:t>
+                      </a:r>
+                    </a:p>
+                  </a:txBody>
+                  <a:tcPr/>
+                </a:tc>
+                <a:extLst>
+                  <a:ext uri="{0D108BD9-81ED-4DB2-BD59-A6C34878D82A}">
+                    <a16:rowId xmlns:a16="http://schemas.microsoft.com/office/drawing/2014/main" val="2774849367"/>
+                  </a:ext>
+                </a:extLst>
+              </a:tr>
+            </a:tbl>
+          </a:graphicData>
+        </a:graphic>
+      </p:graphicFrame>
+    </p:spTree>
+    <p:extLst>
+      <p:ext uri="{BB962C8B-B14F-4D97-AF65-F5344CB8AC3E}">
+        <p14:creationId xmlns:p14="http://schemas.microsoft.com/office/powerpoint/2010/main" val="2904656340"/>
+      </p:ext>
+    </p:extLst>
+  </p:cSld>
+  <p:clrMapOvr>
+    <a:masterClrMapping/>
+  </p:clrMapOvr>
+</p:sld>
+</file>
+
+<file path=ppt/slides/slide15.xml><?xml version="1.0" encoding="utf-8"?>
+<p:sld xmlns:a="http://schemas.openxmlformats.org/drawingml/2006/main" xmlns:r="http://schemas.openxmlformats.org/officeDocument/2006/relationships" xmlns:p="http://schemas.openxmlformats.org/presentationml/2006/main">
+  <p:cSld>
+    <p:spTree>
+      <p:nvGrpSpPr>
+        <p:cNvPr id="1" name=""/>
+        <p:cNvGrpSpPr/>
+        <p:nvPr/>
+      </p:nvGrpSpPr>
+      <p:grpSpPr>
+        <a:xfrm>
+          <a:off x="0" y="0"/>
+          <a:ext cx="0" cy="0"/>
+          <a:chOff x="0" y="0"/>
+          <a:chExt cx="0" cy="0"/>
+        </a:xfrm>
+      </p:grpSpPr>
+      <p:sp>
+        <p:nvSpPr>
+          <p:cNvPr id="2" name="Title 1">
+            <a:extLst>
+              <a:ext uri="{FF2B5EF4-FFF2-40B4-BE49-F238E27FC236}">
+                <a16:creationId xmlns:a16="http://schemas.microsoft.com/office/drawing/2014/main" id="{8169516C-0AF6-1171-C2E2-2AD3700E90A5}"/>
+              </a:ext>
+            </a:extLst>
+          </p:cNvPr>
+          <p:cNvSpPr>
+            <a:spLocks noGrp="1"/>
+          </p:cNvSpPr>
+          <p:nvPr>
+            <p:ph type="title"/>
+          </p:nvPr>
+        </p:nvSpPr>
+        <p:spPr/>
+        <p:txBody>
+          <a:bodyPr/>
+          <a:lstStyle/>
+          <a:p>
+            <a:r>
+              <a:rPr lang="en-AU" dirty="0"/>
+              <a:t>Regression line of the </a:t>
+            </a:r>
+            <a:r>
+              <a:rPr lang="en-AU" dirty="0" err="1"/>
+              <a:t>keras</a:t>
+            </a:r>
+            <a:r>
+              <a:rPr lang="en-AU" dirty="0"/>
+              <a:t> model</a:t>
+            </a:r>
+          </a:p>
+        </p:txBody>
+      </p:sp>
+      <p:pic>
+        <p:nvPicPr>
+          <p:cNvPr id="8" name="Content Placeholder 7">
+            <a:extLst>
+              <a:ext uri="{FF2B5EF4-FFF2-40B4-BE49-F238E27FC236}">
+                <a16:creationId xmlns:a16="http://schemas.microsoft.com/office/drawing/2014/main" id="{4788A709-6C0D-7463-535A-F18F968C0F11}"/>
+              </a:ext>
+            </a:extLst>
+          </p:cNvPr>
+          <p:cNvPicPr>
+            <a:picLocks noGrp="1" noChangeAspect="1"/>
+          </p:cNvPicPr>
+          <p:nvPr>
+            <p:ph idx="1"/>
+          </p:nvPr>
+        </p:nvPicPr>
+        <p:blipFill rotWithShape="1">
+          <a:blip r:embed="rId2"/>
+          <a:srcRect r="982" b="1749"/>
+          <a:stretch/>
+        </p:blipFill>
+        <p:spPr>
+          <a:xfrm>
+            <a:off x="2403086" y="1915557"/>
+            <a:ext cx="6976934" cy="3821525"/>
+          </a:xfrm>
+        </p:spPr>
+      </p:pic>
+      <p:sp>
+        <p:nvSpPr>
+          <p:cNvPr id="4" name="Footer Placeholder 3">
+            <a:extLst>
+              <a:ext uri="{FF2B5EF4-FFF2-40B4-BE49-F238E27FC236}">
+                <a16:creationId xmlns:a16="http://schemas.microsoft.com/office/drawing/2014/main" id="{06682E04-A750-6B1A-C886-495B3F283736}"/>
+              </a:ext>
+            </a:extLst>
+          </p:cNvPr>
+          <p:cNvSpPr>
+            <a:spLocks noGrp="1"/>
+          </p:cNvSpPr>
+          <p:nvPr>
+            <p:ph type="ftr" sz="quarter" idx="11"/>
+          </p:nvPr>
+        </p:nvSpPr>
+        <p:spPr/>
+        <p:txBody>
+          <a:bodyPr/>
+          <a:lstStyle/>
+          <a:p>
+            <a:r>
+              <a:rPr lang="en-US"/>
+              <a:t>Sample Footer Text</a:t>
+            </a:r>
+            <a:endParaRPr lang="en-US" dirty="0"/>
+          </a:p>
+        </p:txBody>
+      </p:sp>
+      <p:sp>
+        <p:nvSpPr>
+          <p:cNvPr id="5" name="Date Placeholder 4">
+            <a:extLst>
+              <a:ext uri="{FF2B5EF4-FFF2-40B4-BE49-F238E27FC236}">
+                <a16:creationId xmlns:a16="http://schemas.microsoft.com/office/drawing/2014/main" id="{D54838F1-DC30-74B2-31CD-E697DBAE289C}"/>
+              </a:ext>
+            </a:extLst>
+          </p:cNvPr>
+          <p:cNvSpPr>
+            <a:spLocks noGrp="1"/>
+          </p:cNvSpPr>
+          <p:nvPr>
+            <p:ph type="dt" sz="half" idx="10"/>
+          </p:nvPr>
+        </p:nvSpPr>
+        <p:spPr/>
+        <p:txBody>
+          <a:bodyPr/>
+          <a:lstStyle/>
+          <a:p>
+            <a:r>
+              <a:rPr lang="en-US"/>
+              <a:t>2/7/20XX</a:t>
+            </a:r>
+            <a:endParaRPr lang="en-US" dirty="0"/>
+          </a:p>
+        </p:txBody>
+      </p:sp>
+      <p:sp>
+        <p:nvSpPr>
+          <p:cNvPr id="6" name="Slide Number Placeholder 5">
+            <a:extLst>
+              <a:ext uri="{FF2B5EF4-FFF2-40B4-BE49-F238E27FC236}">
+                <a16:creationId xmlns:a16="http://schemas.microsoft.com/office/drawing/2014/main" id="{93DC3B74-07E4-3153-4651-7808D41D8525}"/>
+              </a:ext>
+            </a:extLst>
+          </p:cNvPr>
+          <p:cNvSpPr>
+            <a:spLocks noGrp="1"/>
+          </p:cNvSpPr>
+          <p:nvPr>
+            <p:ph type="sldNum" sz="quarter" idx="12"/>
+          </p:nvPr>
+        </p:nvSpPr>
+        <p:spPr/>
+        <p:txBody>
+          <a:bodyPr/>
+          <a:lstStyle/>
+          <a:p>
+            <a:fld id="{312CC964-A50B-4C29-B4E4-2C30BB34CCF3}" type="slidenum">
+              <a:rPr lang="en-US" smtClean="0"/>
+              <a:t>15</a:t>
+            </a:fld>
+            <a:endParaRPr lang="en-US" dirty="0"/>
+          </a:p>
+        </p:txBody>
+      </p:sp>
+    </p:spTree>
+    <p:extLst>
+      <p:ext uri="{BB962C8B-B14F-4D97-AF65-F5344CB8AC3E}">
+        <p14:creationId xmlns:p14="http://schemas.microsoft.com/office/powerpoint/2010/main" val="1207464153"/>
+      </p:ext>
+    </p:extLst>
+  </p:cSld>
+  <p:clrMapOvr>
+    <a:masterClrMapping/>
+  </p:clrMapOvr>
+</p:sld>
+</file>
+
+<file path=ppt/slides/slide16.xml><?xml version="1.0" encoding="utf-8"?>
+<p:sld xmlns:a="http://schemas.openxmlformats.org/drawingml/2006/main" xmlns:r="http://schemas.openxmlformats.org/officeDocument/2006/relationships" xmlns:p="http://schemas.openxmlformats.org/presentationml/2006/main">
+  <p:cSld>
+    <p:spTree>
+      <p:nvGrpSpPr>
+        <p:cNvPr id="1" name=""/>
+        <p:cNvGrpSpPr/>
+        <p:nvPr/>
+      </p:nvGrpSpPr>
+      <p:grpSpPr>
+        <a:xfrm>
+          <a:off x="0" y="0"/>
+          <a:ext cx="0" cy="0"/>
+          <a:chOff x="0" y="0"/>
+          <a:chExt cx="0" cy="0"/>
+        </a:xfrm>
+      </p:grpSpPr>
+      <p:sp>
+        <p:nvSpPr>
+          <p:cNvPr id="2" name="Title 1">
+            <a:extLst>
+              <a:ext uri="{FF2B5EF4-FFF2-40B4-BE49-F238E27FC236}">
+                <a16:creationId xmlns:a16="http://schemas.microsoft.com/office/drawing/2014/main" id="{F177F827-FC34-F934-9E23-65DFBAD119F9}"/>
+              </a:ext>
+            </a:extLst>
+          </p:cNvPr>
+          <p:cNvSpPr>
+            <a:spLocks noGrp="1"/>
+          </p:cNvSpPr>
+          <p:nvPr>
+            <p:ph type="title"/>
+          </p:nvPr>
+        </p:nvSpPr>
+        <p:spPr/>
+        <p:txBody>
+          <a:bodyPr/>
+          <a:lstStyle/>
+          <a:p>
+            <a:pPr algn="ctr"/>
+            <a:r>
+              <a:rPr lang="en-AU" dirty="0"/>
+              <a:t>Comparison of actual data vs predicted data</a:t>
+            </a:r>
+          </a:p>
+        </p:txBody>
+      </p:sp>
+      <p:sp>
+        <p:nvSpPr>
+          <p:cNvPr id="5" name="Date Placeholder 4">
+            <a:extLst>
+              <a:ext uri="{FF2B5EF4-FFF2-40B4-BE49-F238E27FC236}">
+                <a16:creationId xmlns:a16="http://schemas.microsoft.com/office/drawing/2014/main" id="{D4CC44BB-8CA2-6F26-C8ED-CC33B0252769}"/>
+              </a:ext>
+            </a:extLst>
+          </p:cNvPr>
+          <p:cNvSpPr>
+            <a:spLocks noGrp="1"/>
+          </p:cNvSpPr>
+          <p:nvPr>
+            <p:ph type="dt" sz="half" idx="10"/>
+          </p:nvPr>
+        </p:nvSpPr>
+        <p:spPr/>
+        <p:txBody>
+          <a:bodyPr/>
+          <a:lstStyle/>
+          <a:p>
+            <a:r>
+              <a:rPr lang="en-US"/>
+              <a:t>2/7/20XX</a:t>
+            </a:r>
+            <a:endParaRPr lang="en-US" dirty="0"/>
+          </a:p>
+        </p:txBody>
+      </p:sp>
+      <p:sp>
+        <p:nvSpPr>
+          <p:cNvPr id="6" name="Slide Number Placeholder 5">
+            <a:extLst>
+              <a:ext uri="{FF2B5EF4-FFF2-40B4-BE49-F238E27FC236}">
+                <a16:creationId xmlns:a16="http://schemas.microsoft.com/office/drawing/2014/main" id="{2FA9EB30-525D-6F09-233E-A803FB440FB0}"/>
+              </a:ext>
+            </a:extLst>
+          </p:cNvPr>
+          <p:cNvSpPr>
+            <a:spLocks noGrp="1"/>
+          </p:cNvSpPr>
+          <p:nvPr>
+            <p:ph type="sldNum" sz="quarter" idx="12"/>
+          </p:nvPr>
+        </p:nvSpPr>
+        <p:spPr/>
+        <p:txBody>
+          <a:bodyPr/>
+          <a:lstStyle/>
+          <a:p>
+            <a:fld id="{312CC964-A50B-4C29-B4E4-2C30BB34CCF3}" type="slidenum">
+              <a:rPr lang="en-US" smtClean="0"/>
+              <a:t>16</a:t>
+            </a:fld>
+            <a:endParaRPr lang="en-US" dirty="0"/>
+          </a:p>
+        </p:txBody>
+      </p:sp>
+      <p:graphicFrame>
+        <p:nvGraphicFramePr>
+          <p:cNvPr id="15" name="Table 15">
+            <a:extLst>
+              <a:ext uri="{FF2B5EF4-FFF2-40B4-BE49-F238E27FC236}">
+                <a16:creationId xmlns:a16="http://schemas.microsoft.com/office/drawing/2014/main" id="{49A95812-D96F-44CB-8EAD-8859EAD1E252}"/>
+              </a:ext>
+            </a:extLst>
+          </p:cNvPr>
+          <p:cNvGraphicFramePr>
+            <a:graphicFrameLocks noGrp="1"/>
+          </p:cNvGraphicFramePr>
+          <p:nvPr>
+            <p:extLst>
+              <p:ext uri="{D42A27DB-BD31-4B8C-83A1-F6EECF244321}">
+                <p14:modId xmlns:p14="http://schemas.microsoft.com/office/powerpoint/2010/main" val="2423439447"/>
+              </p:ext>
+            </p:extLst>
+          </p:nvPr>
+        </p:nvGraphicFramePr>
+        <p:xfrm>
+          <a:off x="1868870" y="2222100"/>
+          <a:ext cx="3263847" cy="4023360"/>
+        </p:xfrm>
+        <a:graphic>
+          <a:graphicData uri="http://schemas.openxmlformats.org/drawingml/2006/table">
+            <a:tbl>
+              <a:tblPr firstRow="1" bandRow="1">
+                <a:tableStyleId>{5C22544A-7EE6-4342-B048-85BDC9FD1C3A}</a:tableStyleId>
+              </a:tblPr>
+              <a:tblGrid>
+                <a:gridCol w="1087949">
+                  <a:extLst>
+                    <a:ext uri="{9D8B030D-6E8A-4147-A177-3AD203B41FA5}">
+                      <a16:colId xmlns:a16="http://schemas.microsoft.com/office/drawing/2014/main" val="1403720951"/>
+                    </a:ext>
+                  </a:extLst>
+                </a:gridCol>
+                <a:gridCol w="1087949">
+                  <a:extLst>
+                    <a:ext uri="{9D8B030D-6E8A-4147-A177-3AD203B41FA5}">
+                      <a16:colId xmlns:a16="http://schemas.microsoft.com/office/drawing/2014/main" val="873319655"/>
+                    </a:ext>
+                  </a:extLst>
+                </a:gridCol>
+                <a:gridCol w="1087949">
+                  <a:extLst>
+                    <a:ext uri="{9D8B030D-6E8A-4147-A177-3AD203B41FA5}">
+                      <a16:colId xmlns:a16="http://schemas.microsoft.com/office/drawing/2014/main" val="4270006897"/>
+                    </a:ext>
+                  </a:extLst>
+                </a:gridCol>
+              </a:tblGrid>
+              <a:tr h="324000">
+                <a:tc>
+                  <a:txBody>
+                    <a:bodyPr/>
+                    <a:lstStyle/>
+                    <a:p>
+                      <a:endParaRPr lang="en-AU" dirty="0"/>
+                    </a:p>
+                  </a:txBody>
+                  <a:tcPr/>
+                </a:tc>
+                <a:tc>
+                  <a:txBody>
+                    <a:bodyPr/>
+                    <a:lstStyle/>
+                    <a:p>
+                      <a:r>
+                        <a:rPr lang="en-AU" dirty="0"/>
+                        <a:t>Actual</a:t>
+                      </a:r>
+                    </a:p>
+                  </a:txBody>
+                  <a:tcPr/>
+                </a:tc>
+                <a:tc>
+                  <a:txBody>
+                    <a:bodyPr/>
+                    <a:lstStyle/>
+                    <a:p>
+                      <a:r>
+                        <a:rPr lang="en-AU" dirty="0"/>
+                        <a:t>Predicted</a:t>
+                      </a:r>
+                    </a:p>
+                  </a:txBody>
+                  <a:tcPr/>
+                </a:tc>
+                <a:extLst>
+                  <a:ext uri="{0D108BD9-81ED-4DB2-BD59-A6C34878D82A}">
+                    <a16:rowId xmlns:a16="http://schemas.microsoft.com/office/drawing/2014/main" val="16918165"/>
+                  </a:ext>
+                </a:extLst>
+              </a:tr>
+              <a:tr h="324000">
+                <a:tc>
+                  <a:txBody>
+                    <a:bodyPr/>
+                    <a:lstStyle/>
+                    <a:p>
+                      <a:r>
+                        <a:rPr lang="en-AU" dirty="0"/>
+                        <a:t>1</a:t>
+                      </a:r>
+                    </a:p>
+                  </a:txBody>
+                  <a:tcPr/>
+                </a:tc>
+                <a:tc>
+                  <a:txBody>
+                    <a:bodyPr/>
+                    <a:lstStyle/>
+                    <a:p>
+                      <a:pPr algn="r"/>
+                      <a:r>
+                        <a:rPr lang="en-AU" dirty="0"/>
+                        <a:t>500000</a:t>
+                      </a:r>
+                    </a:p>
+                  </a:txBody>
+                  <a:tcPr/>
+                </a:tc>
+                <a:tc>
+                  <a:txBody>
+                    <a:bodyPr/>
+                    <a:lstStyle/>
+                    <a:p>
+                      <a:pPr algn="r"/>
+                      <a:r>
+                        <a:rPr lang="en-AU" dirty="0"/>
+                        <a:t>556277</a:t>
+                      </a:r>
+                    </a:p>
+                  </a:txBody>
+                  <a:tcPr/>
+                </a:tc>
+                <a:extLst>
+                  <a:ext uri="{0D108BD9-81ED-4DB2-BD59-A6C34878D82A}">
+                    <a16:rowId xmlns:a16="http://schemas.microsoft.com/office/drawing/2014/main" val="1719547698"/>
+                  </a:ext>
+                </a:extLst>
+              </a:tr>
+              <a:tr h="324000">
+                <a:tc>
+                  <a:txBody>
+                    <a:bodyPr/>
+                    <a:lstStyle/>
+                    <a:p>
+                      <a:r>
+                        <a:rPr lang="en-AU" dirty="0"/>
+                        <a:t>2</a:t>
+                      </a:r>
+                    </a:p>
+                  </a:txBody>
+                  <a:tcPr/>
+                </a:tc>
+                <a:tc>
+                  <a:txBody>
+                    <a:bodyPr/>
+                    <a:lstStyle/>
+                    <a:p>
+                      <a:pPr algn="r"/>
+                      <a:r>
+                        <a:rPr lang="en-AU" dirty="0"/>
+                        <a:t>415000</a:t>
+                      </a:r>
+                    </a:p>
+                  </a:txBody>
+                  <a:tcPr/>
+                </a:tc>
+                <a:tc>
+                  <a:txBody>
+                    <a:bodyPr/>
+                    <a:lstStyle/>
+                    <a:p>
+                      <a:pPr algn="r"/>
+                      <a:r>
+                        <a:rPr lang="en-AU" dirty="0"/>
+                        <a:t>555837</a:t>
+                      </a:r>
+                    </a:p>
+                  </a:txBody>
+                  <a:tcPr/>
+                </a:tc>
+                <a:extLst>
+                  <a:ext uri="{0D108BD9-81ED-4DB2-BD59-A6C34878D82A}">
+                    <a16:rowId xmlns:a16="http://schemas.microsoft.com/office/drawing/2014/main" val="3163216001"/>
+                  </a:ext>
+                </a:extLst>
+              </a:tr>
+              <a:tr h="324000">
+                <a:tc>
+                  <a:txBody>
+                    <a:bodyPr/>
+                    <a:lstStyle/>
+                    <a:p>
+                      <a:r>
+                        <a:rPr lang="en-AU" dirty="0"/>
+                        <a:t>3</a:t>
+                      </a:r>
+                    </a:p>
+                  </a:txBody>
+                  <a:tcPr/>
+                </a:tc>
+                <a:tc>
+                  <a:txBody>
+                    <a:bodyPr/>
+                    <a:lstStyle/>
+                    <a:p>
+                      <a:pPr algn="r"/>
+                      <a:r>
+                        <a:rPr lang="en-AU" dirty="0"/>
+                        <a:t>1700000</a:t>
+                      </a:r>
+                    </a:p>
+                  </a:txBody>
+                  <a:tcPr/>
+                </a:tc>
+                <a:tc>
+                  <a:txBody>
+                    <a:bodyPr/>
+                    <a:lstStyle/>
+                    <a:p>
+                      <a:pPr algn="r"/>
+                      <a:r>
+                        <a:rPr lang="en-AU" dirty="0"/>
+                        <a:t>1031199</a:t>
+                      </a:r>
+                    </a:p>
+                  </a:txBody>
+                  <a:tcPr/>
+                </a:tc>
+                <a:extLst>
+                  <a:ext uri="{0D108BD9-81ED-4DB2-BD59-A6C34878D82A}">
+                    <a16:rowId xmlns:a16="http://schemas.microsoft.com/office/drawing/2014/main" val="3676427008"/>
+                  </a:ext>
+                </a:extLst>
+              </a:tr>
+              <a:tr h="324000">
+                <a:tc>
+                  <a:txBody>
+                    <a:bodyPr/>
+                    <a:lstStyle/>
+                    <a:p>
+                      <a:r>
+                        <a:rPr lang="en-AU" dirty="0"/>
+                        <a:t>4</a:t>
+                      </a:r>
+                    </a:p>
+                  </a:txBody>
+                  <a:tcPr/>
+                </a:tc>
+                <a:tc>
+                  <a:txBody>
+                    <a:bodyPr/>
+                    <a:lstStyle/>
+                    <a:p>
+                      <a:pPr algn="r"/>
+                      <a:r>
+                        <a:rPr lang="en-AU" dirty="0"/>
+                        <a:t>680000</a:t>
+                      </a:r>
+                    </a:p>
+                  </a:txBody>
+                  <a:tcPr/>
+                </a:tc>
+                <a:tc>
+                  <a:txBody>
+                    <a:bodyPr/>
+                    <a:lstStyle/>
+                    <a:p>
+                      <a:pPr algn="r"/>
+                      <a:r>
+                        <a:rPr lang="en-AU" dirty="0"/>
+                        <a:t>831717</a:t>
+                      </a:r>
+                    </a:p>
+                  </a:txBody>
+                  <a:tcPr/>
+                </a:tc>
+                <a:extLst>
+                  <a:ext uri="{0D108BD9-81ED-4DB2-BD59-A6C34878D82A}">
+                    <a16:rowId xmlns:a16="http://schemas.microsoft.com/office/drawing/2014/main" val="733714916"/>
+                  </a:ext>
+                </a:extLst>
+              </a:tr>
+              <a:tr h="324000">
+                <a:tc>
+                  <a:txBody>
+                    <a:bodyPr/>
+                    <a:lstStyle/>
+                    <a:p>
+                      <a:r>
+                        <a:rPr lang="en-AU" dirty="0"/>
+                        <a:t>5</a:t>
+                      </a:r>
+                    </a:p>
+                  </a:txBody>
+                  <a:tcPr/>
+                </a:tc>
+                <a:tc>
+                  <a:txBody>
+                    <a:bodyPr/>
+                    <a:lstStyle/>
+                    <a:p>
+                      <a:pPr algn="r"/>
+                      <a:r>
+                        <a:rPr lang="en-AU" dirty="0"/>
+                        <a:t>355000</a:t>
+                      </a:r>
+                    </a:p>
+                  </a:txBody>
+                  <a:tcPr/>
+                </a:tc>
+                <a:tc>
+                  <a:txBody>
+                    <a:bodyPr/>
+                    <a:lstStyle/>
+                    <a:p>
+                      <a:pPr algn="r"/>
+                      <a:r>
+                        <a:rPr lang="en-AU" dirty="0"/>
+                        <a:t>385473</a:t>
+                      </a:r>
+                    </a:p>
+                  </a:txBody>
+                  <a:tcPr/>
+                </a:tc>
+                <a:extLst>
+                  <a:ext uri="{0D108BD9-81ED-4DB2-BD59-A6C34878D82A}">
+                    <a16:rowId xmlns:a16="http://schemas.microsoft.com/office/drawing/2014/main" val="3855829390"/>
+                  </a:ext>
+                </a:extLst>
+              </a:tr>
+              <a:tr h="324000">
+                <a:tc>
+                  <a:txBody>
+                    <a:bodyPr/>
+                    <a:lstStyle/>
+                    <a:p>
+                      <a:r>
+                        <a:rPr lang="en-AU" dirty="0"/>
+                        <a:t>6</a:t>
+                      </a:r>
+                    </a:p>
+                  </a:txBody>
+                  <a:tcPr/>
+                </a:tc>
+                <a:tc>
+                  <a:txBody>
+                    <a:bodyPr/>
+                    <a:lstStyle/>
+                    <a:p>
+                      <a:pPr algn="r"/>
+                      <a:r>
+                        <a:rPr lang="en-AU" dirty="0"/>
+                        <a:t>400000</a:t>
+                      </a:r>
+                    </a:p>
+                  </a:txBody>
+                  <a:tcPr/>
+                </a:tc>
+                <a:tc>
+                  <a:txBody>
+                    <a:bodyPr/>
+                    <a:lstStyle/>
+                    <a:p>
+                      <a:pPr algn="r"/>
+                      <a:r>
+                        <a:rPr lang="en-AU" dirty="0"/>
+                        <a:t>395733</a:t>
+                      </a:r>
+                    </a:p>
+                  </a:txBody>
+                  <a:tcPr/>
+                </a:tc>
+                <a:extLst>
+                  <a:ext uri="{0D108BD9-81ED-4DB2-BD59-A6C34878D82A}">
+                    <a16:rowId xmlns:a16="http://schemas.microsoft.com/office/drawing/2014/main" val="867744002"/>
+                  </a:ext>
+                </a:extLst>
+              </a:tr>
+              <a:tr h="324000">
+                <a:tc>
+                  <a:txBody>
+                    <a:bodyPr/>
+                    <a:lstStyle/>
+                    <a:p>
+                      <a:r>
+                        <a:rPr lang="en-AU" dirty="0"/>
+                        <a:t>7</a:t>
+                      </a:r>
+                    </a:p>
+                  </a:txBody>
+                  <a:tcPr/>
+                </a:tc>
+                <a:tc>
+                  <a:txBody>
+                    <a:bodyPr/>
+                    <a:lstStyle/>
+                    <a:p>
+                      <a:pPr algn="r"/>
+                      <a:r>
+                        <a:rPr lang="en-AU" dirty="0"/>
+                        <a:t>460000</a:t>
+                      </a:r>
+                    </a:p>
+                  </a:txBody>
+                  <a:tcPr/>
+                </a:tc>
+                <a:tc>
+                  <a:txBody>
+                    <a:bodyPr/>
+                    <a:lstStyle/>
+                    <a:p>
+                      <a:pPr algn="r"/>
+                      <a:r>
+                        <a:rPr lang="en-AU" dirty="0"/>
+                        <a:t>520468</a:t>
+                      </a:r>
+                    </a:p>
+                  </a:txBody>
+                  <a:tcPr/>
+                </a:tc>
+                <a:extLst>
+                  <a:ext uri="{0D108BD9-81ED-4DB2-BD59-A6C34878D82A}">
+                    <a16:rowId xmlns:a16="http://schemas.microsoft.com/office/drawing/2014/main" val="1097730234"/>
+                  </a:ext>
+                </a:extLst>
+              </a:tr>
+              <a:tr h="324000">
+                <a:tc>
+                  <a:txBody>
+                    <a:bodyPr/>
+                    <a:lstStyle/>
+                    <a:p>
+                      <a:r>
+                        <a:rPr lang="en-AU" dirty="0"/>
+                        <a:t>8</a:t>
+                      </a:r>
+                    </a:p>
+                  </a:txBody>
+                  <a:tcPr/>
+                </a:tc>
+                <a:tc>
+                  <a:txBody>
+                    <a:bodyPr/>
+                    <a:lstStyle/>
+                    <a:p>
+                      <a:pPr algn="r"/>
+                      <a:r>
+                        <a:rPr lang="en-AU" dirty="0"/>
+                        <a:t>330000</a:t>
+                      </a:r>
+                    </a:p>
+                  </a:txBody>
+                  <a:tcPr/>
+                </a:tc>
+                <a:tc>
+                  <a:txBody>
+                    <a:bodyPr/>
+                    <a:lstStyle/>
+                    <a:p>
+                      <a:pPr algn="r"/>
+                      <a:r>
+                        <a:rPr lang="en-AU" dirty="0"/>
+                        <a:t>392015</a:t>
+                      </a:r>
+                    </a:p>
+                  </a:txBody>
+                  <a:tcPr/>
+                </a:tc>
+                <a:extLst>
+                  <a:ext uri="{0D108BD9-81ED-4DB2-BD59-A6C34878D82A}">
+                    <a16:rowId xmlns:a16="http://schemas.microsoft.com/office/drawing/2014/main" val="924617211"/>
+                  </a:ext>
+                </a:extLst>
+              </a:tr>
+              <a:tr h="324000">
+                <a:tc>
+                  <a:txBody>
+                    <a:bodyPr/>
+                    <a:lstStyle/>
+                    <a:p>
+                      <a:r>
+                        <a:rPr lang="en-AU" dirty="0"/>
+                        <a:t>9</a:t>
+                      </a:r>
+                    </a:p>
+                  </a:txBody>
+                  <a:tcPr/>
+                </a:tc>
+                <a:tc>
+                  <a:txBody>
+                    <a:bodyPr/>
+                    <a:lstStyle/>
+                    <a:p>
+                      <a:pPr algn="r"/>
+                      <a:r>
+                        <a:rPr lang="en-AU" dirty="0"/>
+                        <a:t>609000</a:t>
+                      </a:r>
+                    </a:p>
+                  </a:txBody>
+                  <a:tcPr/>
+                </a:tc>
+                <a:tc>
+                  <a:txBody>
+                    <a:bodyPr/>
+                    <a:lstStyle/>
+                    <a:p>
+                      <a:pPr algn="r"/>
+                      <a:r>
+                        <a:rPr lang="en-AU" dirty="0"/>
+                        <a:t>770292</a:t>
+                      </a:r>
+                    </a:p>
+                  </a:txBody>
+                  <a:tcPr/>
+                </a:tc>
+                <a:extLst>
+                  <a:ext uri="{0D108BD9-81ED-4DB2-BD59-A6C34878D82A}">
+                    <a16:rowId xmlns:a16="http://schemas.microsoft.com/office/drawing/2014/main" val="1526944222"/>
+                  </a:ext>
+                </a:extLst>
+              </a:tr>
+              <a:tr h="324000">
+                <a:tc>
+                  <a:txBody>
+                    <a:bodyPr/>
+                    <a:lstStyle/>
+                    <a:p>
+                      <a:r>
+                        <a:rPr lang="en-AU" dirty="0"/>
+                        <a:t>10</a:t>
+                      </a:r>
+                    </a:p>
+                  </a:txBody>
+                  <a:tcPr/>
+                </a:tc>
+                <a:tc>
+                  <a:txBody>
+                    <a:bodyPr/>
+                    <a:lstStyle/>
+                    <a:p>
+                      <a:pPr algn="r"/>
+                      <a:r>
+                        <a:rPr lang="en-AU" dirty="0"/>
+                        <a:t>530000</a:t>
+                      </a:r>
+                    </a:p>
+                  </a:txBody>
+                  <a:tcPr/>
+                </a:tc>
+                <a:tc>
+                  <a:txBody>
+                    <a:bodyPr/>
+                    <a:lstStyle/>
+                    <a:p>
+                      <a:pPr algn="r"/>
+                      <a:r>
+                        <a:rPr lang="en-AU" dirty="0"/>
+                        <a:t>483061</a:t>
+                      </a:r>
+                    </a:p>
+                  </a:txBody>
+                  <a:tcPr/>
+                </a:tc>
+                <a:extLst>
+                  <a:ext uri="{0D108BD9-81ED-4DB2-BD59-A6C34878D82A}">
+                    <a16:rowId xmlns:a16="http://schemas.microsoft.com/office/drawing/2014/main" val="3778634970"/>
+                  </a:ext>
+                </a:extLst>
+              </a:tr>
+            </a:tbl>
+          </a:graphicData>
+        </a:graphic>
+      </p:graphicFrame>
+      <p:graphicFrame>
+        <p:nvGraphicFramePr>
+          <p:cNvPr id="16" name="Table 15">
+            <a:extLst>
+              <a:ext uri="{FF2B5EF4-FFF2-40B4-BE49-F238E27FC236}">
+                <a16:creationId xmlns:a16="http://schemas.microsoft.com/office/drawing/2014/main" id="{B47B95B3-CC38-F165-2AC0-DE03EA9E2020}"/>
+              </a:ext>
+            </a:extLst>
+          </p:cNvPr>
+          <p:cNvGraphicFramePr>
+            <a:graphicFrameLocks noGrp="1"/>
+          </p:cNvGraphicFramePr>
+          <p:nvPr>
+            <p:extLst>
+              <p:ext uri="{D42A27DB-BD31-4B8C-83A1-F6EECF244321}">
+                <p14:modId xmlns:p14="http://schemas.microsoft.com/office/powerpoint/2010/main" val="568012809"/>
+              </p:ext>
+            </p:extLst>
+          </p:nvPr>
+        </p:nvGraphicFramePr>
+        <p:xfrm>
+          <a:off x="6960933" y="2222100"/>
+          <a:ext cx="3263847" cy="4023360"/>
+        </p:xfrm>
+        <a:graphic>
+          <a:graphicData uri="http://schemas.openxmlformats.org/drawingml/2006/table">
+            <a:tbl>
+              <a:tblPr firstRow="1" bandRow="1">
+                <a:tableStyleId>{5C22544A-7EE6-4342-B048-85BDC9FD1C3A}</a:tableStyleId>
+              </a:tblPr>
+              <a:tblGrid>
+                <a:gridCol w="1087949">
+                  <a:extLst>
+                    <a:ext uri="{9D8B030D-6E8A-4147-A177-3AD203B41FA5}">
+                      <a16:colId xmlns:a16="http://schemas.microsoft.com/office/drawing/2014/main" val="1403720951"/>
+                    </a:ext>
+                  </a:extLst>
+                </a:gridCol>
+                <a:gridCol w="1087949">
+                  <a:extLst>
+                    <a:ext uri="{9D8B030D-6E8A-4147-A177-3AD203B41FA5}">
+                      <a16:colId xmlns:a16="http://schemas.microsoft.com/office/drawing/2014/main" val="873319655"/>
+                    </a:ext>
+                  </a:extLst>
+                </a:gridCol>
+                <a:gridCol w="1087949">
+                  <a:extLst>
+                    <a:ext uri="{9D8B030D-6E8A-4147-A177-3AD203B41FA5}">
+                      <a16:colId xmlns:a16="http://schemas.microsoft.com/office/drawing/2014/main" val="4270006897"/>
+                    </a:ext>
+                  </a:extLst>
+                </a:gridCol>
+              </a:tblGrid>
+              <a:tr h="324000">
+                <a:tc>
+                  <a:txBody>
+                    <a:bodyPr/>
+                    <a:lstStyle/>
+                    <a:p>
+                      <a:endParaRPr lang="en-AU" dirty="0"/>
+                    </a:p>
+                  </a:txBody>
+                  <a:tcPr/>
+                </a:tc>
+                <a:tc>
+                  <a:txBody>
+                    <a:bodyPr/>
+                    <a:lstStyle/>
+                    <a:p>
+                      <a:r>
+                        <a:rPr lang="en-AU" dirty="0"/>
+                        <a:t>Actual</a:t>
+                      </a:r>
+                    </a:p>
+                  </a:txBody>
+                  <a:tcPr/>
+                </a:tc>
+                <a:tc>
+                  <a:txBody>
+                    <a:bodyPr/>
+                    <a:lstStyle/>
+                    <a:p>
+                      <a:r>
+                        <a:rPr lang="en-AU" dirty="0"/>
+                        <a:t>Predicted</a:t>
+                      </a:r>
+                    </a:p>
+                  </a:txBody>
+                  <a:tcPr/>
+                </a:tc>
+                <a:extLst>
+                  <a:ext uri="{0D108BD9-81ED-4DB2-BD59-A6C34878D82A}">
+                    <a16:rowId xmlns:a16="http://schemas.microsoft.com/office/drawing/2014/main" val="16918165"/>
+                  </a:ext>
+                </a:extLst>
+              </a:tr>
+              <a:tr h="324000">
+                <a:tc>
+                  <a:txBody>
+                    <a:bodyPr/>
+                    <a:lstStyle/>
+                    <a:p>
+                      <a:r>
+                        <a:rPr lang="en-AU" dirty="0"/>
+                        <a:t>1</a:t>
+                      </a:r>
+                    </a:p>
+                  </a:txBody>
+                  <a:tcPr/>
+                </a:tc>
+                <a:tc>
+                  <a:txBody>
+                    <a:bodyPr/>
+                    <a:lstStyle/>
+                    <a:p>
+                      <a:pPr algn="r"/>
+                      <a:r>
+                        <a:rPr lang="en-AU" dirty="0"/>
+                        <a:t>500000</a:t>
+                      </a:r>
+                    </a:p>
+                  </a:txBody>
+                  <a:tcPr/>
+                </a:tc>
+                <a:tc>
+                  <a:txBody>
+                    <a:bodyPr/>
+                    <a:lstStyle/>
+                    <a:p>
+                      <a:pPr algn="r"/>
+                      <a:r>
+                        <a:rPr lang="en-AU" dirty="0"/>
+                        <a:t>502713</a:t>
+                      </a:r>
+                    </a:p>
+                  </a:txBody>
+                  <a:tcPr/>
+                </a:tc>
+                <a:extLst>
+                  <a:ext uri="{0D108BD9-81ED-4DB2-BD59-A6C34878D82A}">
+                    <a16:rowId xmlns:a16="http://schemas.microsoft.com/office/drawing/2014/main" val="1719547698"/>
+                  </a:ext>
+                </a:extLst>
+              </a:tr>
+              <a:tr h="324000">
+                <a:tc>
+                  <a:txBody>
+                    <a:bodyPr/>
+                    <a:lstStyle/>
+                    <a:p>
+                      <a:r>
+                        <a:rPr lang="en-AU" dirty="0"/>
+                        <a:t>2</a:t>
+                      </a:r>
+                    </a:p>
+                  </a:txBody>
+                  <a:tcPr/>
+                </a:tc>
+                <a:tc>
+                  <a:txBody>
+                    <a:bodyPr/>
+                    <a:lstStyle/>
+                    <a:p>
+                      <a:pPr algn="r"/>
+                      <a:r>
+                        <a:rPr lang="en-AU" dirty="0"/>
+                        <a:t>415000</a:t>
+                      </a:r>
+                    </a:p>
+                  </a:txBody>
+                  <a:tcPr/>
+                </a:tc>
+                <a:tc>
+                  <a:txBody>
+                    <a:bodyPr/>
+                    <a:lstStyle/>
+                    <a:p>
+                      <a:pPr algn="r"/>
+                      <a:r>
+                        <a:rPr lang="en-AU" dirty="0"/>
+                        <a:t>499446</a:t>
+                      </a:r>
+                    </a:p>
+                  </a:txBody>
+                  <a:tcPr/>
+                </a:tc>
+                <a:extLst>
+                  <a:ext uri="{0D108BD9-81ED-4DB2-BD59-A6C34878D82A}">
+                    <a16:rowId xmlns:a16="http://schemas.microsoft.com/office/drawing/2014/main" val="3163216001"/>
+                  </a:ext>
+                </a:extLst>
+              </a:tr>
+              <a:tr h="324000">
+                <a:tc>
+                  <a:txBody>
+                    <a:bodyPr/>
+                    <a:lstStyle/>
+                    <a:p>
+                      <a:r>
+                        <a:rPr lang="en-AU" dirty="0"/>
+                        <a:t>3</a:t>
+                      </a:r>
+                    </a:p>
+                  </a:txBody>
+                  <a:tcPr/>
+                </a:tc>
+                <a:tc>
+                  <a:txBody>
+                    <a:bodyPr/>
+                    <a:lstStyle/>
+                    <a:p>
+                      <a:pPr algn="r"/>
+                      <a:r>
+                        <a:rPr lang="en-AU" dirty="0"/>
+                        <a:t>1700000</a:t>
+                      </a:r>
+                    </a:p>
+                  </a:txBody>
+                  <a:tcPr/>
+                </a:tc>
+                <a:tc>
+                  <a:txBody>
+                    <a:bodyPr/>
+                    <a:lstStyle/>
+                    <a:p>
+                      <a:pPr algn="r"/>
+                      <a:r>
+                        <a:rPr lang="en-AU" dirty="0"/>
+                        <a:t>1285180</a:t>
+                      </a:r>
+                    </a:p>
+                  </a:txBody>
+                  <a:tcPr/>
+                </a:tc>
+                <a:extLst>
+                  <a:ext uri="{0D108BD9-81ED-4DB2-BD59-A6C34878D82A}">
+                    <a16:rowId xmlns:a16="http://schemas.microsoft.com/office/drawing/2014/main" val="3676427008"/>
+                  </a:ext>
+                </a:extLst>
+              </a:tr>
+              <a:tr h="324000">
+                <a:tc>
+                  <a:txBody>
+                    <a:bodyPr/>
+                    <a:lstStyle/>
+                    <a:p>
+                      <a:r>
+                        <a:rPr lang="en-AU" dirty="0"/>
+                        <a:t>4</a:t>
+                      </a:r>
+                    </a:p>
+                  </a:txBody>
+                  <a:tcPr/>
+                </a:tc>
+                <a:tc>
+                  <a:txBody>
+                    <a:bodyPr/>
+                    <a:lstStyle/>
+                    <a:p>
+                      <a:pPr algn="r"/>
+                      <a:r>
+                        <a:rPr lang="en-AU" dirty="0"/>
+                        <a:t>680000</a:t>
+                      </a:r>
+                    </a:p>
+                  </a:txBody>
+                  <a:tcPr/>
+                </a:tc>
+                <a:tc>
+                  <a:txBody>
+                    <a:bodyPr/>
+                    <a:lstStyle/>
+                    <a:p>
+                      <a:pPr algn="r"/>
+                      <a:r>
+                        <a:rPr lang="en-AU" dirty="0"/>
+                        <a:t>731213</a:t>
+                      </a:r>
+                    </a:p>
+                  </a:txBody>
+                  <a:tcPr/>
+                </a:tc>
+                <a:extLst>
+                  <a:ext uri="{0D108BD9-81ED-4DB2-BD59-A6C34878D82A}">
+                    <a16:rowId xmlns:a16="http://schemas.microsoft.com/office/drawing/2014/main" val="733714916"/>
+                  </a:ext>
+                </a:extLst>
+              </a:tr>
+              <a:tr h="324000">
+                <a:tc>
+                  <a:txBody>
+                    <a:bodyPr/>
+                    <a:lstStyle/>
+                    <a:p>
+                      <a:r>
+                        <a:rPr lang="en-AU" dirty="0"/>
+                        <a:t>5</a:t>
+                      </a:r>
+                    </a:p>
+                  </a:txBody>
+                  <a:tcPr/>
+                </a:tc>
+                <a:tc>
+                  <a:txBody>
+                    <a:bodyPr/>
+                    <a:lstStyle/>
+                    <a:p>
+                      <a:pPr algn="r"/>
+                      <a:r>
+                        <a:rPr lang="en-AU" dirty="0"/>
+                        <a:t>355000</a:t>
+                      </a:r>
+                    </a:p>
+                  </a:txBody>
+                  <a:tcPr/>
+                </a:tc>
+                <a:tc>
+                  <a:txBody>
+                    <a:bodyPr/>
+                    <a:lstStyle/>
+                    <a:p>
+                      <a:pPr algn="r"/>
+                      <a:r>
+                        <a:rPr lang="en-AU" dirty="0"/>
+                        <a:t>379196</a:t>
+                      </a:r>
+                    </a:p>
+                  </a:txBody>
+                  <a:tcPr/>
+                </a:tc>
+                <a:extLst>
+                  <a:ext uri="{0D108BD9-81ED-4DB2-BD59-A6C34878D82A}">
+                    <a16:rowId xmlns:a16="http://schemas.microsoft.com/office/drawing/2014/main" val="3855829390"/>
+                  </a:ext>
+                </a:extLst>
+              </a:tr>
+              <a:tr h="324000">
+                <a:tc>
+                  <a:txBody>
+                    <a:bodyPr/>
+                    <a:lstStyle/>
+                    <a:p>
+                      <a:r>
+                        <a:rPr lang="en-AU" dirty="0"/>
+                        <a:t>6</a:t>
+                      </a:r>
+                    </a:p>
+                  </a:txBody>
+                  <a:tcPr/>
+                </a:tc>
+                <a:tc>
+                  <a:txBody>
+                    <a:bodyPr/>
+                    <a:lstStyle/>
+                    <a:p>
+                      <a:pPr algn="r"/>
+                      <a:r>
+                        <a:rPr lang="en-AU" dirty="0"/>
+                        <a:t>400000</a:t>
+                      </a:r>
+                    </a:p>
+                  </a:txBody>
+                  <a:tcPr/>
+                </a:tc>
+                <a:tc>
+                  <a:txBody>
+                    <a:bodyPr/>
+                    <a:lstStyle/>
+                    <a:p>
+                      <a:pPr algn="r"/>
+                      <a:r>
+                        <a:rPr lang="en-AU" dirty="0"/>
+                        <a:t>361695</a:t>
+                      </a:r>
+                    </a:p>
+                  </a:txBody>
+                  <a:tcPr/>
+                </a:tc>
+                <a:extLst>
+                  <a:ext uri="{0D108BD9-81ED-4DB2-BD59-A6C34878D82A}">
+                    <a16:rowId xmlns:a16="http://schemas.microsoft.com/office/drawing/2014/main" val="867744002"/>
+                  </a:ext>
+                </a:extLst>
+              </a:tr>
+              <a:tr h="324000">
+                <a:tc>
+                  <a:txBody>
+                    <a:bodyPr/>
+                    <a:lstStyle/>
+                    <a:p>
+                      <a:r>
+                        <a:rPr lang="en-AU" dirty="0"/>
+                        <a:t>7</a:t>
+                      </a:r>
+                    </a:p>
+                  </a:txBody>
+                  <a:tcPr/>
+                </a:tc>
+                <a:tc>
+                  <a:txBody>
+                    <a:bodyPr/>
+                    <a:lstStyle/>
+                    <a:p>
+                      <a:pPr algn="r"/>
+                      <a:r>
+                        <a:rPr lang="en-AU" dirty="0"/>
+                        <a:t>460000</a:t>
+                      </a:r>
+                    </a:p>
+                  </a:txBody>
+                  <a:tcPr/>
+                </a:tc>
+                <a:tc>
+                  <a:txBody>
+                    <a:bodyPr/>
+                    <a:lstStyle/>
+                    <a:p>
+                      <a:pPr algn="r"/>
+                      <a:r>
+                        <a:rPr lang="en-AU" dirty="0"/>
+                        <a:t>417202</a:t>
+                      </a:r>
+                    </a:p>
+                  </a:txBody>
+                  <a:tcPr/>
+                </a:tc>
+                <a:extLst>
+                  <a:ext uri="{0D108BD9-81ED-4DB2-BD59-A6C34878D82A}">
+                    <a16:rowId xmlns:a16="http://schemas.microsoft.com/office/drawing/2014/main" val="1097730234"/>
+                  </a:ext>
+                </a:extLst>
+              </a:tr>
+              <a:tr h="324000">
+                <a:tc>
+                  <a:txBody>
+                    <a:bodyPr/>
+                    <a:lstStyle/>
+                    <a:p>
+                      <a:r>
+                        <a:rPr lang="en-AU" dirty="0"/>
+                        <a:t>8</a:t>
+                      </a:r>
+                    </a:p>
+                  </a:txBody>
+                  <a:tcPr/>
+                </a:tc>
+                <a:tc>
+                  <a:txBody>
+                    <a:bodyPr/>
+                    <a:lstStyle/>
+                    <a:p>
+                      <a:pPr algn="r"/>
+                      <a:r>
+                        <a:rPr lang="en-AU" dirty="0"/>
+                        <a:t>330000</a:t>
+                      </a:r>
+                    </a:p>
+                  </a:txBody>
+                  <a:tcPr/>
+                </a:tc>
+                <a:tc>
+                  <a:txBody>
+                    <a:bodyPr/>
+                    <a:lstStyle/>
+                    <a:p>
+                      <a:pPr algn="r"/>
+                      <a:r>
+                        <a:rPr lang="en-AU" dirty="0"/>
+                        <a:t>497613</a:t>
+                      </a:r>
+                    </a:p>
+                  </a:txBody>
+                  <a:tcPr/>
+                </a:tc>
+                <a:extLst>
+                  <a:ext uri="{0D108BD9-81ED-4DB2-BD59-A6C34878D82A}">
+                    <a16:rowId xmlns:a16="http://schemas.microsoft.com/office/drawing/2014/main" val="924617211"/>
+                  </a:ext>
+                </a:extLst>
+              </a:tr>
+              <a:tr h="324000">
+                <a:tc>
+                  <a:txBody>
+                    <a:bodyPr/>
+                    <a:lstStyle/>
+                    <a:p>
+                      <a:r>
+                        <a:rPr lang="en-AU" dirty="0"/>
+                        <a:t>9</a:t>
+                      </a:r>
+                    </a:p>
+                  </a:txBody>
+                  <a:tcPr/>
+                </a:tc>
+                <a:tc>
+                  <a:txBody>
+                    <a:bodyPr/>
+                    <a:lstStyle/>
+                    <a:p>
+                      <a:pPr algn="r"/>
+                      <a:r>
+                        <a:rPr lang="en-AU" dirty="0"/>
+                        <a:t>609000</a:t>
+                      </a:r>
+                    </a:p>
+                  </a:txBody>
+                  <a:tcPr/>
+                </a:tc>
+                <a:tc>
+                  <a:txBody>
+                    <a:bodyPr/>
+                    <a:lstStyle/>
+                    <a:p>
+                      <a:pPr algn="r"/>
+                      <a:r>
+                        <a:rPr lang="en-AU" dirty="0"/>
+                        <a:t>711002</a:t>
+                      </a:r>
+                    </a:p>
+                  </a:txBody>
+                  <a:tcPr/>
+                </a:tc>
+                <a:extLst>
+                  <a:ext uri="{0D108BD9-81ED-4DB2-BD59-A6C34878D82A}">
+                    <a16:rowId xmlns:a16="http://schemas.microsoft.com/office/drawing/2014/main" val="1526944222"/>
+                  </a:ext>
+                </a:extLst>
+              </a:tr>
+              <a:tr h="324000">
+                <a:tc>
+                  <a:txBody>
+                    <a:bodyPr/>
+                    <a:lstStyle/>
+                    <a:p>
+                      <a:r>
+                        <a:rPr lang="en-AU" dirty="0"/>
+                        <a:t>10</a:t>
+                      </a:r>
+                    </a:p>
+                  </a:txBody>
+                  <a:tcPr/>
+                </a:tc>
+                <a:tc>
+                  <a:txBody>
+                    <a:bodyPr/>
+                    <a:lstStyle/>
+                    <a:p>
+                      <a:pPr algn="r"/>
+                      <a:r>
+                        <a:rPr lang="en-AU" dirty="0"/>
+                        <a:t>530000</a:t>
+                      </a:r>
+                    </a:p>
+                  </a:txBody>
+                  <a:tcPr/>
+                </a:tc>
+                <a:tc>
+                  <a:txBody>
+                    <a:bodyPr/>
+                    <a:lstStyle/>
+                    <a:p>
+                      <a:pPr algn="r"/>
+                      <a:r>
+                        <a:rPr lang="en-AU" dirty="0"/>
+                        <a:t>533381</a:t>
+                      </a:r>
+                    </a:p>
+                  </a:txBody>
+                  <a:tcPr/>
+                </a:tc>
+                <a:extLst>
+                  <a:ext uri="{0D108BD9-81ED-4DB2-BD59-A6C34878D82A}">
+                    <a16:rowId xmlns:a16="http://schemas.microsoft.com/office/drawing/2014/main" val="3778634970"/>
+                  </a:ext>
+                </a:extLst>
+              </a:tr>
+            </a:tbl>
+          </a:graphicData>
+        </a:graphic>
+      </p:graphicFrame>
+      <p:sp>
+        <p:nvSpPr>
+          <p:cNvPr id="19" name="TextBox 18">
+            <a:extLst>
+              <a:ext uri="{FF2B5EF4-FFF2-40B4-BE49-F238E27FC236}">
+                <a16:creationId xmlns:a16="http://schemas.microsoft.com/office/drawing/2014/main" id="{4EACAFFC-180B-EA75-EF93-D3FB7EE7D643}"/>
+              </a:ext>
+            </a:extLst>
+          </p:cNvPr>
+          <p:cNvSpPr txBox="1"/>
+          <p:nvPr/>
+        </p:nvSpPr>
+        <p:spPr>
+          <a:xfrm>
+            <a:off x="2664666" y="1826919"/>
+            <a:ext cx="1672253" cy="369332"/>
+          </a:xfrm>
+          <a:prstGeom prst="rect">
+            <a:avLst/>
+          </a:prstGeom>
+          <a:noFill/>
+        </p:spPr>
+        <p:txBody>
+          <a:bodyPr wrap="none" rtlCol="0">
+            <a:spAutoFit/>
+          </a:bodyPr>
+          <a:lstStyle/>
+          <a:p>
+            <a:r>
+              <a:rPr lang="en-AU" dirty="0"/>
+              <a:t>Linear Regression</a:t>
+            </a:r>
+          </a:p>
+        </p:txBody>
+      </p:sp>
+      <p:sp>
+        <p:nvSpPr>
+          <p:cNvPr id="20" name="TextBox 19">
+            <a:extLst>
+              <a:ext uri="{FF2B5EF4-FFF2-40B4-BE49-F238E27FC236}">
+                <a16:creationId xmlns:a16="http://schemas.microsoft.com/office/drawing/2014/main" id="{C2C5922B-F7C3-3383-D386-1563428B5FB8}"/>
+              </a:ext>
+            </a:extLst>
+          </p:cNvPr>
+          <p:cNvSpPr txBox="1"/>
+          <p:nvPr/>
+        </p:nvSpPr>
+        <p:spPr>
+          <a:xfrm>
+            <a:off x="7775965" y="1810129"/>
+            <a:ext cx="1633781" cy="369332"/>
+          </a:xfrm>
+          <a:prstGeom prst="rect">
+            <a:avLst/>
+          </a:prstGeom>
+          <a:noFill/>
+        </p:spPr>
+        <p:txBody>
+          <a:bodyPr wrap="none" rtlCol="0">
+            <a:spAutoFit/>
+          </a:bodyPr>
+          <a:lstStyle/>
+          <a:p>
+            <a:r>
+              <a:rPr lang="en-AU" dirty="0" err="1"/>
+              <a:t>Keras</a:t>
+            </a:r>
+            <a:r>
+              <a:rPr lang="en-AU" dirty="0"/>
+              <a:t> Regression</a:t>
+            </a:r>
+          </a:p>
+        </p:txBody>
+      </p:sp>
+    </p:spTree>
+    <p:extLst>
+      <p:ext uri="{BB962C8B-B14F-4D97-AF65-F5344CB8AC3E}">
+        <p14:creationId xmlns:p14="http://schemas.microsoft.com/office/powerpoint/2010/main" val="3599883670"/>
       </p:ext>
     </p:extLst>
   </p:cSld>
@@ -15729,6 +18149,34 @@
 </file>
 
 <file path=customXml/item1.xml><?xml version="1.0" encoding="utf-8"?>
+<?mso-contentType ?>
+<FormTemplates xmlns="http://schemas.microsoft.com/sharepoint/v3/contenttype/forms">
+  <Display>DocumentLibraryForm</Display>
+  <Edit>DocumentLibraryForm</Edit>
+  <New>DocumentLibraryForm</New>
+</FormTemplates>
+</file>
+
+<file path=customXml/item2.xml><?xml version="1.0" encoding="utf-8"?>
+<p:properties xmlns:p="http://schemas.microsoft.com/office/2006/metadata/properties" xmlns:xsi="http://www.w3.org/2001/XMLSchema-instance" xmlns:pc="http://schemas.microsoft.com/office/infopath/2007/PartnerControls">
+  <documentManagement>
+    <Status xmlns="71af3243-3dd4-4a8d-8c0d-dd76da1f02a5">Not started</Status>
+    <_ip_UnifiedCompliancePolicyUIAction xmlns="http://schemas.microsoft.com/sharepoint/v3" xsi:nil="true"/>
+    <Image xmlns="71af3243-3dd4-4a8d-8c0d-dd76da1f02a5">
+      <Url xsi:nil="true"/>
+      <Description xsi:nil="true"/>
+    </Image>
+    <_ip_UnifiedCompliancePolicyProperties xmlns="http://schemas.microsoft.com/sharepoint/v3" xsi:nil="true"/>
+    <lcf76f155ced4ddcb4097134ff3c332f xmlns="71af3243-3dd4-4a8d-8c0d-dd76da1f02a5">
+      <Terms xmlns="http://schemas.microsoft.com/office/infopath/2007/PartnerControls"/>
+    </lcf76f155ced4ddcb4097134ff3c332f>
+    <TaxCatchAll xmlns="230e9df3-be65-4c73-a93b-d1236ebd677e"/>
+    <MediaServiceKeyPoints xmlns="71af3243-3dd4-4a8d-8c0d-dd76da1f02a5" xsi:nil="true"/>
+  </documentManagement>
+</p:properties>
+</file>
+
+<file path=customXml/item3.xml><?xml version="1.0" encoding="utf-8"?>
 <ct:contentTypeSchema xmlns:ct="http://schemas.microsoft.com/office/2006/metadata/contentType" xmlns:ma="http://schemas.microsoft.com/office/2006/metadata/properties/metaAttributes" ct:_="" ma:_="" ma:contentTypeName="Document" ma:contentTypeID="0x01010079F111ED35F8CC479449609E8A0923A6" ma:contentTypeVersion="18" ma:contentTypeDescription="Create a new document." ma:contentTypeScope="" ma:versionID="22a266b9fa9a230c5a512669d8b298c3">
   <xsd:schema xmlns:xsd="http://www.w3.org/2001/XMLSchema" xmlns:xs="http://www.w3.org/2001/XMLSchema" xmlns:p="http://schemas.microsoft.com/office/2006/metadata/properties" xmlns:ns1="http://schemas.microsoft.com/sharepoint/v3" xmlns:ns2="71af3243-3dd4-4a8d-8c0d-dd76da1f02a5" xmlns:ns3="16c05727-aa75-4e4a-9b5f-8a80a1165891" xmlns:ns4="230e9df3-be65-4c73-a93b-d1236ebd677e" targetNamespace="http://schemas.microsoft.com/office/2006/metadata/properties" ma:root="true" ma:fieldsID="eddc33fff6b14141ee5c74a0d29ea6a1" ns1:_="" ns2:_="" ns3:_="" ns4:_="">
     <xsd:import namespace="http://schemas.microsoft.com/sharepoint/v3"/>
@@ -16004,35 +18452,27 @@
 </ct:contentTypeSchema>
 </file>
 
-<file path=customXml/item2.xml><?xml version="1.0" encoding="utf-8"?>
-<p:properties xmlns:p="http://schemas.microsoft.com/office/2006/metadata/properties" xmlns:xsi="http://www.w3.org/2001/XMLSchema-instance" xmlns:pc="http://schemas.microsoft.com/office/infopath/2007/PartnerControls">
-  <documentManagement>
-    <Status xmlns="71af3243-3dd4-4a8d-8c0d-dd76da1f02a5">Not started</Status>
-    <_ip_UnifiedCompliancePolicyUIAction xmlns="http://schemas.microsoft.com/sharepoint/v3" xsi:nil="true"/>
-    <Image xmlns="71af3243-3dd4-4a8d-8c0d-dd76da1f02a5">
-      <Url xsi:nil="true"/>
-      <Description xsi:nil="true"/>
-    </Image>
-    <_ip_UnifiedCompliancePolicyProperties xmlns="http://schemas.microsoft.com/sharepoint/v3" xsi:nil="true"/>
-    <lcf76f155ced4ddcb4097134ff3c332f xmlns="71af3243-3dd4-4a8d-8c0d-dd76da1f02a5">
-      <Terms xmlns="http://schemas.microsoft.com/office/infopath/2007/PartnerControls"/>
-    </lcf76f155ced4ddcb4097134ff3c332f>
-    <TaxCatchAll xmlns="230e9df3-be65-4c73-a93b-d1236ebd677e"/>
-    <MediaServiceKeyPoints xmlns="71af3243-3dd4-4a8d-8c0d-dd76da1f02a5" xsi:nil="true"/>
-  </documentManagement>
-</p:properties>
+<file path=customXml/itemProps1.xml><?xml version="1.0" encoding="utf-8"?>
+<ds:datastoreItem xmlns:ds="http://schemas.openxmlformats.org/officeDocument/2006/customXml" ds:itemID="{207C1F5B-A1D0-429A-8E7C-3E271353D1E0}">
+  <ds:schemaRefs>
+    <ds:schemaRef ds:uri="http://schemas.microsoft.com/sharepoint/v3/contenttype/forms"/>
+  </ds:schemaRefs>
+</ds:datastoreItem>
 </file>
 
-<file path=customXml/item3.xml><?xml version="1.0" encoding="utf-8"?>
-<?mso-contentType ?>
-<FormTemplates xmlns="http://schemas.microsoft.com/sharepoint/v3/contenttype/forms">
-  <Display>DocumentLibraryForm</Display>
-  <Edit>DocumentLibraryForm</Edit>
-  <New>DocumentLibraryForm</New>
-</FormTemplates>
+<file path=customXml/itemProps2.xml><?xml version="1.0" encoding="utf-8"?>
+<ds:datastoreItem xmlns:ds="http://schemas.openxmlformats.org/officeDocument/2006/customXml" ds:itemID="{B15CABE4-909F-4611-A0E1-6E45080B3C9E}">
+  <ds:schemaRefs>
+    <ds:schemaRef ds:uri="http://schemas.microsoft.com/office/2006/metadata/properties"/>
+    <ds:schemaRef ds:uri="http://schemas.microsoft.com/office/infopath/2007/PartnerControls"/>
+    <ds:schemaRef ds:uri="71af3243-3dd4-4a8d-8c0d-dd76da1f02a5"/>
+    <ds:schemaRef ds:uri="http://schemas.microsoft.com/sharepoint/v3"/>
+    <ds:schemaRef ds:uri="230e9df3-be65-4c73-a93b-d1236ebd677e"/>
+  </ds:schemaRefs>
+</ds:datastoreItem>
 </file>
 
-<file path=customXml/itemProps1.xml><?xml version="1.0" encoding="utf-8"?>
+<file path=customXml/itemProps3.xml><?xml version="1.0" encoding="utf-8"?>
 <ds:datastoreItem xmlns:ds="http://schemas.openxmlformats.org/officeDocument/2006/customXml" ds:itemID="{AA1E8BDE-7A03-4563-82F6-53B214F89568}">
   <ds:schemaRefs>
     <ds:schemaRef ds:uri="http://schemas.microsoft.com/office/2006/metadata/contentType"/>
@@ -16053,26 +18493,6 @@
 </ds:datastoreItem>
 </file>
 
-<file path=customXml/itemProps2.xml><?xml version="1.0" encoding="utf-8"?>
-<ds:datastoreItem xmlns:ds="http://schemas.openxmlformats.org/officeDocument/2006/customXml" ds:itemID="{B15CABE4-909F-4611-A0E1-6E45080B3C9E}">
-  <ds:schemaRefs>
-    <ds:schemaRef ds:uri="http://schemas.microsoft.com/office/2006/metadata/properties"/>
-    <ds:schemaRef ds:uri="http://schemas.microsoft.com/office/infopath/2007/PartnerControls"/>
-    <ds:schemaRef ds:uri="71af3243-3dd4-4a8d-8c0d-dd76da1f02a5"/>
-    <ds:schemaRef ds:uri="http://schemas.microsoft.com/sharepoint/v3"/>
-    <ds:schemaRef ds:uri="230e9df3-be65-4c73-a93b-d1236ebd677e"/>
-  </ds:schemaRefs>
-</ds:datastoreItem>
-</file>
-
-<file path=customXml/itemProps3.xml><?xml version="1.0" encoding="utf-8"?>
-<ds:datastoreItem xmlns:ds="http://schemas.openxmlformats.org/officeDocument/2006/customXml" ds:itemID="{207C1F5B-A1D0-429A-8E7C-3E271353D1E0}">
-  <ds:schemaRefs>
-    <ds:schemaRef ds:uri="http://schemas.microsoft.com/sharepoint/v3/contenttype/forms"/>
-  </ds:schemaRefs>
-</ds:datastoreItem>
-</file>
-
 <file path=docMetadata/LabelInfo.xml><?xml version="1.0" encoding="utf-8"?>
 <clbl:labelList xmlns:clbl="http://schemas.microsoft.com/office/2020/mipLabelMetadata">
   <clbl:label id="{f42aa342-8706-4288-bd11-ebb85995028c}" enabled="1" method="Standard" siteId="{72f988bf-86f1-41af-91ab-2d7cd011db47}" contentBits="0" removed="0"/>

--- a/Project 4.pptx
+++ b/Project 4.pptx
@@ -5,7 +5,7 @@
     <p:sldMasterId id="2147483660" r:id="rId4"/>
   </p:sldMasterIdLst>
   <p:notesMasterIdLst>
-    <p:notesMasterId r:id="rId21"/>
+    <p:notesMasterId r:id="rId23"/>
   </p:notesMasterIdLst>
   <p:sldIdLst>
     <p:sldId id="259" r:id="rId5"/>
@@ -21,9 +21,11 @@
     <p:sldId id="316" r:id="rId15"/>
     <p:sldId id="321" r:id="rId16"/>
     <p:sldId id="325" r:id="rId17"/>
-    <p:sldId id="320" r:id="rId18"/>
-    <p:sldId id="323" r:id="rId19"/>
-    <p:sldId id="322" r:id="rId20"/>
+    <p:sldId id="327" r:id="rId18"/>
+    <p:sldId id="320" r:id="rId19"/>
+    <p:sldId id="323" r:id="rId20"/>
+    <p:sldId id="322" r:id="rId21"/>
+    <p:sldId id="326" r:id="rId22"/>
   </p:sldIdLst>
   <p:sldSz cx="12192000" cy="6858000"/>
   <p:notesSz cx="6858000" cy="9144000"/>
@@ -11719,6 +11721,181 @@
           <p:cNvPr id="2" name="Title 1">
             <a:extLst>
               <a:ext uri="{FF2B5EF4-FFF2-40B4-BE49-F238E27FC236}">
+                <a16:creationId xmlns:a16="http://schemas.microsoft.com/office/drawing/2014/main" id="{B62D9318-CFB8-B801-D1DF-095B647D8EE8}"/>
+              </a:ext>
+            </a:extLst>
+          </p:cNvPr>
+          <p:cNvSpPr>
+            <a:spLocks noGrp="1"/>
+          </p:cNvSpPr>
+          <p:nvPr>
+            <p:ph type="title"/>
+          </p:nvPr>
+        </p:nvSpPr>
+        <p:spPr/>
+        <p:txBody>
+          <a:bodyPr/>
+          <a:lstStyle/>
+          <a:p>
+            <a:pPr algn="ctr"/>
+            <a:r>
+              <a:rPr lang="en-AU" dirty="0"/>
+              <a:t>Model summary</a:t>
+            </a:r>
+          </a:p>
+        </p:txBody>
+      </p:sp>
+      <p:sp>
+        <p:nvSpPr>
+          <p:cNvPr id="4" name="Footer Placeholder 3">
+            <a:extLst>
+              <a:ext uri="{FF2B5EF4-FFF2-40B4-BE49-F238E27FC236}">
+                <a16:creationId xmlns:a16="http://schemas.microsoft.com/office/drawing/2014/main" id="{880D7FDA-D8B7-1359-2EA3-E3A4DA6F86E1}"/>
+              </a:ext>
+            </a:extLst>
+          </p:cNvPr>
+          <p:cNvSpPr>
+            <a:spLocks noGrp="1"/>
+          </p:cNvSpPr>
+          <p:nvPr>
+            <p:ph type="ftr" sz="quarter" idx="11"/>
+          </p:nvPr>
+        </p:nvSpPr>
+        <p:spPr/>
+        <p:txBody>
+          <a:bodyPr/>
+          <a:lstStyle/>
+          <a:p>
+            <a:r>
+              <a:rPr lang="en-US"/>
+              <a:t>Sample Footer Text</a:t>
+            </a:r>
+            <a:endParaRPr lang="en-US" dirty="0"/>
+          </a:p>
+        </p:txBody>
+      </p:sp>
+      <p:sp>
+        <p:nvSpPr>
+          <p:cNvPr id="5" name="Date Placeholder 4">
+            <a:extLst>
+              <a:ext uri="{FF2B5EF4-FFF2-40B4-BE49-F238E27FC236}">
+                <a16:creationId xmlns:a16="http://schemas.microsoft.com/office/drawing/2014/main" id="{42C36C8B-EA29-A58F-DEA6-175827CD7D67}"/>
+              </a:ext>
+            </a:extLst>
+          </p:cNvPr>
+          <p:cNvSpPr>
+            <a:spLocks noGrp="1"/>
+          </p:cNvSpPr>
+          <p:nvPr>
+            <p:ph type="dt" sz="half" idx="10"/>
+          </p:nvPr>
+        </p:nvSpPr>
+        <p:spPr/>
+        <p:txBody>
+          <a:bodyPr/>
+          <a:lstStyle/>
+          <a:p>
+            <a:r>
+              <a:rPr lang="en-US"/>
+              <a:t>2/7/20XX</a:t>
+            </a:r>
+            <a:endParaRPr lang="en-US" dirty="0"/>
+          </a:p>
+        </p:txBody>
+      </p:sp>
+      <p:sp>
+        <p:nvSpPr>
+          <p:cNvPr id="6" name="Slide Number Placeholder 5">
+            <a:extLst>
+              <a:ext uri="{FF2B5EF4-FFF2-40B4-BE49-F238E27FC236}">
+                <a16:creationId xmlns:a16="http://schemas.microsoft.com/office/drawing/2014/main" id="{6E50E228-7F3F-A0A1-8123-407049B44F0B}"/>
+              </a:ext>
+            </a:extLst>
+          </p:cNvPr>
+          <p:cNvSpPr>
+            <a:spLocks noGrp="1"/>
+          </p:cNvSpPr>
+          <p:nvPr>
+            <p:ph type="sldNum" sz="quarter" idx="12"/>
+          </p:nvPr>
+        </p:nvSpPr>
+        <p:spPr/>
+        <p:txBody>
+          <a:bodyPr/>
+          <a:lstStyle/>
+          <a:p>
+            <a:fld id="{312CC964-A50B-4C29-B4E4-2C30BB34CCF3}" type="slidenum">
+              <a:rPr lang="en-US" smtClean="0"/>
+              <a:t>14</a:t>
+            </a:fld>
+            <a:endParaRPr lang="en-US" dirty="0"/>
+          </a:p>
+        </p:txBody>
+      </p:sp>
+      <p:pic>
+        <p:nvPicPr>
+          <p:cNvPr id="12" name="Content Placeholder 11">
+            <a:extLst>
+              <a:ext uri="{FF2B5EF4-FFF2-40B4-BE49-F238E27FC236}">
+                <a16:creationId xmlns:a16="http://schemas.microsoft.com/office/drawing/2014/main" id="{79585ABF-7245-A59A-3FB8-EC0FC7A3B19B}"/>
+              </a:ext>
+            </a:extLst>
+          </p:cNvPr>
+          <p:cNvPicPr>
+            <a:picLocks noGrp="1" noChangeAspect="1"/>
+          </p:cNvPicPr>
+          <p:nvPr>
+            <p:ph idx="1"/>
+          </p:nvPr>
+        </p:nvPicPr>
+        <p:blipFill>
+          <a:blip r:embed="rId2"/>
+          <a:stretch>
+            <a:fillRect/>
+          </a:stretch>
+        </p:blipFill>
+        <p:spPr>
+          <a:xfrm>
+            <a:off x="3310243" y="1673343"/>
+            <a:ext cx="5488700" cy="4791055"/>
+          </a:xfrm>
+        </p:spPr>
+      </p:pic>
+    </p:spTree>
+    <p:extLst>
+      <p:ext uri="{BB962C8B-B14F-4D97-AF65-F5344CB8AC3E}">
+        <p14:creationId xmlns:p14="http://schemas.microsoft.com/office/powerpoint/2010/main" val="1059954525"/>
+      </p:ext>
+    </p:extLst>
+  </p:cSld>
+  <p:clrMapOvr>
+    <a:masterClrMapping/>
+  </p:clrMapOvr>
+</p:sld>
+</file>
+
+<file path=ppt/slides/slide15.xml><?xml version="1.0" encoding="utf-8"?>
+<p:sld xmlns:a="http://schemas.openxmlformats.org/drawingml/2006/main" xmlns:r="http://schemas.openxmlformats.org/officeDocument/2006/relationships" xmlns:p="http://schemas.openxmlformats.org/presentationml/2006/main">
+  <p:cSld>
+    <p:spTree>
+      <p:nvGrpSpPr>
+        <p:cNvPr id="1" name=""/>
+        <p:cNvGrpSpPr/>
+        <p:nvPr/>
+      </p:nvGrpSpPr>
+      <p:grpSpPr>
+        <a:xfrm>
+          <a:off x="0" y="0"/>
+          <a:ext cx="0" cy="0"/>
+          <a:chOff x="0" y="0"/>
+          <a:chExt cx="0" cy="0"/>
+        </a:xfrm>
+      </p:grpSpPr>
+      <p:sp>
+        <p:nvSpPr>
+          <p:cNvPr id="2" name="Title 1">
+            <a:extLst>
+              <a:ext uri="{FF2B5EF4-FFF2-40B4-BE49-F238E27FC236}">
                 <a16:creationId xmlns:a16="http://schemas.microsoft.com/office/drawing/2014/main" id="{2777D005-553D-A1D3-100E-EFB4E94554F0}"/>
               </a:ext>
             </a:extLst>
@@ -11861,7 +12038,7 @@
           <a:p>
             <a:fld id="{312CC964-A50B-4C29-B4E4-2C30BB34CCF3}" type="slidenum">
               <a:rPr lang="en-US" smtClean="0"/>
-              <a:t>14</a:t>
+              <a:t>15</a:t>
             </a:fld>
             <a:endParaRPr lang="en-US" dirty="0"/>
           </a:p>
@@ -12176,187 +12353,6 @@
 </p:sld>
 </file>
 
-<file path=ppt/slides/slide15.xml><?xml version="1.0" encoding="utf-8"?>
-<p:sld xmlns:a="http://schemas.openxmlformats.org/drawingml/2006/main" xmlns:r="http://schemas.openxmlformats.org/officeDocument/2006/relationships" xmlns:p="http://schemas.openxmlformats.org/presentationml/2006/main">
-  <p:cSld>
-    <p:spTree>
-      <p:nvGrpSpPr>
-        <p:cNvPr id="1" name=""/>
-        <p:cNvGrpSpPr/>
-        <p:nvPr/>
-      </p:nvGrpSpPr>
-      <p:grpSpPr>
-        <a:xfrm>
-          <a:off x="0" y="0"/>
-          <a:ext cx="0" cy="0"/>
-          <a:chOff x="0" y="0"/>
-          <a:chExt cx="0" cy="0"/>
-        </a:xfrm>
-      </p:grpSpPr>
-      <p:sp>
-        <p:nvSpPr>
-          <p:cNvPr id="2" name="Title 1">
-            <a:extLst>
-              <a:ext uri="{FF2B5EF4-FFF2-40B4-BE49-F238E27FC236}">
-                <a16:creationId xmlns:a16="http://schemas.microsoft.com/office/drawing/2014/main" id="{8169516C-0AF6-1171-C2E2-2AD3700E90A5}"/>
-              </a:ext>
-            </a:extLst>
-          </p:cNvPr>
-          <p:cNvSpPr>
-            <a:spLocks noGrp="1"/>
-          </p:cNvSpPr>
-          <p:nvPr>
-            <p:ph type="title"/>
-          </p:nvPr>
-        </p:nvSpPr>
-        <p:spPr/>
-        <p:txBody>
-          <a:bodyPr/>
-          <a:lstStyle/>
-          <a:p>
-            <a:r>
-              <a:rPr lang="en-AU" dirty="0"/>
-              <a:t>Regression line of the </a:t>
-            </a:r>
-            <a:r>
-              <a:rPr lang="en-AU" dirty="0" err="1"/>
-              <a:t>keras</a:t>
-            </a:r>
-            <a:r>
-              <a:rPr lang="en-AU" dirty="0"/>
-              <a:t> model</a:t>
-            </a:r>
-          </a:p>
-        </p:txBody>
-      </p:sp>
-      <p:pic>
-        <p:nvPicPr>
-          <p:cNvPr id="8" name="Content Placeholder 7">
-            <a:extLst>
-              <a:ext uri="{FF2B5EF4-FFF2-40B4-BE49-F238E27FC236}">
-                <a16:creationId xmlns:a16="http://schemas.microsoft.com/office/drawing/2014/main" id="{4788A709-6C0D-7463-535A-F18F968C0F11}"/>
-              </a:ext>
-            </a:extLst>
-          </p:cNvPr>
-          <p:cNvPicPr>
-            <a:picLocks noGrp="1" noChangeAspect="1"/>
-          </p:cNvPicPr>
-          <p:nvPr>
-            <p:ph idx="1"/>
-          </p:nvPr>
-        </p:nvPicPr>
-        <p:blipFill rotWithShape="1">
-          <a:blip r:embed="rId2"/>
-          <a:srcRect r="982" b="1749"/>
-          <a:stretch/>
-        </p:blipFill>
-        <p:spPr>
-          <a:xfrm>
-            <a:off x="2403086" y="1915557"/>
-            <a:ext cx="6976934" cy="3821525"/>
-          </a:xfrm>
-        </p:spPr>
-      </p:pic>
-      <p:sp>
-        <p:nvSpPr>
-          <p:cNvPr id="4" name="Footer Placeholder 3">
-            <a:extLst>
-              <a:ext uri="{FF2B5EF4-FFF2-40B4-BE49-F238E27FC236}">
-                <a16:creationId xmlns:a16="http://schemas.microsoft.com/office/drawing/2014/main" id="{06682E04-A750-6B1A-C886-495B3F283736}"/>
-              </a:ext>
-            </a:extLst>
-          </p:cNvPr>
-          <p:cNvSpPr>
-            <a:spLocks noGrp="1"/>
-          </p:cNvSpPr>
-          <p:nvPr>
-            <p:ph type="ftr" sz="quarter" idx="11"/>
-          </p:nvPr>
-        </p:nvSpPr>
-        <p:spPr/>
-        <p:txBody>
-          <a:bodyPr/>
-          <a:lstStyle/>
-          <a:p>
-            <a:r>
-              <a:rPr lang="en-US"/>
-              <a:t>Sample Footer Text</a:t>
-            </a:r>
-            <a:endParaRPr lang="en-US" dirty="0"/>
-          </a:p>
-        </p:txBody>
-      </p:sp>
-      <p:sp>
-        <p:nvSpPr>
-          <p:cNvPr id="5" name="Date Placeholder 4">
-            <a:extLst>
-              <a:ext uri="{FF2B5EF4-FFF2-40B4-BE49-F238E27FC236}">
-                <a16:creationId xmlns:a16="http://schemas.microsoft.com/office/drawing/2014/main" id="{D54838F1-DC30-74B2-31CD-E697DBAE289C}"/>
-              </a:ext>
-            </a:extLst>
-          </p:cNvPr>
-          <p:cNvSpPr>
-            <a:spLocks noGrp="1"/>
-          </p:cNvSpPr>
-          <p:nvPr>
-            <p:ph type="dt" sz="half" idx="10"/>
-          </p:nvPr>
-        </p:nvSpPr>
-        <p:spPr/>
-        <p:txBody>
-          <a:bodyPr/>
-          <a:lstStyle/>
-          <a:p>
-            <a:r>
-              <a:rPr lang="en-US"/>
-              <a:t>2/7/20XX</a:t>
-            </a:r>
-            <a:endParaRPr lang="en-US" dirty="0"/>
-          </a:p>
-        </p:txBody>
-      </p:sp>
-      <p:sp>
-        <p:nvSpPr>
-          <p:cNvPr id="6" name="Slide Number Placeholder 5">
-            <a:extLst>
-              <a:ext uri="{FF2B5EF4-FFF2-40B4-BE49-F238E27FC236}">
-                <a16:creationId xmlns:a16="http://schemas.microsoft.com/office/drawing/2014/main" id="{93DC3B74-07E4-3153-4651-7808D41D8525}"/>
-              </a:ext>
-            </a:extLst>
-          </p:cNvPr>
-          <p:cNvSpPr>
-            <a:spLocks noGrp="1"/>
-          </p:cNvSpPr>
-          <p:nvPr>
-            <p:ph type="sldNum" sz="quarter" idx="12"/>
-          </p:nvPr>
-        </p:nvSpPr>
-        <p:spPr/>
-        <p:txBody>
-          <a:bodyPr/>
-          <a:lstStyle/>
-          <a:p>
-            <a:fld id="{312CC964-A50B-4C29-B4E4-2C30BB34CCF3}" type="slidenum">
-              <a:rPr lang="en-US" smtClean="0"/>
-              <a:t>15</a:t>
-            </a:fld>
-            <a:endParaRPr lang="en-US" dirty="0"/>
-          </a:p>
-        </p:txBody>
-      </p:sp>
-    </p:spTree>
-    <p:extLst>
-      <p:ext uri="{BB962C8B-B14F-4D97-AF65-F5344CB8AC3E}">
-        <p14:creationId xmlns:p14="http://schemas.microsoft.com/office/powerpoint/2010/main" val="1207464153"/>
-      </p:ext>
-    </p:extLst>
-  </p:cSld>
-  <p:clrMapOvr>
-    <a:masterClrMapping/>
-  </p:clrMapOvr>
-</p:sld>
-</file>
-
 <file path=ppt/slides/slide16.xml><?xml version="1.0" encoding="utf-8"?>
 <p:sld xmlns:a="http://schemas.openxmlformats.org/drawingml/2006/main" xmlns:r="http://schemas.openxmlformats.org/officeDocument/2006/relationships" xmlns:p="http://schemas.openxmlformats.org/presentationml/2006/main">
   <p:cSld>
@@ -12379,7 +12375,7 @@
           <p:cNvPr id="2" name="Title 1">
             <a:extLst>
               <a:ext uri="{FF2B5EF4-FFF2-40B4-BE49-F238E27FC236}">
-                <a16:creationId xmlns:a16="http://schemas.microsoft.com/office/drawing/2014/main" id="{F177F827-FC34-F934-9E23-65DFBAD119F9}"/>
+                <a16:creationId xmlns:a16="http://schemas.microsoft.com/office/drawing/2014/main" id="{8169516C-0AF6-1171-C2E2-2AD3700E90A5}"/>
               </a:ext>
             </a:extLst>
           </p:cNvPr>
@@ -12395,28 +12391,63 @@
           <a:bodyPr/>
           <a:lstStyle/>
           <a:p>
-            <a:pPr algn="ctr"/>
             <a:r>
               <a:rPr lang="en-AU" dirty="0"/>
-              <a:t>Comparison of actual data vs predicted data</a:t>
-            </a:r>
-          </a:p>
-        </p:txBody>
-      </p:sp>
-      <p:sp>
-        <p:nvSpPr>
-          <p:cNvPr id="5" name="Date Placeholder 4">
-            <a:extLst>
-              <a:ext uri="{FF2B5EF4-FFF2-40B4-BE49-F238E27FC236}">
-                <a16:creationId xmlns:a16="http://schemas.microsoft.com/office/drawing/2014/main" id="{D4CC44BB-8CA2-6F26-C8ED-CC33B0252769}"/>
-              </a:ext>
-            </a:extLst>
-          </p:cNvPr>
-          <p:cNvSpPr>
-            <a:spLocks noGrp="1"/>
-          </p:cNvSpPr>
-          <p:nvPr>
-            <p:ph type="dt" sz="half" idx="10"/>
+              <a:t>Regression line of the </a:t>
+            </a:r>
+            <a:r>
+              <a:rPr lang="en-AU" dirty="0" err="1"/>
+              <a:t>keras</a:t>
+            </a:r>
+            <a:r>
+              <a:rPr lang="en-AU" dirty="0"/>
+              <a:t> model</a:t>
+            </a:r>
+          </a:p>
+        </p:txBody>
+      </p:sp>
+      <p:pic>
+        <p:nvPicPr>
+          <p:cNvPr id="8" name="Content Placeholder 7">
+            <a:extLst>
+              <a:ext uri="{FF2B5EF4-FFF2-40B4-BE49-F238E27FC236}">
+                <a16:creationId xmlns:a16="http://schemas.microsoft.com/office/drawing/2014/main" id="{4788A709-6C0D-7463-535A-F18F968C0F11}"/>
+              </a:ext>
+            </a:extLst>
+          </p:cNvPr>
+          <p:cNvPicPr>
+            <a:picLocks noGrp="1" noChangeAspect="1"/>
+          </p:cNvPicPr>
+          <p:nvPr>
+            <p:ph idx="1"/>
+          </p:nvPr>
+        </p:nvPicPr>
+        <p:blipFill rotWithShape="1">
+          <a:blip r:embed="rId2"/>
+          <a:srcRect r="982" b="1749"/>
+          <a:stretch/>
+        </p:blipFill>
+        <p:spPr>
+          <a:xfrm>
+            <a:off x="2403086" y="1915557"/>
+            <a:ext cx="6976934" cy="3821525"/>
+          </a:xfrm>
+        </p:spPr>
+      </p:pic>
+      <p:sp>
+        <p:nvSpPr>
+          <p:cNvPr id="4" name="Footer Placeholder 3">
+            <a:extLst>
+              <a:ext uri="{FF2B5EF4-FFF2-40B4-BE49-F238E27FC236}">
+                <a16:creationId xmlns:a16="http://schemas.microsoft.com/office/drawing/2014/main" id="{06682E04-A750-6B1A-C886-495B3F283736}"/>
+              </a:ext>
+            </a:extLst>
+          </p:cNvPr>
+          <p:cNvSpPr>
+            <a:spLocks noGrp="1"/>
+          </p:cNvSpPr>
+          <p:nvPr>
+            <p:ph type="ftr" sz="quarter" idx="11"/>
           </p:nvPr>
         </p:nvSpPr>
         <p:spPr/>
@@ -12426,6 +12457,35 @@
           <a:p>
             <a:r>
               <a:rPr lang="en-US"/>
+              <a:t>Sample Footer Text</a:t>
+            </a:r>
+            <a:endParaRPr lang="en-US" dirty="0"/>
+          </a:p>
+        </p:txBody>
+      </p:sp>
+      <p:sp>
+        <p:nvSpPr>
+          <p:cNvPr id="5" name="Date Placeholder 4">
+            <a:extLst>
+              <a:ext uri="{FF2B5EF4-FFF2-40B4-BE49-F238E27FC236}">
+                <a16:creationId xmlns:a16="http://schemas.microsoft.com/office/drawing/2014/main" id="{D54838F1-DC30-74B2-31CD-E697DBAE289C}"/>
+              </a:ext>
+            </a:extLst>
+          </p:cNvPr>
+          <p:cNvSpPr>
+            <a:spLocks noGrp="1"/>
+          </p:cNvSpPr>
+          <p:nvPr>
+            <p:ph type="dt" sz="half" idx="10"/>
+          </p:nvPr>
+        </p:nvSpPr>
+        <p:spPr/>
+        <p:txBody>
+          <a:bodyPr/>
+          <a:lstStyle/>
+          <a:p>
+            <a:r>
+              <a:rPr lang="en-US"/>
               <a:t>2/7/20XX</a:t>
             </a:r>
             <a:endParaRPr lang="en-US" dirty="0"/>
@@ -12437,7 +12497,7 @@
           <p:cNvPr id="6" name="Slide Number Placeholder 5">
             <a:extLst>
               <a:ext uri="{FF2B5EF4-FFF2-40B4-BE49-F238E27FC236}">
-                <a16:creationId xmlns:a16="http://schemas.microsoft.com/office/drawing/2014/main" id="{2FA9EB30-525D-6F09-233E-A803FB440FB0}"/>
+                <a16:creationId xmlns:a16="http://schemas.microsoft.com/office/drawing/2014/main" id="{93DC3B74-07E4-3153-4651-7808D41D8525}"/>
               </a:ext>
             </a:extLst>
           </p:cNvPr>
@@ -12456,6 +12516,123 @@
             <a:fld id="{312CC964-A50B-4C29-B4E4-2C30BB34CCF3}" type="slidenum">
               <a:rPr lang="en-US" smtClean="0"/>
               <a:t>16</a:t>
+            </a:fld>
+            <a:endParaRPr lang="en-US" dirty="0"/>
+          </a:p>
+        </p:txBody>
+      </p:sp>
+    </p:spTree>
+    <p:extLst>
+      <p:ext uri="{BB962C8B-B14F-4D97-AF65-F5344CB8AC3E}">
+        <p14:creationId xmlns:p14="http://schemas.microsoft.com/office/powerpoint/2010/main" val="1207464153"/>
+      </p:ext>
+    </p:extLst>
+  </p:cSld>
+  <p:clrMapOvr>
+    <a:masterClrMapping/>
+  </p:clrMapOvr>
+</p:sld>
+</file>
+
+<file path=ppt/slides/slide17.xml><?xml version="1.0" encoding="utf-8"?>
+<p:sld xmlns:a="http://schemas.openxmlformats.org/drawingml/2006/main" xmlns:r="http://schemas.openxmlformats.org/officeDocument/2006/relationships" xmlns:p="http://schemas.openxmlformats.org/presentationml/2006/main">
+  <p:cSld>
+    <p:spTree>
+      <p:nvGrpSpPr>
+        <p:cNvPr id="1" name=""/>
+        <p:cNvGrpSpPr/>
+        <p:nvPr/>
+      </p:nvGrpSpPr>
+      <p:grpSpPr>
+        <a:xfrm>
+          <a:off x="0" y="0"/>
+          <a:ext cx="0" cy="0"/>
+          <a:chOff x="0" y="0"/>
+          <a:chExt cx="0" cy="0"/>
+        </a:xfrm>
+      </p:grpSpPr>
+      <p:sp>
+        <p:nvSpPr>
+          <p:cNvPr id="2" name="Title 1">
+            <a:extLst>
+              <a:ext uri="{FF2B5EF4-FFF2-40B4-BE49-F238E27FC236}">
+                <a16:creationId xmlns:a16="http://schemas.microsoft.com/office/drawing/2014/main" id="{F177F827-FC34-F934-9E23-65DFBAD119F9}"/>
+              </a:ext>
+            </a:extLst>
+          </p:cNvPr>
+          <p:cNvSpPr>
+            <a:spLocks noGrp="1"/>
+          </p:cNvSpPr>
+          <p:nvPr>
+            <p:ph type="title"/>
+          </p:nvPr>
+        </p:nvSpPr>
+        <p:spPr/>
+        <p:txBody>
+          <a:bodyPr/>
+          <a:lstStyle/>
+          <a:p>
+            <a:pPr algn="ctr"/>
+            <a:r>
+              <a:rPr lang="en-AU" dirty="0"/>
+              <a:t>Comparison of actual data vs predicted data</a:t>
+            </a:r>
+          </a:p>
+        </p:txBody>
+      </p:sp>
+      <p:sp>
+        <p:nvSpPr>
+          <p:cNvPr id="5" name="Date Placeholder 4">
+            <a:extLst>
+              <a:ext uri="{FF2B5EF4-FFF2-40B4-BE49-F238E27FC236}">
+                <a16:creationId xmlns:a16="http://schemas.microsoft.com/office/drawing/2014/main" id="{D4CC44BB-8CA2-6F26-C8ED-CC33B0252769}"/>
+              </a:ext>
+            </a:extLst>
+          </p:cNvPr>
+          <p:cNvSpPr>
+            <a:spLocks noGrp="1"/>
+          </p:cNvSpPr>
+          <p:nvPr>
+            <p:ph type="dt" sz="half" idx="10"/>
+          </p:nvPr>
+        </p:nvSpPr>
+        <p:spPr/>
+        <p:txBody>
+          <a:bodyPr/>
+          <a:lstStyle/>
+          <a:p>
+            <a:r>
+              <a:rPr lang="en-US"/>
+              <a:t>2/7/20XX</a:t>
+            </a:r>
+            <a:endParaRPr lang="en-US" dirty="0"/>
+          </a:p>
+        </p:txBody>
+      </p:sp>
+      <p:sp>
+        <p:nvSpPr>
+          <p:cNvPr id="6" name="Slide Number Placeholder 5">
+            <a:extLst>
+              <a:ext uri="{FF2B5EF4-FFF2-40B4-BE49-F238E27FC236}">
+                <a16:creationId xmlns:a16="http://schemas.microsoft.com/office/drawing/2014/main" id="{2FA9EB30-525D-6F09-233E-A803FB440FB0}"/>
+              </a:ext>
+            </a:extLst>
+          </p:cNvPr>
+          <p:cNvSpPr>
+            <a:spLocks noGrp="1"/>
+          </p:cNvSpPr>
+          <p:nvPr>
+            <p:ph type="sldNum" sz="quarter" idx="12"/>
+          </p:nvPr>
+        </p:nvSpPr>
+        <p:spPr/>
+        <p:txBody>
+          <a:bodyPr/>
+          <a:lstStyle/>
+          <a:p>
+            <a:fld id="{312CC964-A50B-4C29-B4E4-2C30BB34CCF3}" type="slidenum">
+              <a:rPr lang="en-US" smtClean="0"/>
+              <a:t>17</a:t>
             </a:fld>
             <a:endParaRPr lang="en-US" dirty="0"/>
           </a:p>
@@ -13708,6 +13885,233 @@
 </p:sld>
 </file>
 
+<file path=ppt/slides/slide18.xml><?xml version="1.0" encoding="utf-8"?>
+<p:sld xmlns:a="http://schemas.openxmlformats.org/drawingml/2006/main" xmlns:r="http://schemas.openxmlformats.org/officeDocument/2006/relationships" xmlns:p="http://schemas.openxmlformats.org/presentationml/2006/main">
+  <p:cSld>
+    <p:spTree>
+      <p:nvGrpSpPr>
+        <p:cNvPr id="1" name=""/>
+        <p:cNvGrpSpPr/>
+        <p:nvPr/>
+      </p:nvGrpSpPr>
+      <p:grpSpPr>
+        <a:xfrm>
+          <a:off x="0" y="0"/>
+          <a:ext cx="0" cy="0"/>
+          <a:chOff x="0" y="0"/>
+          <a:chExt cx="0" cy="0"/>
+        </a:xfrm>
+      </p:grpSpPr>
+      <p:sp>
+        <p:nvSpPr>
+          <p:cNvPr id="2" name="Title 1">
+            <a:extLst>
+              <a:ext uri="{FF2B5EF4-FFF2-40B4-BE49-F238E27FC236}">
+                <a16:creationId xmlns:a16="http://schemas.microsoft.com/office/drawing/2014/main" id="{F1393371-CB9F-653F-F5E6-BA885F3642DD}"/>
+              </a:ext>
+            </a:extLst>
+          </p:cNvPr>
+          <p:cNvSpPr>
+            <a:spLocks noGrp="1"/>
+          </p:cNvSpPr>
+          <p:nvPr>
+            <p:ph type="title"/>
+          </p:nvPr>
+        </p:nvSpPr>
+        <p:spPr/>
+        <p:txBody>
+          <a:bodyPr/>
+          <a:lstStyle/>
+          <a:p>
+            <a:r>
+              <a:rPr lang="en-AU" dirty="0"/>
+              <a:t>Limitations</a:t>
+            </a:r>
+          </a:p>
+        </p:txBody>
+      </p:sp>
+      <p:sp>
+        <p:nvSpPr>
+          <p:cNvPr id="3" name="Content Placeholder 2">
+            <a:extLst>
+              <a:ext uri="{FF2B5EF4-FFF2-40B4-BE49-F238E27FC236}">
+                <a16:creationId xmlns:a16="http://schemas.microsoft.com/office/drawing/2014/main" id="{959E913C-1EB4-5648-1A15-5FEB57555804}"/>
+              </a:ext>
+            </a:extLst>
+          </p:cNvPr>
+          <p:cNvSpPr>
+            <a:spLocks noGrp="1"/>
+          </p:cNvSpPr>
+          <p:nvPr>
+            <p:ph idx="1"/>
+          </p:nvPr>
+        </p:nvSpPr>
+        <p:spPr/>
+        <p:txBody>
+          <a:bodyPr/>
+          <a:lstStyle/>
+          <a:p>
+            <a:pPr marL="342900" indent="-342900">
+              <a:buFont typeface="Arial" panose="020B0604020202020204" pitchFamily="34" charset="0"/>
+              <a:buChar char="•"/>
+            </a:pPr>
+            <a:r>
+              <a:rPr lang="en-AU" dirty="0"/>
+              <a:t>Bigger dataset with more parameters would be ideal</a:t>
+            </a:r>
+          </a:p>
+          <a:p>
+            <a:pPr marL="800100" lvl="1" indent="-342900">
+              <a:buFont typeface="Arial" panose="020B0604020202020204" pitchFamily="34" charset="0"/>
+              <a:buChar char="•"/>
+            </a:pPr>
+            <a:r>
+              <a:rPr lang="en-AU" dirty="0"/>
+              <a:t>Size of the house (sqm)</a:t>
+            </a:r>
+          </a:p>
+          <a:p>
+            <a:pPr marL="800100" lvl="1" indent="-342900">
+              <a:buFont typeface="Arial" panose="020B0604020202020204" pitchFamily="34" charset="0"/>
+              <a:buChar char="•"/>
+            </a:pPr>
+            <a:r>
+              <a:rPr lang="en-AU" dirty="0"/>
+              <a:t>No of floors</a:t>
+            </a:r>
+          </a:p>
+          <a:p>
+            <a:pPr marL="800100" lvl="1" indent="-342900">
+              <a:buFont typeface="Arial" panose="020B0604020202020204" pitchFamily="34" charset="0"/>
+              <a:buChar char="•"/>
+            </a:pPr>
+            <a:r>
+              <a:rPr lang="en-AU" dirty="0"/>
+              <a:t>No of bathrooms</a:t>
+            </a:r>
+          </a:p>
+          <a:p>
+            <a:pPr marL="800100" lvl="1" indent="-342900">
+              <a:buFont typeface="Arial" panose="020B0604020202020204" pitchFamily="34" charset="0"/>
+              <a:buChar char="•"/>
+            </a:pPr>
+            <a:r>
+              <a:rPr lang="en-AU" dirty="0"/>
+              <a:t>Condition</a:t>
+            </a:r>
+          </a:p>
+          <a:p>
+            <a:pPr marL="800100" lvl="1" indent="-342900">
+              <a:buFont typeface="Arial" panose="020B0604020202020204" pitchFamily="34" charset="0"/>
+              <a:buChar char="•"/>
+            </a:pPr>
+            <a:r>
+              <a:rPr lang="en-AU" dirty="0"/>
+              <a:t>Year built</a:t>
+            </a:r>
+          </a:p>
+        </p:txBody>
+      </p:sp>
+      <p:sp>
+        <p:nvSpPr>
+          <p:cNvPr id="4" name="Footer Placeholder 3">
+            <a:extLst>
+              <a:ext uri="{FF2B5EF4-FFF2-40B4-BE49-F238E27FC236}">
+                <a16:creationId xmlns:a16="http://schemas.microsoft.com/office/drawing/2014/main" id="{43C9CF90-2841-3956-5CD4-7E9202F89B8B}"/>
+              </a:ext>
+            </a:extLst>
+          </p:cNvPr>
+          <p:cNvSpPr>
+            <a:spLocks noGrp="1"/>
+          </p:cNvSpPr>
+          <p:nvPr>
+            <p:ph type="ftr" sz="quarter" idx="11"/>
+          </p:nvPr>
+        </p:nvSpPr>
+        <p:spPr/>
+        <p:txBody>
+          <a:bodyPr/>
+          <a:lstStyle/>
+          <a:p>
+            <a:r>
+              <a:rPr lang="en-US"/>
+              <a:t>Sample Footer Text</a:t>
+            </a:r>
+            <a:endParaRPr lang="en-US" dirty="0"/>
+          </a:p>
+        </p:txBody>
+      </p:sp>
+      <p:sp>
+        <p:nvSpPr>
+          <p:cNvPr id="5" name="Date Placeholder 4">
+            <a:extLst>
+              <a:ext uri="{FF2B5EF4-FFF2-40B4-BE49-F238E27FC236}">
+                <a16:creationId xmlns:a16="http://schemas.microsoft.com/office/drawing/2014/main" id="{AEAB05B9-82C6-DD26-1057-9998AF9065D6}"/>
+              </a:ext>
+            </a:extLst>
+          </p:cNvPr>
+          <p:cNvSpPr>
+            <a:spLocks noGrp="1"/>
+          </p:cNvSpPr>
+          <p:nvPr>
+            <p:ph type="dt" sz="half" idx="10"/>
+          </p:nvPr>
+        </p:nvSpPr>
+        <p:spPr/>
+        <p:txBody>
+          <a:bodyPr/>
+          <a:lstStyle/>
+          <a:p>
+            <a:r>
+              <a:rPr lang="en-US"/>
+              <a:t>2/7/20XX</a:t>
+            </a:r>
+            <a:endParaRPr lang="en-US" dirty="0"/>
+          </a:p>
+        </p:txBody>
+      </p:sp>
+      <p:sp>
+        <p:nvSpPr>
+          <p:cNvPr id="6" name="Slide Number Placeholder 5">
+            <a:extLst>
+              <a:ext uri="{FF2B5EF4-FFF2-40B4-BE49-F238E27FC236}">
+                <a16:creationId xmlns:a16="http://schemas.microsoft.com/office/drawing/2014/main" id="{2B58024C-D352-2837-44AA-F5102E0713E2}"/>
+              </a:ext>
+            </a:extLst>
+          </p:cNvPr>
+          <p:cNvSpPr>
+            <a:spLocks noGrp="1"/>
+          </p:cNvSpPr>
+          <p:nvPr>
+            <p:ph type="sldNum" sz="quarter" idx="12"/>
+          </p:nvPr>
+        </p:nvSpPr>
+        <p:spPr/>
+        <p:txBody>
+          <a:bodyPr/>
+          <a:lstStyle/>
+          <a:p>
+            <a:fld id="{312CC964-A50B-4C29-B4E4-2C30BB34CCF3}" type="slidenum">
+              <a:rPr lang="en-US" smtClean="0"/>
+              <a:t>18</a:t>
+            </a:fld>
+            <a:endParaRPr lang="en-US" dirty="0"/>
+          </a:p>
+        </p:txBody>
+      </p:sp>
+    </p:spTree>
+    <p:extLst>
+      <p:ext uri="{BB962C8B-B14F-4D97-AF65-F5344CB8AC3E}">
+        <p14:creationId xmlns:p14="http://schemas.microsoft.com/office/powerpoint/2010/main" val="2122370681"/>
+      </p:ext>
+    </p:extLst>
+  </p:cSld>
+  <p:clrMapOvr>
+    <a:masterClrMapping/>
+  </p:clrMapOvr>
+</p:sld>
+</file>
+
 <file path=ppt/slides/slide2.xml><?xml version="1.0" encoding="utf-8"?>
 <p:sld xmlns:a="http://schemas.openxmlformats.org/drawingml/2006/main" xmlns:r="http://schemas.openxmlformats.org/officeDocument/2006/relationships" xmlns:p="http://schemas.openxmlformats.org/presentationml/2006/main">
   <p:cSld>
@@ -18149,34 +18553,6 @@
 </file>
 
 <file path=customXml/item1.xml><?xml version="1.0" encoding="utf-8"?>
-<?mso-contentType ?>
-<FormTemplates xmlns="http://schemas.microsoft.com/sharepoint/v3/contenttype/forms">
-  <Display>DocumentLibraryForm</Display>
-  <Edit>DocumentLibraryForm</Edit>
-  <New>DocumentLibraryForm</New>
-</FormTemplates>
-</file>
-
-<file path=customXml/item2.xml><?xml version="1.0" encoding="utf-8"?>
-<p:properties xmlns:p="http://schemas.microsoft.com/office/2006/metadata/properties" xmlns:xsi="http://www.w3.org/2001/XMLSchema-instance" xmlns:pc="http://schemas.microsoft.com/office/infopath/2007/PartnerControls">
-  <documentManagement>
-    <Status xmlns="71af3243-3dd4-4a8d-8c0d-dd76da1f02a5">Not started</Status>
-    <_ip_UnifiedCompliancePolicyUIAction xmlns="http://schemas.microsoft.com/sharepoint/v3" xsi:nil="true"/>
-    <Image xmlns="71af3243-3dd4-4a8d-8c0d-dd76da1f02a5">
-      <Url xsi:nil="true"/>
-      <Description xsi:nil="true"/>
-    </Image>
-    <_ip_UnifiedCompliancePolicyProperties xmlns="http://schemas.microsoft.com/sharepoint/v3" xsi:nil="true"/>
-    <lcf76f155ced4ddcb4097134ff3c332f xmlns="71af3243-3dd4-4a8d-8c0d-dd76da1f02a5">
-      <Terms xmlns="http://schemas.microsoft.com/office/infopath/2007/PartnerControls"/>
-    </lcf76f155ced4ddcb4097134ff3c332f>
-    <TaxCatchAll xmlns="230e9df3-be65-4c73-a93b-d1236ebd677e"/>
-    <MediaServiceKeyPoints xmlns="71af3243-3dd4-4a8d-8c0d-dd76da1f02a5" xsi:nil="true"/>
-  </documentManagement>
-</p:properties>
-</file>
-
-<file path=customXml/item3.xml><?xml version="1.0" encoding="utf-8"?>
 <ct:contentTypeSchema xmlns:ct="http://schemas.microsoft.com/office/2006/metadata/contentType" xmlns:ma="http://schemas.microsoft.com/office/2006/metadata/properties/metaAttributes" ct:_="" ma:_="" ma:contentTypeName="Document" ma:contentTypeID="0x01010079F111ED35F8CC479449609E8A0923A6" ma:contentTypeVersion="18" ma:contentTypeDescription="Create a new document." ma:contentTypeScope="" ma:versionID="22a266b9fa9a230c5a512669d8b298c3">
   <xsd:schema xmlns:xsd="http://www.w3.org/2001/XMLSchema" xmlns:xs="http://www.w3.org/2001/XMLSchema" xmlns:p="http://schemas.microsoft.com/office/2006/metadata/properties" xmlns:ns1="http://schemas.microsoft.com/sharepoint/v3" xmlns:ns2="71af3243-3dd4-4a8d-8c0d-dd76da1f02a5" xmlns:ns3="16c05727-aa75-4e4a-9b5f-8a80a1165891" xmlns:ns4="230e9df3-be65-4c73-a93b-d1236ebd677e" targetNamespace="http://schemas.microsoft.com/office/2006/metadata/properties" ma:root="true" ma:fieldsID="eddc33fff6b14141ee5c74a0d29ea6a1" ns1:_="" ns2:_="" ns3:_="" ns4:_="">
     <xsd:import namespace="http://schemas.microsoft.com/sharepoint/v3"/>
@@ -18452,27 +18828,35 @@
 </ct:contentTypeSchema>
 </file>
 
-<file path=customXml/itemProps1.xml><?xml version="1.0" encoding="utf-8"?>
-<ds:datastoreItem xmlns:ds="http://schemas.openxmlformats.org/officeDocument/2006/customXml" ds:itemID="{207C1F5B-A1D0-429A-8E7C-3E271353D1E0}">
-  <ds:schemaRefs>
-    <ds:schemaRef ds:uri="http://schemas.microsoft.com/sharepoint/v3/contenttype/forms"/>
-  </ds:schemaRefs>
-</ds:datastoreItem>
+<file path=customXml/item2.xml><?xml version="1.0" encoding="utf-8"?>
+<p:properties xmlns:p="http://schemas.microsoft.com/office/2006/metadata/properties" xmlns:xsi="http://www.w3.org/2001/XMLSchema-instance" xmlns:pc="http://schemas.microsoft.com/office/infopath/2007/PartnerControls">
+  <documentManagement>
+    <Status xmlns="71af3243-3dd4-4a8d-8c0d-dd76da1f02a5">Not started</Status>
+    <_ip_UnifiedCompliancePolicyUIAction xmlns="http://schemas.microsoft.com/sharepoint/v3" xsi:nil="true"/>
+    <Image xmlns="71af3243-3dd4-4a8d-8c0d-dd76da1f02a5">
+      <Url xsi:nil="true"/>
+      <Description xsi:nil="true"/>
+    </Image>
+    <_ip_UnifiedCompliancePolicyProperties xmlns="http://schemas.microsoft.com/sharepoint/v3" xsi:nil="true"/>
+    <lcf76f155ced4ddcb4097134ff3c332f xmlns="71af3243-3dd4-4a8d-8c0d-dd76da1f02a5">
+      <Terms xmlns="http://schemas.microsoft.com/office/infopath/2007/PartnerControls"/>
+    </lcf76f155ced4ddcb4097134ff3c332f>
+    <TaxCatchAll xmlns="230e9df3-be65-4c73-a93b-d1236ebd677e"/>
+    <MediaServiceKeyPoints xmlns="71af3243-3dd4-4a8d-8c0d-dd76da1f02a5" xsi:nil="true"/>
+  </documentManagement>
+</p:properties>
 </file>
 
-<file path=customXml/itemProps2.xml><?xml version="1.0" encoding="utf-8"?>
-<ds:datastoreItem xmlns:ds="http://schemas.openxmlformats.org/officeDocument/2006/customXml" ds:itemID="{B15CABE4-909F-4611-A0E1-6E45080B3C9E}">
-  <ds:schemaRefs>
-    <ds:schemaRef ds:uri="http://schemas.microsoft.com/office/2006/metadata/properties"/>
-    <ds:schemaRef ds:uri="http://schemas.microsoft.com/office/infopath/2007/PartnerControls"/>
-    <ds:schemaRef ds:uri="71af3243-3dd4-4a8d-8c0d-dd76da1f02a5"/>
-    <ds:schemaRef ds:uri="http://schemas.microsoft.com/sharepoint/v3"/>
-    <ds:schemaRef ds:uri="230e9df3-be65-4c73-a93b-d1236ebd677e"/>
-  </ds:schemaRefs>
-</ds:datastoreItem>
+<file path=customXml/item3.xml><?xml version="1.0" encoding="utf-8"?>
+<?mso-contentType ?>
+<FormTemplates xmlns="http://schemas.microsoft.com/sharepoint/v3/contenttype/forms">
+  <Display>DocumentLibraryForm</Display>
+  <Edit>DocumentLibraryForm</Edit>
+  <New>DocumentLibraryForm</New>
+</FormTemplates>
 </file>
 
-<file path=customXml/itemProps3.xml><?xml version="1.0" encoding="utf-8"?>
+<file path=customXml/itemProps1.xml><?xml version="1.0" encoding="utf-8"?>
 <ds:datastoreItem xmlns:ds="http://schemas.openxmlformats.org/officeDocument/2006/customXml" ds:itemID="{AA1E8BDE-7A03-4563-82F6-53B214F89568}">
   <ds:schemaRefs>
     <ds:schemaRef ds:uri="http://schemas.microsoft.com/office/2006/metadata/contentType"/>
@@ -18493,6 +18877,26 @@
 </ds:datastoreItem>
 </file>
 
+<file path=customXml/itemProps2.xml><?xml version="1.0" encoding="utf-8"?>
+<ds:datastoreItem xmlns:ds="http://schemas.openxmlformats.org/officeDocument/2006/customXml" ds:itemID="{B15CABE4-909F-4611-A0E1-6E45080B3C9E}">
+  <ds:schemaRefs>
+    <ds:schemaRef ds:uri="http://schemas.microsoft.com/office/2006/metadata/properties"/>
+    <ds:schemaRef ds:uri="http://schemas.microsoft.com/office/infopath/2007/PartnerControls"/>
+    <ds:schemaRef ds:uri="71af3243-3dd4-4a8d-8c0d-dd76da1f02a5"/>
+    <ds:schemaRef ds:uri="http://schemas.microsoft.com/sharepoint/v3"/>
+    <ds:schemaRef ds:uri="230e9df3-be65-4c73-a93b-d1236ebd677e"/>
+  </ds:schemaRefs>
+</ds:datastoreItem>
+</file>
+
+<file path=customXml/itemProps3.xml><?xml version="1.0" encoding="utf-8"?>
+<ds:datastoreItem xmlns:ds="http://schemas.openxmlformats.org/officeDocument/2006/customXml" ds:itemID="{207C1F5B-A1D0-429A-8E7C-3E271353D1E0}">
+  <ds:schemaRefs>
+    <ds:schemaRef ds:uri="http://schemas.microsoft.com/sharepoint/v3/contenttype/forms"/>
+  </ds:schemaRefs>
+</ds:datastoreItem>
+</file>
+
 <file path=docMetadata/LabelInfo.xml><?xml version="1.0" encoding="utf-8"?>
 <clbl:labelList xmlns:clbl="http://schemas.microsoft.com/office/2020/mipLabelMetadata">
   <clbl:label id="{f42aa342-8706-4288-bd11-ebb85995028c}" enabled="1" method="Standard" siteId="{72f988bf-86f1-41af-91ab-2d7cd011db47}" contentBits="0" removed="0"/>

--- a/Project 4.pptx
+++ b/Project 4.pptx
@@ -11599,93 +11599,6 @@
           </a:p>
         </p:txBody>
       </p:sp>
-      <p:sp>
-        <p:nvSpPr>
-          <p:cNvPr id="4" name="Footer Placeholder 3">
-            <a:extLst>
-              <a:ext uri="{FF2B5EF4-FFF2-40B4-BE49-F238E27FC236}">
-                <a16:creationId xmlns:a16="http://schemas.microsoft.com/office/drawing/2014/main" id="{CAE3AC15-911B-5138-2958-479FA2734113}"/>
-              </a:ext>
-            </a:extLst>
-          </p:cNvPr>
-          <p:cNvSpPr>
-            <a:spLocks noGrp="1"/>
-          </p:cNvSpPr>
-          <p:nvPr>
-            <p:ph type="ftr" sz="quarter" idx="11"/>
-          </p:nvPr>
-        </p:nvSpPr>
-        <p:spPr/>
-        <p:txBody>
-          <a:bodyPr/>
-          <a:lstStyle/>
-          <a:p>
-            <a:r>
-              <a:rPr lang="en-US"/>
-              <a:t>Sample Footer Text</a:t>
-            </a:r>
-            <a:endParaRPr lang="en-US" dirty="0"/>
-          </a:p>
-        </p:txBody>
-      </p:sp>
-      <p:sp>
-        <p:nvSpPr>
-          <p:cNvPr id="5" name="Date Placeholder 4">
-            <a:extLst>
-              <a:ext uri="{FF2B5EF4-FFF2-40B4-BE49-F238E27FC236}">
-                <a16:creationId xmlns:a16="http://schemas.microsoft.com/office/drawing/2014/main" id="{86EFD0CA-E38D-2C66-7FB2-9281C980F2B2}"/>
-              </a:ext>
-            </a:extLst>
-          </p:cNvPr>
-          <p:cNvSpPr>
-            <a:spLocks noGrp="1"/>
-          </p:cNvSpPr>
-          <p:nvPr>
-            <p:ph type="dt" sz="half" idx="10"/>
-          </p:nvPr>
-        </p:nvSpPr>
-        <p:spPr/>
-        <p:txBody>
-          <a:bodyPr/>
-          <a:lstStyle/>
-          <a:p>
-            <a:r>
-              <a:rPr lang="en-US"/>
-              <a:t>2/7/20XX</a:t>
-            </a:r>
-            <a:endParaRPr lang="en-US" dirty="0"/>
-          </a:p>
-        </p:txBody>
-      </p:sp>
-      <p:sp>
-        <p:nvSpPr>
-          <p:cNvPr id="6" name="Slide Number Placeholder 5">
-            <a:extLst>
-              <a:ext uri="{FF2B5EF4-FFF2-40B4-BE49-F238E27FC236}">
-                <a16:creationId xmlns:a16="http://schemas.microsoft.com/office/drawing/2014/main" id="{7CF65E9C-E219-EA7C-94BA-A3AF7A597A27}"/>
-              </a:ext>
-            </a:extLst>
-          </p:cNvPr>
-          <p:cNvSpPr>
-            <a:spLocks noGrp="1"/>
-          </p:cNvSpPr>
-          <p:nvPr>
-            <p:ph type="sldNum" sz="quarter" idx="12"/>
-          </p:nvPr>
-        </p:nvSpPr>
-        <p:spPr/>
-        <p:txBody>
-          <a:bodyPr/>
-          <a:lstStyle/>
-          <a:p>
-            <a:fld id="{312CC964-A50B-4C29-B4E4-2C30BB34CCF3}" type="slidenum">
-              <a:rPr lang="en-US" smtClean="0"/>
-              <a:t>13</a:t>
-            </a:fld>
-            <a:endParaRPr lang="en-US" dirty="0"/>
-          </a:p>
-        </p:txBody>
-      </p:sp>
     </p:spTree>
     <p:extLst>
       <p:ext uri="{BB962C8B-B14F-4D97-AF65-F5344CB8AC3E}">
@@ -11742,93 +11655,6 @@
               <a:rPr lang="en-AU" dirty="0"/>
               <a:t>Model summary</a:t>
             </a:r>
-          </a:p>
-        </p:txBody>
-      </p:sp>
-      <p:sp>
-        <p:nvSpPr>
-          <p:cNvPr id="4" name="Footer Placeholder 3">
-            <a:extLst>
-              <a:ext uri="{FF2B5EF4-FFF2-40B4-BE49-F238E27FC236}">
-                <a16:creationId xmlns:a16="http://schemas.microsoft.com/office/drawing/2014/main" id="{880D7FDA-D8B7-1359-2EA3-E3A4DA6F86E1}"/>
-              </a:ext>
-            </a:extLst>
-          </p:cNvPr>
-          <p:cNvSpPr>
-            <a:spLocks noGrp="1"/>
-          </p:cNvSpPr>
-          <p:nvPr>
-            <p:ph type="ftr" sz="quarter" idx="11"/>
-          </p:nvPr>
-        </p:nvSpPr>
-        <p:spPr/>
-        <p:txBody>
-          <a:bodyPr/>
-          <a:lstStyle/>
-          <a:p>
-            <a:r>
-              <a:rPr lang="en-US"/>
-              <a:t>Sample Footer Text</a:t>
-            </a:r>
-            <a:endParaRPr lang="en-US" dirty="0"/>
-          </a:p>
-        </p:txBody>
-      </p:sp>
-      <p:sp>
-        <p:nvSpPr>
-          <p:cNvPr id="5" name="Date Placeholder 4">
-            <a:extLst>
-              <a:ext uri="{FF2B5EF4-FFF2-40B4-BE49-F238E27FC236}">
-                <a16:creationId xmlns:a16="http://schemas.microsoft.com/office/drawing/2014/main" id="{42C36C8B-EA29-A58F-DEA6-175827CD7D67}"/>
-              </a:ext>
-            </a:extLst>
-          </p:cNvPr>
-          <p:cNvSpPr>
-            <a:spLocks noGrp="1"/>
-          </p:cNvSpPr>
-          <p:nvPr>
-            <p:ph type="dt" sz="half" idx="10"/>
-          </p:nvPr>
-        </p:nvSpPr>
-        <p:spPr/>
-        <p:txBody>
-          <a:bodyPr/>
-          <a:lstStyle/>
-          <a:p>
-            <a:r>
-              <a:rPr lang="en-US"/>
-              <a:t>2/7/20XX</a:t>
-            </a:r>
-            <a:endParaRPr lang="en-US" dirty="0"/>
-          </a:p>
-        </p:txBody>
-      </p:sp>
-      <p:sp>
-        <p:nvSpPr>
-          <p:cNvPr id="6" name="Slide Number Placeholder 5">
-            <a:extLst>
-              <a:ext uri="{FF2B5EF4-FFF2-40B4-BE49-F238E27FC236}">
-                <a16:creationId xmlns:a16="http://schemas.microsoft.com/office/drawing/2014/main" id="{6E50E228-7F3F-A0A1-8123-407049B44F0B}"/>
-              </a:ext>
-            </a:extLst>
-          </p:cNvPr>
-          <p:cNvSpPr>
-            <a:spLocks noGrp="1"/>
-          </p:cNvSpPr>
-          <p:nvPr>
-            <p:ph type="sldNum" sz="quarter" idx="12"/>
-          </p:nvPr>
-        </p:nvSpPr>
-        <p:spPr/>
-        <p:txBody>
-          <a:bodyPr/>
-          <a:lstStyle/>
-          <a:p>
-            <a:fld id="{312CC964-A50B-4C29-B4E4-2C30BB34CCF3}" type="slidenum">
-              <a:rPr lang="en-US" smtClean="0"/>
-              <a:t>14</a:t>
-            </a:fld>
-            <a:endParaRPr lang="en-US" dirty="0"/>
           </a:p>
         </p:txBody>
       </p:sp>
@@ -11954,93 +11780,6 @@
               <a:rPr lang="en-AU" dirty="0"/>
               <a:t> Regression</a:t>
             </a:r>
-          </a:p>
-        </p:txBody>
-      </p:sp>
-      <p:sp>
-        <p:nvSpPr>
-          <p:cNvPr id="4" name="Footer Placeholder 3">
-            <a:extLst>
-              <a:ext uri="{FF2B5EF4-FFF2-40B4-BE49-F238E27FC236}">
-                <a16:creationId xmlns:a16="http://schemas.microsoft.com/office/drawing/2014/main" id="{34C03716-A74C-5B5C-A86D-D4E5FCBF9F6C}"/>
-              </a:ext>
-            </a:extLst>
-          </p:cNvPr>
-          <p:cNvSpPr>
-            <a:spLocks noGrp="1"/>
-          </p:cNvSpPr>
-          <p:nvPr>
-            <p:ph type="ftr" sz="quarter" idx="11"/>
-          </p:nvPr>
-        </p:nvSpPr>
-        <p:spPr/>
-        <p:txBody>
-          <a:bodyPr/>
-          <a:lstStyle/>
-          <a:p>
-            <a:r>
-              <a:rPr lang="en-US"/>
-              <a:t>Sample Footer Text</a:t>
-            </a:r>
-            <a:endParaRPr lang="en-US" dirty="0"/>
-          </a:p>
-        </p:txBody>
-      </p:sp>
-      <p:sp>
-        <p:nvSpPr>
-          <p:cNvPr id="5" name="Date Placeholder 4">
-            <a:extLst>
-              <a:ext uri="{FF2B5EF4-FFF2-40B4-BE49-F238E27FC236}">
-                <a16:creationId xmlns:a16="http://schemas.microsoft.com/office/drawing/2014/main" id="{2F703136-C87E-079B-536D-BADA018F277F}"/>
-              </a:ext>
-            </a:extLst>
-          </p:cNvPr>
-          <p:cNvSpPr>
-            <a:spLocks noGrp="1"/>
-          </p:cNvSpPr>
-          <p:nvPr>
-            <p:ph type="dt" sz="half" idx="10"/>
-          </p:nvPr>
-        </p:nvSpPr>
-        <p:spPr/>
-        <p:txBody>
-          <a:bodyPr/>
-          <a:lstStyle/>
-          <a:p>
-            <a:r>
-              <a:rPr lang="en-US"/>
-              <a:t>2/7/20XX</a:t>
-            </a:r>
-            <a:endParaRPr lang="en-US" dirty="0"/>
-          </a:p>
-        </p:txBody>
-      </p:sp>
-      <p:sp>
-        <p:nvSpPr>
-          <p:cNvPr id="6" name="Slide Number Placeholder 5">
-            <a:extLst>
-              <a:ext uri="{FF2B5EF4-FFF2-40B4-BE49-F238E27FC236}">
-                <a16:creationId xmlns:a16="http://schemas.microsoft.com/office/drawing/2014/main" id="{48FD18D1-B5D5-C530-2676-33A2A238BEB0}"/>
-              </a:ext>
-            </a:extLst>
-          </p:cNvPr>
-          <p:cNvSpPr>
-            <a:spLocks noGrp="1"/>
-          </p:cNvSpPr>
-          <p:nvPr>
-            <p:ph type="sldNum" sz="quarter" idx="12"/>
-          </p:nvPr>
-        </p:nvSpPr>
-        <p:spPr/>
-        <p:txBody>
-          <a:bodyPr/>
-          <a:lstStyle/>
-          <a:p>
-            <a:fld id="{312CC964-A50B-4C29-B4E4-2C30BB34CCF3}" type="slidenum">
-              <a:rPr lang="en-US" smtClean="0"/>
-              <a:t>15</a:t>
-            </a:fld>
-            <a:endParaRPr lang="en-US" dirty="0"/>
           </a:p>
         </p:txBody>
       </p:sp>
@@ -12434,93 +12173,6 @@
           </a:xfrm>
         </p:spPr>
       </p:pic>
-      <p:sp>
-        <p:nvSpPr>
-          <p:cNvPr id="4" name="Footer Placeholder 3">
-            <a:extLst>
-              <a:ext uri="{FF2B5EF4-FFF2-40B4-BE49-F238E27FC236}">
-                <a16:creationId xmlns:a16="http://schemas.microsoft.com/office/drawing/2014/main" id="{06682E04-A750-6B1A-C886-495B3F283736}"/>
-              </a:ext>
-            </a:extLst>
-          </p:cNvPr>
-          <p:cNvSpPr>
-            <a:spLocks noGrp="1"/>
-          </p:cNvSpPr>
-          <p:nvPr>
-            <p:ph type="ftr" sz="quarter" idx="11"/>
-          </p:nvPr>
-        </p:nvSpPr>
-        <p:spPr/>
-        <p:txBody>
-          <a:bodyPr/>
-          <a:lstStyle/>
-          <a:p>
-            <a:r>
-              <a:rPr lang="en-US"/>
-              <a:t>Sample Footer Text</a:t>
-            </a:r>
-            <a:endParaRPr lang="en-US" dirty="0"/>
-          </a:p>
-        </p:txBody>
-      </p:sp>
-      <p:sp>
-        <p:nvSpPr>
-          <p:cNvPr id="5" name="Date Placeholder 4">
-            <a:extLst>
-              <a:ext uri="{FF2B5EF4-FFF2-40B4-BE49-F238E27FC236}">
-                <a16:creationId xmlns:a16="http://schemas.microsoft.com/office/drawing/2014/main" id="{D54838F1-DC30-74B2-31CD-E697DBAE289C}"/>
-              </a:ext>
-            </a:extLst>
-          </p:cNvPr>
-          <p:cNvSpPr>
-            <a:spLocks noGrp="1"/>
-          </p:cNvSpPr>
-          <p:nvPr>
-            <p:ph type="dt" sz="half" idx="10"/>
-          </p:nvPr>
-        </p:nvSpPr>
-        <p:spPr/>
-        <p:txBody>
-          <a:bodyPr/>
-          <a:lstStyle/>
-          <a:p>
-            <a:r>
-              <a:rPr lang="en-US"/>
-              <a:t>2/7/20XX</a:t>
-            </a:r>
-            <a:endParaRPr lang="en-US" dirty="0"/>
-          </a:p>
-        </p:txBody>
-      </p:sp>
-      <p:sp>
-        <p:nvSpPr>
-          <p:cNvPr id="6" name="Slide Number Placeholder 5">
-            <a:extLst>
-              <a:ext uri="{FF2B5EF4-FFF2-40B4-BE49-F238E27FC236}">
-                <a16:creationId xmlns:a16="http://schemas.microsoft.com/office/drawing/2014/main" id="{93DC3B74-07E4-3153-4651-7808D41D8525}"/>
-              </a:ext>
-            </a:extLst>
-          </p:cNvPr>
-          <p:cNvSpPr>
-            <a:spLocks noGrp="1"/>
-          </p:cNvSpPr>
-          <p:nvPr>
-            <p:ph type="sldNum" sz="quarter" idx="12"/>
-          </p:nvPr>
-        </p:nvSpPr>
-        <p:spPr/>
-        <p:txBody>
-          <a:bodyPr/>
-          <a:lstStyle/>
-          <a:p>
-            <a:fld id="{312CC964-A50B-4C29-B4E4-2C30BB34CCF3}" type="slidenum">
-              <a:rPr lang="en-US" smtClean="0"/>
-              <a:t>16</a:t>
-            </a:fld>
-            <a:endParaRPr lang="en-US" dirty="0"/>
-          </a:p>
-        </p:txBody>
-      </p:sp>
     </p:spTree>
     <p:extLst>
       <p:ext uri="{BB962C8B-B14F-4D97-AF65-F5344CB8AC3E}">
@@ -12577,64 +12229,6 @@
               <a:rPr lang="en-AU" dirty="0"/>
               <a:t>Comparison of actual data vs predicted data</a:t>
             </a:r>
-          </a:p>
-        </p:txBody>
-      </p:sp>
-      <p:sp>
-        <p:nvSpPr>
-          <p:cNvPr id="5" name="Date Placeholder 4">
-            <a:extLst>
-              <a:ext uri="{FF2B5EF4-FFF2-40B4-BE49-F238E27FC236}">
-                <a16:creationId xmlns:a16="http://schemas.microsoft.com/office/drawing/2014/main" id="{D4CC44BB-8CA2-6F26-C8ED-CC33B0252769}"/>
-              </a:ext>
-            </a:extLst>
-          </p:cNvPr>
-          <p:cNvSpPr>
-            <a:spLocks noGrp="1"/>
-          </p:cNvSpPr>
-          <p:nvPr>
-            <p:ph type="dt" sz="half" idx="10"/>
-          </p:nvPr>
-        </p:nvSpPr>
-        <p:spPr/>
-        <p:txBody>
-          <a:bodyPr/>
-          <a:lstStyle/>
-          <a:p>
-            <a:r>
-              <a:rPr lang="en-US"/>
-              <a:t>2/7/20XX</a:t>
-            </a:r>
-            <a:endParaRPr lang="en-US" dirty="0"/>
-          </a:p>
-        </p:txBody>
-      </p:sp>
-      <p:sp>
-        <p:nvSpPr>
-          <p:cNvPr id="6" name="Slide Number Placeholder 5">
-            <a:extLst>
-              <a:ext uri="{FF2B5EF4-FFF2-40B4-BE49-F238E27FC236}">
-                <a16:creationId xmlns:a16="http://schemas.microsoft.com/office/drawing/2014/main" id="{2FA9EB30-525D-6F09-233E-A803FB440FB0}"/>
-              </a:ext>
-            </a:extLst>
-          </p:cNvPr>
-          <p:cNvSpPr>
-            <a:spLocks noGrp="1"/>
-          </p:cNvSpPr>
-          <p:nvPr>
-            <p:ph type="sldNum" sz="quarter" idx="12"/>
-          </p:nvPr>
-        </p:nvSpPr>
-        <p:spPr/>
-        <p:txBody>
-          <a:bodyPr/>
-          <a:lstStyle/>
-          <a:p>
-            <a:fld id="{312CC964-A50B-4C29-B4E4-2C30BB34CCF3}" type="slidenum">
-              <a:rPr lang="en-US" smtClean="0"/>
-              <a:t>17</a:t>
-            </a:fld>
-            <a:endParaRPr lang="en-US" dirty="0"/>
           </a:p>
         </p:txBody>
       </p:sp>
@@ -14012,93 +13606,6 @@
           </a:p>
         </p:txBody>
       </p:sp>
-      <p:sp>
-        <p:nvSpPr>
-          <p:cNvPr id="4" name="Footer Placeholder 3">
-            <a:extLst>
-              <a:ext uri="{FF2B5EF4-FFF2-40B4-BE49-F238E27FC236}">
-                <a16:creationId xmlns:a16="http://schemas.microsoft.com/office/drawing/2014/main" id="{43C9CF90-2841-3956-5CD4-7E9202F89B8B}"/>
-              </a:ext>
-            </a:extLst>
-          </p:cNvPr>
-          <p:cNvSpPr>
-            <a:spLocks noGrp="1"/>
-          </p:cNvSpPr>
-          <p:nvPr>
-            <p:ph type="ftr" sz="quarter" idx="11"/>
-          </p:nvPr>
-        </p:nvSpPr>
-        <p:spPr/>
-        <p:txBody>
-          <a:bodyPr/>
-          <a:lstStyle/>
-          <a:p>
-            <a:r>
-              <a:rPr lang="en-US"/>
-              <a:t>Sample Footer Text</a:t>
-            </a:r>
-            <a:endParaRPr lang="en-US" dirty="0"/>
-          </a:p>
-        </p:txBody>
-      </p:sp>
-      <p:sp>
-        <p:nvSpPr>
-          <p:cNvPr id="5" name="Date Placeholder 4">
-            <a:extLst>
-              <a:ext uri="{FF2B5EF4-FFF2-40B4-BE49-F238E27FC236}">
-                <a16:creationId xmlns:a16="http://schemas.microsoft.com/office/drawing/2014/main" id="{AEAB05B9-82C6-DD26-1057-9998AF9065D6}"/>
-              </a:ext>
-            </a:extLst>
-          </p:cNvPr>
-          <p:cNvSpPr>
-            <a:spLocks noGrp="1"/>
-          </p:cNvSpPr>
-          <p:nvPr>
-            <p:ph type="dt" sz="half" idx="10"/>
-          </p:nvPr>
-        </p:nvSpPr>
-        <p:spPr/>
-        <p:txBody>
-          <a:bodyPr/>
-          <a:lstStyle/>
-          <a:p>
-            <a:r>
-              <a:rPr lang="en-US"/>
-              <a:t>2/7/20XX</a:t>
-            </a:r>
-            <a:endParaRPr lang="en-US" dirty="0"/>
-          </a:p>
-        </p:txBody>
-      </p:sp>
-      <p:sp>
-        <p:nvSpPr>
-          <p:cNvPr id="6" name="Slide Number Placeholder 5">
-            <a:extLst>
-              <a:ext uri="{FF2B5EF4-FFF2-40B4-BE49-F238E27FC236}">
-                <a16:creationId xmlns:a16="http://schemas.microsoft.com/office/drawing/2014/main" id="{2B58024C-D352-2837-44AA-F5102E0713E2}"/>
-              </a:ext>
-            </a:extLst>
-          </p:cNvPr>
-          <p:cNvSpPr>
-            <a:spLocks noGrp="1"/>
-          </p:cNvSpPr>
-          <p:nvPr>
-            <p:ph type="sldNum" sz="quarter" idx="12"/>
-          </p:nvPr>
-        </p:nvSpPr>
-        <p:spPr/>
-        <p:txBody>
-          <a:bodyPr/>
-          <a:lstStyle/>
-          <a:p>
-            <a:fld id="{312CC964-A50B-4C29-B4E4-2C30BB34CCF3}" type="slidenum">
-              <a:rPr lang="en-US" smtClean="0"/>
-              <a:t>18</a:t>
-            </a:fld>
-            <a:endParaRPr lang="en-US" dirty="0"/>
-          </a:p>
-        </p:txBody>
-      </p:sp>
     </p:spTree>
     <p:extLst>
       <p:ext uri="{BB962C8B-B14F-4D97-AF65-F5344CB8AC3E}">
@@ -18553,6 +18060,25 @@
 </file>
 
 <file path=customXml/item1.xml><?xml version="1.0" encoding="utf-8"?>
+<p:properties xmlns:p="http://schemas.microsoft.com/office/2006/metadata/properties" xmlns:xsi="http://www.w3.org/2001/XMLSchema-instance" xmlns:pc="http://schemas.microsoft.com/office/infopath/2007/PartnerControls">
+  <documentManagement>
+    <Status xmlns="71af3243-3dd4-4a8d-8c0d-dd76da1f02a5">Not started</Status>
+    <_ip_UnifiedCompliancePolicyUIAction xmlns="http://schemas.microsoft.com/sharepoint/v3" xsi:nil="true"/>
+    <Image xmlns="71af3243-3dd4-4a8d-8c0d-dd76da1f02a5">
+      <Url xsi:nil="true"/>
+      <Description xsi:nil="true"/>
+    </Image>
+    <_ip_UnifiedCompliancePolicyProperties xmlns="http://schemas.microsoft.com/sharepoint/v3" xsi:nil="true"/>
+    <lcf76f155ced4ddcb4097134ff3c332f xmlns="71af3243-3dd4-4a8d-8c0d-dd76da1f02a5">
+      <Terms xmlns="http://schemas.microsoft.com/office/infopath/2007/PartnerControls"/>
+    </lcf76f155ced4ddcb4097134ff3c332f>
+    <TaxCatchAll xmlns="230e9df3-be65-4c73-a93b-d1236ebd677e"/>
+    <MediaServiceKeyPoints xmlns="71af3243-3dd4-4a8d-8c0d-dd76da1f02a5" xsi:nil="true"/>
+  </documentManagement>
+</p:properties>
+</file>
+
+<file path=customXml/item2.xml><?xml version="1.0" encoding="utf-8"?>
 <ct:contentTypeSchema xmlns:ct="http://schemas.microsoft.com/office/2006/metadata/contentType" xmlns:ma="http://schemas.microsoft.com/office/2006/metadata/properties/metaAttributes" ct:_="" ma:_="" ma:contentTypeName="Document" ma:contentTypeID="0x01010079F111ED35F8CC479449609E8A0923A6" ma:contentTypeVersion="18" ma:contentTypeDescription="Create a new document." ma:contentTypeScope="" ma:versionID="22a266b9fa9a230c5a512669d8b298c3">
   <xsd:schema xmlns:xsd="http://www.w3.org/2001/XMLSchema" xmlns:xs="http://www.w3.org/2001/XMLSchema" xmlns:p="http://schemas.microsoft.com/office/2006/metadata/properties" xmlns:ns1="http://schemas.microsoft.com/sharepoint/v3" xmlns:ns2="71af3243-3dd4-4a8d-8c0d-dd76da1f02a5" xmlns:ns3="16c05727-aa75-4e4a-9b5f-8a80a1165891" xmlns:ns4="230e9df3-be65-4c73-a93b-d1236ebd677e" targetNamespace="http://schemas.microsoft.com/office/2006/metadata/properties" ma:root="true" ma:fieldsID="eddc33fff6b14141ee5c74a0d29ea6a1" ns1:_="" ns2:_="" ns3:_="" ns4:_="">
     <xsd:import namespace="http://schemas.microsoft.com/sharepoint/v3"/>
@@ -18828,25 +18354,6 @@
 </ct:contentTypeSchema>
 </file>
 
-<file path=customXml/item2.xml><?xml version="1.0" encoding="utf-8"?>
-<p:properties xmlns:p="http://schemas.microsoft.com/office/2006/metadata/properties" xmlns:xsi="http://www.w3.org/2001/XMLSchema-instance" xmlns:pc="http://schemas.microsoft.com/office/infopath/2007/PartnerControls">
-  <documentManagement>
-    <Status xmlns="71af3243-3dd4-4a8d-8c0d-dd76da1f02a5">Not started</Status>
-    <_ip_UnifiedCompliancePolicyUIAction xmlns="http://schemas.microsoft.com/sharepoint/v3" xsi:nil="true"/>
-    <Image xmlns="71af3243-3dd4-4a8d-8c0d-dd76da1f02a5">
-      <Url xsi:nil="true"/>
-      <Description xsi:nil="true"/>
-    </Image>
-    <_ip_UnifiedCompliancePolicyProperties xmlns="http://schemas.microsoft.com/sharepoint/v3" xsi:nil="true"/>
-    <lcf76f155ced4ddcb4097134ff3c332f xmlns="71af3243-3dd4-4a8d-8c0d-dd76da1f02a5">
-      <Terms xmlns="http://schemas.microsoft.com/office/infopath/2007/PartnerControls"/>
-    </lcf76f155ced4ddcb4097134ff3c332f>
-    <TaxCatchAll xmlns="230e9df3-be65-4c73-a93b-d1236ebd677e"/>
-    <MediaServiceKeyPoints xmlns="71af3243-3dd4-4a8d-8c0d-dd76da1f02a5" xsi:nil="true"/>
-  </documentManagement>
-</p:properties>
-</file>
-
 <file path=customXml/item3.xml><?xml version="1.0" encoding="utf-8"?>
 <?mso-contentType ?>
 <FormTemplates xmlns="http://schemas.microsoft.com/sharepoint/v3/contenttype/forms">
@@ -18857,6 +18364,18 @@
 </file>
 
 <file path=customXml/itemProps1.xml><?xml version="1.0" encoding="utf-8"?>
+<ds:datastoreItem xmlns:ds="http://schemas.openxmlformats.org/officeDocument/2006/customXml" ds:itemID="{B15CABE4-909F-4611-A0E1-6E45080B3C9E}">
+  <ds:schemaRefs>
+    <ds:schemaRef ds:uri="http://schemas.microsoft.com/office/2006/metadata/properties"/>
+    <ds:schemaRef ds:uri="http://schemas.microsoft.com/office/infopath/2007/PartnerControls"/>
+    <ds:schemaRef ds:uri="71af3243-3dd4-4a8d-8c0d-dd76da1f02a5"/>
+    <ds:schemaRef ds:uri="http://schemas.microsoft.com/sharepoint/v3"/>
+    <ds:schemaRef ds:uri="230e9df3-be65-4c73-a93b-d1236ebd677e"/>
+  </ds:schemaRefs>
+</ds:datastoreItem>
+</file>
+
+<file path=customXml/itemProps2.xml><?xml version="1.0" encoding="utf-8"?>
 <ds:datastoreItem xmlns:ds="http://schemas.openxmlformats.org/officeDocument/2006/customXml" ds:itemID="{AA1E8BDE-7A03-4563-82F6-53B214F89568}">
   <ds:schemaRefs>
     <ds:schemaRef ds:uri="http://schemas.microsoft.com/office/2006/metadata/contentType"/>
@@ -18877,18 +18396,6 @@
 </ds:datastoreItem>
 </file>
 
-<file path=customXml/itemProps2.xml><?xml version="1.0" encoding="utf-8"?>
-<ds:datastoreItem xmlns:ds="http://schemas.openxmlformats.org/officeDocument/2006/customXml" ds:itemID="{B15CABE4-909F-4611-A0E1-6E45080B3C9E}">
-  <ds:schemaRefs>
-    <ds:schemaRef ds:uri="http://schemas.microsoft.com/office/2006/metadata/properties"/>
-    <ds:schemaRef ds:uri="http://schemas.microsoft.com/office/infopath/2007/PartnerControls"/>
-    <ds:schemaRef ds:uri="71af3243-3dd4-4a8d-8c0d-dd76da1f02a5"/>
-    <ds:schemaRef ds:uri="http://schemas.microsoft.com/sharepoint/v3"/>
-    <ds:schemaRef ds:uri="230e9df3-be65-4c73-a93b-d1236ebd677e"/>
-  </ds:schemaRefs>
-</ds:datastoreItem>
-</file>
-
 <file path=customXml/itemProps3.xml><?xml version="1.0" encoding="utf-8"?>
 <ds:datastoreItem xmlns:ds="http://schemas.openxmlformats.org/officeDocument/2006/customXml" ds:itemID="{207C1F5B-A1D0-429A-8E7C-3E271353D1E0}">
   <ds:schemaRefs>
